--- a/Official Documents/Project Batch 16 phase 2.pptx
+++ b/Official Documents/Project Batch 16 phase 2.pptx
@@ -5,10 +5,10 @@
     <p:sldMasterId id="2147483648" r:id="rId1"/>
   </p:sldMasterIdLst>
   <p:notesMasterIdLst>
-    <p:notesMasterId r:id="rId23"/>
+    <p:notesMasterId r:id="rId24"/>
   </p:notesMasterIdLst>
   <p:handoutMasterIdLst>
-    <p:handoutMasterId r:id="rId24"/>
+    <p:handoutMasterId r:id="rId25"/>
   </p:handoutMasterIdLst>
   <p:sldIdLst>
     <p:sldId id="270" r:id="rId2"/>
@@ -30,8 +30,9 @@
     <p:sldId id="294" r:id="rId18"/>
     <p:sldId id="295" r:id="rId19"/>
     <p:sldId id="296" r:id="rId20"/>
-    <p:sldId id="285" r:id="rId21"/>
-    <p:sldId id="297" r:id="rId22"/>
+    <p:sldId id="302" r:id="rId21"/>
+    <p:sldId id="285" r:id="rId22"/>
+    <p:sldId id="297" r:id="rId23"/>
   </p:sldIdLst>
   <p:sldSz cx="9144000" cy="6858000" type="screen4x3"/>
   <p:notesSz cx="6858000" cy="9144000"/>
@@ -231,7 +232,7 @@
           <a:p>
             <a:fld id="{7FD7D9A4-864C-425A-A0E2-E462B7191CCD}" type="datetimeFigureOut">
               <a:rPr lang="en-US" smtClean="0"/>
-              <a:t>25-Oct-21</a:t>
+              <a:t>26-Oct-21</a:t>
             </a:fld>
             <a:endParaRPr lang="en-US"/>
           </a:p>
@@ -397,7 +398,7 @@
           <a:p>
             <a:fld id="{0E57A201-3D04-47CC-A82F-11BC07E53FD5}" type="datetimeFigureOut">
               <a:rPr lang="en-US" smtClean="0"/>
-              <a:t>25-Oct-21</a:t>
+              <a:t>26-Oct-21</a:t>
             </a:fld>
             <a:endParaRPr lang="en-US"/>
           </a:p>
@@ -1393,7 +1394,7 @@
           <a:p>
             <a:fld id="{B913B166-C7D6-4C94-A6BD-5B1BBEDA4C48}" type="datetime1">
               <a:rPr lang="en-US" smtClean="0"/>
-              <a:t>25-Oct-21</a:t>
+              <a:t>26-Oct-21</a:t>
             </a:fld>
             <a:endParaRPr lang="en-US"/>
           </a:p>
@@ -1560,7 +1561,7 @@
           <a:p>
             <a:fld id="{7A0D4D53-478D-4793-8D8C-E4ABC8799B41}" type="datetime1">
               <a:rPr lang="en-US" smtClean="0"/>
-              <a:t>25-Oct-21</a:t>
+              <a:t>26-Oct-21</a:t>
             </a:fld>
             <a:endParaRPr lang="en-US"/>
           </a:p>
@@ -1737,7 +1738,7 @@
           <a:p>
             <a:fld id="{CFBA153E-3C25-492C-83EA-B515869BC366}" type="datetime1">
               <a:rPr lang="en-US" smtClean="0"/>
-              <a:t>25-Oct-21</a:t>
+              <a:t>26-Oct-21</a:t>
             </a:fld>
             <a:endParaRPr lang="en-US"/>
           </a:p>
@@ -1904,7 +1905,7 @@
           <a:p>
             <a:fld id="{05229871-6294-4FDC-ADFB-03568C29F7D6}" type="datetime1">
               <a:rPr lang="en-US" smtClean="0"/>
-              <a:t>25-Oct-21</a:t>
+              <a:t>26-Oct-21</a:t>
             </a:fld>
             <a:endParaRPr lang="en-US"/>
           </a:p>
@@ -2148,7 +2149,7 @@
           <a:p>
             <a:fld id="{158B815F-E36B-43A6-831C-C1EAFFD9FEDA}" type="datetime1">
               <a:rPr lang="en-US" smtClean="0"/>
-              <a:t>25-Oct-21</a:t>
+              <a:t>26-Oct-21</a:t>
             </a:fld>
             <a:endParaRPr lang="en-US"/>
           </a:p>
@@ -2432,7 +2433,7 @@
           <a:p>
             <a:fld id="{04E86034-6584-4FEB-842B-02B8F09CF863}" type="datetime1">
               <a:rPr lang="en-US" smtClean="0"/>
-              <a:t>25-Oct-21</a:t>
+              <a:t>26-Oct-21</a:t>
             </a:fld>
             <a:endParaRPr lang="en-US"/>
           </a:p>
@@ -2850,7 +2851,7 @@
           <a:p>
             <a:fld id="{5E7E5B39-4D72-42B0-9EF8-9F09B6A7862F}" type="datetime1">
               <a:rPr lang="en-US" smtClean="0"/>
-              <a:t>25-Oct-21</a:t>
+              <a:t>26-Oct-21</a:t>
             </a:fld>
             <a:endParaRPr lang="en-US"/>
           </a:p>
@@ -2966,7 +2967,7 @@
           <a:p>
             <a:fld id="{5F7F936D-E883-4531-8AEF-F8AE01E88733}" type="datetime1">
               <a:rPr lang="en-US" smtClean="0"/>
-              <a:t>25-Oct-21</a:t>
+              <a:t>26-Oct-21</a:t>
             </a:fld>
             <a:endParaRPr lang="en-US"/>
           </a:p>
@@ -3060,7 +3061,7 @@
           <a:p>
             <a:fld id="{F7DF7B00-5559-4C0B-A04A-2A61C1D412D8}" type="datetime1">
               <a:rPr lang="en-US" smtClean="0"/>
-              <a:t>25-Oct-21</a:t>
+              <a:t>26-Oct-21</a:t>
             </a:fld>
             <a:endParaRPr lang="en-US"/>
           </a:p>
@@ -3334,7 +3335,7 @@
           <a:p>
             <a:fld id="{65B7B09C-8B88-4EE5-A6E5-A23145D8C69B}" type="datetime1">
               <a:rPr lang="en-US" smtClean="0"/>
-              <a:t>25-Oct-21</a:t>
+              <a:t>26-Oct-21</a:t>
             </a:fld>
             <a:endParaRPr lang="en-US"/>
           </a:p>
@@ -3585,7 +3586,7 @@
           <a:p>
             <a:fld id="{815FAC93-0C6C-42E5-BB9F-89E4B9974B73}" type="datetime1">
               <a:rPr lang="en-US" smtClean="0"/>
-              <a:t>25-Oct-21</a:t>
+              <a:t>26-Oct-21</a:t>
             </a:fld>
             <a:endParaRPr lang="en-US"/>
           </a:p>
@@ -3795,7 +3796,7 @@
           <a:p>
             <a:fld id="{1CCCF5A0-9552-4C4C-8A8F-2A5A2C8C8E36}" type="datetime1">
               <a:rPr lang="en-US" smtClean="0"/>
-              <a:t>25-Oct-21</a:t>
+              <a:t>26-Oct-21</a:t>
             </a:fld>
             <a:endParaRPr lang="en-US"/>
           </a:p>
@@ -4563,7 +4564,7 @@
           <a:p>
             <a:fld id="{05229871-6294-4FDC-ADFB-03568C29F7D6}" type="datetime1">
               <a:rPr lang="en-US" smtClean="0"/>
-              <a:t>25-Oct-21</a:t>
+              <a:t>26-Oct-21</a:t>
             </a:fld>
             <a:endParaRPr lang="en-US"/>
           </a:p>
@@ -4655,25 +4656,7 @@
                 <a:ea typeface="Calibri" panose="020F0502020204030204" pitchFamily="34" charset="0"/>
                 <a:cs typeface="Times New Roman" panose="02020603050405020304" pitchFamily="18" charset="0"/>
               </a:rPr>
-              <a:t>Client </a:t>
-            </a:r>
-            <a:r>
-              <a:rPr lang="en-US" sz="3600" b="0" cap="none" spc="0" dirty="0" smtClean="0">
-                <a:ln w="0"/>
-                <a:solidFill>
-                  <a:schemeClr val="tx1">
-                    <a:lumMod val="95000"/>
-                    <a:lumOff val="5000"/>
-                  </a:schemeClr>
-                </a:solidFill>
-                <a:effectLst>
-                  <a:reflection blurRad="6350" stA="53000" endA="300" endPos="35500" dir="5400000" sy="-90000" algn="bl" rotWithShape="0"/>
-                </a:effectLst>
-                <a:latin typeface="Times New Roman" panose="02020603050405020304" pitchFamily="18" charset="0"/>
-                <a:ea typeface="Calibri" panose="020F0502020204030204" pitchFamily="34" charset="0"/>
-                <a:cs typeface="Times New Roman" panose="02020603050405020304" pitchFamily="18" charset="0"/>
-              </a:rPr>
-              <a:t>Server </a:t>
+              <a:t>Client Server </a:t>
             </a:r>
             <a:r>
               <a:rPr lang="en-US" sz="3600" b="0" cap="none" spc="0" dirty="0">
@@ -4789,6 +4772,187 @@
   <p:clrMapOvr>
     <a:masterClrMapping/>
   </p:clrMapOvr>
+  <p:timing>
+    <p:tnLst>
+      <p:par>
+        <p:cTn id="1" dur="indefinite" restart="never" nodeType="tmRoot">
+          <p:childTnLst>
+            <p:seq concurrent="1" nextAc="seek">
+              <p:cTn id="2" dur="indefinite" nodeType="mainSeq">
+                <p:childTnLst>
+                  <p:par>
+                    <p:cTn id="3" fill="hold">
+                      <p:stCondLst>
+                        <p:cond delay="indefinite"/>
+                        <p:cond evt="onBegin" delay="0">
+                          <p:tn val="2"/>
+                        </p:cond>
+                      </p:stCondLst>
+                      <p:childTnLst>
+                        <p:par>
+                          <p:cTn id="4" fill="hold">
+                            <p:stCondLst>
+                              <p:cond delay="0"/>
+                            </p:stCondLst>
+                            <p:childTnLst>
+                              <p:par>
+                                <p:cTn id="5" presetID="2" presetClass="entr" presetSubtype="4" fill="hold" grpId="0" nodeType="withEffect">
+                                  <p:stCondLst>
+                                    <p:cond delay="0"/>
+                                  </p:stCondLst>
+                                  <p:childTnLst>
+                                    <p:set>
+                                      <p:cBhvr>
+                                        <p:cTn id="6" dur="1" fill="hold">
+                                          <p:stCondLst>
+                                            <p:cond delay="0"/>
+                                          </p:stCondLst>
+                                        </p:cTn>
+                                        <p:tgtEl>
+                                          <p:spTgt spid="9"/>
+                                        </p:tgtEl>
+                                        <p:attrNameLst>
+                                          <p:attrName>style.visibility</p:attrName>
+                                        </p:attrNameLst>
+                                      </p:cBhvr>
+                                      <p:to>
+                                        <p:strVal val="visible"/>
+                                      </p:to>
+                                    </p:set>
+                                    <p:anim calcmode="lin" valueType="num">
+                                      <p:cBhvr additive="base">
+                                        <p:cTn id="7" dur="500" fill="hold"/>
+                                        <p:tgtEl>
+                                          <p:spTgt spid="9"/>
+                                        </p:tgtEl>
+                                        <p:attrNameLst>
+                                          <p:attrName>ppt_x</p:attrName>
+                                        </p:attrNameLst>
+                                      </p:cBhvr>
+                                      <p:tavLst>
+                                        <p:tav tm="0">
+                                          <p:val>
+                                            <p:strVal val="#ppt_x"/>
+                                          </p:val>
+                                        </p:tav>
+                                        <p:tav tm="100000">
+                                          <p:val>
+                                            <p:strVal val="#ppt_x"/>
+                                          </p:val>
+                                        </p:tav>
+                                      </p:tavLst>
+                                    </p:anim>
+                                    <p:anim calcmode="lin" valueType="num">
+                                      <p:cBhvr additive="base">
+                                        <p:cTn id="8" dur="500" fill="hold"/>
+                                        <p:tgtEl>
+                                          <p:spTgt spid="9"/>
+                                        </p:tgtEl>
+                                        <p:attrNameLst>
+                                          <p:attrName>ppt_y</p:attrName>
+                                        </p:attrNameLst>
+                                      </p:cBhvr>
+                                      <p:tavLst>
+                                        <p:tav tm="0">
+                                          <p:val>
+                                            <p:strVal val="1+#ppt_h/2"/>
+                                          </p:val>
+                                        </p:tav>
+                                        <p:tav tm="100000">
+                                          <p:val>
+                                            <p:strVal val="#ppt_y"/>
+                                          </p:val>
+                                        </p:tav>
+                                      </p:tavLst>
+                                    </p:anim>
+                                  </p:childTnLst>
+                                </p:cTn>
+                              </p:par>
+                            </p:childTnLst>
+                          </p:cTn>
+                        </p:par>
+                      </p:childTnLst>
+                    </p:cTn>
+                  </p:par>
+                  <p:par>
+                    <p:cTn id="9" fill="hold">
+                      <p:stCondLst>
+                        <p:cond delay="indefinite"/>
+                      </p:stCondLst>
+                      <p:childTnLst>
+                        <p:par>
+                          <p:cTn id="10" fill="hold">
+                            <p:stCondLst>
+                              <p:cond delay="0"/>
+                            </p:stCondLst>
+                            <p:childTnLst>
+                              <p:par>
+                                <p:cTn id="11" presetID="16" presetClass="entr" presetSubtype="21" fill="hold" grpId="0" nodeType="clickEffect">
+                                  <p:stCondLst>
+                                    <p:cond delay="0"/>
+                                  </p:stCondLst>
+                                  <p:childTnLst>
+                                    <p:set>
+                                      <p:cBhvr>
+                                        <p:cTn id="12" dur="1" fill="hold">
+                                          <p:stCondLst>
+                                            <p:cond delay="0"/>
+                                          </p:stCondLst>
+                                        </p:cTn>
+                                        <p:tgtEl>
+                                          <p:spTgt spid="8"/>
+                                        </p:tgtEl>
+                                        <p:attrNameLst>
+                                          <p:attrName>style.visibility</p:attrName>
+                                        </p:attrNameLst>
+                                      </p:cBhvr>
+                                      <p:to>
+                                        <p:strVal val="visible"/>
+                                      </p:to>
+                                    </p:set>
+                                    <p:animEffect transition="in" filter="barn(inVertical)">
+                                      <p:cBhvr>
+                                        <p:cTn id="13" dur="500"/>
+                                        <p:tgtEl>
+                                          <p:spTgt spid="8"/>
+                                        </p:tgtEl>
+                                      </p:cBhvr>
+                                    </p:animEffect>
+                                  </p:childTnLst>
+                                </p:cTn>
+                              </p:par>
+                            </p:childTnLst>
+                          </p:cTn>
+                        </p:par>
+                      </p:childTnLst>
+                    </p:cTn>
+                  </p:par>
+                </p:childTnLst>
+              </p:cTn>
+              <p:prevCondLst>
+                <p:cond evt="onPrev" delay="0">
+                  <p:tgtEl>
+                    <p:sldTgt/>
+                  </p:tgtEl>
+                </p:cond>
+              </p:prevCondLst>
+              <p:nextCondLst>
+                <p:cond evt="onNext" delay="0">
+                  <p:tgtEl>
+                    <p:sldTgt/>
+                  </p:tgtEl>
+                </p:cond>
+              </p:nextCondLst>
+            </p:seq>
+          </p:childTnLst>
+        </p:cTn>
+      </p:par>
+    </p:tnLst>
+    <p:bldLst>
+      <p:bldP spid="8" grpId="0"/>
+      <p:bldP spid="9" grpId="0"/>
+    </p:bldLst>
+  </p:timing>
 </p:sld>
 </file>
 
@@ -4970,9 +5134,126 @@
   <p:timing>
     <p:tnLst>
       <p:par>
-        <p:cTn id="1" dur="indefinite" restart="never" nodeType="tmRoot"/>
+        <p:cTn id="1" dur="indefinite" restart="never" nodeType="tmRoot">
+          <p:childTnLst>
+            <p:seq concurrent="1" nextAc="seek">
+              <p:cTn id="2" dur="indefinite" nodeType="mainSeq">
+                <p:childTnLst>
+                  <p:par>
+                    <p:cTn id="3" fill="hold">
+                      <p:stCondLst>
+                        <p:cond delay="indefinite"/>
+                        <p:cond evt="onBegin" delay="0">
+                          <p:tn val="2"/>
+                        </p:cond>
+                      </p:stCondLst>
+                      <p:childTnLst>
+                        <p:par>
+                          <p:cTn id="4" fill="hold">
+                            <p:stCondLst>
+                              <p:cond delay="0"/>
+                            </p:stCondLst>
+                            <p:childTnLst>
+                              <p:par>
+                                <p:cTn id="5" presetID="16" presetClass="entr" presetSubtype="21" fill="hold" grpId="0" nodeType="withEffect">
+                                  <p:stCondLst>
+                                    <p:cond delay="0"/>
+                                  </p:stCondLst>
+                                  <p:childTnLst>
+                                    <p:set>
+                                      <p:cBhvr>
+                                        <p:cTn id="6" dur="1" fill="hold">
+                                          <p:stCondLst>
+                                            <p:cond delay="0"/>
+                                          </p:stCondLst>
+                                        </p:cTn>
+                                        <p:tgtEl>
+                                          <p:spTgt spid="9"/>
+                                        </p:tgtEl>
+                                        <p:attrNameLst>
+                                          <p:attrName>style.visibility</p:attrName>
+                                        </p:attrNameLst>
+                                      </p:cBhvr>
+                                      <p:to>
+                                        <p:strVal val="visible"/>
+                                      </p:to>
+                                    </p:set>
+                                    <p:animEffect transition="in" filter="barn(inVertical)">
+                                      <p:cBhvr>
+                                        <p:cTn id="7" dur="500"/>
+                                        <p:tgtEl>
+                                          <p:spTgt spid="9"/>
+                                        </p:tgtEl>
+                                      </p:cBhvr>
+                                    </p:animEffect>
+                                  </p:childTnLst>
+                                </p:cTn>
+                              </p:par>
+                              <p:par>
+                                <p:cTn id="8" presetID="16" presetClass="entr" presetSubtype="21" fill="hold" nodeType="withEffect">
+                                  <p:stCondLst>
+                                    <p:cond delay="0"/>
+                                  </p:stCondLst>
+                                  <p:childTnLst>
+                                    <p:set>
+                                      <p:cBhvr>
+                                        <p:cTn id="9" dur="1" fill="hold">
+                                          <p:stCondLst>
+                                            <p:cond delay="0"/>
+                                          </p:stCondLst>
+                                        </p:cTn>
+                                        <p:tgtEl>
+                                          <p:spTgt spid="7"/>
+                                        </p:tgtEl>
+                                        <p:attrNameLst>
+                                          <p:attrName>style.visibility</p:attrName>
+                                        </p:attrNameLst>
+                                      </p:cBhvr>
+                                      <p:to>
+                                        <p:strVal val="visible"/>
+                                      </p:to>
+                                    </p:set>
+                                    <p:animEffect transition="in" filter="barn(inVertical)">
+                                      <p:cBhvr>
+                                        <p:cTn id="10" dur="500"/>
+                                        <p:tgtEl>
+                                          <p:spTgt spid="7"/>
+                                        </p:tgtEl>
+                                      </p:cBhvr>
+                                    </p:animEffect>
+                                  </p:childTnLst>
+                                </p:cTn>
+                              </p:par>
+                            </p:childTnLst>
+                          </p:cTn>
+                        </p:par>
+                      </p:childTnLst>
+                    </p:cTn>
+                  </p:par>
+                </p:childTnLst>
+              </p:cTn>
+              <p:prevCondLst>
+                <p:cond evt="onPrev" delay="0">
+                  <p:tgtEl>
+                    <p:sldTgt/>
+                  </p:tgtEl>
+                </p:cond>
+              </p:prevCondLst>
+              <p:nextCondLst>
+                <p:cond evt="onNext" delay="0">
+                  <p:tgtEl>
+                    <p:sldTgt/>
+                  </p:tgtEl>
+                </p:cond>
+              </p:nextCondLst>
+            </p:seq>
+          </p:childTnLst>
+        </p:cTn>
       </p:par>
     </p:tnLst>
+    <p:bldLst>
+      <p:bldP spid="9" grpId="0"/>
+    </p:bldLst>
   </p:timing>
 </p:sld>
 </file>
@@ -5156,9 +5437,126 @@
   <p:timing>
     <p:tnLst>
       <p:par>
-        <p:cTn id="1" dur="indefinite" restart="never" nodeType="tmRoot"/>
+        <p:cTn id="1" dur="indefinite" restart="never" nodeType="tmRoot">
+          <p:childTnLst>
+            <p:seq concurrent="1" nextAc="seek">
+              <p:cTn id="2" dur="indefinite" nodeType="mainSeq">
+                <p:childTnLst>
+                  <p:par>
+                    <p:cTn id="3" fill="hold">
+                      <p:stCondLst>
+                        <p:cond delay="indefinite"/>
+                        <p:cond evt="onBegin" delay="0">
+                          <p:tn val="2"/>
+                        </p:cond>
+                      </p:stCondLst>
+                      <p:childTnLst>
+                        <p:par>
+                          <p:cTn id="4" fill="hold">
+                            <p:stCondLst>
+                              <p:cond delay="0"/>
+                            </p:stCondLst>
+                            <p:childTnLst>
+                              <p:par>
+                                <p:cTn id="5" presetID="16" presetClass="entr" presetSubtype="21" fill="hold" nodeType="withEffect">
+                                  <p:stCondLst>
+                                    <p:cond delay="0"/>
+                                  </p:stCondLst>
+                                  <p:childTnLst>
+                                    <p:set>
+                                      <p:cBhvr>
+                                        <p:cTn id="6" dur="1" fill="hold">
+                                          <p:stCondLst>
+                                            <p:cond delay="0"/>
+                                          </p:stCondLst>
+                                        </p:cTn>
+                                        <p:tgtEl>
+                                          <p:spTgt spid="12"/>
+                                        </p:tgtEl>
+                                        <p:attrNameLst>
+                                          <p:attrName>style.visibility</p:attrName>
+                                        </p:attrNameLst>
+                                      </p:cBhvr>
+                                      <p:to>
+                                        <p:strVal val="visible"/>
+                                      </p:to>
+                                    </p:set>
+                                    <p:animEffect transition="in" filter="barn(inVertical)">
+                                      <p:cBhvr>
+                                        <p:cTn id="7" dur="500"/>
+                                        <p:tgtEl>
+                                          <p:spTgt spid="12"/>
+                                        </p:tgtEl>
+                                      </p:cBhvr>
+                                    </p:animEffect>
+                                  </p:childTnLst>
+                                </p:cTn>
+                              </p:par>
+                              <p:par>
+                                <p:cTn id="8" presetID="16" presetClass="entr" presetSubtype="21" fill="hold" grpId="0" nodeType="withEffect">
+                                  <p:stCondLst>
+                                    <p:cond delay="0"/>
+                                  </p:stCondLst>
+                                  <p:childTnLst>
+                                    <p:set>
+                                      <p:cBhvr>
+                                        <p:cTn id="9" dur="1" fill="hold">
+                                          <p:stCondLst>
+                                            <p:cond delay="0"/>
+                                          </p:stCondLst>
+                                        </p:cTn>
+                                        <p:tgtEl>
+                                          <p:spTgt spid="9"/>
+                                        </p:tgtEl>
+                                        <p:attrNameLst>
+                                          <p:attrName>style.visibility</p:attrName>
+                                        </p:attrNameLst>
+                                      </p:cBhvr>
+                                      <p:to>
+                                        <p:strVal val="visible"/>
+                                      </p:to>
+                                    </p:set>
+                                    <p:animEffect transition="in" filter="barn(inVertical)">
+                                      <p:cBhvr>
+                                        <p:cTn id="10" dur="500"/>
+                                        <p:tgtEl>
+                                          <p:spTgt spid="9"/>
+                                        </p:tgtEl>
+                                      </p:cBhvr>
+                                    </p:animEffect>
+                                  </p:childTnLst>
+                                </p:cTn>
+                              </p:par>
+                            </p:childTnLst>
+                          </p:cTn>
+                        </p:par>
+                      </p:childTnLst>
+                    </p:cTn>
+                  </p:par>
+                </p:childTnLst>
+              </p:cTn>
+              <p:prevCondLst>
+                <p:cond evt="onPrev" delay="0">
+                  <p:tgtEl>
+                    <p:sldTgt/>
+                  </p:tgtEl>
+                </p:cond>
+              </p:prevCondLst>
+              <p:nextCondLst>
+                <p:cond evt="onNext" delay="0">
+                  <p:tgtEl>
+                    <p:sldTgt/>
+                  </p:tgtEl>
+                </p:cond>
+              </p:nextCondLst>
+            </p:seq>
+          </p:childTnLst>
+        </p:cTn>
       </p:par>
     </p:tnLst>
+    <p:bldLst>
+      <p:bldP spid="9" grpId="0"/>
+    </p:bldLst>
   </p:timing>
 </p:sld>
 </file>
@@ -5197,7 +5595,7 @@
           <a:p>
             <a:fld id="{05229871-6294-4FDC-ADFB-03568C29F7D6}" type="datetime1">
               <a:rPr lang="en-US" smtClean="0"/>
-              <a:t>25-Oct-21</a:t>
+              <a:t>26-Oct-21</a:t>
             </a:fld>
             <a:endParaRPr lang="en-US"/>
           </a:p>
@@ -5289,25 +5687,7 @@
                 <a:ea typeface="Calibri" panose="020F0502020204030204" pitchFamily="34" charset="0"/>
                 <a:cs typeface="Times New Roman" panose="02020603050405020304" pitchFamily="18" charset="0"/>
               </a:rPr>
-              <a:t>Client </a:t>
-            </a:r>
-            <a:r>
-              <a:rPr lang="en-US" sz="3600" b="0" cap="none" spc="0" dirty="0" smtClean="0">
-                <a:ln w="0"/>
-                <a:solidFill>
-                  <a:schemeClr val="tx1">
-                    <a:lumMod val="95000"/>
-                    <a:lumOff val="5000"/>
-                  </a:schemeClr>
-                </a:solidFill>
-                <a:effectLst>
-                  <a:reflection blurRad="6350" stA="53000" endA="300" endPos="35500" dir="5400000" sy="-90000" algn="bl" rotWithShape="0"/>
-                </a:effectLst>
-                <a:latin typeface="Times New Roman" panose="02020603050405020304" pitchFamily="18" charset="0"/>
-                <a:ea typeface="Calibri" panose="020F0502020204030204" pitchFamily="34" charset="0"/>
-                <a:cs typeface="Times New Roman" panose="02020603050405020304" pitchFamily="18" charset="0"/>
-              </a:rPr>
-              <a:t>Server </a:t>
+              <a:t>Client Server </a:t>
             </a:r>
             <a:r>
               <a:rPr lang="en-US" sz="3600" b="0" cap="none" spc="0" dirty="0">
@@ -5459,6 +5839,187 @@
   <p:clrMapOvr>
     <a:masterClrMapping/>
   </p:clrMapOvr>
+  <p:timing>
+    <p:tnLst>
+      <p:par>
+        <p:cTn id="1" dur="indefinite" restart="never" nodeType="tmRoot">
+          <p:childTnLst>
+            <p:seq concurrent="1" nextAc="seek">
+              <p:cTn id="2" dur="indefinite" nodeType="mainSeq">
+                <p:childTnLst>
+                  <p:par>
+                    <p:cTn id="3" fill="hold">
+                      <p:stCondLst>
+                        <p:cond delay="indefinite"/>
+                        <p:cond evt="onBegin" delay="0">
+                          <p:tn val="2"/>
+                        </p:cond>
+                      </p:stCondLst>
+                      <p:childTnLst>
+                        <p:par>
+                          <p:cTn id="4" fill="hold">
+                            <p:stCondLst>
+                              <p:cond delay="0"/>
+                            </p:stCondLst>
+                            <p:childTnLst>
+                              <p:par>
+                                <p:cTn id="5" presetID="2" presetClass="entr" presetSubtype="4" fill="hold" grpId="0" nodeType="withEffect">
+                                  <p:stCondLst>
+                                    <p:cond delay="0"/>
+                                  </p:stCondLst>
+                                  <p:childTnLst>
+                                    <p:set>
+                                      <p:cBhvr>
+                                        <p:cTn id="6" dur="1" fill="hold">
+                                          <p:stCondLst>
+                                            <p:cond delay="0"/>
+                                          </p:stCondLst>
+                                        </p:cTn>
+                                        <p:tgtEl>
+                                          <p:spTgt spid="9"/>
+                                        </p:tgtEl>
+                                        <p:attrNameLst>
+                                          <p:attrName>style.visibility</p:attrName>
+                                        </p:attrNameLst>
+                                      </p:cBhvr>
+                                      <p:to>
+                                        <p:strVal val="visible"/>
+                                      </p:to>
+                                    </p:set>
+                                    <p:anim calcmode="lin" valueType="num">
+                                      <p:cBhvr additive="base">
+                                        <p:cTn id="7" dur="500" fill="hold"/>
+                                        <p:tgtEl>
+                                          <p:spTgt spid="9"/>
+                                        </p:tgtEl>
+                                        <p:attrNameLst>
+                                          <p:attrName>ppt_x</p:attrName>
+                                        </p:attrNameLst>
+                                      </p:cBhvr>
+                                      <p:tavLst>
+                                        <p:tav tm="0">
+                                          <p:val>
+                                            <p:strVal val="#ppt_x"/>
+                                          </p:val>
+                                        </p:tav>
+                                        <p:tav tm="100000">
+                                          <p:val>
+                                            <p:strVal val="#ppt_x"/>
+                                          </p:val>
+                                        </p:tav>
+                                      </p:tavLst>
+                                    </p:anim>
+                                    <p:anim calcmode="lin" valueType="num">
+                                      <p:cBhvr additive="base">
+                                        <p:cTn id="8" dur="500" fill="hold"/>
+                                        <p:tgtEl>
+                                          <p:spTgt spid="9"/>
+                                        </p:tgtEl>
+                                        <p:attrNameLst>
+                                          <p:attrName>ppt_y</p:attrName>
+                                        </p:attrNameLst>
+                                      </p:cBhvr>
+                                      <p:tavLst>
+                                        <p:tav tm="0">
+                                          <p:val>
+                                            <p:strVal val="1+#ppt_h/2"/>
+                                          </p:val>
+                                        </p:tav>
+                                        <p:tav tm="100000">
+                                          <p:val>
+                                            <p:strVal val="#ppt_y"/>
+                                          </p:val>
+                                        </p:tav>
+                                      </p:tavLst>
+                                    </p:anim>
+                                  </p:childTnLst>
+                                </p:cTn>
+                              </p:par>
+                            </p:childTnLst>
+                          </p:cTn>
+                        </p:par>
+                      </p:childTnLst>
+                    </p:cTn>
+                  </p:par>
+                  <p:par>
+                    <p:cTn id="9" fill="hold">
+                      <p:stCondLst>
+                        <p:cond delay="indefinite"/>
+                      </p:stCondLst>
+                      <p:childTnLst>
+                        <p:par>
+                          <p:cTn id="10" fill="hold">
+                            <p:stCondLst>
+                              <p:cond delay="0"/>
+                            </p:stCondLst>
+                            <p:childTnLst>
+                              <p:par>
+                                <p:cTn id="11" presetID="16" presetClass="entr" presetSubtype="21" fill="hold" grpId="0" nodeType="clickEffect">
+                                  <p:stCondLst>
+                                    <p:cond delay="0"/>
+                                  </p:stCondLst>
+                                  <p:childTnLst>
+                                    <p:set>
+                                      <p:cBhvr>
+                                        <p:cTn id="12" dur="1" fill="hold">
+                                          <p:stCondLst>
+                                            <p:cond delay="0"/>
+                                          </p:stCondLst>
+                                        </p:cTn>
+                                        <p:tgtEl>
+                                          <p:spTgt spid="8"/>
+                                        </p:tgtEl>
+                                        <p:attrNameLst>
+                                          <p:attrName>style.visibility</p:attrName>
+                                        </p:attrNameLst>
+                                      </p:cBhvr>
+                                      <p:to>
+                                        <p:strVal val="visible"/>
+                                      </p:to>
+                                    </p:set>
+                                    <p:animEffect transition="in" filter="barn(inVertical)">
+                                      <p:cBhvr>
+                                        <p:cTn id="13" dur="500"/>
+                                        <p:tgtEl>
+                                          <p:spTgt spid="8"/>
+                                        </p:tgtEl>
+                                      </p:cBhvr>
+                                    </p:animEffect>
+                                  </p:childTnLst>
+                                </p:cTn>
+                              </p:par>
+                            </p:childTnLst>
+                          </p:cTn>
+                        </p:par>
+                      </p:childTnLst>
+                    </p:cTn>
+                  </p:par>
+                </p:childTnLst>
+              </p:cTn>
+              <p:prevCondLst>
+                <p:cond evt="onPrev" delay="0">
+                  <p:tgtEl>
+                    <p:sldTgt/>
+                  </p:tgtEl>
+                </p:cond>
+              </p:prevCondLst>
+              <p:nextCondLst>
+                <p:cond evt="onNext" delay="0">
+                  <p:tgtEl>
+                    <p:sldTgt/>
+                  </p:tgtEl>
+                </p:cond>
+              </p:nextCondLst>
+            </p:seq>
+          </p:childTnLst>
+        </p:cTn>
+      </p:par>
+    </p:tnLst>
+    <p:bldLst>
+      <p:bldP spid="8" grpId="0"/>
+      <p:bldP spid="9" grpId="0"/>
+    </p:bldLst>
+  </p:timing>
 </p:sld>
 </file>
 
@@ -5641,9 +6202,126 @@
   <p:timing>
     <p:tnLst>
       <p:par>
-        <p:cTn id="1" dur="indefinite" restart="never" nodeType="tmRoot"/>
+        <p:cTn id="1" dur="indefinite" restart="never" nodeType="tmRoot">
+          <p:childTnLst>
+            <p:seq concurrent="1" nextAc="seek">
+              <p:cTn id="2" dur="indefinite" nodeType="mainSeq">
+                <p:childTnLst>
+                  <p:par>
+                    <p:cTn id="3" fill="hold">
+                      <p:stCondLst>
+                        <p:cond delay="indefinite"/>
+                        <p:cond evt="onBegin" delay="0">
+                          <p:tn val="2"/>
+                        </p:cond>
+                      </p:stCondLst>
+                      <p:childTnLst>
+                        <p:par>
+                          <p:cTn id="4" fill="hold">
+                            <p:stCondLst>
+                              <p:cond delay="0"/>
+                            </p:stCondLst>
+                            <p:childTnLst>
+                              <p:par>
+                                <p:cTn id="5" presetID="16" presetClass="entr" presetSubtype="21" fill="hold" nodeType="withEffect">
+                                  <p:stCondLst>
+                                    <p:cond delay="0"/>
+                                  </p:stCondLst>
+                                  <p:childTnLst>
+                                    <p:set>
+                                      <p:cBhvr>
+                                        <p:cTn id="6" dur="1" fill="hold">
+                                          <p:stCondLst>
+                                            <p:cond delay="0"/>
+                                          </p:stCondLst>
+                                        </p:cTn>
+                                        <p:tgtEl>
+                                          <p:spTgt spid="2"/>
+                                        </p:tgtEl>
+                                        <p:attrNameLst>
+                                          <p:attrName>style.visibility</p:attrName>
+                                        </p:attrNameLst>
+                                      </p:cBhvr>
+                                      <p:to>
+                                        <p:strVal val="visible"/>
+                                      </p:to>
+                                    </p:set>
+                                    <p:animEffect transition="in" filter="barn(inVertical)">
+                                      <p:cBhvr>
+                                        <p:cTn id="7" dur="500"/>
+                                        <p:tgtEl>
+                                          <p:spTgt spid="2"/>
+                                        </p:tgtEl>
+                                      </p:cBhvr>
+                                    </p:animEffect>
+                                  </p:childTnLst>
+                                </p:cTn>
+                              </p:par>
+                              <p:par>
+                                <p:cTn id="8" presetID="16" presetClass="entr" presetSubtype="21" fill="hold" grpId="0" nodeType="withEffect">
+                                  <p:stCondLst>
+                                    <p:cond delay="0"/>
+                                  </p:stCondLst>
+                                  <p:childTnLst>
+                                    <p:set>
+                                      <p:cBhvr>
+                                        <p:cTn id="9" dur="1" fill="hold">
+                                          <p:stCondLst>
+                                            <p:cond delay="0"/>
+                                          </p:stCondLst>
+                                        </p:cTn>
+                                        <p:tgtEl>
+                                          <p:spTgt spid="10"/>
+                                        </p:tgtEl>
+                                        <p:attrNameLst>
+                                          <p:attrName>style.visibility</p:attrName>
+                                        </p:attrNameLst>
+                                      </p:cBhvr>
+                                      <p:to>
+                                        <p:strVal val="visible"/>
+                                      </p:to>
+                                    </p:set>
+                                    <p:animEffect transition="in" filter="barn(inVertical)">
+                                      <p:cBhvr>
+                                        <p:cTn id="10" dur="500"/>
+                                        <p:tgtEl>
+                                          <p:spTgt spid="10"/>
+                                        </p:tgtEl>
+                                      </p:cBhvr>
+                                    </p:animEffect>
+                                  </p:childTnLst>
+                                </p:cTn>
+                              </p:par>
+                            </p:childTnLst>
+                          </p:cTn>
+                        </p:par>
+                      </p:childTnLst>
+                    </p:cTn>
+                  </p:par>
+                </p:childTnLst>
+              </p:cTn>
+              <p:prevCondLst>
+                <p:cond evt="onPrev" delay="0">
+                  <p:tgtEl>
+                    <p:sldTgt/>
+                  </p:tgtEl>
+                </p:cond>
+              </p:prevCondLst>
+              <p:nextCondLst>
+                <p:cond evt="onNext" delay="0">
+                  <p:tgtEl>
+                    <p:sldTgt/>
+                  </p:tgtEl>
+                </p:cond>
+              </p:nextCondLst>
+            </p:seq>
+          </p:childTnLst>
+        </p:cTn>
       </p:par>
     </p:tnLst>
+    <p:bldLst>
+      <p:bldP spid="10" grpId="0"/>
+    </p:bldLst>
   </p:timing>
 </p:sld>
 </file>
@@ -5827,9 +6505,126 @@
   <p:timing>
     <p:tnLst>
       <p:par>
-        <p:cTn id="1" dur="indefinite" restart="never" nodeType="tmRoot"/>
+        <p:cTn id="1" dur="indefinite" restart="never" nodeType="tmRoot">
+          <p:childTnLst>
+            <p:seq concurrent="1" nextAc="seek">
+              <p:cTn id="2" dur="indefinite" nodeType="mainSeq">
+                <p:childTnLst>
+                  <p:par>
+                    <p:cTn id="3" fill="hold">
+                      <p:stCondLst>
+                        <p:cond delay="indefinite"/>
+                        <p:cond evt="onBegin" delay="0">
+                          <p:tn val="2"/>
+                        </p:cond>
+                      </p:stCondLst>
+                      <p:childTnLst>
+                        <p:par>
+                          <p:cTn id="4" fill="hold">
+                            <p:stCondLst>
+                              <p:cond delay="0"/>
+                            </p:stCondLst>
+                            <p:childTnLst>
+                              <p:par>
+                                <p:cTn id="5" presetID="16" presetClass="entr" presetSubtype="21" fill="hold" nodeType="withEffect">
+                                  <p:stCondLst>
+                                    <p:cond delay="0"/>
+                                  </p:stCondLst>
+                                  <p:childTnLst>
+                                    <p:set>
+                                      <p:cBhvr>
+                                        <p:cTn id="6" dur="1" fill="hold">
+                                          <p:stCondLst>
+                                            <p:cond delay="0"/>
+                                          </p:stCondLst>
+                                        </p:cTn>
+                                        <p:tgtEl>
+                                          <p:spTgt spid="3"/>
+                                        </p:tgtEl>
+                                        <p:attrNameLst>
+                                          <p:attrName>style.visibility</p:attrName>
+                                        </p:attrNameLst>
+                                      </p:cBhvr>
+                                      <p:to>
+                                        <p:strVal val="visible"/>
+                                      </p:to>
+                                    </p:set>
+                                    <p:animEffect transition="in" filter="barn(inVertical)">
+                                      <p:cBhvr>
+                                        <p:cTn id="7" dur="500"/>
+                                        <p:tgtEl>
+                                          <p:spTgt spid="3"/>
+                                        </p:tgtEl>
+                                      </p:cBhvr>
+                                    </p:animEffect>
+                                  </p:childTnLst>
+                                </p:cTn>
+                              </p:par>
+                              <p:par>
+                                <p:cTn id="8" presetID="16" presetClass="entr" presetSubtype="21" fill="hold" grpId="0" nodeType="withEffect">
+                                  <p:stCondLst>
+                                    <p:cond delay="0"/>
+                                  </p:stCondLst>
+                                  <p:childTnLst>
+                                    <p:set>
+                                      <p:cBhvr>
+                                        <p:cTn id="9" dur="1" fill="hold">
+                                          <p:stCondLst>
+                                            <p:cond delay="0"/>
+                                          </p:stCondLst>
+                                        </p:cTn>
+                                        <p:tgtEl>
+                                          <p:spTgt spid="9"/>
+                                        </p:tgtEl>
+                                        <p:attrNameLst>
+                                          <p:attrName>style.visibility</p:attrName>
+                                        </p:attrNameLst>
+                                      </p:cBhvr>
+                                      <p:to>
+                                        <p:strVal val="visible"/>
+                                      </p:to>
+                                    </p:set>
+                                    <p:animEffect transition="in" filter="barn(inVertical)">
+                                      <p:cBhvr>
+                                        <p:cTn id="10" dur="500"/>
+                                        <p:tgtEl>
+                                          <p:spTgt spid="9"/>
+                                        </p:tgtEl>
+                                      </p:cBhvr>
+                                    </p:animEffect>
+                                  </p:childTnLst>
+                                </p:cTn>
+                              </p:par>
+                            </p:childTnLst>
+                          </p:cTn>
+                        </p:par>
+                      </p:childTnLst>
+                    </p:cTn>
+                  </p:par>
+                </p:childTnLst>
+              </p:cTn>
+              <p:prevCondLst>
+                <p:cond evt="onPrev" delay="0">
+                  <p:tgtEl>
+                    <p:sldTgt/>
+                  </p:tgtEl>
+                </p:cond>
+              </p:prevCondLst>
+              <p:nextCondLst>
+                <p:cond evt="onNext" delay="0">
+                  <p:tgtEl>
+                    <p:sldTgt/>
+                  </p:tgtEl>
+                </p:cond>
+              </p:nextCondLst>
+            </p:seq>
+          </p:childTnLst>
+        </p:cTn>
       </p:par>
     </p:tnLst>
+    <p:bldLst>
+      <p:bldP spid="9" grpId="0"/>
+    </p:bldLst>
   </p:timing>
 </p:sld>
 </file>
@@ -5868,7 +6663,7 @@
           <a:p>
             <a:fld id="{05229871-6294-4FDC-ADFB-03568C29F7D6}" type="datetime1">
               <a:rPr lang="en-US" smtClean="0"/>
-              <a:t>25-Oct-21</a:t>
+              <a:t>26-Oct-21</a:t>
             </a:fld>
             <a:endParaRPr lang="en-US"/>
           </a:p>
@@ -6040,6 +6835,195 @@
   <p:clrMapOvr>
     <a:masterClrMapping/>
   </p:clrMapOvr>
+  <p:timing>
+    <p:tnLst>
+      <p:par>
+        <p:cTn id="1" dur="indefinite" restart="never" nodeType="tmRoot">
+          <p:childTnLst>
+            <p:seq concurrent="1" nextAc="seek">
+              <p:cTn id="2" dur="indefinite" nodeType="mainSeq">
+                <p:childTnLst>
+                  <p:par>
+                    <p:cTn id="3" fill="hold">
+                      <p:stCondLst>
+                        <p:cond delay="indefinite"/>
+                        <p:cond evt="onBegin" delay="0">
+                          <p:tn val="2"/>
+                        </p:cond>
+                      </p:stCondLst>
+                      <p:childTnLst>
+                        <p:par>
+                          <p:cTn id="4" fill="hold">
+                            <p:stCondLst>
+                              <p:cond delay="0"/>
+                            </p:stCondLst>
+                            <p:childTnLst>
+                              <p:par>
+                                <p:cTn id="5" presetID="42" presetClass="entr" presetSubtype="0" fill="hold" grpId="0" nodeType="withEffect">
+                                  <p:stCondLst>
+                                    <p:cond delay="0"/>
+                                  </p:stCondLst>
+                                  <p:childTnLst>
+                                    <p:set>
+                                      <p:cBhvr>
+                                        <p:cTn id="6" dur="1" fill="hold">
+                                          <p:stCondLst>
+                                            <p:cond delay="0"/>
+                                          </p:stCondLst>
+                                        </p:cTn>
+                                        <p:tgtEl>
+                                          <p:spTgt spid="9"/>
+                                        </p:tgtEl>
+                                        <p:attrNameLst>
+                                          <p:attrName>style.visibility</p:attrName>
+                                        </p:attrNameLst>
+                                      </p:cBhvr>
+                                      <p:to>
+                                        <p:strVal val="visible"/>
+                                      </p:to>
+                                    </p:set>
+                                    <p:animEffect transition="in" filter="fade">
+                                      <p:cBhvr>
+                                        <p:cTn id="7" dur="1000"/>
+                                        <p:tgtEl>
+                                          <p:spTgt spid="9"/>
+                                        </p:tgtEl>
+                                      </p:cBhvr>
+                                    </p:animEffect>
+                                    <p:anim calcmode="lin" valueType="num">
+                                      <p:cBhvr>
+                                        <p:cTn id="8" dur="1000" fill="hold"/>
+                                        <p:tgtEl>
+                                          <p:spTgt spid="9"/>
+                                        </p:tgtEl>
+                                        <p:attrNameLst>
+                                          <p:attrName>ppt_x</p:attrName>
+                                        </p:attrNameLst>
+                                      </p:cBhvr>
+                                      <p:tavLst>
+                                        <p:tav tm="0">
+                                          <p:val>
+                                            <p:strVal val="#ppt_x"/>
+                                          </p:val>
+                                        </p:tav>
+                                        <p:tav tm="100000">
+                                          <p:val>
+                                            <p:strVal val="#ppt_x"/>
+                                          </p:val>
+                                        </p:tav>
+                                      </p:tavLst>
+                                    </p:anim>
+                                    <p:anim calcmode="lin" valueType="num">
+                                      <p:cBhvr>
+                                        <p:cTn id="9" dur="1000" fill="hold"/>
+                                        <p:tgtEl>
+                                          <p:spTgt spid="9"/>
+                                        </p:tgtEl>
+                                        <p:attrNameLst>
+                                          <p:attrName>ppt_y</p:attrName>
+                                        </p:attrNameLst>
+                                      </p:cBhvr>
+                                      <p:tavLst>
+                                        <p:tav tm="0">
+                                          <p:val>
+                                            <p:strVal val="#ppt_y+.1"/>
+                                          </p:val>
+                                        </p:tav>
+                                        <p:tav tm="100000">
+                                          <p:val>
+                                            <p:strVal val="#ppt_y"/>
+                                          </p:val>
+                                        </p:tav>
+                                      </p:tavLst>
+                                    </p:anim>
+                                  </p:childTnLst>
+                                </p:cTn>
+                              </p:par>
+                            </p:childTnLst>
+                          </p:cTn>
+                        </p:par>
+                      </p:childTnLst>
+                    </p:cTn>
+                  </p:par>
+                  <p:par>
+                    <p:cTn id="10" fill="hold">
+                      <p:stCondLst>
+                        <p:cond delay="indefinite"/>
+                      </p:stCondLst>
+                      <p:childTnLst>
+                        <p:par>
+                          <p:cTn id="11" fill="hold">
+                            <p:stCondLst>
+                              <p:cond delay="0"/>
+                            </p:stCondLst>
+                            <p:childTnLst>
+                              <p:par>
+                                <p:cTn id="12" presetID="16" presetClass="entr" presetSubtype="21" fill="hold" grpId="0" nodeType="clickEffect">
+                                  <p:stCondLst>
+                                    <p:cond delay="0"/>
+                                  </p:stCondLst>
+                                  <p:childTnLst>
+                                    <p:set>
+                                      <p:cBhvr>
+                                        <p:cTn id="13" dur="1" fill="hold">
+                                          <p:stCondLst>
+                                            <p:cond delay="0"/>
+                                          </p:stCondLst>
+                                        </p:cTn>
+                                        <p:tgtEl>
+                                          <p:spTgt spid="2"/>
+                                        </p:tgtEl>
+                                        <p:attrNameLst>
+                                          <p:attrName>style.visibility</p:attrName>
+                                        </p:attrNameLst>
+                                      </p:cBhvr>
+                                      <p:to>
+                                        <p:strVal val="visible"/>
+                                      </p:to>
+                                    </p:set>
+                                    <p:animEffect transition="in" filter="barn(inVertical)">
+                                      <p:cBhvr>
+                                        <p:cTn id="14" dur="500"/>
+                                        <p:tgtEl>
+                                          <p:spTgt spid="2"/>
+                                        </p:tgtEl>
+                                      </p:cBhvr>
+                                    </p:animEffect>
+                                  </p:childTnLst>
+                                </p:cTn>
+                              </p:par>
+                            </p:childTnLst>
+                          </p:cTn>
+                        </p:par>
+                      </p:childTnLst>
+                    </p:cTn>
+                  </p:par>
+                </p:childTnLst>
+              </p:cTn>
+              <p:prevCondLst>
+                <p:cond evt="onPrev" delay="0">
+                  <p:tgtEl>
+                    <p:sldTgt/>
+                  </p:tgtEl>
+                </p:cond>
+              </p:prevCondLst>
+              <p:nextCondLst>
+                <p:cond evt="onNext" delay="0">
+                  <p:tgtEl>
+                    <p:sldTgt/>
+                  </p:tgtEl>
+                </p:cond>
+              </p:nextCondLst>
+            </p:seq>
+          </p:childTnLst>
+        </p:cTn>
+      </p:par>
+    </p:tnLst>
+    <p:bldLst>
+      <p:bldP spid="9" grpId="0"/>
+      <p:bldP spid="2" grpId="0"/>
+    </p:bldLst>
+  </p:timing>
 </p:sld>
 </file>
 
@@ -6170,31 +7154,7 @@
             <a:pPr algn="ctr"/>
             <a:r>
               <a:rPr lang="en-US" sz="2400" dirty="0" smtClean="0"/>
-              <a:t>Both IPv4 </a:t>
-            </a:r>
-            <a:r>
-              <a:rPr lang="en-US" sz="2400" dirty="0" smtClean="0"/>
-              <a:t>and IPv6 </a:t>
-            </a:r>
-            <a:r>
-              <a:rPr lang="en-US" sz="2400" dirty="0" smtClean="0"/>
-              <a:t>Servers </a:t>
-            </a:r>
-            <a:r>
-              <a:rPr lang="en-US" sz="2400" dirty="0" smtClean="0"/>
-              <a:t>Running </a:t>
-            </a:r>
-            <a:r>
-              <a:rPr lang="en-US" sz="2400" dirty="0" smtClean="0"/>
-              <a:t>at the same time on</a:t>
-            </a:r>
-            <a:r>
-              <a:rPr lang="en-US" sz="2400" dirty="0" smtClean="0"/>
-              <a:t> </a:t>
-            </a:r>
-            <a:r>
-              <a:rPr lang="en-US" sz="2400" dirty="0" smtClean="0"/>
-              <a:t>Dual Stack Host</a:t>
+              <a:t>Both IPv4 and IPv6 Servers Running at the same time on Dual Stack Host</a:t>
             </a:r>
             <a:endParaRPr lang="en-US" sz="2400" dirty="0"/>
           </a:p>
@@ -6247,9 +7207,126 @@
   <p:timing>
     <p:tnLst>
       <p:par>
-        <p:cTn id="1" dur="indefinite" restart="never" nodeType="tmRoot"/>
+        <p:cTn id="1" dur="indefinite" restart="never" nodeType="tmRoot">
+          <p:childTnLst>
+            <p:seq concurrent="1" nextAc="seek">
+              <p:cTn id="2" dur="indefinite" nodeType="mainSeq">
+                <p:childTnLst>
+                  <p:par>
+                    <p:cTn id="3" fill="hold">
+                      <p:stCondLst>
+                        <p:cond delay="indefinite"/>
+                        <p:cond evt="onBegin" delay="0">
+                          <p:tn val="2"/>
+                        </p:cond>
+                      </p:stCondLst>
+                      <p:childTnLst>
+                        <p:par>
+                          <p:cTn id="4" fill="hold">
+                            <p:stCondLst>
+                              <p:cond delay="0"/>
+                            </p:stCondLst>
+                            <p:childTnLst>
+                              <p:par>
+                                <p:cTn id="5" presetID="16" presetClass="entr" presetSubtype="21" fill="hold" grpId="0" nodeType="withEffect">
+                                  <p:stCondLst>
+                                    <p:cond delay="0"/>
+                                  </p:stCondLst>
+                                  <p:childTnLst>
+                                    <p:set>
+                                      <p:cBhvr>
+                                        <p:cTn id="6" dur="1" fill="hold">
+                                          <p:stCondLst>
+                                            <p:cond delay="0"/>
+                                          </p:stCondLst>
+                                        </p:cTn>
+                                        <p:tgtEl>
+                                          <p:spTgt spid="7"/>
+                                        </p:tgtEl>
+                                        <p:attrNameLst>
+                                          <p:attrName>style.visibility</p:attrName>
+                                        </p:attrNameLst>
+                                      </p:cBhvr>
+                                      <p:to>
+                                        <p:strVal val="visible"/>
+                                      </p:to>
+                                    </p:set>
+                                    <p:animEffect transition="in" filter="barn(inVertical)">
+                                      <p:cBhvr>
+                                        <p:cTn id="7" dur="500"/>
+                                        <p:tgtEl>
+                                          <p:spTgt spid="7"/>
+                                        </p:tgtEl>
+                                      </p:cBhvr>
+                                    </p:animEffect>
+                                  </p:childTnLst>
+                                </p:cTn>
+                              </p:par>
+                              <p:par>
+                                <p:cTn id="8" presetID="16" presetClass="entr" presetSubtype="21" fill="hold" nodeType="withEffect">
+                                  <p:stCondLst>
+                                    <p:cond delay="0"/>
+                                  </p:stCondLst>
+                                  <p:childTnLst>
+                                    <p:set>
+                                      <p:cBhvr>
+                                        <p:cTn id="9" dur="1" fill="hold">
+                                          <p:stCondLst>
+                                            <p:cond delay="0"/>
+                                          </p:stCondLst>
+                                        </p:cTn>
+                                        <p:tgtEl>
+                                          <p:spTgt spid="2"/>
+                                        </p:tgtEl>
+                                        <p:attrNameLst>
+                                          <p:attrName>style.visibility</p:attrName>
+                                        </p:attrNameLst>
+                                      </p:cBhvr>
+                                      <p:to>
+                                        <p:strVal val="visible"/>
+                                      </p:to>
+                                    </p:set>
+                                    <p:animEffect transition="in" filter="barn(inVertical)">
+                                      <p:cBhvr>
+                                        <p:cTn id="10" dur="500"/>
+                                        <p:tgtEl>
+                                          <p:spTgt spid="2"/>
+                                        </p:tgtEl>
+                                      </p:cBhvr>
+                                    </p:animEffect>
+                                  </p:childTnLst>
+                                </p:cTn>
+                              </p:par>
+                            </p:childTnLst>
+                          </p:cTn>
+                        </p:par>
+                      </p:childTnLst>
+                    </p:cTn>
+                  </p:par>
+                </p:childTnLst>
+              </p:cTn>
+              <p:prevCondLst>
+                <p:cond evt="onPrev" delay="0">
+                  <p:tgtEl>
+                    <p:sldTgt/>
+                  </p:tgtEl>
+                </p:cond>
+              </p:prevCondLst>
+              <p:nextCondLst>
+                <p:cond evt="onNext" delay="0">
+                  <p:tgtEl>
+                    <p:sldTgt/>
+                  </p:tgtEl>
+                </p:cond>
+              </p:nextCondLst>
+            </p:seq>
+          </p:childTnLst>
+        </p:cTn>
       </p:par>
     </p:tnLst>
+    <p:bldLst>
+      <p:bldP spid="7" grpId="0"/>
+    </p:bldLst>
   </p:timing>
 </p:sld>
 </file>
@@ -6371,15 +7448,7 @@
           <a:p>
             <a:r>
               <a:rPr lang="en-US" sz="2400" dirty="0" smtClean="0"/>
-              <a:t>Client running on </a:t>
-            </a:r>
-            <a:r>
-              <a:rPr lang="en-US" sz="2400" dirty="0" smtClean="0"/>
-              <a:t>IPv4 </a:t>
-            </a:r>
-            <a:r>
-              <a:rPr lang="en-US" sz="2400" dirty="0" smtClean="0"/>
-              <a:t>Only Host</a:t>
+              <a:t>Client running on IPv4 Only Host</a:t>
             </a:r>
             <a:endParaRPr lang="en-US" sz="2400" dirty="0"/>
           </a:p>
@@ -6432,9 +7501,126 @@
   <p:timing>
     <p:tnLst>
       <p:par>
-        <p:cTn id="1" dur="indefinite" restart="never" nodeType="tmRoot"/>
+        <p:cTn id="1" dur="indefinite" restart="never" nodeType="tmRoot">
+          <p:childTnLst>
+            <p:seq concurrent="1" nextAc="seek">
+              <p:cTn id="2" dur="indefinite" nodeType="mainSeq">
+                <p:childTnLst>
+                  <p:par>
+                    <p:cTn id="3" fill="hold">
+                      <p:stCondLst>
+                        <p:cond delay="indefinite"/>
+                        <p:cond evt="onBegin" delay="0">
+                          <p:tn val="2"/>
+                        </p:cond>
+                      </p:stCondLst>
+                      <p:childTnLst>
+                        <p:par>
+                          <p:cTn id="4" fill="hold">
+                            <p:stCondLst>
+                              <p:cond delay="0"/>
+                            </p:stCondLst>
+                            <p:childTnLst>
+                              <p:par>
+                                <p:cTn id="5" presetID="16" presetClass="entr" presetSubtype="21" fill="hold" nodeType="withEffect">
+                                  <p:stCondLst>
+                                    <p:cond delay="0"/>
+                                  </p:stCondLst>
+                                  <p:childTnLst>
+                                    <p:set>
+                                      <p:cBhvr>
+                                        <p:cTn id="6" dur="1" fill="hold">
+                                          <p:stCondLst>
+                                            <p:cond delay="0"/>
+                                          </p:stCondLst>
+                                        </p:cTn>
+                                        <p:tgtEl>
+                                          <p:spTgt spid="3"/>
+                                        </p:tgtEl>
+                                        <p:attrNameLst>
+                                          <p:attrName>style.visibility</p:attrName>
+                                        </p:attrNameLst>
+                                      </p:cBhvr>
+                                      <p:to>
+                                        <p:strVal val="visible"/>
+                                      </p:to>
+                                    </p:set>
+                                    <p:animEffect transition="in" filter="barn(inVertical)">
+                                      <p:cBhvr>
+                                        <p:cTn id="7" dur="500"/>
+                                        <p:tgtEl>
+                                          <p:spTgt spid="3"/>
+                                        </p:tgtEl>
+                                      </p:cBhvr>
+                                    </p:animEffect>
+                                  </p:childTnLst>
+                                </p:cTn>
+                              </p:par>
+                              <p:par>
+                                <p:cTn id="8" presetID="16" presetClass="entr" presetSubtype="21" fill="hold" grpId="0" nodeType="withEffect">
+                                  <p:stCondLst>
+                                    <p:cond delay="0"/>
+                                  </p:stCondLst>
+                                  <p:childTnLst>
+                                    <p:set>
+                                      <p:cBhvr>
+                                        <p:cTn id="9" dur="1" fill="hold">
+                                          <p:stCondLst>
+                                            <p:cond delay="0"/>
+                                          </p:stCondLst>
+                                        </p:cTn>
+                                        <p:tgtEl>
+                                          <p:spTgt spid="9"/>
+                                        </p:tgtEl>
+                                        <p:attrNameLst>
+                                          <p:attrName>style.visibility</p:attrName>
+                                        </p:attrNameLst>
+                                      </p:cBhvr>
+                                      <p:to>
+                                        <p:strVal val="visible"/>
+                                      </p:to>
+                                    </p:set>
+                                    <p:animEffect transition="in" filter="barn(inVertical)">
+                                      <p:cBhvr>
+                                        <p:cTn id="10" dur="500"/>
+                                        <p:tgtEl>
+                                          <p:spTgt spid="9"/>
+                                        </p:tgtEl>
+                                      </p:cBhvr>
+                                    </p:animEffect>
+                                  </p:childTnLst>
+                                </p:cTn>
+                              </p:par>
+                            </p:childTnLst>
+                          </p:cTn>
+                        </p:par>
+                      </p:childTnLst>
+                    </p:cTn>
+                  </p:par>
+                </p:childTnLst>
+              </p:cTn>
+              <p:prevCondLst>
+                <p:cond evt="onPrev" delay="0">
+                  <p:tgtEl>
+                    <p:sldTgt/>
+                  </p:tgtEl>
+                </p:cond>
+              </p:prevCondLst>
+              <p:nextCondLst>
+                <p:cond evt="onNext" delay="0">
+                  <p:tgtEl>
+                    <p:sldTgt/>
+                  </p:tgtEl>
+                </p:cond>
+              </p:nextCondLst>
+            </p:seq>
+          </p:childTnLst>
+        </p:cTn>
       </p:par>
     </p:tnLst>
+    <p:bldLst>
+      <p:bldP spid="9" grpId="0"/>
+    </p:bldLst>
   </p:timing>
 </p:sld>
 </file>
@@ -6527,15 +7713,7 @@
           <a:p>
             <a:r>
               <a:rPr lang="en-US" sz="2400" dirty="0" smtClean="0"/>
-              <a:t>Client running on </a:t>
-            </a:r>
-            <a:r>
-              <a:rPr lang="en-US" sz="2400" dirty="0" smtClean="0"/>
-              <a:t>IPv6 </a:t>
-            </a:r>
-            <a:r>
-              <a:rPr lang="en-US" sz="2400" dirty="0" smtClean="0"/>
-              <a:t>Only Host</a:t>
+              <a:t>Client running on IPv6 Only Host</a:t>
             </a:r>
             <a:endParaRPr lang="en-US" sz="2400" dirty="0"/>
           </a:p>
@@ -6617,9 +7795,126 @@
   <p:timing>
     <p:tnLst>
       <p:par>
-        <p:cTn id="1" dur="indefinite" restart="never" nodeType="tmRoot"/>
+        <p:cTn id="1" dur="indefinite" restart="never" nodeType="tmRoot">
+          <p:childTnLst>
+            <p:seq concurrent="1" nextAc="seek">
+              <p:cTn id="2" dur="indefinite" nodeType="mainSeq">
+                <p:childTnLst>
+                  <p:par>
+                    <p:cTn id="3" fill="hold">
+                      <p:stCondLst>
+                        <p:cond delay="indefinite"/>
+                        <p:cond evt="onBegin" delay="0">
+                          <p:tn val="2"/>
+                        </p:cond>
+                      </p:stCondLst>
+                      <p:childTnLst>
+                        <p:par>
+                          <p:cTn id="4" fill="hold">
+                            <p:stCondLst>
+                              <p:cond delay="0"/>
+                            </p:stCondLst>
+                            <p:childTnLst>
+                              <p:par>
+                                <p:cTn id="5" presetID="16" presetClass="entr" presetSubtype="21" fill="hold" nodeType="withEffect">
+                                  <p:stCondLst>
+                                    <p:cond delay="0"/>
+                                  </p:stCondLst>
+                                  <p:childTnLst>
+                                    <p:set>
+                                      <p:cBhvr>
+                                        <p:cTn id="6" dur="1" fill="hold">
+                                          <p:stCondLst>
+                                            <p:cond delay="0"/>
+                                          </p:stCondLst>
+                                        </p:cTn>
+                                        <p:tgtEl>
+                                          <p:spTgt spid="2"/>
+                                        </p:tgtEl>
+                                        <p:attrNameLst>
+                                          <p:attrName>style.visibility</p:attrName>
+                                        </p:attrNameLst>
+                                      </p:cBhvr>
+                                      <p:to>
+                                        <p:strVal val="visible"/>
+                                      </p:to>
+                                    </p:set>
+                                    <p:animEffect transition="in" filter="barn(inVertical)">
+                                      <p:cBhvr>
+                                        <p:cTn id="7" dur="500"/>
+                                        <p:tgtEl>
+                                          <p:spTgt spid="2"/>
+                                        </p:tgtEl>
+                                      </p:cBhvr>
+                                    </p:animEffect>
+                                  </p:childTnLst>
+                                </p:cTn>
+                              </p:par>
+                              <p:par>
+                                <p:cTn id="8" presetID="16" presetClass="entr" presetSubtype="21" fill="hold" grpId="0" nodeType="withEffect">
+                                  <p:stCondLst>
+                                    <p:cond delay="0"/>
+                                  </p:stCondLst>
+                                  <p:childTnLst>
+                                    <p:set>
+                                      <p:cBhvr>
+                                        <p:cTn id="9" dur="1" fill="hold">
+                                          <p:stCondLst>
+                                            <p:cond delay="0"/>
+                                          </p:stCondLst>
+                                        </p:cTn>
+                                        <p:tgtEl>
+                                          <p:spTgt spid="9"/>
+                                        </p:tgtEl>
+                                        <p:attrNameLst>
+                                          <p:attrName>style.visibility</p:attrName>
+                                        </p:attrNameLst>
+                                      </p:cBhvr>
+                                      <p:to>
+                                        <p:strVal val="visible"/>
+                                      </p:to>
+                                    </p:set>
+                                    <p:animEffect transition="in" filter="barn(inVertical)">
+                                      <p:cBhvr>
+                                        <p:cTn id="10" dur="500"/>
+                                        <p:tgtEl>
+                                          <p:spTgt spid="9"/>
+                                        </p:tgtEl>
+                                      </p:cBhvr>
+                                    </p:animEffect>
+                                  </p:childTnLst>
+                                </p:cTn>
+                              </p:par>
+                            </p:childTnLst>
+                          </p:cTn>
+                        </p:par>
+                      </p:childTnLst>
+                    </p:cTn>
+                  </p:par>
+                </p:childTnLst>
+              </p:cTn>
+              <p:prevCondLst>
+                <p:cond evt="onPrev" delay="0">
+                  <p:tgtEl>
+                    <p:sldTgt/>
+                  </p:tgtEl>
+                </p:cond>
+              </p:prevCondLst>
+              <p:nextCondLst>
+                <p:cond evt="onNext" delay="0">
+                  <p:tgtEl>
+                    <p:sldTgt/>
+                  </p:tgtEl>
+                </p:cond>
+              </p:nextCondLst>
+            </p:seq>
+          </p:childTnLst>
+        </p:cTn>
       </p:par>
     </p:tnLst>
+    <p:bldLst>
+      <p:bldP spid="9" grpId="0"/>
+    </p:bldLst>
   </p:timing>
 </p:sld>
 </file>
@@ -7020,9 +8315,449 @@
   <p:timing>
     <p:tnLst>
       <p:par>
-        <p:cTn id="1" dur="indefinite" restart="never" nodeType="tmRoot"/>
+        <p:cTn id="1" dur="indefinite" restart="never" nodeType="tmRoot">
+          <p:childTnLst>
+            <p:seq concurrent="1" nextAc="seek">
+              <p:cTn id="2" dur="indefinite" nodeType="mainSeq">
+                <p:childTnLst>
+                  <p:par>
+                    <p:cTn id="3" fill="hold">
+                      <p:stCondLst>
+                        <p:cond delay="indefinite"/>
+                        <p:cond evt="onBegin" delay="0">
+                          <p:tn val="2"/>
+                        </p:cond>
+                      </p:stCondLst>
+                      <p:childTnLst>
+                        <p:par>
+                          <p:cTn id="4" fill="hold">
+                            <p:stCondLst>
+                              <p:cond delay="0"/>
+                            </p:stCondLst>
+                            <p:childTnLst>
+                              <p:par>
+                                <p:cTn id="5" presetID="2" presetClass="entr" presetSubtype="4" fill="hold" grpId="0" nodeType="withEffect">
+                                  <p:stCondLst>
+                                    <p:cond delay="0"/>
+                                  </p:stCondLst>
+                                  <p:childTnLst>
+                                    <p:set>
+                                      <p:cBhvr>
+                                        <p:cTn id="6" dur="1" fill="hold">
+                                          <p:stCondLst>
+                                            <p:cond delay="0"/>
+                                          </p:stCondLst>
+                                        </p:cTn>
+                                        <p:tgtEl>
+                                          <p:spTgt spid="4"/>
+                                        </p:tgtEl>
+                                        <p:attrNameLst>
+                                          <p:attrName>style.visibility</p:attrName>
+                                        </p:attrNameLst>
+                                      </p:cBhvr>
+                                      <p:to>
+                                        <p:strVal val="visible"/>
+                                      </p:to>
+                                    </p:set>
+                                    <p:anim calcmode="lin" valueType="num">
+                                      <p:cBhvr additive="base">
+                                        <p:cTn id="7" dur="500" fill="hold"/>
+                                        <p:tgtEl>
+                                          <p:spTgt spid="4"/>
+                                        </p:tgtEl>
+                                        <p:attrNameLst>
+                                          <p:attrName>ppt_x</p:attrName>
+                                        </p:attrNameLst>
+                                      </p:cBhvr>
+                                      <p:tavLst>
+                                        <p:tav tm="0">
+                                          <p:val>
+                                            <p:strVal val="#ppt_x"/>
+                                          </p:val>
+                                        </p:tav>
+                                        <p:tav tm="100000">
+                                          <p:val>
+                                            <p:strVal val="#ppt_x"/>
+                                          </p:val>
+                                        </p:tav>
+                                      </p:tavLst>
+                                    </p:anim>
+                                    <p:anim calcmode="lin" valueType="num">
+                                      <p:cBhvr additive="base">
+                                        <p:cTn id="8" dur="500" fill="hold"/>
+                                        <p:tgtEl>
+                                          <p:spTgt spid="4"/>
+                                        </p:tgtEl>
+                                        <p:attrNameLst>
+                                          <p:attrName>ppt_y</p:attrName>
+                                        </p:attrNameLst>
+                                      </p:cBhvr>
+                                      <p:tavLst>
+                                        <p:tav tm="0">
+                                          <p:val>
+                                            <p:strVal val="1+#ppt_h/2"/>
+                                          </p:val>
+                                        </p:tav>
+                                        <p:tav tm="100000">
+                                          <p:val>
+                                            <p:strVal val="#ppt_y"/>
+                                          </p:val>
+                                        </p:tav>
+                                      </p:tavLst>
+                                    </p:anim>
+                                  </p:childTnLst>
+                                </p:cTn>
+                              </p:par>
+                            </p:childTnLst>
+                          </p:cTn>
+                        </p:par>
+                      </p:childTnLst>
+                    </p:cTn>
+                  </p:par>
+                  <p:par>
+                    <p:cTn id="9" fill="hold">
+                      <p:stCondLst>
+                        <p:cond delay="indefinite"/>
+                      </p:stCondLst>
+                      <p:childTnLst>
+                        <p:par>
+                          <p:cTn id="10" fill="hold">
+                            <p:stCondLst>
+                              <p:cond delay="0"/>
+                            </p:stCondLst>
+                            <p:childTnLst>
+                              <p:par>
+                                <p:cTn id="11" presetID="16" presetClass="entr" presetSubtype="21" fill="hold" grpId="0" nodeType="clickEffect">
+                                  <p:stCondLst>
+                                    <p:cond delay="0"/>
+                                  </p:stCondLst>
+                                  <p:childTnLst>
+                                    <p:set>
+                                      <p:cBhvr>
+                                        <p:cTn id="12" dur="1" fill="hold">
+                                          <p:stCondLst>
+                                            <p:cond delay="0"/>
+                                          </p:stCondLst>
+                                        </p:cTn>
+                                        <p:tgtEl>
+                                          <p:spTgt spid="3">
+                                            <p:txEl>
+                                              <p:pRg st="0" end="0"/>
+                                            </p:txEl>
+                                          </p:spTgt>
+                                        </p:tgtEl>
+                                        <p:attrNameLst>
+                                          <p:attrName>style.visibility</p:attrName>
+                                        </p:attrNameLst>
+                                      </p:cBhvr>
+                                      <p:to>
+                                        <p:strVal val="visible"/>
+                                      </p:to>
+                                    </p:set>
+                                    <p:animEffect transition="in" filter="barn(inVertical)">
+                                      <p:cBhvr>
+                                        <p:cTn id="13" dur="500"/>
+                                        <p:tgtEl>
+                                          <p:spTgt spid="3">
+                                            <p:txEl>
+                                              <p:pRg st="0" end="0"/>
+                                            </p:txEl>
+                                          </p:spTgt>
+                                        </p:tgtEl>
+                                      </p:cBhvr>
+                                    </p:animEffect>
+                                  </p:childTnLst>
+                                </p:cTn>
+                              </p:par>
+                              <p:par>
+                                <p:cTn id="14" presetID="16" presetClass="entr" presetSubtype="21" fill="hold" grpId="0" nodeType="withEffect">
+                                  <p:stCondLst>
+                                    <p:cond delay="0"/>
+                                  </p:stCondLst>
+                                  <p:childTnLst>
+                                    <p:set>
+                                      <p:cBhvr>
+                                        <p:cTn id="15" dur="1" fill="hold">
+                                          <p:stCondLst>
+                                            <p:cond delay="0"/>
+                                          </p:stCondLst>
+                                        </p:cTn>
+                                        <p:tgtEl>
+                                          <p:spTgt spid="3">
+                                            <p:txEl>
+                                              <p:pRg st="1" end="1"/>
+                                            </p:txEl>
+                                          </p:spTgt>
+                                        </p:tgtEl>
+                                        <p:attrNameLst>
+                                          <p:attrName>style.visibility</p:attrName>
+                                        </p:attrNameLst>
+                                      </p:cBhvr>
+                                      <p:to>
+                                        <p:strVal val="visible"/>
+                                      </p:to>
+                                    </p:set>
+                                    <p:animEffect transition="in" filter="barn(inVertical)">
+                                      <p:cBhvr>
+                                        <p:cTn id="16" dur="500"/>
+                                        <p:tgtEl>
+                                          <p:spTgt spid="3">
+                                            <p:txEl>
+                                              <p:pRg st="1" end="1"/>
+                                            </p:txEl>
+                                          </p:spTgt>
+                                        </p:tgtEl>
+                                      </p:cBhvr>
+                                    </p:animEffect>
+                                  </p:childTnLst>
+                                </p:cTn>
+                              </p:par>
+                              <p:par>
+                                <p:cTn id="17" presetID="16" presetClass="entr" presetSubtype="21" fill="hold" grpId="0" nodeType="withEffect">
+                                  <p:stCondLst>
+                                    <p:cond delay="0"/>
+                                  </p:stCondLst>
+                                  <p:childTnLst>
+                                    <p:set>
+                                      <p:cBhvr>
+                                        <p:cTn id="18" dur="1" fill="hold">
+                                          <p:stCondLst>
+                                            <p:cond delay="0"/>
+                                          </p:stCondLst>
+                                        </p:cTn>
+                                        <p:tgtEl>
+                                          <p:spTgt spid="3">
+                                            <p:txEl>
+                                              <p:pRg st="2" end="2"/>
+                                            </p:txEl>
+                                          </p:spTgt>
+                                        </p:tgtEl>
+                                        <p:attrNameLst>
+                                          <p:attrName>style.visibility</p:attrName>
+                                        </p:attrNameLst>
+                                      </p:cBhvr>
+                                      <p:to>
+                                        <p:strVal val="visible"/>
+                                      </p:to>
+                                    </p:set>
+                                    <p:animEffect transition="in" filter="barn(inVertical)">
+                                      <p:cBhvr>
+                                        <p:cTn id="19" dur="500"/>
+                                        <p:tgtEl>
+                                          <p:spTgt spid="3">
+                                            <p:txEl>
+                                              <p:pRg st="2" end="2"/>
+                                            </p:txEl>
+                                          </p:spTgt>
+                                        </p:tgtEl>
+                                      </p:cBhvr>
+                                    </p:animEffect>
+                                  </p:childTnLst>
+                                </p:cTn>
+                              </p:par>
+                              <p:par>
+                                <p:cTn id="20" presetID="16" presetClass="entr" presetSubtype="21" fill="hold" grpId="0" nodeType="withEffect">
+                                  <p:stCondLst>
+                                    <p:cond delay="0"/>
+                                  </p:stCondLst>
+                                  <p:childTnLst>
+                                    <p:set>
+                                      <p:cBhvr>
+                                        <p:cTn id="21" dur="1" fill="hold">
+                                          <p:stCondLst>
+                                            <p:cond delay="0"/>
+                                          </p:stCondLst>
+                                        </p:cTn>
+                                        <p:tgtEl>
+                                          <p:spTgt spid="3">
+                                            <p:txEl>
+                                              <p:pRg st="3" end="3"/>
+                                            </p:txEl>
+                                          </p:spTgt>
+                                        </p:tgtEl>
+                                        <p:attrNameLst>
+                                          <p:attrName>style.visibility</p:attrName>
+                                        </p:attrNameLst>
+                                      </p:cBhvr>
+                                      <p:to>
+                                        <p:strVal val="visible"/>
+                                      </p:to>
+                                    </p:set>
+                                    <p:animEffect transition="in" filter="barn(inVertical)">
+                                      <p:cBhvr>
+                                        <p:cTn id="22" dur="500"/>
+                                        <p:tgtEl>
+                                          <p:spTgt spid="3">
+                                            <p:txEl>
+                                              <p:pRg st="3" end="3"/>
+                                            </p:txEl>
+                                          </p:spTgt>
+                                        </p:tgtEl>
+                                      </p:cBhvr>
+                                    </p:animEffect>
+                                  </p:childTnLst>
+                                </p:cTn>
+                              </p:par>
+                              <p:par>
+                                <p:cTn id="23" presetID="16" presetClass="entr" presetSubtype="21" fill="hold" grpId="0" nodeType="withEffect">
+                                  <p:stCondLst>
+                                    <p:cond delay="0"/>
+                                  </p:stCondLst>
+                                  <p:childTnLst>
+                                    <p:set>
+                                      <p:cBhvr>
+                                        <p:cTn id="24" dur="1" fill="hold">
+                                          <p:stCondLst>
+                                            <p:cond delay="0"/>
+                                          </p:stCondLst>
+                                        </p:cTn>
+                                        <p:tgtEl>
+                                          <p:spTgt spid="3">
+                                            <p:txEl>
+                                              <p:pRg st="4" end="4"/>
+                                            </p:txEl>
+                                          </p:spTgt>
+                                        </p:tgtEl>
+                                        <p:attrNameLst>
+                                          <p:attrName>style.visibility</p:attrName>
+                                        </p:attrNameLst>
+                                      </p:cBhvr>
+                                      <p:to>
+                                        <p:strVal val="visible"/>
+                                      </p:to>
+                                    </p:set>
+                                    <p:animEffect transition="in" filter="barn(inVertical)">
+                                      <p:cBhvr>
+                                        <p:cTn id="25" dur="500"/>
+                                        <p:tgtEl>
+                                          <p:spTgt spid="3">
+                                            <p:txEl>
+                                              <p:pRg st="4" end="4"/>
+                                            </p:txEl>
+                                          </p:spTgt>
+                                        </p:tgtEl>
+                                      </p:cBhvr>
+                                    </p:animEffect>
+                                  </p:childTnLst>
+                                </p:cTn>
+                              </p:par>
+                              <p:par>
+                                <p:cTn id="26" presetID="16" presetClass="entr" presetSubtype="21" fill="hold" grpId="0" nodeType="withEffect">
+                                  <p:stCondLst>
+                                    <p:cond delay="0"/>
+                                  </p:stCondLst>
+                                  <p:childTnLst>
+                                    <p:set>
+                                      <p:cBhvr>
+                                        <p:cTn id="27" dur="1" fill="hold">
+                                          <p:stCondLst>
+                                            <p:cond delay="0"/>
+                                          </p:stCondLst>
+                                        </p:cTn>
+                                        <p:tgtEl>
+                                          <p:spTgt spid="3">
+                                            <p:txEl>
+                                              <p:pRg st="5" end="5"/>
+                                            </p:txEl>
+                                          </p:spTgt>
+                                        </p:tgtEl>
+                                        <p:attrNameLst>
+                                          <p:attrName>style.visibility</p:attrName>
+                                        </p:attrNameLst>
+                                      </p:cBhvr>
+                                      <p:to>
+                                        <p:strVal val="visible"/>
+                                      </p:to>
+                                    </p:set>
+                                    <p:animEffect transition="in" filter="barn(inVertical)">
+                                      <p:cBhvr>
+                                        <p:cTn id="28" dur="500"/>
+                                        <p:tgtEl>
+                                          <p:spTgt spid="3">
+                                            <p:txEl>
+                                              <p:pRg st="5" end="5"/>
+                                            </p:txEl>
+                                          </p:spTgt>
+                                        </p:tgtEl>
+                                      </p:cBhvr>
+                                    </p:animEffect>
+                                  </p:childTnLst>
+                                </p:cTn>
+                              </p:par>
+                              <p:par>
+                                <p:cTn id="29" presetID="16" presetClass="entr" presetSubtype="21" fill="hold" grpId="0" nodeType="withEffect">
+                                  <p:stCondLst>
+                                    <p:cond delay="0"/>
+                                  </p:stCondLst>
+                                  <p:childTnLst>
+                                    <p:set>
+                                      <p:cBhvr>
+                                        <p:cTn id="30" dur="1" fill="hold">
+                                          <p:stCondLst>
+                                            <p:cond delay="0"/>
+                                          </p:stCondLst>
+                                        </p:cTn>
+                                        <p:tgtEl>
+                                          <p:spTgt spid="3">
+                                            <p:txEl>
+                                              <p:pRg st="6" end="6"/>
+                                            </p:txEl>
+                                          </p:spTgt>
+                                        </p:tgtEl>
+                                        <p:attrNameLst>
+                                          <p:attrName>style.visibility</p:attrName>
+                                        </p:attrNameLst>
+                                      </p:cBhvr>
+                                      <p:to>
+                                        <p:strVal val="visible"/>
+                                      </p:to>
+                                    </p:set>
+                                    <p:animEffect transition="in" filter="barn(inVertical)">
+                                      <p:cBhvr>
+                                        <p:cTn id="31" dur="500"/>
+                                        <p:tgtEl>
+                                          <p:spTgt spid="3">
+                                            <p:txEl>
+                                              <p:pRg st="6" end="6"/>
+                                            </p:txEl>
+                                          </p:spTgt>
+                                        </p:tgtEl>
+                                      </p:cBhvr>
+                                    </p:animEffect>
+                                  </p:childTnLst>
+                                </p:cTn>
+                              </p:par>
+                            </p:childTnLst>
+                          </p:cTn>
+                        </p:par>
+                      </p:childTnLst>
+                    </p:cTn>
+                  </p:par>
+                </p:childTnLst>
+              </p:cTn>
+              <p:prevCondLst>
+                <p:cond evt="onPrev" delay="0">
+                  <p:tgtEl>
+                    <p:sldTgt/>
+                  </p:tgtEl>
+                </p:cond>
+              </p:prevCondLst>
+              <p:nextCondLst>
+                <p:cond evt="onNext" delay="0">
+                  <p:tgtEl>
+                    <p:sldTgt/>
+                  </p:tgtEl>
+                </p:cond>
+              </p:nextCondLst>
+            </p:seq>
+          </p:childTnLst>
+        </p:cTn>
       </p:par>
     </p:tnLst>
+    <p:bldLst>
+      <p:bldP spid="3" grpId="0" uiExpand="1" build="p"/>
+      <p:bldP spid="4" grpId="0"/>
+    </p:bldLst>
   </p:timing>
 </p:sld>
 </file>
@@ -7046,6 +8781,111 @@
       </p:grpSpPr>
       <p:sp>
         <p:nvSpPr>
+          <p:cNvPr id="2" name="Title 1"/>
+          <p:cNvSpPr>
+            <a:spLocks noGrp="1"/>
+          </p:cNvSpPr>
+          <p:nvPr>
+            <p:ph type="title"/>
+          </p:nvPr>
+        </p:nvSpPr>
+        <p:spPr>
+          <a:xfrm>
+            <a:off x="489045" y="280678"/>
+            <a:ext cx="8229600" cy="1143000"/>
+          </a:xfrm>
+        </p:spPr>
+        <p:txBody>
+          <a:bodyPr/>
+          <a:lstStyle/>
+          <a:p>
+            <a:r>
+              <a:rPr lang="en-US" b="1" dirty="0" smtClean="0"/>
+              <a:t>Addresses Used-Examples</a:t>
+            </a:r>
+            <a:endParaRPr lang="en-US" b="1" dirty="0"/>
+          </a:p>
+        </p:txBody>
+      </p:sp>
+      <p:sp>
+        <p:nvSpPr>
+          <p:cNvPr id="3" name="Content Placeholder 2"/>
+          <p:cNvSpPr>
+            <a:spLocks noGrp="1"/>
+          </p:cNvSpPr>
+          <p:nvPr>
+            <p:ph idx="1"/>
+          </p:nvPr>
+        </p:nvSpPr>
+        <p:spPr>
+          <a:xfrm>
+            <a:off x="428767" y="1905000"/>
+            <a:ext cx="8229600" cy="3112401"/>
+          </a:xfrm>
+        </p:spPr>
+        <p:txBody>
+          <a:bodyPr/>
+          <a:lstStyle/>
+          <a:p>
+            <a:r>
+              <a:rPr lang="en-US" dirty="0" smtClean="0"/>
+              <a:t>IPv4 address</a:t>
+            </a:r>
+          </a:p>
+          <a:p>
+            <a:pPr lvl="1"/>
+            <a:r>
+              <a:rPr lang="en-US" dirty="0" smtClean="0"/>
+              <a:t> 192.168.84.216</a:t>
+            </a:r>
+            <a:br>
+              <a:rPr lang="en-US" dirty="0" smtClean="0"/>
+            </a:br>
+            <a:endParaRPr lang="en-US" dirty="0" smtClean="0"/>
+          </a:p>
+          <a:p>
+            <a:r>
+              <a:rPr lang="en-US" dirty="0" smtClean="0"/>
+              <a:t>Link Local IPv6 Address</a:t>
+            </a:r>
+          </a:p>
+          <a:p>
+            <a:pPr lvl="1"/>
+            <a:r>
+              <a:rPr lang="en-US" dirty="0" smtClean="0"/>
+              <a:t>  fe80::ce9:75f7:e93a:37eb</a:t>
+            </a:r>
+          </a:p>
+          <a:p>
+            <a:endParaRPr lang="en-US" dirty="0"/>
+          </a:p>
+        </p:txBody>
+      </p:sp>
+      <p:sp>
+        <p:nvSpPr>
+          <p:cNvPr id="4" name="Date Placeholder 3"/>
+          <p:cNvSpPr>
+            <a:spLocks noGrp="1"/>
+          </p:cNvSpPr>
+          <p:nvPr>
+            <p:ph type="dt" sz="half" idx="10"/>
+          </p:nvPr>
+        </p:nvSpPr>
+        <p:spPr/>
+        <p:txBody>
+          <a:bodyPr/>
+          <a:lstStyle/>
+          <a:p>
+            <a:fld id="{05229871-6294-4FDC-ADFB-03568C29F7D6}" type="datetime1">
+              <a:rPr lang="en-US" smtClean="0"/>
+              <a:t>26-Oct-21</a:t>
+            </a:fld>
+            <a:endParaRPr lang="en-US"/>
+          </a:p>
+        </p:txBody>
+      </p:sp>
+      <p:sp>
+        <p:nvSpPr>
           <p:cNvPr id="5" name="Footer Placeholder 4"/>
           <p:cNvSpPr>
             <a:spLocks noGrp="1"/>
@@ -7060,9 +8900,10 @@
           <a:lstStyle/>
           <a:p>
             <a:r>
-              <a:rPr lang="en-US"/>
+              <a:rPr lang="en-US" smtClean="0"/>
               <a:t>Dept. of ECE, NMIT, Bangalore-64</a:t>
             </a:r>
+            <a:endParaRPr lang="en-US"/>
           </a:p>
         </p:txBody>
       </p:sp>
@@ -7085,6 +8926,418 @@
               <a:rPr lang="en-US" smtClean="0"/>
               <a:pPr/>
               <a:t>20</a:t>
+            </a:fld>
+            <a:endParaRPr lang="en-US"/>
+          </a:p>
+        </p:txBody>
+      </p:sp>
+    </p:spTree>
+    <p:extLst>
+      <p:ext uri="{BB962C8B-B14F-4D97-AF65-F5344CB8AC3E}">
+        <p14:creationId xmlns:p14="http://schemas.microsoft.com/office/powerpoint/2010/main" val="3104195522"/>
+      </p:ext>
+    </p:extLst>
+  </p:cSld>
+  <p:clrMapOvr>
+    <a:masterClrMapping/>
+  </p:clrMapOvr>
+  <p:timing>
+    <p:tnLst>
+      <p:par>
+        <p:cTn id="1" dur="indefinite" restart="never" nodeType="tmRoot">
+          <p:childTnLst>
+            <p:seq concurrent="1" nextAc="seek">
+              <p:cTn id="2" dur="indefinite" nodeType="mainSeq">
+                <p:childTnLst>
+                  <p:par>
+                    <p:cTn id="3" fill="hold">
+                      <p:stCondLst>
+                        <p:cond delay="indefinite"/>
+                        <p:cond evt="onBegin" delay="0">
+                          <p:tn val="2"/>
+                        </p:cond>
+                      </p:stCondLst>
+                      <p:childTnLst>
+                        <p:par>
+                          <p:cTn id="4" fill="hold">
+                            <p:stCondLst>
+                              <p:cond delay="0"/>
+                            </p:stCondLst>
+                            <p:childTnLst>
+                              <p:par>
+                                <p:cTn id="5" presetID="2" presetClass="entr" presetSubtype="4" fill="hold" grpId="0" nodeType="withEffect">
+                                  <p:stCondLst>
+                                    <p:cond delay="0"/>
+                                  </p:stCondLst>
+                                  <p:childTnLst>
+                                    <p:set>
+                                      <p:cBhvr>
+                                        <p:cTn id="6" dur="1" fill="hold">
+                                          <p:stCondLst>
+                                            <p:cond delay="0"/>
+                                          </p:stCondLst>
+                                        </p:cTn>
+                                        <p:tgtEl>
+                                          <p:spTgt spid="2"/>
+                                        </p:tgtEl>
+                                        <p:attrNameLst>
+                                          <p:attrName>style.visibility</p:attrName>
+                                        </p:attrNameLst>
+                                      </p:cBhvr>
+                                      <p:to>
+                                        <p:strVal val="visible"/>
+                                      </p:to>
+                                    </p:set>
+                                    <p:anim calcmode="lin" valueType="num">
+                                      <p:cBhvr additive="base">
+                                        <p:cTn id="7" dur="500" fill="hold"/>
+                                        <p:tgtEl>
+                                          <p:spTgt spid="2"/>
+                                        </p:tgtEl>
+                                        <p:attrNameLst>
+                                          <p:attrName>ppt_x</p:attrName>
+                                        </p:attrNameLst>
+                                      </p:cBhvr>
+                                      <p:tavLst>
+                                        <p:tav tm="0">
+                                          <p:val>
+                                            <p:strVal val="#ppt_x"/>
+                                          </p:val>
+                                        </p:tav>
+                                        <p:tav tm="100000">
+                                          <p:val>
+                                            <p:strVal val="#ppt_x"/>
+                                          </p:val>
+                                        </p:tav>
+                                      </p:tavLst>
+                                    </p:anim>
+                                    <p:anim calcmode="lin" valueType="num">
+                                      <p:cBhvr additive="base">
+                                        <p:cTn id="8" dur="500" fill="hold"/>
+                                        <p:tgtEl>
+                                          <p:spTgt spid="2"/>
+                                        </p:tgtEl>
+                                        <p:attrNameLst>
+                                          <p:attrName>ppt_y</p:attrName>
+                                        </p:attrNameLst>
+                                      </p:cBhvr>
+                                      <p:tavLst>
+                                        <p:tav tm="0">
+                                          <p:val>
+                                            <p:strVal val="1+#ppt_h/2"/>
+                                          </p:val>
+                                        </p:tav>
+                                        <p:tav tm="100000">
+                                          <p:val>
+                                            <p:strVal val="#ppt_y"/>
+                                          </p:val>
+                                        </p:tav>
+                                      </p:tavLst>
+                                    </p:anim>
+                                  </p:childTnLst>
+                                </p:cTn>
+                              </p:par>
+                            </p:childTnLst>
+                          </p:cTn>
+                        </p:par>
+                      </p:childTnLst>
+                    </p:cTn>
+                  </p:par>
+                  <p:par>
+                    <p:cTn id="9" fill="hold">
+                      <p:stCondLst>
+                        <p:cond delay="indefinite"/>
+                      </p:stCondLst>
+                      <p:childTnLst>
+                        <p:par>
+                          <p:cTn id="10" fill="hold">
+                            <p:stCondLst>
+                              <p:cond delay="0"/>
+                            </p:stCondLst>
+                            <p:childTnLst>
+                              <p:par>
+                                <p:cTn id="11" presetID="16" presetClass="entr" presetSubtype="21" fill="hold" grpId="0" nodeType="clickEffect">
+                                  <p:stCondLst>
+                                    <p:cond delay="0"/>
+                                  </p:stCondLst>
+                                  <p:childTnLst>
+                                    <p:set>
+                                      <p:cBhvr>
+                                        <p:cTn id="12" dur="1" fill="hold">
+                                          <p:stCondLst>
+                                            <p:cond delay="0"/>
+                                          </p:stCondLst>
+                                        </p:cTn>
+                                        <p:tgtEl>
+                                          <p:spTgt spid="3">
+                                            <p:txEl>
+                                              <p:pRg st="0" end="0"/>
+                                            </p:txEl>
+                                          </p:spTgt>
+                                        </p:tgtEl>
+                                        <p:attrNameLst>
+                                          <p:attrName>style.visibility</p:attrName>
+                                        </p:attrNameLst>
+                                      </p:cBhvr>
+                                      <p:to>
+                                        <p:strVal val="visible"/>
+                                      </p:to>
+                                    </p:set>
+                                    <p:animEffect transition="in" filter="barn(inVertical)">
+                                      <p:cBhvr>
+                                        <p:cTn id="13" dur="500"/>
+                                        <p:tgtEl>
+                                          <p:spTgt spid="3">
+                                            <p:txEl>
+                                              <p:pRg st="0" end="0"/>
+                                            </p:txEl>
+                                          </p:spTgt>
+                                        </p:tgtEl>
+                                      </p:cBhvr>
+                                    </p:animEffect>
+                                  </p:childTnLst>
+                                </p:cTn>
+                              </p:par>
+                              <p:par>
+                                <p:cTn id="14" presetID="16" presetClass="entr" presetSubtype="21" fill="hold" grpId="0" nodeType="withEffect">
+                                  <p:stCondLst>
+                                    <p:cond delay="0"/>
+                                  </p:stCondLst>
+                                  <p:childTnLst>
+                                    <p:set>
+                                      <p:cBhvr>
+                                        <p:cTn id="15" dur="1" fill="hold">
+                                          <p:stCondLst>
+                                            <p:cond delay="0"/>
+                                          </p:stCondLst>
+                                        </p:cTn>
+                                        <p:tgtEl>
+                                          <p:spTgt spid="3">
+                                            <p:txEl>
+                                              <p:pRg st="1" end="1"/>
+                                            </p:txEl>
+                                          </p:spTgt>
+                                        </p:tgtEl>
+                                        <p:attrNameLst>
+                                          <p:attrName>style.visibility</p:attrName>
+                                        </p:attrNameLst>
+                                      </p:cBhvr>
+                                      <p:to>
+                                        <p:strVal val="visible"/>
+                                      </p:to>
+                                    </p:set>
+                                    <p:animEffect transition="in" filter="barn(inVertical)">
+                                      <p:cBhvr>
+                                        <p:cTn id="16" dur="500"/>
+                                        <p:tgtEl>
+                                          <p:spTgt spid="3">
+                                            <p:txEl>
+                                              <p:pRg st="1" end="1"/>
+                                            </p:txEl>
+                                          </p:spTgt>
+                                        </p:tgtEl>
+                                      </p:cBhvr>
+                                    </p:animEffect>
+                                  </p:childTnLst>
+                                </p:cTn>
+                              </p:par>
+                            </p:childTnLst>
+                          </p:cTn>
+                        </p:par>
+                      </p:childTnLst>
+                    </p:cTn>
+                  </p:par>
+                  <p:par>
+                    <p:cTn id="17" fill="hold">
+                      <p:stCondLst>
+                        <p:cond delay="indefinite"/>
+                      </p:stCondLst>
+                      <p:childTnLst>
+                        <p:par>
+                          <p:cTn id="18" fill="hold">
+                            <p:stCondLst>
+                              <p:cond delay="0"/>
+                            </p:stCondLst>
+                            <p:childTnLst>
+                              <p:par>
+                                <p:cTn id="19" presetID="16" presetClass="entr" presetSubtype="21" fill="hold" grpId="0" nodeType="clickEffect">
+                                  <p:stCondLst>
+                                    <p:cond delay="0"/>
+                                  </p:stCondLst>
+                                  <p:childTnLst>
+                                    <p:set>
+                                      <p:cBhvr>
+                                        <p:cTn id="20" dur="1" fill="hold">
+                                          <p:stCondLst>
+                                            <p:cond delay="0"/>
+                                          </p:stCondLst>
+                                        </p:cTn>
+                                        <p:tgtEl>
+                                          <p:spTgt spid="3">
+                                            <p:txEl>
+                                              <p:pRg st="2" end="2"/>
+                                            </p:txEl>
+                                          </p:spTgt>
+                                        </p:tgtEl>
+                                        <p:attrNameLst>
+                                          <p:attrName>style.visibility</p:attrName>
+                                        </p:attrNameLst>
+                                      </p:cBhvr>
+                                      <p:to>
+                                        <p:strVal val="visible"/>
+                                      </p:to>
+                                    </p:set>
+                                    <p:animEffect transition="in" filter="barn(inVertical)">
+                                      <p:cBhvr>
+                                        <p:cTn id="21" dur="500"/>
+                                        <p:tgtEl>
+                                          <p:spTgt spid="3">
+                                            <p:txEl>
+                                              <p:pRg st="2" end="2"/>
+                                            </p:txEl>
+                                          </p:spTgt>
+                                        </p:tgtEl>
+                                      </p:cBhvr>
+                                    </p:animEffect>
+                                  </p:childTnLst>
+                                </p:cTn>
+                              </p:par>
+                              <p:par>
+                                <p:cTn id="22" presetID="16" presetClass="entr" presetSubtype="21" fill="hold" grpId="0" nodeType="withEffect">
+                                  <p:stCondLst>
+                                    <p:cond delay="0"/>
+                                  </p:stCondLst>
+                                  <p:childTnLst>
+                                    <p:set>
+                                      <p:cBhvr>
+                                        <p:cTn id="23" dur="1" fill="hold">
+                                          <p:stCondLst>
+                                            <p:cond delay="0"/>
+                                          </p:stCondLst>
+                                        </p:cTn>
+                                        <p:tgtEl>
+                                          <p:spTgt spid="3">
+                                            <p:txEl>
+                                              <p:pRg st="3" end="3"/>
+                                            </p:txEl>
+                                          </p:spTgt>
+                                        </p:tgtEl>
+                                        <p:attrNameLst>
+                                          <p:attrName>style.visibility</p:attrName>
+                                        </p:attrNameLst>
+                                      </p:cBhvr>
+                                      <p:to>
+                                        <p:strVal val="visible"/>
+                                      </p:to>
+                                    </p:set>
+                                    <p:animEffect transition="in" filter="barn(inVertical)">
+                                      <p:cBhvr>
+                                        <p:cTn id="24" dur="500"/>
+                                        <p:tgtEl>
+                                          <p:spTgt spid="3">
+                                            <p:txEl>
+                                              <p:pRg st="3" end="3"/>
+                                            </p:txEl>
+                                          </p:spTgt>
+                                        </p:tgtEl>
+                                      </p:cBhvr>
+                                    </p:animEffect>
+                                  </p:childTnLst>
+                                </p:cTn>
+                              </p:par>
+                            </p:childTnLst>
+                          </p:cTn>
+                        </p:par>
+                      </p:childTnLst>
+                    </p:cTn>
+                  </p:par>
+                </p:childTnLst>
+              </p:cTn>
+              <p:prevCondLst>
+                <p:cond evt="onPrev" delay="0">
+                  <p:tgtEl>
+                    <p:sldTgt/>
+                  </p:tgtEl>
+                </p:cond>
+              </p:prevCondLst>
+              <p:nextCondLst>
+                <p:cond evt="onNext" delay="0">
+                  <p:tgtEl>
+                    <p:sldTgt/>
+                  </p:tgtEl>
+                </p:cond>
+              </p:nextCondLst>
+            </p:seq>
+          </p:childTnLst>
+        </p:cTn>
+      </p:par>
+    </p:tnLst>
+    <p:bldLst>
+      <p:bldP spid="2" grpId="0"/>
+      <p:bldP spid="3" grpId="0" build="p"/>
+    </p:bldLst>
+  </p:timing>
+</p:sld>
+</file>
+
+<file path=ppt/slides/slide21.xml><?xml version="1.0" encoding="utf-8"?>
+<p:sld xmlns:a="http://schemas.openxmlformats.org/drawingml/2006/main" xmlns:r="http://schemas.openxmlformats.org/officeDocument/2006/relationships" xmlns:p="http://schemas.openxmlformats.org/presentationml/2006/main">
+  <p:cSld>
+    <p:spTree>
+      <p:nvGrpSpPr>
+        <p:cNvPr id="1" name=""/>
+        <p:cNvGrpSpPr/>
+        <p:nvPr/>
+      </p:nvGrpSpPr>
+      <p:grpSpPr>
+        <a:xfrm>
+          <a:off x="0" y="0"/>
+          <a:ext cx="0" cy="0"/>
+          <a:chOff x="0" y="0"/>
+          <a:chExt cx="0" cy="0"/>
+        </a:xfrm>
+      </p:grpSpPr>
+      <p:sp>
+        <p:nvSpPr>
+          <p:cNvPr id="5" name="Footer Placeholder 4"/>
+          <p:cNvSpPr>
+            <a:spLocks noGrp="1"/>
+          </p:cNvSpPr>
+          <p:nvPr>
+            <p:ph type="ftr" sz="quarter" idx="11"/>
+          </p:nvPr>
+        </p:nvSpPr>
+        <p:spPr/>
+        <p:txBody>
+          <a:bodyPr/>
+          <a:lstStyle/>
+          <a:p>
+            <a:r>
+              <a:rPr lang="en-US"/>
+              <a:t>Dept. of ECE, NMIT, Bangalore-64</a:t>
+            </a:r>
+          </a:p>
+        </p:txBody>
+      </p:sp>
+      <p:sp>
+        <p:nvSpPr>
+          <p:cNvPr id="6" name="Slide Number Placeholder 5"/>
+          <p:cNvSpPr>
+            <a:spLocks noGrp="1"/>
+          </p:cNvSpPr>
+          <p:nvPr>
+            <p:ph type="sldNum" sz="quarter" idx="12"/>
+          </p:nvPr>
+        </p:nvSpPr>
+        <p:spPr/>
+        <p:txBody>
+          <a:bodyPr/>
+          <a:lstStyle/>
+          <a:p>
+            <a:fld id="{B6F15528-21DE-4FAA-801E-634DDDAF4B2B}" type="slidenum">
+              <a:rPr lang="en-US" smtClean="0"/>
+              <a:pPr/>
+              <a:t>21</a:t>
             </a:fld>
             <a:endParaRPr lang="en-US"/>
           </a:p>
@@ -7493,14 +9746,268 @@
   <p:timing>
     <p:tnLst>
       <p:par>
-        <p:cTn id="1" dur="indefinite" restart="never" nodeType="tmRoot"/>
+        <p:cTn id="1" dur="indefinite" restart="never" nodeType="tmRoot">
+          <p:childTnLst>
+            <p:seq concurrent="1" nextAc="seek">
+              <p:cTn id="2" dur="indefinite" nodeType="mainSeq">
+                <p:childTnLst>
+                  <p:par>
+                    <p:cTn id="3" fill="hold">
+                      <p:stCondLst>
+                        <p:cond delay="indefinite"/>
+                        <p:cond evt="onBegin" delay="0">
+                          <p:tn val="2"/>
+                        </p:cond>
+                      </p:stCondLst>
+                      <p:childTnLst>
+                        <p:par>
+                          <p:cTn id="4" fill="hold">
+                            <p:stCondLst>
+                              <p:cond delay="0"/>
+                            </p:stCondLst>
+                            <p:childTnLst>
+                              <p:par>
+                                <p:cTn id="5" presetID="42" presetClass="entr" presetSubtype="0" fill="hold" grpId="0" nodeType="withEffect">
+                                  <p:stCondLst>
+                                    <p:cond delay="0"/>
+                                  </p:stCondLst>
+                                  <p:childTnLst>
+                                    <p:set>
+                                      <p:cBhvr>
+                                        <p:cTn id="6" dur="1" fill="hold">
+                                          <p:stCondLst>
+                                            <p:cond delay="0"/>
+                                          </p:stCondLst>
+                                        </p:cTn>
+                                        <p:tgtEl>
+                                          <p:spTgt spid="2"/>
+                                        </p:tgtEl>
+                                        <p:attrNameLst>
+                                          <p:attrName>style.visibility</p:attrName>
+                                        </p:attrNameLst>
+                                      </p:cBhvr>
+                                      <p:to>
+                                        <p:strVal val="visible"/>
+                                      </p:to>
+                                    </p:set>
+                                    <p:animEffect transition="in" filter="fade">
+                                      <p:cBhvr>
+                                        <p:cTn id="7" dur="1000"/>
+                                        <p:tgtEl>
+                                          <p:spTgt spid="2"/>
+                                        </p:tgtEl>
+                                      </p:cBhvr>
+                                    </p:animEffect>
+                                    <p:anim calcmode="lin" valueType="num">
+                                      <p:cBhvr>
+                                        <p:cTn id="8" dur="1000" fill="hold"/>
+                                        <p:tgtEl>
+                                          <p:spTgt spid="2"/>
+                                        </p:tgtEl>
+                                        <p:attrNameLst>
+                                          <p:attrName>ppt_x</p:attrName>
+                                        </p:attrNameLst>
+                                      </p:cBhvr>
+                                      <p:tavLst>
+                                        <p:tav tm="0">
+                                          <p:val>
+                                            <p:strVal val="#ppt_x"/>
+                                          </p:val>
+                                        </p:tav>
+                                        <p:tav tm="100000">
+                                          <p:val>
+                                            <p:strVal val="#ppt_x"/>
+                                          </p:val>
+                                        </p:tav>
+                                      </p:tavLst>
+                                    </p:anim>
+                                    <p:anim calcmode="lin" valueType="num">
+                                      <p:cBhvr>
+                                        <p:cTn id="9" dur="1000" fill="hold"/>
+                                        <p:tgtEl>
+                                          <p:spTgt spid="2"/>
+                                        </p:tgtEl>
+                                        <p:attrNameLst>
+                                          <p:attrName>ppt_y</p:attrName>
+                                        </p:attrNameLst>
+                                      </p:cBhvr>
+                                      <p:tavLst>
+                                        <p:tav tm="0">
+                                          <p:val>
+                                            <p:strVal val="#ppt_y+.1"/>
+                                          </p:val>
+                                        </p:tav>
+                                        <p:tav tm="100000">
+                                          <p:val>
+                                            <p:strVal val="#ppt_y"/>
+                                          </p:val>
+                                        </p:tav>
+                                      </p:tavLst>
+                                    </p:anim>
+                                  </p:childTnLst>
+                                </p:cTn>
+                              </p:par>
+                            </p:childTnLst>
+                          </p:cTn>
+                        </p:par>
+                      </p:childTnLst>
+                    </p:cTn>
+                  </p:par>
+                  <p:par>
+                    <p:cTn id="10" fill="hold">
+                      <p:stCondLst>
+                        <p:cond delay="indefinite"/>
+                      </p:stCondLst>
+                      <p:childTnLst>
+                        <p:par>
+                          <p:cTn id="11" fill="hold">
+                            <p:stCondLst>
+                              <p:cond delay="0"/>
+                            </p:stCondLst>
+                            <p:childTnLst>
+                              <p:par>
+                                <p:cTn id="12" presetID="16" presetClass="entr" presetSubtype="21" fill="hold" grpId="0" nodeType="clickEffect">
+                                  <p:stCondLst>
+                                    <p:cond delay="0"/>
+                                  </p:stCondLst>
+                                  <p:childTnLst>
+                                    <p:set>
+                                      <p:cBhvr>
+                                        <p:cTn id="13" dur="1" fill="hold">
+                                          <p:stCondLst>
+                                            <p:cond delay="0"/>
+                                          </p:stCondLst>
+                                        </p:cTn>
+                                        <p:tgtEl>
+                                          <p:spTgt spid="9"/>
+                                        </p:tgtEl>
+                                        <p:attrNameLst>
+                                          <p:attrName>style.visibility</p:attrName>
+                                        </p:attrNameLst>
+                                      </p:cBhvr>
+                                      <p:to>
+                                        <p:strVal val="visible"/>
+                                      </p:to>
+                                    </p:set>
+                                    <p:animEffect transition="in" filter="barn(inVertical)">
+                                      <p:cBhvr>
+                                        <p:cTn id="14" dur="500"/>
+                                        <p:tgtEl>
+                                          <p:spTgt spid="9"/>
+                                        </p:tgtEl>
+                                      </p:cBhvr>
+                                    </p:animEffect>
+                                  </p:childTnLst>
+                                </p:cTn>
+                              </p:par>
+                              <p:par>
+                                <p:cTn id="15" presetID="16" presetClass="entr" presetSubtype="21" fill="hold" grpId="0" nodeType="withEffect">
+                                  <p:stCondLst>
+                                    <p:cond delay="0"/>
+                                  </p:stCondLst>
+                                  <p:childTnLst>
+                                    <p:set>
+                                      <p:cBhvr>
+                                        <p:cTn id="16" dur="1" fill="hold">
+                                          <p:stCondLst>
+                                            <p:cond delay="0"/>
+                                          </p:stCondLst>
+                                        </p:cTn>
+                                        <p:tgtEl>
+                                          <p:spTgt spid="10"/>
+                                        </p:tgtEl>
+                                        <p:attrNameLst>
+                                          <p:attrName>style.visibility</p:attrName>
+                                        </p:attrNameLst>
+                                      </p:cBhvr>
+                                      <p:to>
+                                        <p:strVal val="visible"/>
+                                      </p:to>
+                                    </p:set>
+                                    <p:animEffect transition="in" filter="barn(inVertical)">
+                                      <p:cBhvr>
+                                        <p:cTn id="17" dur="500"/>
+                                        <p:tgtEl>
+                                          <p:spTgt spid="10"/>
+                                        </p:tgtEl>
+                                      </p:cBhvr>
+                                    </p:animEffect>
+                                  </p:childTnLst>
+                                </p:cTn>
+                              </p:par>
+                              <p:par>
+                                <p:cTn id="18" presetID="16" presetClass="entr" presetSubtype="21" fill="hold" grpId="0" nodeType="withEffect">
+                                  <p:stCondLst>
+                                    <p:cond delay="0"/>
+                                  </p:stCondLst>
+                                  <p:childTnLst>
+                                    <p:set>
+                                      <p:cBhvr>
+                                        <p:cTn id="19" dur="1" fill="hold">
+                                          <p:stCondLst>
+                                            <p:cond delay="0"/>
+                                          </p:stCondLst>
+                                        </p:cTn>
+                                        <p:tgtEl>
+                                          <p:spTgt spid="11"/>
+                                        </p:tgtEl>
+                                        <p:attrNameLst>
+                                          <p:attrName>style.visibility</p:attrName>
+                                        </p:attrNameLst>
+                                      </p:cBhvr>
+                                      <p:to>
+                                        <p:strVal val="visible"/>
+                                      </p:to>
+                                    </p:set>
+                                    <p:animEffect transition="in" filter="barn(inVertical)">
+                                      <p:cBhvr>
+                                        <p:cTn id="20" dur="500"/>
+                                        <p:tgtEl>
+                                          <p:spTgt spid="11"/>
+                                        </p:tgtEl>
+                                      </p:cBhvr>
+                                    </p:animEffect>
+                                  </p:childTnLst>
+                                </p:cTn>
+                              </p:par>
+                            </p:childTnLst>
+                          </p:cTn>
+                        </p:par>
+                      </p:childTnLst>
+                    </p:cTn>
+                  </p:par>
+                </p:childTnLst>
+              </p:cTn>
+              <p:prevCondLst>
+                <p:cond evt="onPrev" delay="0">
+                  <p:tgtEl>
+                    <p:sldTgt/>
+                  </p:tgtEl>
+                </p:cond>
+              </p:prevCondLst>
+              <p:nextCondLst>
+                <p:cond evt="onNext" delay="0">
+                  <p:tgtEl>
+                    <p:sldTgt/>
+                  </p:tgtEl>
+                </p:cond>
+              </p:nextCondLst>
+            </p:seq>
+          </p:childTnLst>
+        </p:cTn>
       </p:par>
     </p:tnLst>
+    <p:bldLst>
+      <p:bldP spid="2" grpId="0"/>
+      <p:bldP spid="9" grpId="0"/>
+      <p:bldP spid="10" grpId="0"/>
+      <p:bldP spid="11" grpId="0"/>
+    </p:bldLst>
   </p:timing>
 </p:sld>
 </file>
 
-<file path=ppt/slides/slide21.xml><?xml version="1.0" encoding="utf-8"?>
+<file path=ppt/slides/slide22.xml><?xml version="1.0" encoding="utf-8"?>
 <p:sld xmlns:a="http://schemas.openxmlformats.org/drawingml/2006/main" xmlns:r="http://schemas.openxmlformats.org/officeDocument/2006/relationships" xmlns:p="http://schemas.openxmlformats.org/presentationml/2006/main">
   <p:cSld>
     <p:spTree>
@@ -7639,7 +10146,7 @@
             <a:fld id="{B6F15528-21DE-4FAA-801E-634DDDAF4B2B}" type="slidenum">
               <a:rPr lang="en-US" smtClean="0"/>
               <a:pPr/>
-              <a:t>21</a:t>
+              <a:t>22</a:t>
             </a:fld>
             <a:endParaRPr lang="en-US"/>
           </a:p>
@@ -7692,9 +10199,328 @@
   <p:timing>
     <p:tnLst>
       <p:par>
-        <p:cTn id="1" dur="indefinite" restart="never" nodeType="tmRoot"/>
+        <p:cTn id="1" dur="indefinite" restart="never" nodeType="tmRoot">
+          <p:childTnLst>
+            <p:seq concurrent="1" nextAc="seek">
+              <p:cTn id="2" dur="indefinite" nodeType="mainSeq">
+                <p:childTnLst>
+                  <p:par>
+                    <p:cTn id="3" fill="hold">
+                      <p:stCondLst>
+                        <p:cond delay="indefinite"/>
+                        <p:cond evt="onBegin" delay="0">
+                          <p:tn val="2"/>
+                        </p:cond>
+                      </p:stCondLst>
+                      <p:childTnLst>
+                        <p:par>
+                          <p:cTn id="4" fill="hold">
+                            <p:stCondLst>
+                              <p:cond delay="0"/>
+                            </p:stCondLst>
+                            <p:childTnLst>
+                              <p:par>
+                                <p:cTn id="5" presetID="42" presetClass="entr" presetSubtype="0" fill="hold" grpId="0" nodeType="withEffect">
+                                  <p:stCondLst>
+                                    <p:cond delay="0"/>
+                                  </p:stCondLst>
+                                  <p:childTnLst>
+                                    <p:set>
+                                      <p:cBhvr>
+                                        <p:cTn id="6" dur="1" fill="hold">
+                                          <p:stCondLst>
+                                            <p:cond delay="0"/>
+                                          </p:stCondLst>
+                                        </p:cTn>
+                                        <p:tgtEl>
+                                          <p:spTgt spid="2"/>
+                                        </p:tgtEl>
+                                        <p:attrNameLst>
+                                          <p:attrName>style.visibility</p:attrName>
+                                        </p:attrNameLst>
+                                      </p:cBhvr>
+                                      <p:to>
+                                        <p:strVal val="visible"/>
+                                      </p:to>
+                                    </p:set>
+                                    <p:animEffect transition="in" filter="fade">
+                                      <p:cBhvr>
+                                        <p:cTn id="7" dur="1000"/>
+                                        <p:tgtEl>
+                                          <p:spTgt spid="2"/>
+                                        </p:tgtEl>
+                                      </p:cBhvr>
+                                    </p:animEffect>
+                                    <p:anim calcmode="lin" valueType="num">
+                                      <p:cBhvr>
+                                        <p:cTn id="8" dur="1000" fill="hold"/>
+                                        <p:tgtEl>
+                                          <p:spTgt spid="2"/>
+                                        </p:tgtEl>
+                                        <p:attrNameLst>
+                                          <p:attrName>ppt_x</p:attrName>
+                                        </p:attrNameLst>
+                                      </p:cBhvr>
+                                      <p:tavLst>
+                                        <p:tav tm="0">
+                                          <p:val>
+                                            <p:strVal val="#ppt_x"/>
+                                          </p:val>
+                                        </p:tav>
+                                        <p:tav tm="100000">
+                                          <p:val>
+                                            <p:strVal val="#ppt_x"/>
+                                          </p:val>
+                                        </p:tav>
+                                      </p:tavLst>
+                                    </p:anim>
+                                    <p:anim calcmode="lin" valueType="num">
+                                      <p:cBhvr>
+                                        <p:cTn id="9" dur="1000" fill="hold"/>
+                                        <p:tgtEl>
+                                          <p:spTgt spid="2"/>
+                                        </p:tgtEl>
+                                        <p:attrNameLst>
+                                          <p:attrName>ppt_y</p:attrName>
+                                        </p:attrNameLst>
+                                      </p:cBhvr>
+                                      <p:tavLst>
+                                        <p:tav tm="0">
+                                          <p:val>
+                                            <p:strVal val="#ppt_y+.1"/>
+                                          </p:val>
+                                        </p:tav>
+                                        <p:tav tm="100000">
+                                          <p:val>
+                                            <p:strVal val="#ppt_y"/>
+                                          </p:val>
+                                        </p:tav>
+                                      </p:tavLst>
+                                    </p:anim>
+                                  </p:childTnLst>
+                                </p:cTn>
+                              </p:par>
+                            </p:childTnLst>
+                          </p:cTn>
+                        </p:par>
+                      </p:childTnLst>
+                    </p:cTn>
+                  </p:par>
+                  <p:par>
+                    <p:cTn id="10" fill="hold">
+                      <p:stCondLst>
+                        <p:cond delay="indefinite"/>
+                      </p:stCondLst>
+                      <p:childTnLst>
+                        <p:par>
+                          <p:cTn id="11" fill="hold">
+                            <p:stCondLst>
+                              <p:cond delay="0"/>
+                            </p:stCondLst>
+                            <p:childTnLst>
+                              <p:par>
+                                <p:cTn id="12" presetID="16" presetClass="entr" presetSubtype="21" fill="hold" grpId="0" nodeType="clickEffect">
+                                  <p:stCondLst>
+                                    <p:cond delay="0"/>
+                                  </p:stCondLst>
+                                  <p:childTnLst>
+                                    <p:set>
+                                      <p:cBhvr>
+                                        <p:cTn id="13" dur="1" fill="hold">
+                                          <p:stCondLst>
+                                            <p:cond delay="0"/>
+                                          </p:stCondLst>
+                                        </p:cTn>
+                                        <p:tgtEl>
+                                          <p:spTgt spid="3">
+                                            <p:txEl>
+                                              <p:pRg st="0" end="0"/>
+                                            </p:txEl>
+                                          </p:spTgt>
+                                        </p:tgtEl>
+                                        <p:attrNameLst>
+                                          <p:attrName>style.visibility</p:attrName>
+                                        </p:attrNameLst>
+                                      </p:cBhvr>
+                                      <p:to>
+                                        <p:strVal val="visible"/>
+                                      </p:to>
+                                    </p:set>
+                                    <p:animEffect transition="in" filter="barn(inVertical)">
+                                      <p:cBhvr>
+                                        <p:cTn id="14" dur="500"/>
+                                        <p:tgtEl>
+                                          <p:spTgt spid="3">
+                                            <p:txEl>
+                                              <p:pRg st="0" end="0"/>
+                                            </p:txEl>
+                                          </p:spTgt>
+                                        </p:tgtEl>
+                                      </p:cBhvr>
+                                    </p:animEffect>
+                                  </p:childTnLst>
+                                </p:cTn>
+                              </p:par>
+                              <p:par>
+                                <p:cTn id="15" presetID="16" presetClass="entr" presetSubtype="21" fill="hold" grpId="0" nodeType="withEffect">
+                                  <p:stCondLst>
+                                    <p:cond delay="0"/>
+                                  </p:stCondLst>
+                                  <p:childTnLst>
+                                    <p:set>
+                                      <p:cBhvr>
+                                        <p:cTn id="16" dur="1" fill="hold">
+                                          <p:stCondLst>
+                                            <p:cond delay="0"/>
+                                          </p:stCondLst>
+                                        </p:cTn>
+                                        <p:tgtEl>
+                                          <p:spTgt spid="3">
+                                            <p:txEl>
+                                              <p:pRg st="1" end="1"/>
+                                            </p:txEl>
+                                          </p:spTgt>
+                                        </p:tgtEl>
+                                        <p:attrNameLst>
+                                          <p:attrName>style.visibility</p:attrName>
+                                        </p:attrNameLst>
+                                      </p:cBhvr>
+                                      <p:to>
+                                        <p:strVal val="visible"/>
+                                      </p:to>
+                                    </p:set>
+                                    <p:animEffect transition="in" filter="barn(inVertical)">
+                                      <p:cBhvr>
+                                        <p:cTn id="17" dur="500"/>
+                                        <p:tgtEl>
+                                          <p:spTgt spid="3">
+                                            <p:txEl>
+                                              <p:pRg st="1" end="1"/>
+                                            </p:txEl>
+                                          </p:spTgt>
+                                        </p:tgtEl>
+                                      </p:cBhvr>
+                                    </p:animEffect>
+                                  </p:childTnLst>
+                                </p:cTn>
+                              </p:par>
+                              <p:par>
+                                <p:cTn id="18" presetID="16" presetClass="entr" presetSubtype="21" fill="hold" grpId="0" nodeType="withEffect">
+                                  <p:stCondLst>
+                                    <p:cond delay="0"/>
+                                  </p:stCondLst>
+                                  <p:childTnLst>
+                                    <p:set>
+                                      <p:cBhvr>
+                                        <p:cTn id="19" dur="1" fill="hold">
+                                          <p:stCondLst>
+                                            <p:cond delay="0"/>
+                                          </p:stCondLst>
+                                        </p:cTn>
+                                        <p:tgtEl>
+                                          <p:spTgt spid="3">
+                                            <p:txEl>
+                                              <p:pRg st="2" end="2"/>
+                                            </p:txEl>
+                                          </p:spTgt>
+                                        </p:tgtEl>
+                                        <p:attrNameLst>
+                                          <p:attrName>style.visibility</p:attrName>
+                                        </p:attrNameLst>
+                                      </p:cBhvr>
+                                      <p:to>
+                                        <p:strVal val="visible"/>
+                                      </p:to>
+                                    </p:set>
+                                    <p:animEffect transition="in" filter="barn(inVertical)">
+                                      <p:cBhvr>
+                                        <p:cTn id="20" dur="500"/>
+                                        <p:tgtEl>
+                                          <p:spTgt spid="3">
+                                            <p:txEl>
+                                              <p:pRg st="2" end="2"/>
+                                            </p:txEl>
+                                          </p:spTgt>
+                                        </p:tgtEl>
+                                      </p:cBhvr>
+                                    </p:animEffect>
+                                  </p:childTnLst>
+                                </p:cTn>
+                              </p:par>
+                              <p:par>
+                                <p:cTn id="21" presetID="16" presetClass="entr" presetSubtype="21" fill="hold" grpId="0" nodeType="withEffect">
+                                  <p:stCondLst>
+                                    <p:cond delay="0"/>
+                                  </p:stCondLst>
+                                  <p:childTnLst>
+                                    <p:set>
+                                      <p:cBhvr>
+                                        <p:cTn id="22" dur="1" fill="hold">
+                                          <p:stCondLst>
+                                            <p:cond delay="0"/>
+                                          </p:stCondLst>
+                                        </p:cTn>
+                                        <p:tgtEl>
+                                          <p:spTgt spid="3">
+                                            <p:txEl>
+                                              <p:pRg st="3" end="3"/>
+                                            </p:txEl>
+                                          </p:spTgt>
+                                        </p:tgtEl>
+                                        <p:attrNameLst>
+                                          <p:attrName>style.visibility</p:attrName>
+                                        </p:attrNameLst>
+                                      </p:cBhvr>
+                                      <p:to>
+                                        <p:strVal val="visible"/>
+                                      </p:to>
+                                    </p:set>
+                                    <p:animEffect transition="in" filter="barn(inVertical)">
+                                      <p:cBhvr>
+                                        <p:cTn id="23" dur="500"/>
+                                        <p:tgtEl>
+                                          <p:spTgt spid="3">
+                                            <p:txEl>
+                                              <p:pRg st="3" end="3"/>
+                                            </p:txEl>
+                                          </p:spTgt>
+                                        </p:tgtEl>
+                                      </p:cBhvr>
+                                    </p:animEffect>
+                                  </p:childTnLst>
+                                </p:cTn>
+                              </p:par>
+                            </p:childTnLst>
+                          </p:cTn>
+                        </p:par>
+                      </p:childTnLst>
+                    </p:cTn>
+                  </p:par>
+                </p:childTnLst>
+              </p:cTn>
+              <p:prevCondLst>
+                <p:cond evt="onPrev" delay="0">
+                  <p:tgtEl>
+                    <p:sldTgt/>
+                  </p:tgtEl>
+                </p:cond>
+              </p:prevCondLst>
+              <p:nextCondLst>
+                <p:cond evt="onNext" delay="0">
+                  <p:tgtEl>
+                    <p:sldTgt/>
+                  </p:tgtEl>
+                </p:cond>
+              </p:nextCondLst>
+            </p:seq>
+          </p:childTnLst>
+        </p:cTn>
       </p:par>
     </p:tnLst>
+    <p:bldLst>
+      <p:bldP spid="2" grpId="0"/>
+      <p:bldP spid="3" grpId="0" build="p"/>
+    </p:bldLst>
   </p:timing>
 </p:sld>
 </file>
@@ -8078,9 +10904,371 @@
   <p:timing>
     <p:tnLst>
       <p:par>
-        <p:cTn id="1" dur="indefinite" restart="never" nodeType="tmRoot"/>
+        <p:cTn id="1" dur="indefinite" restart="never" nodeType="tmRoot">
+          <p:childTnLst>
+            <p:seq concurrent="1" nextAc="seek">
+              <p:cTn id="2" dur="indefinite" nodeType="mainSeq">
+                <p:childTnLst>
+                  <p:par>
+                    <p:cTn id="3" fill="hold">
+                      <p:stCondLst>
+                        <p:cond delay="indefinite"/>
+                        <p:cond evt="onBegin" delay="0">
+                          <p:tn val="2"/>
+                        </p:cond>
+                      </p:stCondLst>
+                      <p:childTnLst>
+                        <p:par>
+                          <p:cTn id="4" fill="hold">
+                            <p:stCondLst>
+                              <p:cond delay="0"/>
+                            </p:stCondLst>
+                            <p:childTnLst>
+                              <p:par>
+                                <p:cTn id="5" presetID="42" presetClass="entr" presetSubtype="0" fill="hold" grpId="0" nodeType="withEffect">
+                                  <p:stCondLst>
+                                    <p:cond delay="0"/>
+                                  </p:stCondLst>
+                                  <p:childTnLst>
+                                    <p:set>
+                                      <p:cBhvr>
+                                        <p:cTn id="6" dur="1" fill="hold">
+                                          <p:stCondLst>
+                                            <p:cond delay="0"/>
+                                          </p:stCondLst>
+                                        </p:cTn>
+                                        <p:tgtEl>
+                                          <p:spTgt spid="4"/>
+                                        </p:tgtEl>
+                                        <p:attrNameLst>
+                                          <p:attrName>style.visibility</p:attrName>
+                                        </p:attrNameLst>
+                                      </p:cBhvr>
+                                      <p:to>
+                                        <p:strVal val="visible"/>
+                                      </p:to>
+                                    </p:set>
+                                    <p:animEffect transition="in" filter="fade">
+                                      <p:cBhvr>
+                                        <p:cTn id="7" dur="1000"/>
+                                        <p:tgtEl>
+                                          <p:spTgt spid="4"/>
+                                        </p:tgtEl>
+                                      </p:cBhvr>
+                                    </p:animEffect>
+                                    <p:anim calcmode="lin" valueType="num">
+                                      <p:cBhvr>
+                                        <p:cTn id="8" dur="1000" fill="hold"/>
+                                        <p:tgtEl>
+                                          <p:spTgt spid="4"/>
+                                        </p:tgtEl>
+                                        <p:attrNameLst>
+                                          <p:attrName>ppt_x</p:attrName>
+                                        </p:attrNameLst>
+                                      </p:cBhvr>
+                                      <p:tavLst>
+                                        <p:tav tm="0">
+                                          <p:val>
+                                            <p:strVal val="#ppt_x"/>
+                                          </p:val>
+                                        </p:tav>
+                                        <p:tav tm="100000">
+                                          <p:val>
+                                            <p:strVal val="#ppt_x"/>
+                                          </p:val>
+                                        </p:tav>
+                                      </p:tavLst>
+                                    </p:anim>
+                                    <p:anim calcmode="lin" valueType="num">
+                                      <p:cBhvr>
+                                        <p:cTn id="9" dur="1000" fill="hold"/>
+                                        <p:tgtEl>
+                                          <p:spTgt spid="4"/>
+                                        </p:tgtEl>
+                                        <p:attrNameLst>
+                                          <p:attrName>ppt_y</p:attrName>
+                                        </p:attrNameLst>
+                                      </p:cBhvr>
+                                      <p:tavLst>
+                                        <p:tav tm="0">
+                                          <p:val>
+                                            <p:strVal val="#ppt_y+.1"/>
+                                          </p:val>
+                                        </p:tav>
+                                        <p:tav tm="100000">
+                                          <p:val>
+                                            <p:strVal val="#ppt_y"/>
+                                          </p:val>
+                                        </p:tav>
+                                      </p:tavLst>
+                                    </p:anim>
+                                  </p:childTnLst>
+                                </p:cTn>
+                              </p:par>
+                            </p:childTnLst>
+                          </p:cTn>
+                        </p:par>
+                      </p:childTnLst>
+                    </p:cTn>
+                  </p:par>
+                  <p:par>
+                    <p:cTn id="10" fill="hold">
+                      <p:stCondLst>
+                        <p:cond delay="indefinite"/>
+                      </p:stCondLst>
+                      <p:childTnLst>
+                        <p:par>
+                          <p:cTn id="11" fill="hold">
+                            <p:stCondLst>
+                              <p:cond delay="0"/>
+                            </p:stCondLst>
+                            <p:childTnLst>
+                              <p:par>
+                                <p:cTn id="12" presetID="16" presetClass="entr" presetSubtype="21" fill="hold" grpId="0" nodeType="clickEffect">
+                                  <p:stCondLst>
+                                    <p:cond delay="0"/>
+                                  </p:stCondLst>
+                                  <p:childTnLst>
+                                    <p:set>
+                                      <p:cBhvr>
+                                        <p:cTn id="13" dur="1" fill="hold">
+                                          <p:stCondLst>
+                                            <p:cond delay="0"/>
+                                          </p:stCondLst>
+                                        </p:cTn>
+                                        <p:tgtEl>
+                                          <p:spTgt spid="3">
+                                            <p:txEl>
+                                              <p:pRg st="2" end="2"/>
+                                            </p:txEl>
+                                          </p:spTgt>
+                                        </p:tgtEl>
+                                        <p:attrNameLst>
+                                          <p:attrName>style.visibility</p:attrName>
+                                        </p:attrNameLst>
+                                      </p:cBhvr>
+                                      <p:to>
+                                        <p:strVal val="visible"/>
+                                      </p:to>
+                                    </p:set>
+                                    <p:animEffect transition="in" filter="barn(inVertical)">
+                                      <p:cBhvr>
+                                        <p:cTn id="14" dur="500"/>
+                                        <p:tgtEl>
+                                          <p:spTgt spid="3">
+                                            <p:txEl>
+                                              <p:pRg st="2" end="2"/>
+                                            </p:txEl>
+                                          </p:spTgt>
+                                        </p:tgtEl>
+                                      </p:cBhvr>
+                                    </p:animEffect>
+                                  </p:childTnLst>
+                                </p:cTn>
+                              </p:par>
+                              <p:par>
+                                <p:cTn id="15" presetID="16" presetClass="entr" presetSubtype="21" fill="hold" grpId="0" nodeType="withEffect">
+                                  <p:stCondLst>
+                                    <p:cond delay="0"/>
+                                  </p:stCondLst>
+                                  <p:childTnLst>
+                                    <p:set>
+                                      <p:cBhvr>
+                                        <p:cTn id="16" dur="1" fill="hold">
+                                          <p:stCondLst>
+                                            <p:cond delay="0"/>
+                                          </p:stCondLst>
+                                        </p:cTn>
+                                        <p:tgtEl>
+                                          <p:spTgt spid="3">
+                                            <p:txEl>
+                                              <p:pRg st="3" end="3"/>
+                                            </p:txEl>
+                                          </p:spTgt>
+                                        </p:tgtEl>
+                                        <p:attrNameLst>
+                                          <p:attrName>style.visibility</p:attrName>
+                                        </p:attrNameLst>
+                                      </p:cBhvr>
+                                      <p:to>
+                                        <p:strVal val="visible"/>
+                                      </p:to>
+                                    </p:set>
+                                    <p:animEffect transition="in" filter="barn(inVertical)">
+                                      <p:cBhvr>
+                                        <p:cTn id="17" dur="500"/>
+                                        <p:tgtEl>
+                                          <p:spTgt spid="3">
+                                            <p:txEl>
+                                              <p:pRg st="3" end="3"/>
+                                            </p:txEl>
+                                          </p:spTgt>
+                                        </p:tgtEl>
+                                      </p:cBhvr>
+                                    </p:animEffect>
+                                  </p:childTnLst>
+                                </p:cTn>
+                              </p:par>
+                              <p:par>
+                                <p:cTn id="18" presetID="16" presetClass="entr" presetSubtype="21" fill="hold" grpId="0" nodeType="withEffect">
+                                  <p:stCondLst>
+                                    <p:cond delay="0"/>
+                                  </p:stCondLst>
+                                  <p:childTnLst>
+                                    <p:set>
+                                      <p:cBhvr>
+                                        <p:cTn id="19" dur="1" fill="hold">
+                                          <p:stCondLst>
+                                            <p:cond delay="0"/>
+                                          </p:stCondLst>
+                                        </p:cTn>
+                                        <p:tgtEl>
+                                          <p:spTgt spid="3">
+                                            <p:txEl>
+                                              <p:pRg st="4" end="4"/>
+                                            </p:txEl>
+                                          </p:spTgt>
+                                        </p:tgtEl>
+                                        <p:attrNameLst>
+                                          <p:attrName>style.visibility</p:attrName>
+                                        </p:attrNameLst>
+                                      </p:cBhvr>
+                                      <p:to>
+                                        <p:strVal val="visible"/>
+                                      </p:to>
+                                    </p:set>
+                                    <p:animEffect transition="in" filter="barn(inVertical)">
+                                      <p:cBhvr>
+                                        <p:cTn id="20" dur="500"/>
+                                        <p:tgtEl>
+                                          <p:spTgt spid="3">
+                                            <p:txEl>
+                                              <p:pRg st="4" end="4"/>
+                                            </p:txEl>
+                                          </p:spTgt>
+                                        </p:tgtEl>
+                                      </p:cBhvr>
+                                    </p:animEffect>
+                                  </p:childTnLst>
+                                </p:cTn>
+                              </p:par>
+                              <p:par>
+                                <p:cTn id="21" presetID="16" presetClass="entr" presetSubtype="21" fill="hold" grpId="0" nodeType="withEffect">
+                                  <p:stCondLst>
+                                    <p:cond delay="0"/>
+                                  </p:stCondLst>
+                                  <p:childTnLst>
+                                    <p:set>
+                                      <p:cBhvr>
+                                        <p:cTn id="22" dur="1" fill="hold">
+                                          <p:stCondLst>
+                                            <p:cond delay="0"/>
+                                          </p:stCondLst>
+                                        </p:cTn>
+                                        <p:tgtEl>
+                                          <p:spTgt spid="3">
+                                            <p:txEl>
+                                              <p:pRg st="5" end="5"/>
+                                            </p:txEl>
+                                          </p:spTgt>
+                                        </p:tgtEl>
+                                        <p:attrNameLst>
+                                          <p:attrName>style.visibility</p:attrName>
+                                        </p:attrNameLst>
+                                      </p:cBhvr>
+                                      <p:to>
+                                        <p:strVal val="visible"/>
+                                      </p:to>
+                                    </p:set>
+                                    <p:animEffect transition="in" filter="barn(inVertical)">
+                                      <p:cBhvr>
+                                        <p:cTn id="23" dur="500"/>
+                                        <p:tgtEl>
+                                          <p:spTgt spid="3">
+                                            <p:txEl>
+                                              <p:pRg st="5" end="5"/>
+                                            </p:txEl>
+                                          </p:spTgt>
+                                        </p:tgtEl>
+                                      </p:cBhvr>
+                                    </p:animEffect>
+                                  </p:childTnLst>
+                                </p:cTn>
+                              </p:par>
+                              <p:par>
+                                <p:cTn id="24" presetID="16" presetClass="entr" presetSubtype="21" fill="hold" grpId="0" nodeType="withEffect">
+                                  <p:stCondLst>
+                                    <p:cond delay="0"/>
+                                  </p:stCondLst>
+                                  <p:childTnLst>
+                                    <p:set>
+                                      <p:cBhvr>
+                                        <p:cTn id="25" dur="1" fill="hold">
+                                          <p:stCondLst>
+                                            <p:cond delay="0"/>
+                                          </p:stCondLst>
+                                        </p:cTn>
+                                        <p:tgtEl>
+                                          <p:spTgt spid="3">
+                                            <p:txEl>
+                                              <p:pRg st="6" end="6"/>
+                                            </p:txEl>
+                                          </p:spTgt>
+                                        </p:tgtEl>
+                                        <p:attrNameLst>
+                                          <p:attrName>style.visibility</p:attrName>
+                                        </p:attrNameLst>
+                                      </p:cBhvr>
+                                      <p:to>
+                                        <p:strVal val="visible"/>
+                                      </p:to>
+                                    </p:set>
+                                    <p:animEffect transition="in" filter="barn(inVertical)">
+                                      <p:cBhvr>
+                                        <p:cTn id="26" dur="500"/>
+                                        <p:tgtEl>
+                                          <p:spTgt spid="3">
+                                            <p:txEl>
+                                              <p:pRg st="6" end="6"/>
+                                            </p:txEl>
+                                          </p:spTgt>
+                                        </p:tgtEl>
+                                      </p:cBhvr>
+                                    </p:animEffect>
+                                  </p:childTnLst>
+                                </p:cTn>
+                              </p:par>
+                            </p:childTnLst>
+                          </p:cTn>
+                        </p:par>
+                      </p:childTnLst>
+                    </p:cTn>
+                  </p:par>
+                </p:childTnLst>
+              </p:cTn>
+              <p:prevCondLst>
+                <p:cond evt="onPrev" delay="0">
+                  <p:tgtEl>
+                    <p:sldTgt/>
+                  </p:tgtEl>
+                </p:cond>
+              </p:prevCondLst>
+              <p:nextCondLst>
+                <p:cond evt="onNext" delay="0">
+                  <p:tgtEl>
+                    <p:sldTgt/>
+                  </p:tgtEl>
+                </p:cond>
+              </p:nextCondLst>
+            </p:seq>
+          </p:childTnLst>
+        </p:cTn>
       </p:par>
     </p:tnLst>
+    <p:bldLst>
+      <p:bldP spid="3" grpId="0" uiExpand="1" build="p"/>
+      <p:bldP spid="4" grpId="0"/>
+    </p:bldLst>
   </p:timing>
 </p:sld>
 </file>
@@ -8388,9 +11576,496 @@
   <p:timing>
     <p:tnLst>
       <p:par>
-        <p:cTn id="1" dur="indefinite" restart="never" nodeType="tmRoot"/>
+        <p:cTn id="1" dur="indefinite" restart="never" nodeType="tmRoot">
+          <p:childTnLst>
+            <p:seq concurrent="1" nextAc="seek">
+              <p:cTn id="2" dur="indefinite" nodeType="mainSeq">
+                <p:childTnLst>
+                  <p:par>
+                    <p:cTn id="3" fill="hold">
+                      <p:stCondLst>
+                        <p:cond delay="indefinite"/>
+                        <p:cond evt="onBegin" delay="0">
+                          <p:tn val="2"/>
+                        </p:cond>
+                      </p:stCondLst>
+                      <p:childTnLst>
+                        <p:par>
+                          <p:cTn id="4" fill="hold">
+                            <p:stCondLst>
+                              <p:cond delay="0"/>
+                            </p:stCondLst>
+                            <p:childTnLst>
+                              <p:par>
+                                <p:cTn id="5" presetID="2" presetClass="entr" presetSubtype="4" fill="hold" grpId="0" nodeType="withEffect">
+                                  <p:stCondLst>
+                                    <p:cond delay="0"/>
+                                  </p:stCondLst>
+                                  <p:childTnLst>
+                                    <p:set>
+                                      <p:cBhvr>
+                                        <p:cTn id="6" dur="1" fill="hold">
+                                          <p:stCondLst>
+                                            <p:cond delay="0"/>
+                                          </p:stCondLst>
+                                        </p:cTn>
+                                        <p:tgtEl>
+                                          <p:spTgt spid="4"/>
+                                        </p:tgtEl>
+                                        <p:attrNameLst>
+                                          <p:attrName>style.visibility</p:attrName>
+                                        </p:attrNameLst>
+                                      </p:cBhvr>
+                                      <p:to>
+                                        <p:strVal val="visible"/>
+                                      </p:to>
+                                    </p:set>
+                                    <p:anim calcmode="lin" valueType="num">
+                                      <p:cBhvr additive="base">
+                                        <p:cTn id="7" dur="500" fill="hold"/>
+                                        <p:tgtEl>
+                                          <p:spTgt spid="4"/>
+                                        </p:tgtEl>
+                                        <p:attrNameLst>
+                                          <p:attrName>ppt_x</p:attrName>
+                                        </p:attrNameLst>
+                                      </p:cBhvr>
+                                      <p:tavLst>
+                                        <p:tav tm="0">
+                                          <p:val>
+                                            <p:strVal val="#ppt_x"/>
+                                          </p:val>
+                                        </p:tav>
+                                        <p:tav tm="100000">
+                                          <p:val>
+                                            <p:strVal val="#ppt_x"/>
+                                          </p:val>
+                                        </p:tav>
+                                      </p:tavLst>
+                                    </p:anim>
+                                    <p:anim calcmode="lin" valueType="num">
+                                      <p:cBhvr additive="base">
+                                        <p:cTn id="8" dur="500" fill="hold"/>
+                                        <p:tgtEl>
+                                          <p:spTgt spid="4"/>
+                                        </p:tgtEl>
+                                        <p:attrNameLst>
+                                          <p:attrName>ppt_y</p:attrName>
+                                        </p:attrNameLst>
+                                      </p:cBhvr>
+                                      <p:tavLst>
+                                        <p:tav tm="0">
+                                          <p:val>
+                                            <p:strVal val="1+#ppt_h/2"/>
+                                          </p:val>
+                                        </p:tav>
+                                        <p:tav tm="100000">
+                                          <p:val>
+                                            <p:strVal val="#ppt_y"/>
+                                          </p:val>
+                                        </p:tav>
+                                      </p:tavLst>
+                                    </p:anim>
+                                  </p:childTnLst>
+                                </p:cTn>
+                              </p:par>
+                            </p:childTnLst>
+                          </p:cTn>
+                        </p:par>
+                      </p:childTnLst>
+                    </p:cTn>
+                  </p:par>
+                  <p:par>
+                    <p:cTn id="9" fill="hold">
+                      <p:stCondLst>
+                        <p:cond delay="indefinite"/>
+                      </p:stCondLst>
+                      <p:childTnLst>
+                        <p:par>
+                          <p:cTn id="10" fill="hold">
+                            <p:stCondLst>
+                              <p:cond delay="0"/>
+                            </p:stCondLst>
+                            <p:childTnLst>
+                              <p:par>
+                                <p:cTn id="11" presetID="16" presetClass="entr" presetSubtype="21" fill="hold" grpId="0" nodeType="clickEffect">
+                                  <p:stCondLst>
+                                    <p:cond delay="0"/>
+                                  </p:stCondLst>
+                                  <p:childTnLst>
+                                    <p:set>
+                                      <p:cBhvr>
+                                        <p:cTn id="12" dur="1" fill="hold">
+                                          <p:stCondLst>
+                                            <p:cond delay="0"/>
+                                          </p:stCondLst>
+                                        </p:cTn>
+                                        <p:tgtEl>
+                                          <p:spTgt spid="3">
+                                            <p:txEl>
+                                              <p:pRg st="0" end="0"/>
+                                            </p:txEl>
+                                          </p:spTgt>
+                                        </p:tgtEl>
+                                        <p:attrNameLst>
+                                          <p:attrName>style.visibility</p:attrName>
+                                        </p:attrNameLst>
+                                      </p:cBhvr>
+                                      <p:to>
+                                        <p:strVal val="visible"/>
+                                      </p:to>
+                                    </p:set>
+                                    <p:animEffect transition="in" filter="barn(inVertical)">
+                                      <p:cBhvr>
+                                        <p:cTn id="13" dur="500"/>
+                                        <p:tgtEl>
+                                          <p:spTgt spid="3">
+                                            <p:txEl>
+                                              <p:pRg st="0" end="0"/>
+                                            </p:txEl>
+                                          </p:spTgt>
+                                        </p:tgtEl>
+                                      </p:cBhvr>
+                                    </p:animEffect>
+                                  </p:childTnLst>
+                                </p:cTn>
+                              </p:par>
+                            </p:childTnLst>
+                          </p:cTn>
+                        </p:par>
+                      </p:childTnLst>
+                    </p:cTn>
+                  </p:par>
+                  <p:par>
+                    <p:cTn id="14" fill="hold">
+                      <p:stCondLst>
+                        <p:cond delay="indefinite"/>
+                      </p:stCondLst>
+                      <p:childTnLst>
+                        <p:par>
+                          <p:cTn id="15" fill="hold">
+                            <p:stCondLst>
+                              <p:cond delay="0"/>
+                            </p:stCondLst>
+                            <p:childTnLst>
+                              <p:par>
+                                <p:cTn id="16" presetID="16" presetClass="entr" presetSubtype="21" fill="hold" grpId="0" nodeType="clickEffect">
+                                  <p:stCondLst>
+                                    <p:cond delay="0"/>
+                                  </p:stCondLst>
+                                  <p:childTnLst>
+                                    <p:set>
+                                      <p:cBhvr>
+                                        <p:cTn id="17" dur="1" fill="hold">
+                                          <p:stCondLst>
+                                            <p:cond delay="0"/>
+                                          </p:stCondLst>
+                                        </p:cTn>
+                                        <p:tgtEl>
+                                          <p:spTgt spid="3">
+                                            <p:txEl>
+                                              <p:pRg st="2" end="2"/>
+                                            </p:txEl>
+                                          </p:spTgt>
+                                        </p:tgtEl>
+                                        <p:attrNameLst>
+                                          <p:attrName>style.visibility</p:attrName>
+                                        </p:attrNameLst>
+                                      </p:cBhvr>
+                                      <p:to>
+                                        <p:strVal val="visible"/>
+                                      </p:to>
+                                    </p:set>
+                                    <p:animEffect transition="in" filter="barn(inVertical)">
+                                      <p:cBhvr>
+                                        <p:cTn id="18" dur="500"/>
+                                        <p:tgtEl>
+                                          <p:spTgt spid="3">
+                                            <p:txEl>
+                                              <p:pRg st="2" end="2"/>
+                                            </p:txEl>
+                                          </p:spTgt>
+                                        </p:tgtEl>
+                                      </p:cBhvr>
+                                    </p:animEffect>
+                                  </p:childTnLst>
+                                </p:cTn>
+                              </p:par>
+                            </p:childTnLst>
+                          </p:cTn>
+                        </p:par>
+                      </p:childTnLst>
+                    </p:cTn>
+                  </p:par>
+                  <p:par>
+                    <p:cTn id="19" fill="hold">
+                      <p:stCondLst>
+                        <p:cond delay="indefinite"/>
+                      </p:stCondLst>
+                      <p:childTnLst>
+                        <p:par>
+                          <p:cTn id="20" fill="hold">
+                            <p:stCondLst>
+                              <p:cond delay="0"/>
+                            </p:stCondLst>
+                            <p:childTnLst>
+                              <p:par>
+                                <p:cTn id="21" presetID="16" presetClass="entr" presetSubtype="21" fill="hold" grpId="0" nodeType="clickEffect">
+                                  <p:stCondLst>
+                                    <p:cond delay="0"/>
+                                  </p:stCondLst>
+                                  <p:childTnLst>
+                                    <p:set>
+                                      <p:cBhvr>
+                                        <p:cTn id="22" dur="1" fill="hold">
+                                          <p:stCondLst>
+                                            <p:cond delay="0"/>
+                                          </p:stCondLst>
+                                        </p:cTn>
+                                        <p:tgtEl>
+                                          <p:spTgt spid="3">
+                                            <p:txEl>
+                                              <p:pRg st="3" end="3"/>
+                                            </p:txEl>
+                                          </p:spTgt>
+                                        </p:tgtEl>
+                                        <p:attrNameLst>
+                                          <p:attrName>style.visibility</p:attrName>
+                                        </p:attrNameLst>
+                                      </p:cBhvr>
+                                      <p:to>
+                                        <p:strVal val="visible"/>
+                                      </p:to>
+                                    </p:set>
+                                    <p:animEffect transition="in" filter="barn(inVertical)">
+                                      <p:cBhvr>
+                                        <p:cTn id="23" dur="500"/>
+                                        <p:tgtEl>
+                                          <p:spTgt spid="3">
+                                            <p:txEl>
+                                              <p:pRg st="3" end="3"/>
+                                            </p:txEl>
+                                          </p:spTgt>
+                                        </p:tgtEl>
+                                      </p:cBhvr>
+                                    </p:animEffect>
+                                  </p:childTnLst>
+                                </p:cTn>
+                              </p:par>
+                            </p:childTnLst>
+                          </p:cTn>
+                        </p:par>
+                      </p:childTnLst>
+                    </p:cTn>
+                  </p:par>
+                  <p:par>
+                    <p:cTn id="24" fill="hold">
+                      <p:stCondLst>
+                        <p:cond delay="indefinite"/>
+                      </p:stCondLst>
+                      <p:childTnLst>
+                        <p:par>
+                          <p:cTn id="25" fill="hold">
+                            <p:stCondLst>
+                              <p:cond delay="0"/>
+                            </p:stCondLst>
+                            <p:childTnLst>
+                              <p:par>
+                                <p:cTn id="26" presetID="16" presetClass="entr" presetSubtype="21" fill="hold" grpId="0" nodeType="clickEffect">
+                                  <p:stCondLst>
+                                    <p:cond delay="0"/>
+                                  </p:stCondLst>
+                                  <p:childTnLst>
+                                    <p:set>
+                                      <p:cBhvr>
+                                        <p:cTn id="27" dur="1" fill="hold">
+                                          <p:stCondLst>
+                                            <p:cond delay="0"/>
+                                          </p:stCondLst>
+                                        </p:cTn>
+                                        <p:tgtEl>
+                                          <p:spTgt spid="3">
+                                            <p:txEl>
+                                              <p:pRg st="4" end="4"/>
+                                            </p:txEl>
+                                          </p:spTgt>
+                                        </p:tgtEl>
+                                        <p:attrNameLst>
+                                          <p:attrName>style.visibility</p:attrName>
+                                        </p:attrNameLst>
+                                      </p:cBhvr>
+                                      <p:to>
+                                        <p:strVal val="visible"/>
+                                      </p:to>
+                                    </p:set>
+                                    <p:animEffect transition="in" filter="barn(inVertical)">
+                                      <p:cBhvr>
+                                        <p:cTn id="28" dur="500"/>
+                                        <p:tgtEl>
+                                          <p:spTgt spid="3">
+                                            <p:txEl>
+                                              <p:pRg st="4" end="4"/>
+                                            </p:txEl>
+                                          </p:spTgt>
+                                        </p:tgtEl>
+                                      </p:cBhvr>
+                                    </p:animEffect>
+                                  </p:childTnLst>
+                                </p:cTn>
+                              </p:par>
+                            </p:childTnLst>
+                          </p:cTn>
+                        </p:par>
+                      </p:childTnLst>
+                    </p:cTn>
+                  </p:par>
+                  <p:par>
+                    <p:cTn id="29" fill="hold">
+                      <p:stCondLst>
+                        <p:cond delay="indefinite"/>
+                      </p:stCondLst>
+                      <p:childTnLst>
+                        <p:par>
+                          <p:cTn id="30" fill="hold">
+                            <p:stCondLst>
+                              <p:cond delay="0"/>
+                            </p:stCondLst>
+                            <p:childTnLst>
+                              <p:par>
+                                <p:cTn id="31" presetID="16" presetClass="entr" presetSubtype="21" fill="hold" grpId="0" nodeType="clickEffect">
+                                  <p:stCondLst>
+                                    <p:cond delay="0"/>
+                                  </p:stCondLst>
+                                  <p:childTnLst>
+                                    <p:set>
+                                      <p:cBhvr>
+                                        <p:cTn id="32" dur="1" fill="hold">
+                                          <p:stCondLst>
+                                            <p:cond delay="0"/>
+                                          </p:stCondLst>
+                                        </p:cTn>
+                                        <p:tgtEl>
+                                          <p:spTgt spid="3">
+                                            <p:txEl>
+                                              <p:pRg st="5" end="5"/>
+                                            </p:txEl>
+                                          </p:spTgt>
+                                        </p:tgtEl>
+                                        <p:attrNameLst>
+                                          <p:attrName>style.visibility</p:attrName>
+                                        </p:attrNameLst>
+                                      </p:cBhvr>
+                                      <p:to>
+                                        <p:strVal val="visible"/>
+                                      </p:to>
+                                    </p:set>
+                                    <p:animEffect transition="in" filter="barn(inVertical)">
+                                      <p:cBhvr>
+                                        <p:cTn id="33" dur="500"/>
+                                        <p:tgtEl>
+                                          <p:spTgt spid="3">
+                                            <p:txEl>
+                                              <p:pRg st="5" end="5"/>
+                                            </p:txEl>
+                                          </p:spTgt>
+                                        </p:tgtEl>
+                                      </p:cBhvr>
+                                    </p:animEffect>
+                                  </p:childTnLst>
+                                </p:cTn>
+                              </p:par>
+                            </p:childTnLst>
+                          </p:cTn>
+                        </p:par>
+                      </p:childTnLst>
+                    </p:cTn>
+                  </p:par>
+                  <p:par>
+                    <p:cTn id="34" fill="hold">
+                      <p:stCondLst>
+                        <p:cond delay="indefinite"/>
+                      </p:stCondLst>
+                      <p:childTnLst>
+                        <p:par>
+                          <p:cTn id="35" fill="hold">
+                            <p:stCondLst>
+                              <p:cond delay="0"/>
+                            </p:stCondLst>
+                            <p:childTnLst>
+                              <p:par>
+                                <p:cTn id="36" presetID="16" presetClass="entr" presetSubtype="21" fill="hold" grpId="0" nodeType="clickEffect">
+                                  <p:stCondLst>
+                                    <p:cond delay="0"/>
+                                  </p:stCondLst>
+                                  <p:childTnLst>
+                                    <p:set>
+                                      <p:cBhvr>
+                                        <p:cTn id="37" dur="1" fill="hold">
+                                          <p:stCondLst>
+                                            <p:cond delay="0"/>
+                                          </p:stCondLst>
+                                        </p:cTn>
+                                        <p:tgtEl>
+                                          <p:spTgt spid="3">
+                                            <p:txEl>
+                                              <p:pRg st="6" end="6"/>
+                                            </p:txEl>
+                                          </p:spTgt>
+                                        </p:tgtEl>
+                                        <p:attrNameLst>
+                                          <p:attrName>style.visibility</p:attrName>
+                                        </p:attrNameLst>
+                                      </p:cBhvr>
+                                      <p:to>
+                                        <p:strVal val="visible"/>
+                                      </p:to>
+                                    </p:set>
+                                    <p:animEffect transition="in" filter="barn(inVertical)">
+                                      <p:cBhvr>
+                                        <p:cTn id="38" dur="500"/>
+                                        <p:tgtEl>
+                                          <p:spTgt spid="3">
+                                            <p:txEl>
+                                              <p:pRg st="6" end="6"/>
+                                            </p:txEl>
+                                          </p:spTgt>
+                                        </p:tgtEl>
+                                      </p:cBhvr>
+                                    </p:animEffect>
+                                  </p:childTnLst>
+                                </p:cTn>
+                              </p:par>
+                            </p:childTnLst>
+                          </p:cTn>
+                        </p:par>
+                      </p:childTnLst>
+                    </p:cTn>
+                  </p:par>
+                </p:childTnLst>
+              </p:cTn>
+              <p:prevCondLst>
+                <p:cond evt="onPrev" delay="0">
+                  <p:tgtEl>
+                    <p:sldTgt/>
+                  </p:tgtEl>
+                </p:cond>
+              </p:prevCondLst>
+              <p:nextCondLst>
+                <p:cond evt="onNext" delay="0">
+                  <p:tgtEl>
+                    <p:sldTgt/>
+                  </p:tgtEl>
+                </p:cond>
+              </p:nextCondLst>
+            </p:seq>
+          </p:childTnLst>
+        </p:cTn>
       </p:par>
     </p:tnLst>
+    <p:bldLst>
+      <p:bldP spid="3" grpId="0" build="p"/>
+      <p:bldP spid="4" grpId="0"/>
+    </p:bldLst>
   </p:timing>
 </p:sld>
 </file>
@@ -8729,9 +12404,761 @@
   <p:timing>
     <p:tnLst>
       <p:par>
-        <p:cTn id="1" dur="indefinite" restart="never" nodeType="tmRoot"/>
+        <p:cTn id="1" dur="indefinite" restart="never" nodeType="tmRoot">
+          <p:childTnLst>
+            <p:seq concurrent="1" nextAc="seek">
+              <p:cTn id="2" dur="indefinite" nodeType="mainSeq">
+                <p:childTnLst>
+                  <p:par>
+                    <p:cTn id="3" fill="hold">
+                      <p:stCondLst>
+                        <p:cond delay="indefinite"/>
+                        <p:cond evt="onBegin" delay="0">
+                          <p:tn val="2"/>
+                        </p:cond>
+                      </p:stCondLst>
+                      <p:childTnLst>
+                        <p:par>
+                          <p:cTn id="4" fill="hold">
+                            <p:stCondLst>
+                              <p:cond delay="0"/>
+                            </p:stCondLst>
+                            <p:childTnLst>
+                              <p:par>
+                                <p:cTn id="5" presetID="2" presetClass="entr" presetSubtype="4" fill="hold" grpId="0" nodeType="withEffect">
+                                  <p:stCondLst>
+                                    <p:cond delay="0"/>
+                                  </p:stCondLst>
+                                  <p:childTnLst>
+                                    <p:set>
+                                      <p:cBhvr>
+                                        <p:cTn id="6" dur="1" fill="hold">
+                                          <p:stCondLst>
+                                            <p:cond delay="0"/>
+                                          </p:stCondLst>
+                                        </p:cTn>
+                                        <p:tgtEl>
+                                          <p:spTgt spid="3"/>
+                                        </p:tgtEl>
+                                        <p:attrNameLst>
+                                          <p:attrName>style.visibility</p:attrName>
+                                        </p:attrNameLst>
+                                      </p:cBhvr>
+                                      <p:to>
+                                        <p:strVal val="visible"/>
+                                      </p:to>
+                                    </p:set>
+                                    <p:anim calcmode="lin" valueType="num">
+                                      <p:cBhvr additive="base">
+                                        <p:cTn id="7" dur="500" fill="hold"/>
+                                        <p:tgtEl>
+                                          <p:spTgt spid="3"/>
+                                        </p:tgtEl>
+                                        <p:attrNameLst>
+                                          <p:attrName>ppt_x</p:attrName>
+                                        </p:attrNameLst>
+                                      </p:cBhvr>
+                                      <p:tavLst>
+                                        <p:tav tm="0">
+                                          <p:val>
+                                            <p:strVal val="#ppt_x"/>
+                                          </p:val>
+                                        </p:tav>
+                                        <p:tav tm="100000">
+                                          <p:val>
+                                            <p:strVal val="#ppt_x"/>
+                                          </p:val>
+                                        </p:tav>
+                                      </p:tavLst>
+                                    </p:anim>
+                                    <p:anim calcmode="lin" valueType="num">
+                                      <p:cBhvr additive="base">
+                                        <p:cTn id="8" dur="500" fill="hold"/>
+                                        <p:tgtEl>
+                                          <p:spTgt spid="3"/>
+                                        </p:tgtEl>
+                                        <p:attrNameLst>
+                                          <p:attrName>ppt_y</p:attrName>
+                                        </p:attrNameLst>
+                                      </p:cBhvr>
+                                      <p:tavLst>
+                                        <p:tav tm="0">
+                                          <p:val>
+                                            <p:strVal val="1+#ppt_h/2"/>
+                                          </p:val>
+                                        </p:tav>
+                                        <p:tav tm="100000">
+                                          <p:val>
+                                            <p:strVal val="#ppt_y"/>
+                                          </p:val>
+                                        </p:tav>
+                                      </p:tavLst>
+                                    </p:anim>
+                                  </p:childTnLst>
+                                </p:cTn>
+                              </p:par>
+                            </p:childTnLst>
+                          </p:cTn>
+                        </p:par>
+                      </p:childTnLst>
+                    </p:cTn>
+                  </p:par>
+                  <p:par>
+                    <p:cTn id="9" fill="hold">
+                      <p:stCondLst>
+                        <p:cond delay="indefinite"/>
+                      </p:stCondLst>
+                      <p:childTnLst>
+                        <p:par>
+                          <p:cTn id="10" fill="hold">
+                            <p:stCondLst>
+                              <p:cond delay="0"/>
+                            </p:stCondLst>
+                            <p:childTnLst>
+                              <p:par>
+                                <p:cTn id="11" presetID="16" presetClass="entr" presetSubtype="21" fill="hold" grpId="0" nodeType="clickEffect">
+                                  <p:stCondLst>
+                                    <p:cond delay="0"/>
+                                  </p:stCondLst>
+                                  <p:childTnLst>
+                                    <p:set>
+                                      <p:cBhvr>
+                                        <p:cTn id="12" dur="1" fill="hold">
+                                          <p:stCondLst>
+                                            <p:cond delay="0"/>
+                                          </p:stCondLst>
+                                        </p:cTn>
+                                        <p:tgtEl>
+                                          <p:spTgt spid="7">
+                                            <p:txEl>
+                                              <p:pRg st="0" end="0"/>
+                                            </p:txEl>
+                                          </p:spTgt>
+                                        </p:tgtEl>
+                                        <p:attrNameLst>
+                                          <p:attrName>style.visibility</p:attrName>
+                                        </p:attrNameLst>
+                                      </p:cBhvr>
+                                      <p:to>
+                                        <p:strVal val="visible"/>
+                                      </p:to>
+                                    </p:set>
+                                    <p:animEffect transition="in" filter="barn(inVertical)">
+                                      <p:cBhvr>
+                                        <p:cTn id="13" dur="500"/>
+                                        <p:tgtEl>
+                                          <p:spTgt spid="7">
+                                            <p:txEl>
+                                              <p:pRg st="0" end="0"/>
+                                            </p:txEl>
+                                          </p:spTgt>
+                                        </p:tgtEl>
+                                      </p:cBhvr>
+                                    </p:animEffect>
+                                  </p:childTnLst>
+                                </p:cTn>
+                              </p:par>
+                              <p:par>
+                                <p:cTn id="14" presetID="16" presetClass="entr" presetSubtype="21" fill="hold" grpId="0" nodeType="withEffect">
+                                  <p:stCondLst>
+                                    <p:cond delay="0"/>
+                                  </p:stCondLst>
+                                  <p:childTnLst>
+                                    <p:set>
+                                      <p:cBhvr>
+                                        <p:cTn id="15" dur="1" fill="hold">
+                                          <p:stCondLst>
+                                            <p:cond delay="0"/>
+                                          </p:stCondLst>
+                                        </p:cTn>
+                                        <p:tgtEl>
+                                          <p:spTgt spid="7">
+                                            <p:txEl>
+                                              <p:pRg st="1" end="1"/>
+                                            </p:txEl>
+                                          </p:spTgt>
+                                        </p:tgtEl>
+                                        <p:attrNameLst>
+                                          <p:attrName>style.visibility</p:attrName>
+                                        </p:attrNameLst>
+                                      </p:cBhvr>
+                                      <p:to>
+                                        <p:strVal val="visible"/>
+                                      </p:to>
+                                    </p:set>
+                                    <p:animEffect transition="in" filter="barn(inVertical)">
+                                      <p:cBhvr>
+                                        <p:cTn id="16" dur="500"/>
+                                        <p:tgtEl>
+                                          <p:spTgt spid="7">
+                                            <p:txEl>
+                                              <p:pRg st="1" end="1"/>
+                                            </p:txEl>
+                                          </p:spTgt>
+                                        </p:tgtEl>
+                                      </p:cBhvr>
+                                    </p:animEffect>
+                                  </p:childTnLst>
+                                </p:cTn>
+                              </p:par>
+                              <p:par>
+                                <p:cTn id="17" presetID="16" presetClass="entr" presetSubtype="21" fill="hold" grpId="0" nodeType="withEffect">
+                                  <p:stCondLst>
+                                    <p:cond delay="0"/>
+                                  </p:stCondLst>
+                                  <p:childTnLst>
+                                    <p:set>
+                                      <p:cBhvr>
+                                        <p:cTn id="18" dur="1" fill="hold">
+                                          <p:stCondLst>
+                                            <p:cond delay="0"/>
+                                          </p:stCondLst>
+                                        </p:cTn>
+                                        <p:tgtEl>
+                                          <p:spTgt spid="7">
+                                            <p:txEl>
+                                              <p:pRg st="2" end="2"/>
+                                            </p:txEl>
+                                          </p:spTgt>
+                                        </p:tgtEl>
+                                        <p:attrNameLst>
+                                          <p:attrName>style.visibility</p:attrName>
+                                        </p:attrNameLst>
+                                      </p:cBhvr>
+                                      <p:to>
+                                        <p:strVal val="visible"/>
+                                      </p:to>
+                                    </p:set>
+                                    <p:animEffect transition="in" filter="barn(inVertical)">
+                                      <p:cBhvr>
+                                        <p:cTn id="19" dur="500"/>
+                                        <p:tgtEl>
+                                          <p:spTgt spid="7">
+                                            <p:txEl>
+                                              <p:pRg st="2" end="2"/>
+                                            </p:txEl>
+                                          </p:spTgt>
+                                        </p:tgtEl>
+                                      </p:cBhvr>
+                                    </p:animEffect>
+                                  </p:childTnLst>
+                                </p:cTn>
+                              </p:par>
+                              <p:par>
+                                <p:cTn id="20" presetID="16" presetClass="entr" presetSubtype="21" fill="hold" grpId="0" nodeType="withEffect">
+                                  <p:stCondLst>
+                                    <p:cond delay="0"/>
+                                  </p:stCondLst>
+                                  <p:childTnLst>
+                                    <p:set>
+                                      <p:cBhvr>
+                                        <p:cTn id="21" dur="1" fill="hold">
+                                          <p:stCondLst>
+                                            <p:cond delay="0"/>
+                                          </p:stCondLst>
+                                        </p:cTn>
+                                        <p:tgtEl>
+                                          <p:spTgt spid="7">
+                                            <p:txEl>
+                                              <p:pRg st="3" end="3"/>
+                                            </p:txEl>
+                                          </p:spTgt>
+                                        </p:tgtEl>
+                                        <p:attrNameLst>
+                                          <p:attrName>style.visibility</p:attrName>
+                                        </p:attrNameLst>
+                                      </p:cBhvr>
+                                      <p:to>
+                                        <p:strVal val="visible"/>
+                                      </p:to>
+                                    </p:set>
+                                    <p:animEffect transition="in" filter="barn(inVertical)">
+                                      <p:cBhvr>
+                                        <p:cTn id="22" dur="500"/>
+                                        <p:tgtEl>
+                                          <p:spTgt spid="7">
+                                            <p:txEl>
+                                              <p:pRg st="3" end="3"/>
+                                            </p:txEl>
+                                          </p:spTgt>
+                                        </p:tgtEl>
+                                      </p:cBhvr>
+                                    </p:animEffect>
+                                  </p:childTnLst>
+                                </p:cTn>
+                              </p:par>
+                            </p:childTnLst>
+                          </p:cTn>
+                        </p:par>
+                      </p:childTnLst>
+                    </p:cTn>
+                  </p:par>
+                  <p:par>
+                    <p:cTn id="23" fill="hold">
+                      <p:stCondLst>
+                        <p:cond delay="indefinite"/>
+                      </p:stCondLst>
+                      <p:childTnLst>
+                        <p:par>
+                          <p:cTn id="24" fill="hold">
+                            <p:stCondLst>
+                              <p:cond delay="0"/>
+                            </p:stCondLst>
+                            <p:childTnLst>
+                              <p:par>
+                                <p:cTn id="25" presetID="16" presetClass="entr" presetSubtype="21" fill="hold" grpId="0" nodeType="clickEffect">
+                                  <p:stCondLst>
+                                    <p:cond delay="0"/>
+                                  </p:stCondLst>
+                                  <p:childTnLst>
+                                    <p:set>
+                                      <p:cBhvr>
+                                        <p:cTn id="26" dur="1" fill="hold">
+                                          <p:stCondLst>
+                                            <p:cond delay="0"/>
+                                          </p:stCondLst>
+                                        </p:cTn>
+                                        <p:tgtEl>
+                                          <p:spTgt spid="7">
+                                            <p:txEl>
+                                              <p:pRg st="4" end="4"/>
+                                            </p:txEl>
+                                          </p:spTgt>
+                                        </p:tgtEl>
+                                        <p:attrNameLst>
+                                          <p:attrName>style.visibility</p:attrName>
+                                        </p:attrNameLst>
+                                      </p:cBhvr>
+                                      <p:to>
+                                        <p:strVal val="visible"/>
+                                      </p:to>
+                                    </p:set>
+                                    <p:animEffect transition="in" filter="barn(inVertical)">
+                                      <p:cBhvr>
+                                        <p:cTn id="27" dur="500"/>
+                                        <p:tgtEl>
+                                          <p:spTgt spid="7">
+                                            <p:txEl>
+                                              <p:pRg st="4" end="4"/>
+                                            </p:txEl>
+                                          </p:spTgt>
+                                        </p:tgtEl>
+                                      </p:cBhvr>
+                                    </p:animEffect>
+                                  </p:childTnLst>
+                                </p:cTn>
+                              </p:par>
+                              <p:par>
+                                <p:cTn id="28" presetID="16" presetClass="entr" presetSubtype="21" fill="hold" grpId="0" nodeType="withEffect">
+                                  <p:stCondLst>
+                                    <p:cond delay="0"/>
+                                  </p:stCondLst>
+                                  <p:childTnLst>
+                                    <p:set>
+                                      <p:cBhvr>
+                                        <p:cTn id="29" dur="1" fill="hold">
+                                          <p:stCondLst>
+                                            <p:cond delay="0"/>
+                                          </p:stCondLst>
+                                        </p:cTn>
+                                        <p:tgtEl>
+                                          <p:spTgt spid="7">
+                                            <p:txEl>
+                                              <p:pRg st="5" end="5"/>
+                                            </p:txEl>
+                                          </p:spTgt>
+                                        </p:tgtEl>
+                                        <p:attrNameLst>
+                                          <p:attrName>style.visibility</p:attrName>
+                                        </p:attrNameLst>
+                                      </p:cBhvr>
+                                      <p:to>
+                                        <p:strVal val="visible"/>
+                                      </p:to>
+                                    </p:set>
+                                    <p:animEffect transition="in" filter="barn(inVertical)">
+                                      <p:cBhvr>
+                                        <p:cTn id="30" dur="500"/>
+                                        <p:tgtEl>
+                                          <p:spTgt spid="7">
+                                            <p:txEl>
+                                              <p:pRg st="5" end="5"/>
+                                            </p:txEl>
+                                          </p:spTgt>
+                                        </p:tgtEl>
+                                      </p:cBhvr>
+                                    </p:animEffect>
+                                  </p:childTnLst>
+                                </p:cTn>
+                              </p:par>
+                              <p:par>
+                                <p:cTn id="31" presetID="16" presetClass="entr" presetSubtype="21" fill="hold" grpId="0" nodeType="withEffect">
+                                  <p:stCondLst>
+                                    <p:cond delay="0"/>
+                                  </p:stCondLst>
+                                  <p:childTnLst>
+                                    <p:set>
+                                      <p:cBhvr>
+                                        <p:cTn id="32" dur="1" fill="hold">
+                                          <p:stCondLst>
+                                            <p:cond delay="0"/>
+                                          </p:stCondLst>
+                                        </p:cTn>
+                                        <p:tgtEl>
+                                          <p:spTgt spid="7">
+                                            <p:txEl>
+                                              <p:pRg st="6" end="6"/>
+                                            </p:txEl>
+                                          </p:spTgt>
+                                        </p:tgtEl>
+                                        <p:attrNameLst>
+                                          <p:attrName>style.visibility</p:attrName>
+                                        </p:attrNameLst>
+                                      </p:cBhvr>
+                                      <p:to>
+                                        <p:strVal val="visible"/>
+                                      </p:to>
+                                    </p:set>
+                                    <p:animEffect transition="in" filter="barn(inVertical)">
+                                      <p:cBhvr>
+                                        <p:cTn id="33" dur="500"/>
+                                        <p:tgtEl>
+                                          <p:spTgt spid="7">
+                                            <p:txEl>
+                                              <p:pRg st="6" end="6"/>
+                                            </p:txEl>
+                                          </p:spTgt>
+                                        </p:tgtEl>
+                                      </p:cBhvr>
+                                    </p:animEffect>
+                                  </p:childTnLst>
+                                </p:cTn>
+                              </p:par>
+                              <p:par>
+                                <p:cTn id="34" presetID="16" presetClass="entr" presetSubtype="21" fill="hold" grpId="0" nodeType="withEffect">
+                                  <p:stCondLst>
+                                    <p:cond delay="0"/>
+                                  </p:stCondLst>
+                                  <p:childTnLst>
+                                    <p:set>
+                                      <p:cBhvr>
+                                        <p:cTn id="35" dur="1" fill="hold">
+                                          <p:stCondLst>
+                                            <p:cond delay="0"/>
+                                          </p:stCondLst>
+                                        </p:cTn>
+                                        <p:tgtEl>
+                                          <p:spTgt spid="7">
+                                            <p:txEl>
+                                              <p:pRg st="7" end="7"/>
+                                            </p:txEl>
+                                          </p:spTgt>
+                                        </p:tgtEl>
+                                        <p:attrNameLst>
+                                          <p:attrName>style.visibility</p:attrName>
+                                        </p:attrNameLst>
+                                      </p:cBhvr>
+                                      <p:to>
+                                        <p:strVal val="visible"/>
+                                      </p:to>
+                                    </p:set>
+                                    <p:animEffect transition="in" filter="barn(inVertical)">
+                                      <p:cBhvr>
+                                        <p:cTn id="36" dur="500"/>
+                                        <p:tgtEl>
+                                          <p:spTgt spid="7">
+                                            <p:txEl>
+                                              <p:pRg st="7" end="7"/>
+                                            </p:txEl>
+                                          </p:spTgt>
+                                        </p:tgtEl>
+                                      </p:cBhvr>
+                                    </p:animEffect>
+                                  </p:childTnLst>
+                                </p:cTn>
+                              </p:par>
+                            </p:childTnLst>
+                          </p:cTn>
+                        </p:par>
+                      </p:childTnLst>
+                    </p:cTn>
+                  </p:par>
+                  <p:par>
+                    <p:cTn id="37" fill="hold">
+                      <p:stCondLst>
+                        <p:cond delay="indefinite"/>
+                      </p:stCondLst>
+                      <p:childTnLst>
+                        <p:par>
+                          <p:cTn id="38" fill="hold">
+                            <p:stCondLst>
+                              <p:cond delay="0"/>
+                            </p:stCondLst>
+                            <p:childTnLst>
+                              <p:par>
+                                <p:cTn id="39" presetID="16" presetClass="entr" presetSubtype="21" fill="hold" grpId="0" nodeType="clickEffect">
+                                  <p:stCondLst>
+                                    <p:cond delay="0"/>
+                                  </p:stCondLst>
+                                  <p:childTnLst>
+                                    <p:set>
+                                      <p:cBhvr>
+                                        <p:cTn id="40" dur="1" fill="hold">
+                                          <p:stCondLst>
+                                            <p:cond delay="0"/>
+                                          </p:stCondLst>
+                                        </p:cTn>
+                                        <p:tgtEl>
+                                          <p:spTgt spid="7">
+                                            <p:txEl>
+                                              <p:pRg st="8" end="8"/>
+                                            </p:txEl>
+                                          </p:spTgt>
+                                        </p:tgtEl>
+                                        <p:attrNameLst>
+                                          <p:attrName>style.visibility</p:attrName>
+                                        </p:attrNameLst>
+                                      </p:cBhvr>
+                                      <p:to>
+                                        <p:strVal val="visible"/>
+                                      </p:to>
+                                    </p:set>
+                                    <p:animEffect transition="in" filter="barn(inVertical)">
+                                      <p:cBhvr>
+                                        <p:cTn id="41" dur="500"/>
+                                        <p:tgtEl>
+                                          <p:spTgt spid="7">
+                                            <p:txEl>
+                                              <p:pRg st="8" end="8"/>
+                                            </p:txEl>
+                                          </p:spTgt>
+                                        </p:tgtEl>
+                                      </p:cBhvr>
+                                    </p:animEffect>
+                                  </p:childTnLst>
+                                </p:cTn>
+                              </p:par>
+                              <p:par>
+                                <p:cTn id="42" presetID="16" presetClass="entr" presetSubtype="21" fill="hold" grpId="0" nodeType="withEffect">
+                                  <p:stCondLst>
+                                    <p:cond delay="0"/>
+                                  </p:stCondLst>
+                                  <p:childTnLst>
+                                    <p:set>
+                                      <p:cBhvr>
+                                        <p:cTn id="43" dur="1" fill="hold">
+                                          <p:stCondLst>
+                                            <p:cond delay="0"/>
+                                          </p:stCondLst>
+                                        </p:cTn>
+                                        <p:tgtEl>
+                                          <p:spTgt spid="7">
+                                            <p:txEl>
+                                              <p:pRg st="9" end="9"/>
+                                            </p:txEl>
+                                          </p:spTgt>
+                                        </p:tgtEl>
+                                        <p:attrNameLst>
+                                          <p:attrName>style.visibility</p:attrName>
+                                        </p:attrNameLst>
+                                      </p:cBhvr>
+                                      <p:to>
+                                        <p:strVal val="visible"/>
+                                      </p:to>
+                                    </p:set>
+                                    <p:animEffect transition="in" filter="barn(inVertical)">
+                                      <p:cBhvr>
+                                        <p:cTn id="44" dur="500"/>
+                                        <p:tgtEl>
+                                          <p:spTgt spid="7">
+                                            <p:txEl>
+                                              <p:pRg st="9" end="9"/>
+                                            </p:txEl>
+                                          </p:spTgt>
+                                        </p:tgtEl>
+                                      </p:cBhvr>
+                                    </p:animEffect>
+                                  </p:childTnLst>
+                                </p:cTn>
+                              </p:par>
+                            </p:childTnLst>
+                          </p:cTn>
+                        </p:par>
+                      </p:childTnLst>
+                    </p:cTn>
+                  </p:par>
+                  <p:par>
+                    <p:cTn id="45" fill="hold">
+                      <p:stCondLst>
+                        <p:cond delay="indefinite"/>
+                      </p:stCondLst>
+                      <p:childTnLst>
+                        <p:par>
+                          <p:cTn id="46" fill="hold">
+                            <p:stCondLst>
+                              <p:cond delay="0"/>
+                            </p:stCondLst>
+                            <p:childTnLst>
+                              <p:par>
+                                <p:cTn id="47" presetID="16" presetClass="entr" presetSubtype="21" fill="hold" grpId="0" nodeType="clickEffect">
+                                  <p:stCondLst>
+                                    <p:cond delay="0"/>
+                                  </p:stCondLst>
+                                  <p:childTnLst>
+                                    <p:set>
+                                      <p:cBhvr>
+                                        <p:cTn id="48" dur="1" fill="hold">
+                                          <p:stCondLst>
+                                            <p:cond delay="0"/>
+                                          </p:stCondLst>
+                                        </p:cTn>
+                                        <p:tgtEl>
+                                          <p:spTgt spid="7">
+                                            <p:txEl>
+                                              <p:pRg st="10" end="10"/>
+                                            </p:txEl>
+                                          </p:spTgt>
+                                        </p:tgtEl>
+                                        <p:attrNameLst>
+                                          <p:attrName>style.visibility</p:attrName>
+                                        </p:attrNameLst>
+                                      </p:cBhvr>
+                                      <p:to>
+                                        <p:strVal val="visible"/>
+                                      </p:to>
+                                    </p:set>
+                                    <p:animEffect transition="in" filter="barn(inVertical)">
+                                      <p:cBhvr>
+                                        <p:cTn id="49" dur="500"/>
+                                        <p:tgtEl>
+                                          <p:spTgt spid="7">
+                                            <p:txEl>
+                                              <p:pRg st="10" end="10"/>
+                                            </p:txEl>
+                                          </p:spTgt>
+                                        </p:tgtEl>
+                                      </p:cBhvr>
+                                    </p:animEffect>
+                                  </p:childTnLst>
+                                </p:cTn>
+                              </p:par>
+                              <p:par>
+                                <p:cTn id="50" presetID="16" presetClass="entr" presetSubtype="21" fill="hold" grpId="0" nodeType="withEffect">
+                                  <p:stCondLst>
+                                    <p:cond delay="0"/>
+                                  </p:stCondLst>
+                                  <p:childTnLst>
+                                    <p:set>
+                                      <p:cBhvr>
+                                        <p:cTn id="51" dur="1" fill="hold">
+                                          <p:stCondLst>
+                                            <p:cond delay="0"/>
+                                          </p:stCondLst>
+                                        </p:cTn>
+                                        <p:tgtEl>
+                                          <p:spTgt spid="7">
+                                            <p:txEl>
+                                              <p:pRg st="11" end="11"/>
+                                            </p:txEl>
+                                          </p:spTgt>
+                                        </p:tgtEl>
+                                        <p:attrNameLst>
+                                          <p:attrName>style.visibility</p:attrName>
+                                        </p:attrNameLst>
+                                      </p:cBhvr>
+                                      <p:to>
+                                        <p:strVal val="visible"/>
+                                      </p:to>
+                                    </p:set>
+                                    <p:animEffect transition="in" filter="barn(inVertical)">
+                                      <p:cBhvr>
+                                        <p:cTn id="52" dur="500"/>
+                                        <p:tgtEl>
+                                          <p:spTgt spid="7">
+                                            <p:txEl>
+                                              <p:pRg st="11" end="11"/>
+                                            </p:txEl>
+                                          </p:spTgt>
+                                        </p:tgtEl>
+                                      </p:cBhvr>
+                                    </p:animEffect>
+                                  </p:childTnLst>
+                                </p:cTn>
+                              </p:par>
+                              <p:par>
+                                <p:cTn id="53" presetID="16" presetClass="entr" presetSubtype="21" fill="hold" grpId="0" nodeType="withEffect">
+                                  <p:stCondLst>
+                                    <p:cond delay="0"/>
+                                  </p:stCondLst>
+                                  <p:childTnLst>
+                                    <p:set>
+                                      <p:cBhvr>
+                                        <p:cTn id="54" dur="1" fill="hold">
+                                          <p:stCondLst>
+                                            <p:cond delay="0"/>
+                                          </p:stCondLst>
+                                        </p:cTn>
+                                        <p:tgtEl>
+                                          <p:spTgt spid="7">
+                                            <p:txEl>
+                                              <p:pRg st="13" end="13"/>
+                                            </p:txEl>
+                                          </p:spTgt>
+                                        </p:tgtEl>
+                                        <p:attrNameLst>
+                                          <p:attrName>style.visibility</p:attrName>
+                                        </p:attrNameLst>
+                                      </p:cBhvr>
+                                      <p:to>
+                                        <p:strVal val="visible"/>
+                                      </p:to>
+                                    </p:set>
+                                    <p:animEffect transition="in" filter="barn(inVertical)">
+                                      <p:cBhvr>
+                                        <p:cTn id="55" dur="500"/>
+                                        <p:tgtEl>
+                                          <p:spTgt spid="7">
+                                            <p:txEl>
+                                              <p:pRg st="13" end="13"/>
+                                            </p:txEl>
+                                          </p:spTgt>
+                                        </p:tgtEl>
+                                      </p:cBhvr>
+                                    </p:animEffect>
+                                  </p:childTnLst>
+                                </p:cTn>
+                              </p:par>
+                            </p:childTnLst>
+                          </p:cTn>
+                        </p:par>
+                      </p:childTnLst>
+                    </p:cTn>
+                  </p:par>
+                </p:childTnLst>
+              </p:cTn>
+              <p:prevCondLst>
+                <p:cond evt="onPrev" delay="0">
+                  <p:tgtEl>
+                    <p:sldTgt/>
+                  </p:tgtEl>
+                </p:cond>
+              </p:prevCondLst>
+              <p:nextCondLst>
+                <p:cond evt="onNext" delay="0">
+                  <p:tgtEl>
+                    <p:sldTgt/>
+                  </p:tgtEl>
+                </p:cond>
+              </p:nextCondLst>
+            </p:seq>
+          </p:childTnLst>
+        </p:cTn>
       </p:par>
     </p:tnLst>
+    <p:bldLst>
+      <p:bldP spid="7" grpId="0" build="p"/>
+      <p:bldP spid="3" grpId="0"/>
+    </p:bldLst>
   </p:timing>
 </p:sld>
 </file>
@@ -8863,8 +13290,8 @@
         </p:nvSpPr>
         <p:spPr>
           <a:xfrm>
-            <a:off x="564463" y="5694811"/>
-            <a:ext cx="4344779" cy="553998"/>
+            <a:off x="-78376" y="5720316"/>
+            <a:ext cx="9300752" cy="553998"/>
           </a:xfrm>
           <a:prstGeom prst="rect">
             <a:avLst/>
@@ -8894,7 +13321,25 @@
                   <a:schemeClr val="tx1"/>
                 </a:solidFill>
               </a:rPr>
-              <a:t>Works for WAN also</a:t>
+              <a:t>Works for WAN </a:t>
+            </a:r>
+            <a:r>
+              <a:rPr lang="en-US" sz="3000" cap="none" spc="0" dirty="0" smtClean="0">
+                <a:ln w="0"/>
+                <a:solidFill>
+                  <a:schemeClr val="tx1"/>
+                </a:solidFill>
+              </a:rPr>
+              <a:t>also </a:t>
+            </a:r>
+            <a:r>
+              <a:rPr lang="en-US" b="1" cap="none" spc="0" dirty="0" smtClean="0">
+                <a:ln w="0"/>
+                <a:solidFill>
+                  <a:schemeClr val="tx1"/>
+                </a:solidFill>
+              </a:rPr>
+              <a:t>(assuming routers in WAN can route IPv6 packets)</a:t>
             </a:r>
             <a:endParaRPr lang="en-US" sz="5400" cap="none" spc="0" dirty="0">
               <a:ln w="0"/>
@@ -9403,9 +13848,590 @@
   <p:timing>
     <p:tnLst>
       <p:par>
-        <p:cTn id="1" dur="indefinite" restart="never" nodeType="tmRoot"/>
+        <p:cTn id="1" dur="indefinite" restart="never" nodeType="tmRoot">
+          <p:childTnLst>
+            <p:seq concurrent="1" nextAc="seek">
+              <p:cTn id="2" dur="indefinite" nodeType="mainSeq">
+                <p:childTnLst>
+                  <p:par>
+                    <p:cTn id="3" fill="hold">
+                      <p:stCondLst>
+                        <p:cond delay="indefinite"/>
+                        <p:cond evt="onBegin" delay="0">
+                          <p:tn val="2"/>
+                        </p:cond>
+                      </p:stCondLst>
+                      <p:childTnLst>
+                        <p:par>
+                          <p:cTn id="4" fill="hold">
+                            <p:stCondLst>
+                              <p:cond delay="0"/>
+                            </p:stCondLst>
+                            <p:childTnLst>
+                              <p:par>
+                                <p:cTn id="5" presetID="2" presetClass="entr" presetSubtype="4" fill="hold" grpId="0" nodeType="withEffect">
+                                  <p:stCondLst>
+                                    <p:cond delay="0"/>
+                                  </p:stCondLst>
+                                  <p:childTnLst>
+                                    <p:set>
+                                      <p:cBhvr>
+                                        <p:cTn id="6" dur="1" fill="hold">
+                                          <p:stCondLst>
+                                            <p:cond delay="0"/>
+                                          </p:stCondLst>
+                                        </p:cTn>
+                                        <p:tgtEl>
+                                          <p:spTgt spid="9"/>
+                                        </p:tgtEl>
+                                        <p:attrNameLst>
+                                          <p:attrName>style.visibility</p:attrName>
+                                        </p:attrNameLst>
+                                      </p:cBhvr>
+                                      <p:to>
+                                        <p:strVal val="visible"/>
+                                      </p:to>
+                                    </p:set>
+                                    <p:anim calcmode="lin" valueType="num">
+                                      <p:cBhvr additive="base">
+                                        <p:cTn id="7" dur="500" fill="hold"/>
+                                        <p:tgtEl>
+                                          <p:spTgt spid="9"/>
+                                        </p:tgtEl>
+                                        <p:attrNameLst>
+                                          <p:attrName>ppt_x</p:attrName>
+                                        </p:attrNameLst>
+                                      </p:cBhvr>
+                                      <p:tavLst>
+                                        <p:tav tm="0">
+                                          <p:val>
+                                            <p:strVal val="#ppt_x"/>
+                                          </p:val>
+                                        </p:tav>
+                                        <p:tav tm="100000">
+                                          <p:val>
+                                            <p:strVal val="#ppt_x"/>
+                                          </p:val>
+                                        </p:tav>
+                                      </p:tavLst>
+                                    </p:anim>
+                                    <p:anim calcmode="lin" valueType="num">
+                                      <p:cBhvr additive="base">
+                                        <p:cTn id="8" dur="500" fill="hold"/>
+                                        <p:tgtEl>
+                                          <p:spTgt spid="9"/>
+                                        </p:tgtEl>
+                                        <p:attrNameLst>
+                                          <p:attrName>ppt_y</p:attrName>
+                                        </p:attrNameLst>
+                                      </p:cBhvr>
+                                      <p:tavLst>
+                                        <p:tav tm="0">
+                                          <p:val>
+                                            <p:strVal val="1+#ppt_h/2"/>
+                                          </p:val>
+                                        </p:tav>
+                                        <p:tav tm="100000">
+                                          <p:val>
+                                            <p:strVal val="#ppt_y"/>
+                                          </p:val>
+                                        </p:tav>
+                                      </p:tavLst>
+                                    </p:anim>
+                                  </p:childTnLst>
+                                </p:cTn>
+                              </p:par>
+                            </p:childTnLst>
+                          </p:cTn>
+                        </p:par>
+                      </p:childTnLst>
+                    </p:cTn>
+                  </p:par>
+                  <p:par>
+                    <p:cTn id="9" fill="hold">
+                      <p:stCondLst>
+                        <p:cond delay="indefinite"/>
+                      </p:stCondLst>
+                      <p:childTnLst>
+                        <p:par>
+                          <p:cTn id="10" fill="hold">
+                            <p:stCondLst>
+                              <p:cond delay="0"/>
+                            </p:stCondLst>
+                            <p:childTnLst>
+                              <p:par>
+                                <p:cTn id="11" presetID="16" presetClass="entr" presetSubtype="21" fill="hold" nodeType="clickEffect">
+                                  <p:stCondLst>
+                                    <p:cond delay="0"/>
+                                  </p:stCondLst>
+                                  <p:childTnLst>
+                                    <p:set>
+                                      <p:cBhvr>
+                                        <p:cTn id="12" dur="1" fill="hold">
+                                          <p:stCondLst>
+                                            <p:cond delay="0"/>
+                                          </p:stCondLst>
+                                        </p:cTn>
+                                        <p:tgtEl>
+                                          <p:spTgt spid="18"/>
+                                        </p:tgtEl>
+                                        <p:attrNameLst>
+                                          <p:attrName>style.visibility</p:attrName>
+                                        </p:attrNameLst>
+                                      </p:cBhvr>
+                                      <p:to>
+                                        <p:strVal val="visible"/>
+                                      </p:to>
+                                    </p:set>
+                                    <p:animEffect transition="in" filter="barn(inVertical)">
+                                      <p:cBhvr>
+                                        <p:cTn id="13" dur="500"/>
+                                        <p:tgtEl>
+                                          <p:spTgt spid="18"/>
+                                        </p:tgtEl>
+                                      </p:cBhvr>
+                                    </p:animEffect>
+                                  </p:childTnLst>
+                                </p:cTn>
+                              </p:par>
+                              <p:par>
+                                <p:cTn id="14" presetID="16" presetClass="entr" presetSubtype="21" fill="hold" nodeType="withEffect">
+                                  <p:stCondLst>
+                                    <p:cond delay="0"/>
+                                  </p:stCondLst>
+                                  <p:childTnLst>
+                                    <p:set>
+                                      <p:cBhvr>
+                                        <p:cTn id="15" dur="1" fill="hold">
+                                          <p:stCondLst>
+                                            <p:cond delay="0"/>
+                                          </p:stCondLst>
+                                        </p:cTn>
+                                        <p:tgtEl>
+                                          <p:spTgt spid="20"/>
+                                        </p:tgtEl>
+                                        <p:attrNameLst>
+                                          <p:attrName>style.visibility</p:attrName>
+                                        </p:attrNameLst>
+                                      </p:cBhvr>
+                                      <p:to>
+                                        <p:strVal val="visible"/>
+                                      </p:to>
+                                    </p:set>
+                                    <p:animEffect transition="in" filter="barn(inVertical)">
+                                      <p:cBhvr>
+                                        <p:cTn id="16" dur="500"/>
+                                        <p:tgtEl>
+                                          <p:spTgt spid="20"/>
+                                        </p:tgtEl>
+                                      </p:cBhvr>
+                                    </p:animEffect>
+                                  </p:childTnLst>
+                                </p:cTn>
+                              </p:par>
+                              <p:par>
+                                <p:cTn id="17" presetID="16" presetClass="entr" presetSubtype="21" fill="hold" nodeType="withEffect">
+                                  <p:stCondLst>
+                                    <p:cond delay="0"/>
+                                  </p:stCondLst>
+                                  <p:childTnLst>
+                                    <p:set>
+                                      <p:cBhvr>
+                                        <p:cTn id="18" dur="1" fill="hold">
+                                          <p:stCondLst>
+                                            <p:cond delay="0"/>
+                                          </p:stCondLst>
+                                        </p:cTn>
+                                        <p:tgtEl>
+                                          <p:spTgt spid="22"/>
+                                        </p:tgtEl>
+                                        <p:attrNameLst>
+                                          <p:attrName>style.visibility</p:attrName>
+                                        </p:attrNameLst>
+                                      </p:cBhvr>
+                                      <p:to>
+                                        <p:strVal val="visible"/>
+                                      </p:to>
+                                    </p:set>
+                                    <p:animEffect transition="in" filter="barn(inVertical)">
+                                      <p:cBhvr>
+                                        <p:cTn id="19" dur="500"/>
+                                        <p:tgtEl>
+                                          <p:spTgt spid="22"/>
+                                        </p:tgtEl>
+                                      </p:cBhvr>
+                                    </p:animEffect>
+                                  </p:childTnLst>
+                                </p:cTn>
+                              </p:par>
+                              <p:par>
+                                <p:cTn id="20" presetID="16" presetClass="entr" presetSubtype="21" fill="hold" nodeType="withEffect">
+                                  <p:stCondLst>
+                                    <p:cond delay="0"/>
+                                  </p:stCondLst>
+                                  <p:childTnLst>
+                                    <p:set>
+                                      <p:cBhvr>
+                                        <p:cTn id="21" dur="1" fill="hold">
+                                          <p:stCondLst>
+                                            <p:cond delay="0"/>
+                                          </p:stCondLst>
+                                        </p:cTn>
+                                        <p:tgtEl>
+                                          <p:spTgt spid="24"/>
+                                        </p:tgtEl>
+                                        <p:attrNameLst>
+                                          <p:attrName>style.visibility</p:attrName>
+                                        </p:attrNameLst>
+                                      </p:cBhvr>
+                                      <p:to>
+                                        <p:strVal val="visible"/>
+                                      </p:to>
+                                    </p:set>
+                                    <p:animEffect transition="in" filter="barn(inVertical)">
+                                      <p:cBhvr>
+                                        <p:cTn id="22" dur="500"/>
+                                        <p:tgtEl>
+                                          <p:spTgt spid="24"/>
+                                        </p:tgtEl>
+                                      </p:cBhvr>
+                                    </p:animEffect>
+                                  </p:childTnLst>
+                                </p:cTn>
+                              </p:par>
+                              <p:par>
+                                <p:cTn id="23" presetID="16" presetClass="entr" presetSubtype="21" fill="hold" grpId="0" nodeType="withEffect">
+                                  <p:stCondLst>
+                                    <p:cond delay="0"/>
+                                  </p:stCondLst>
+                                  <p:childTnLst>
+                                    <p:set>
+                                      <p:cBhvr>
+                                        <p:cTn id="24" dur="1" fill="hold">
+                                          <p:stCondLst>
+                                            <p:cond delay="0"/>
+                                          </p:stCondLst>
+                                        </p:cTn>
+                                        <p:tgtEl>
+                                          <p:spTgt spid="33"/>
+                                        </p:tgtEl>
+                                        <p:attrNameLst>
+                                          <p:attrName>style.visibility</p:attrName>
+                                        </p:attrNameLst>
+                                      </p:cBhvr>
+                                      <p:to>
+                                        <p:strVal val="visible"/>
+                                      </p:to>
+                                    </p:set>
+                                    <p:animEffect transition="in" filter="barn(inVertical)">
+                                      <p:cBhvr>
+                                        <p:cTn id="25" dur="500"/>
+                                        <p:tgtEl>
+                                          <p:spTgt spid="33"/>
+                                        </p:tgtEl>
+                                      </p:cBhvr>
+                                    </p:animEffect>
+                                  </p:childTnLst>
+                                </p:cTn>
+                              </p:par>
+                              <p:par>
+                                <p:cTn id="26" presetID="16" presetClass="entr" presetSubtype="21" fill="hold" grpId="0" nodeType="withEffect">
+                                  <p:stCondLst>
+                                    <p:cond delay="0"/>
+                                  </p:stCondLst>
+                                  <p:childTnLst>
+                                    <p:set>
+                                      <p:cBhvr>
+                                        <p:cTn id="27" dur="1" fill="hold">
+                                          <p:stCondLst>
+                                            <p:cond delay="0"/>
+                                          </p:stCondLst>
+                                        </p:cTn>
+                                        <p:tgtEl>
+                                          <p:spTgt spid="34"/>
+                                        </p:tgtEl>
+                                        <p:attrNameLst>
+                                          <p:attrName>style.visibility</p:attrName>
+                                        </p:attrNameLst>
+                                      </p:cBhvr>
+                                      <p:to>
+                                        <p:strVal val="visible"/>
+                                      </p:to>
+                                    </p:set>
+                                    <p:animEffect transition="in" filter="barn(inVertical)">
+                                      <p:cBhvr>
+                                        <p:cTn id="28" dur="500"/>
+                                        <p:tgtEl>
+                                          <p:spTgt spid="34"/>
+                                        </p:tgtEl>
+                                      </p:cBhvr>
+                                    </p:animEffect>
+                                  </p:childTnLst>
+                                </p:cTn>
+                              </p:par>
+                              <p:par>
+                                <p:cTn id="29" presetID="16" presetClass="entr" presetSubtype="21" fill="hold" grpId="0" nodeType="withEffect">
+                                  <p:stCondLst>
+                                    <p:cond delay="0"/>
+                                  </p:stCondLst>
+                                  <p:childTnLst>
+                                    <p:set>
+                                      <p:cBhvr>
+                                        <p:cTn id="30" dur="1" fill="hold">
+                                          <p:stCondLst>
+                                            <p:cond delay="0"/>
+                                          </p:stCondLst>
+                                        </p:cTn>
+                                        <p:tgtEl>
+                                          <p:spTgt spid="35"/>
+                                        </p:tgtEl>
+                                        <p:attrNameLst>
+                                          <p:attrName>style.visibility</p:attrName>
+                                        </p:attrNameLst>
+                                      </p:cBhvr>
+                                      <p:to>
+                                        <p:strVal val="visible"/>
+                                      </p:to>
+                                    </p:set>
+                                    <p:animEffect transition="in" filter="barn(inVertical)">
+                                      <p:cBhvr>
+                                        <p:cTn id="31" dur="500"/>
+                                        <p:tgtEl>
+                                          <p:spTgt spid="35"/>
+                                        </p:tgtEl>
+                                      </p:cBhvr>
+                                    </p:animEffect>
+                                  </p:childTnLst>
+                                </p:cTn>
+                              </p:par>
+                              <p:par>
+                                <p:cTn id="32" presetID="16" presetClass="entr" presetSubtype="21" fill="hold" grpId="0" nodeType="withEffect">
+                                  <p:stCondLst>
+                                    <p:cond delay="0"/>
+                                  </p:stCondLst>
+                                  <p:childTnLst>
+                                    <p:set>
+                                      <p:cBhvr>
+                                        <p:cTn id="33" dur="1" fill="hold">
+                                          <p:stCondLst>
+                                            <p:cond delay="0"/>
+                                          </p:stCondLst>
+                                        </p:cTn>
+                                        <p:tgtEl>
+                                          <p:spTgt spid="36"/>
+                                        </p:tgtEl>
+                                        <p:attrNameLst>
+                                          <p:attrName>style.visibility</p:attrName>
+                                        </p:attrNameLst>
+                                      </p:cBhvr>
+                                      <p:to>
+                                        <p:strVal val="visible"/>
+                                      </p:to>
+                                    </p:set>
+                                    <p:animEffect transition="in" filter="barn(inVertical)">
+                                      <p:cBhvr>
+                                        <p:cTn id="34" dur="500"/>
+                                        <p:tgtEl>
+                                          <p:spTgt spid="36"/>
+                                        </p:tgtEl>
+                                      </p:cBhvr>
+                                    </p:animEffect>
+                                  </p:childTnLst>
+                                </p:cTn>
+                              </p:par>
+                              <p:par>
+                                <p:cTn id="35" presetID="16" presetClass="entr" presetSubtype="21" fill="hold" nodeType="withEffect">
+                                  <p:stCondLst>
+                                    <p:cond delay="0"/>
+                                  </p:stCondLst>
+                                  <p:childTnLst>
+                                    <p:set>
+                                      <p:cBhvr>
+                                        <p:cTn id="36" dur="1" fill="hold">
+                                          <p:stCondLst>
+                                            <p:cond delay="0"/>
+                                          </p:stCondLst>
+                                        </p:cTn>
+                                        <p:tgtEl>
+                                          <p:spTgt spid="3"/>
+                                        </p:tgtEl>
+                                        <p:attrNameLst>
+                                          <p:attrName>style.visibility</p:attrName>
+                                        </p:attrNameLst>
+                                      </p:cBhvr>
+                                      <p:to>
+                                        <p:strVal val="visible"/>
+                                      </p:to>
+                                    </p:set>
+                                    <p:animEffect transition="in" filter="barn(inVertical)">
+                                      <p:cBhvr>
+                                        <p:cTn id="37" dur="500"/>
+                                        <p:tgtEl>
+                                          <p:spTgt spid="3"/>
+                                        </p:tgtEl>
+                                      </p:cBhvr>
+                                    </p:animEffect>
+                                  </p:childTnLst>
+                                </p:cTn>
+                              </p:par>
+                              <p:par>
+                                <p:cTn id="38" presetID="16" presetClass="entr" presetSubtype="21" fill="hold" nodeType="withEffect">
+                                  <p:stCondLst>
+                                    <p:cond delay="0"/>
+                                  </p:stCondLst>
+                                  <p:childTnLst>
+                                    <p:set>
+                                      <p:cBhvr>
+                                        <p:cTn id="39" dur="1" fill="hold">
+                                          <p:stCondLst>
+                                            <p:cond delay="0"/>
+                                          </p:stCondLst>
+                                        </p:cTn>
+                                        <p:tgtEl>
+                                          <p:spTgt spid="21"/>
+                                        </p:tgtEl>
+                                        <p:attrNameLst>
+                                          <p:attrName>style.visibility</p:attrName>
+                                        </p:attrNameLst>
+                                      </p:cBhvr>
+                                      <p:to>
+                                        <p:strVal val="visible"/>
+                                      </p:to>
+                                    </p:set>
+                                    <p:animEffect transition="in" filter="barn(inVertical)">
+                                      <p:cBhvr>
+                                        <p:cTn id="40" dur="500"/>
+                                        <p:tgtEl>
+                                          <p:spTgt spid="21"/>
+                                        </p:tgtEl>
+                                      </p:cBhvr>
+                                    </p:animEffect>
+                                  </p:childTnLst>
+                                </p:cTn>
+                              </p:par>
+                              <p:par>
+                                <p:cTn id="41" presetID="16" presetClass="entr" presetSubtype="21" fill="hold" nodeType="withEffect">
+                                  <p:stCondLst>
+                                    <p:cond delay="0"/>
+                                  </p:stCondLst>
+                                  <p:childTnLst>
+                                    <p:set>
+                                      <p:cBhvr>
+                                        <p:cTn id="42" dur="1" fill="hold">
+                                          <p:stCondLst>
+                                            <p:cond delay="0"/>
+                                          </p:stCondLst>
+                                        </p:cTn>
+                                        <p:tgtEl>
+                                          <p:spTgt spid="25"/>
+                                        </p:tgtEl>
+                                        <p:attrNameLst>
+                                          <p:attrName>style.visibility</p:attrName>
+                                        </p:attrNameLst>
+                                      </p:cBhvr>
+                                      <p:to>
+                                        <p:strVal val="visible"/>
+                                      </p:to>
+                                    </p:set>
+                                    <p:animEffect transition="in" filter="barn(inVertical)">
+                                      <p:cBhvr>
+                                        <p:cTn id="43" dur="500"/>
+                                        <p:tgtEl>
+                                          <p:spTgt spid="25"/>
+                                        </p:tgtEl>
+                                      </p:cBhvr>
+                                    </p:animEffect>
+                                  </p:childTnLst>
+                                </p:cTn>
+                              </p:par>
+                            </p:childTnLst>
+                          </p:cTn>
+                        </p:par>
+                      </p:childTnLst>
+                    </p:cTn>
+                  </p:par>
+                  <p:par>
+                    <p:cTn id="44" fill="hold">
+                      <p:stCondLst>
+                        <p:cond delay="indefinite"/>
+                      </p:stCondLst>
+                      <p:childTnLst>
+                        <p:par>
+                          <p:cTn id="45" fill="hold">
+                            <p:stCondLst>
+                              <p:cond delay="0"/>
+                            </p:stCondLst>
+                            <p:childTnLst>
+                              <p:par>
+                                <p:cTn id="46" presetID="16" presetClass="entr" presetSubtype="21" fill="hold" grpId="0" nodeType="clickEffect">
+                                  <p:stCondLst>
+                                    <p:cond delay="0"/>
+                                  </p:stCondLst>
+                                  <p:childTnLst>
+                                    <p:set>
+                                      <p:cBhvr>
+                                        <p:cTn id="47" dur="1" fill="hold">
+                                          <p:stCondLst>
+                                            <p:cond delay="0"/>
+                                          </p:stCondLst>
+                                        </p:cTn>
+                                        <p:tgtEl>
+                                          <p:spTgt spid="10"/>
+                                        </p:tgtEl>
+                                        <p:attrNameLst>
+                                          <p:attrName>style.visibility</p:attrName>
+                                        </p:attrNameLst>
+                                      </p:cBhvr>
+                                      <p:to>
+                                        <p:strVal val="visible"/>
+                                      </p:to>
+                                    </p:set>
+                                    <p:animEffect transition="in" filter="barn(inVertical)">
+                                      <p:cBhvr>
+                                        <p:cTn id="48" dur="500"/>
+                                        <p:tgtEl>
+                                          <p:spTgt spid="10"/>
+                                        </p:tgtEl>
+                                      </p:cBhvr>
+                                    </p:animEffect>
+                                  </p:childTnLst>
+                                </p:cTn>
+                              </p:par>
+                            </p:childTnLst>
+                          </p:cTn>
+                        </p:par>
+                      </p:childTnLst>
+                    </p:cTn>
+                  </p:par>
+                </p:childTnLst>
+              </p:cTn>
+              <p:prevCondLst>
+                <p:cond evt="onPrev" delay="0">
+                  <p:tgtEl>
+                    <p:sldTgt/>
+                  </p:tgtEl>
+                </p:cond>
+              </p:prevCondLst>
+              <p:nextCondLst>
+                <p:cond evt="onNext" delay="0">
+                  <p:tgtEl>
+                    <p:sldTgt/>
+                  </p:tgtEl>
+                </p:cond>
+              </p:nextCondLst>
+            </p:seq>
+          </p:childTnLst>
+        </p:cTn>
       </p:par>
     </p:tnLst>
+    <p:bldLst>
+      <p:bldP spid="9" grpId="0"/>
+      <p:bldP spid="10" grpId="0"/>
+      <p:bldP spid="33" grpId="0"/>
+      <p:bldP spid="34" grpId="0"/>
+      <p:bldP spid="35" grpId="0"/>
+      <p:bldP spid="36" grpId="0"/>
+    </p:bldLst>
   </p:timing>
 </p:sld>
 </file>
@@ -11925,6 +16951,9 @@
                     <p:cTn id="3" fill="hold">
                       <p:stCondLst>
                         <p:cond delay="indefinite"/>
+                        <p:cond evt="onBegin" delay="0">
+                          <p:tn val="2"/>
+                        </p:cond>
                       </p:stCondLst>
                       <p:childTnLst>
                         <p:par>
@@ -11934,7 +16963,7 @@
                             </p:stCondLst>
                             <p:childTnLst>
                               <p:par>
-                                <p:cTn id="5" presetID="16" presetClass="entr" presetSubtype="21" fill="hold" grpId="0" nodeType="clickEffect">
+                                <p:cTn id="5" presetID="16" presetClass="entr" presetSubtype="21" fill="hold" grpId="0" nodeType="withEffect">
                                   <p:stCondLst>
                                     <p:cond delay="0"/>
                                   </p:stCondLst>
@@ -14274,108 +19303,6 @@
       </p:grpSpPr>
       <p:sp>
         <p:nvSpPr>
-          <p:cNvPr id="5" name="Footer Placeholder 4">
-            <a:extLst>
-              <a:ext uri="{FF2B5EF4-FFF2-40B4-BE49-F238E27FC236}">
-                <a16:creationId xmlns="" xmlns:a16="http://schemas.microsoft.com/office/drawing/2014/main" id="{94F76D2A-D755-4BD1-9236-1FBDA8B544CB}"/>
-              </a:ext>
-            </a:extLst>
-          </p:cNvPr>
-          <p:cNvSpPr>
-            <a:spLocks noGrp="1"/>
-          </p:cNvSpPr>
-          <p:nvPr>
-            <p:ph type="ftr" sz="quarter" idx="11"/>
-          </p:nvPr>
-        </p:nvSpPr>
-        <p:spPr>
-          <a:xfrm>
-            <a:off x="3023506" y="6051550"/>
-            <a:ext cx="2895600" cy="365125"/>
-          </a:xfrm>
-        </p:spPr>
-        <p:txBody>
-          <a:bodyPr/>
-          <a:lstStyle/>
-          <a:p>
-            <a:r>
-              <a:rPr lang="en-US"/>
-              <a:t>Dept. of ECE, NMIT, Bangalore-64</a:t>
-            </a:r>
-          </a:p>
-        </p:txBody>
-      </p:sp>
-      <p:sp>
-        <p:nvSpPr>
-          <p:cNvPr id="6" name="Slide Number Placeholder 5">
-            <a:extLst>
-              <a:ext uri="{FF2B5EF4-FFF2-40B4-BE49-F238E27FC236}">
-                <a16:creationId xmlns="" xmlns:a16="http://schemas.microsoft.com/office/drawing/2014/main" id="{751C6CAB-D118-4A59-A5FF-1BD87857B1F4}"/>
-              </a:ext>
-            </a:extLst>
-          </p:cNvPr>
-          <p:cNvSpPr>
-            <a:spLocks noGrp="1"/>
-          </p:cNvSpPr>
-          <p:nvPr>
-            <p:ph type="sldNum" sz="quarter" idx="12"/>
-          </p:nvPr>
-        </p:nvSpPr>
-        <p:spPr>
-          <a:xfrm>
-            <a:off x="6452506" y="6051550"/>
-            <a:ext cx="2133600" cy="365125"/>
-          </a:xfrm>
-        </p:spPr>
-        <p:txBody>
-          <a:bodyPr/>
-          <a:lstStyle/>
-          <a:p>
-            <a:fld id="{B6F15528-21DE-4FAA-801E-634DDDAF4B2B}" type="slidenum">
-              <a:rPr lang="en-US" smtClean="0"/>
-              <a:pPr/>
-              <a:t>8</a:t>
-            </a:fld>
-            <a:endParaRPr lang="en-US" dirty="0"/>
-          </a:p>
-        </p:txBody>
-      </p:sp>
-      <p:sp>
-        <p:nvSpPr>
-          <p:cNvPr id="19" name="Date Placeholder 3"/>
-          <p:cNvSpPr>
-            <a:spLocks noGrp="1"/>
-          </p:cNvSpPr>
-          <p:nvPr>
-            <p:ph type="dt" sz="half" idx="10"/>
-          </p:nvPr>
-        </p:nvSpPr>
-        <p:spPr>
-          <a:xfrm>
-            <a:off x="356506" y="6051550"/>
-            <a:ext cx="914400" cy="365125"/>
-          </a:xfrm>
-        </p:spPr>
-        <p:txBody>
-          <a:bodyPr/>
-          <a:lstStyle/>
-          <a:p>
-            <a:r>
-              <a:rPr lang="en-US" dirty="0" smtClean="0">
-                <a:latin typeface="Times New Roman" pitchFamily="18" charset="0"/>
-                <a:cs typeface="Times New Roman" pitchFamily="18" charset="0"/>
-              </a:rPr>
-              <a:t>27-Oct-21</a:t>
-            </a:r>
-            <a:endParaRPr lang="en-US" dirty="0">
-              <a:latin typeface="Times New Roman" pitchFamily="18" charset="0"/>
-              <a:cs typeface="Times New Roman" pitchFamily="18" charset="0"/>
-            </a:endParaRPr>
-          </a:p>
-        </p:txBody>
-      </p:sp>
-      <p:sp>
-        <p:nvSpPr>
           <p:cNvPr id="23" name="Title 1">
             <a:extLst>
               <a:ext uri="{FF2B5EF4-FFF2-40B4-BE49-F238E27FC236}">
@@ -14413,1577 +19340,6 @@
               <a:latin typeface="Arial Rounded MT Bold" panose="020F0704030504030204" pitchFamily="34" charset="0"/>
               <a:cs typeface="Calibri" panose="020F0502020204030204" pitchFamily="34" charset="0"/>
             </a:endParaRPr>
-          </a:p>
-        </p:txBody>
-      </p:sp>
-      <p:sp>
-        <p:nvSpPr>
-          <p:cNvPr id="26" name="Rectangle: Rounded Corners 3">
-            <a:extLst>
-              <a:ext uri="{FF2B5EF4-FFF2-40B4-BE49-F238E27FC236}">
-                <a16:creationId xmlns:a16="http://schemas.microsoft.com/office/drawing/2014/main" xmlns="" id="{5E68EEA9-04AB-4D85-81A7-7B28F9F44F8E}"/>
-              </a:ext>
-            </a:extLst>
-          </p:cNvPr>
-          <p:cNvSpPr/>
-          <p:nvPr/>
-        </p:nvSpPr>
-        <p:spPr>
-          <a:xfrm>
-            <a:off x="1213201" y="1085173"/>
-            <a:ext cx="1402672" cy="585926"/>
-          </a:xfrm>
-          <a:prstGeom prst="roundRect">
-            <a:avLst/>
-          </a:prstGeom>
-        </p:spPr>
-        <p:style>
-          <a:lnRef idx="2">
-            <a:schemeClr val="dk1"/>
-          </a:lnRef>
-          <a:fillRef idx="1">
-            <a:schemeClr val="lt1"/>
-          </a:fillRef>
-          <a:effectRef idx="0">
-            <a:schemeClr val="dk1"/>
-          </a:effectRef>
-          <a:fontRef idx="minor">
-            <a:schemeClr val="dk1"/>
-          </a:fontRef>
-        </p:style>
-        <p:txBody>
-          <a:bodyPr rtlCol="0" anchor="ctr"/>
-          <a:lstStyle/>
-          <a:p>
-            <a:pPr algn="ctr"/>
-            <a:r>
-              <a:rPr lang="en-US" sz="1400" dirty="0"/>
-              <a:t>Client</a:t>
-            </a:r>
-            <a:endParaRPr lang="en-IN" sz="1400" dirty="0"/>
-          </a:p>
-        </p:txBody>
-      </p:sp>
-      <p:sp>
-        <p:nvSpPr>
-          <p:cNvPr id="27" name="Rectangle: Rounded Corners 4">
-            <a:extLst>
-              <a:ext uri="{FF2B5EF4-FFF2-40B4-BE49-F238E27FC236}">
-                <a16:creationId xmlns:a16="http://schemas.microsoft.com/office/drawing/2014/main" xmlns="" id="{9A88568F-3506-42A8-931B-789BFAB25304}"/>
-              </a:ext>
-            </a:extLst>
-          </p:cNvPr>
-          <p:cNvSpPr/>
-          <p:nvPr/>
-        </p:nvSpPr>
-        <p:spPr>
-          <a:xfrm>
-            <a:off x="1213201" y="1897602"/>
-            <a:ext cx="1402672" cy="328474"/>
-          </a:xfrm>
-          <a:prstGeom prst="roundRect">
-            <a:avLst/>
-          </a:prstGeom>
-        </p:spPr>
-        <p:style>
-          <a:lnRef idx="2">
-            <a:schemeClr val="dk1"/>
-          </a:lnRef>
-          <a:fillRef idx="1">
-            <a:schemeClr val="lt1"/>
-          </a:fillRef>
-          <a:effectRef idx="0">
-            <a:schemeClr val="dk1"/>
-          </a:effectRef>
-          <a:fontRef idx="minor">
-            <a:schemeClr val="dk1"/>
-          </a:fontRef>
-        </p:style>
-        <p:txBody>
-          <a:bodyPr rtlCol="0" anchor="ctr"/>
-          <a:lstStyle/>
-          <a:p>
-            <a:pPr algn="ctr"/>
-            <a:r>
-              <a:rPr lang="en-US" sz="1400" dirty="0"/>
-              <a:t>Socket</a:t>
-            </a:r>
-            <a:endParaRPr lang="en-IN" sz="1400" dirty="0"/>
-          </a:p>
-        </p:txBody>
-      </p:sp>
-      <p:sp>
-        <p:nvSpPr>
-          <p:cNvPr id="28" name="Rectangle: Rounded Corners 5">
-            <a:extLst>
-              <a:ext uri="{FF2B5EF4-FFF2-40B4-BE49-F238E27FC236}">
-                <a16:creationId xmlns:a16="http://schemas.microsoft.com/office/drawing/2014/main" xmlns="" id="{655FBC90-9E52-4109-A8E4-67809B471C8B}"/>
-              </a:ext>
-            </a:extLst>
-          </p:cNvPr>
-          <p:cNvSpPr/>
-          <p:nvPr/>
-        </p:nvSpPr>
-        <p:spPr>
-          <a:xfrm>
-            <a:off x="1223409" y="2428844"/>
-            <a:ext cx="1402672" cy="284086"/>
-          </a:xfrm>
-          <a:prstGeom prst="roundRect">
-            <a:avLst/>
-          </a:prstGeom>
-        </p:spPr>
-        <p:style>
-          <a:lnRef idx="2">
-            <a:schemeClr val="dk1"/>
-          </a:lnRef>
-          <a:fillRef idx="1">
-            <a:schemeClr val="lt1"/>
-          </a:fillRef>
-          <a:effectRef idx="0">
-            <a:schemeClr val="dk1"/>
-          </a:effectRef>
-          <a:fontRef idx="minor">
-            <a:schemeClr val="dk1"/>
-          </a:fontRef>
-        </p:style>
-        <p:txBody>
-          <a:bodyPr rtlCol="0" anchor="ctr"/>
-          <a:lstStyle/>
-          <a:p>
-            <a:pPr algn="ctr"/>
-            <a:r>
-              <a:rPr lang="en-US" sz="1400" dirty="0"/>
-              <a:t>Bind</a:t>
-            </a:r>
-            <a:endParaRPr lang="en-IN" sz="1400" dirty="0"/>
-          </a:p>
-        </p:txBody>
-      </p:sp>
-      <p:sp>
-        <p:nvSpPr>
-          <p:cNvPr id="29" name="Rectangle 28">
-            <a:extLst>
-              <a:ext uri="{FF2B5EF4-FFF2-40B4-BE49-F238E27FC236}">
-                <a16:creationId xmlns:a16="http://schemas.microsoft.com/office/drawing/2014/main" xmlns="" id="{2B7C2FAC-A911-4563-990C-E9258B7E8A95}"/>
-              </a:ext>
-            </a:extLst>
-          </p:cNvPr>
-          <p:cNvSpPr/>
-          <p:nvPr/>
-        </p:nvSpPr>
-        <p:spPr>
-          <a:xfrm>
-            <a:off x="1213201" y="3000899"/>
-            <a:ext cx="1402672" cy="1074322"/>
-          </a:xfrm>
-          <a:prstGeom prst="rect">
-            <a:avLst/>
-          </a:prstGeom>
-        </p:spPr>
-        <p:style>
-          <a:lnRef idx="2">
-            <a:schemeClr val="dk1"/>
-          </a:lnRef>
-          <a:fillRef idx="1">
-            <a:schemeClr val="lt1"/>
-          </a:fillRef>
-          <a:effectRef idx="0">
-            <a:schemeClr val="dk1"/>
-          </a:effectRef>
-          <a:fontRef idx="minor">
-            <a:schemeClr val="dk1"/>
-          </a:fontRef>
-        </p:style>
-        <p:txBody>
-          <a:bodyPr rtlCol="0" anchor="ctr"/>
-          <a:lstStyle/>
-          <a:p>
-            <a:pPr algn="ctr"/>
-            <a:r>
-              <a:rPr lang="en-US" dirty="0"/>
-              <a:t>Connect</a:t>
-            </a:r>
-            <a:endParaRPr lang="en-IN" dirty="0"/>
-          </a:p>
-        </p:txBody>
-      </p:sp>
-      <p:sp>
-        <p:nvSpPr>
-          <p:cNvPr id="30" name="Rectangle 29">
-            <a:extLst>
-              <a:ext uri="{FF2B5EF4-FFF2-40B4-BE49-F238E27FC236}">
-                <a16:creationId xmlns:a16="http://schemas.microsoft.com/office/drawing/2014/main" xmlns="" id="{D1C473AB-09A9-43A5-BDB3-D6F2BF39265E}"/>
-              </a:ext>
-            </a:extLst>
-          </p:cNvPr>
-          <p:cNvSpPr/>
-          <p:nvPr/>
-        </p:nvSpPr>
-        <p:spPr>
-          <a:xfrm>
-            <a:off x="295889" y="4524947"/>
-            <a:ext cx="8226546" cy="2111976"/>
-          </a:xfrm>
-          <a:prstGeom prst="rect">
-            <a:avLst/>
-          </a:prstGeom>
-        </p:spPr>
-        <p:style>
-          <a:lnRef idx="2">
-            <a:schemeClr val="dk1"/>
-          </a:lnRef>
-          <a:fillRef idx="1">
-            <a:schemeClr val="lt1"/>
-          </a:fillRef>
-          <a:effectRef idx="0">
-            <a:schemeClr val="dk1"/>
-          </a:effectRef>
-          <a:fontRef idx="minor">
-            <a:schemeClr val="dk1"/>
-          </a:fontRef>
-        </p:style>
-        <p:txBody>
-          <a:bodyPr rtlCol="0" anchor="ctr"/>
-          <a:lstStyle/>
-          <a:p>
-            <a:pPr algn="ctr"/>
-            <a:endParaRPr lang="en-IN"/>
-          </a:p>
-        </p:txBody>
-      </p:sp>
-      <p:sp>
-        <p:nvSpPr>
-          <p:cNvPr id="31" name="Rectangle: Rounded Corners 10">
-            <a:extLst>
-              <a:ext uri="{FF2B5EF4-FFF2-40B4-BE49-F238E27FC236}">
-                <a16:creationId xmlns:a16="http://schemas.microsoft.com/office/drawing/2014/main" xmlns="" id="{CA7173BA-1A37-41AB-B754-5E887DC0ED35}"/>
-              </a:ext>
-            </a:extLst>
-          </p:cNvPr>
-          <p:cNvSpPr/>
-          <p:nvPr/>
-        </p:nvSpPr>
-        <p:spPr>
-          <a:xfrm>
-            <a:off x="5350196" y="1098611"/>
-            <a:ext cx="1633491" cy="585927"/>
-          </a:xfrm>
-          <a:prstGeom prst="roundRect">
-            <a:avLst/>
-          </a:prstGeom>
-        </p:spPr>
-        <p:style>
-          <a:lnRef idx="2">
-            <a:schemeClr val="dk1"/>
-          </a:lnRef>
-          <a:fillRef idx="1">
-            <a:schemeClr val="lt1"/>
-          </a:fillRef>
-          <a:effectRef idx="0">
-            <a:schemeClr val="dk1"/>
-          </a:effectRef>
-          <a:fontRef idx="minor">
-            <a:schemeClr val="dk1"/>
-          </a:fontRef>
-        </p:style>
-        <p:txBody>
-          <a:bodyPr rtlCol="0" anchor="ctr"/>
-          <a:lstStyle/>
-          <a:p>
-            <a:pPr algn="ctr"/>
-            <a:r>
-              <a:rPr lang="en-US" sz="1400" dirty="0"/>
-              <a:t>Server</a:t>
-            </a:r>
-            <a:endParaRPr lang="en-IN" sz="1400" dirty="0"/>
-          </a:p>
-        </p:txBody>
-      </p:sp>
-      <p:sp>
-        <p:nvSpPr>
-          <p:cNvPr id="32" name="Rectangle: Rounded Corners 11">
-            <a:extLst>
-              <a:ext uri="{FF2B5EF4-FFF2-40B4-BE49-F238E27FC236}">
-                <a16:creationId xmlns:a16="http://schemas.microsoft.com/office/drawing/2014/main" xmlns="" id="{54559BF4-36E1-42A4-A0EA-2ED4747FC802}"/>
-              </a:ext>
-            </a:extLst>
-          </p:cNvPr>
-          <p:cNvSpPr/>
-          <p:nvPr/>
-        </p:nvSpPr>
-        <p:spPr>
-          <a:xfrm>
-            <a:off x="5367951" y="1886247"/>
-            <a:ext cx="1615736" cy="328474"/>
-          </a:xfrm>
-          <a:prstGeom prst="roundRect">
-            <a:avLst/>
-          </a:prstGeom>
-        </p:spPr>
-        <p:style>
-          <a:lnRef idx="2">
-            <a:schemeClr val="dk1"/>
-          </a:lnRef>
-          <a:fillRef idx="1">
-            <a:schemeClr val="lt1"/>
-          </a:fillRef>
-          <a:effectRef idx="0">
-            <a:schemeClr val="dk1"/>
-          </a:effectRef>
-          <a:fontRef idx="minor">
-            <a:schemeClr val="dk1"/>
-          </a:fontRef>
-        </p:style>
-        <p:txBody>
-          <a:bodyPr rtlCol="0" anchor="ctr"/>
-          <a:lstStyle/>
-          <a:p>
-            <a:pPr algn="ctr"/>
-            <a:r>
-              <a:rPr lang="en-US" sz="1400" dirty="0"/>
-              <a:t>Socket</a:t>
-            </a:r>
-            <a:r>
-              <a:rPr lang="en-US" dirty="0"/>
-              <a:t> </a:t>
-            </a:r>
-            <a:endParaRPr lang="en-IN" dirty="0"/>
-          </a:p>
-        </p:txBody>
-      </p:sp>
-      <p:sp>
-        <p:nvSpPr>
-          <p:cNvPr id="37" name="Rectangle: Rounded Corners 12">
-            <a:extLst>
-              <a:ext uri="{FF2B5EF4-FFF2-40B4-BE49-F238E27FC236}">
-                <a16:creationId xmlns:a16="http://schemas.microsoft.com/office/drawing/2014/main" xmlns="" id="{978C6357-97C1-41A6-8BC2-7509160C4E00}"/>
-              </a:ext>
-            </a:extLst>
-          </p:cNvPr>
-          <p:cNvSpPr/>
-          <p:nvPr/>
-        </p:nvSpPr>
-        <p:spPr>
-          <a:xfrm>
-            <a:off x="5367952" y="2412755"/>
-            <a:ext cx="1615736" cy="331432"/>
-          </a:xfrm>
-          <a:prstGeom prst="roundRect">
-            <a:avLst/>
-          </a:prstGeom>
-        </p:spPr>
-        <p:style>
-          <a:lnRef idx="2">
-            <a:schemeClr val="dk1"/>
-          </a:lnRef>
-          <a:fillRef idx="1">
-            <a:schemeClr val="lt1"/>
-          </a:fillRef>
-          <a:effectRef idx="0">
-            <a:schemeClr val="dk1"/>
-          </a:effectRef>
-          <a:fontRef idx="minor">
-            <a:schemeClr val="dk1"/>
-          </a:fontRef>
-        </p:style>
-        <p:txBody>
-          <a:bodyPr rtlCol="0" anchor="ctr"/>
-          <a:lstStyle/>
-          <a:p>
-            <a:pPr algn="ctr"/>
-            <a:r>
-              <a:rPr lang="en-US" sz="1400"/>
-              <a:t>Bind</a:t>
-            </a:r>
-            <a:endParaRPr lang="en-IN" sz="1400" dirty="0"/>
-          </a:p>
-        </p:txBody>
-      </p:sp>
-      <p:sp>
-        <p:nvSpPr>
-          <p:cNvPr id="38" name="Rectangle 37">
-            <a:extLst>
-              <a:ext uri="{FF2B5EF4-FFF2-40B4-BE49-F238E27FC236}">
-                <a16:creationId xmlns:a16="http://schemas.microsoft.com/office/drawing/2014/main" xmlns="" id="{35570A7C-424C-4FD7-926E-9AFB536B600C}"/>
-              </a:ext>
-            </a:extLst>
-          </p:cNvPr>
-          <p:cNvSpPr/>
-          <p:nvPr/>
-        </p:nvSpPr>
-        <p:spPr>
-          <a:xfrm>
-            <a:off x="5367952" y="3014524"/>
-            <a:ext cx="1615736" cy="1047071"/>
-          </a:xfrm>
-          <a:prstGeom prst="rect">
-            <a:avLst/>
-          </a:prstGeom>
-        </p:spPr>
-        <p:style>
-          <a:lnRef idx="2">
-            <a:schemeClr val="dk1"/>
-          </a:lnRef>
-          <a:fillRef idx="1">
-            <a:schemeClr val="lt1"/>
-          </a:fillRef>
-          <a:effectRef idx="0">
-            <a:schemeClr val="dk1"/>
-          </a:effectRef>
-          <a:fontRef idx="minor">
-            <a:schemeClr val="dk1"/>
-          </a:fontRef>
-        </p:style>
-        <p:txBody>
-          <a:bodyPr rtlCol="0" anchor="ctr"/>
-          <a:lstStyle/>
-          <a:p>
-            <a:pPr algn="ctr"/>
-            <a:r>
-              <a:rPr lang="en-US" sz="1400" dirty="0"/>
-              <a:t>Listen</a:t>
-            </a:r>
-          </a:p>
-          <a:p>
-            <a:pPr algn="ctr"/>
-            <a:endParaRPr lang="en-US" sz="1400" dirty="0"/>
-          </a:p>
-          <a:p>
-            <a:pPr algn="ctr"/>
-            <a:r>
-              <a:rPr lang="en-US" sz="1400" dirty="0"/>
-              <a:t>Accept</a:t>
-            </a:r>
-            <a:endParaRPr lang="en-IN" sz="1400" dirty="0"/>
-          </a:p>
-        </p:txBody>
-      </p:sp>
-      <p:sp>
-        <p:nvSpPr>
-          <p:cNvPr id="39" name="Rectangle: Rounded Corners 14">
-            <a:extLst>
-              <a:ext uri="{FF2B5EF4-FFF2-40B4-BE49-F238E27FC236}">
-                <a16:creationId xmlns:a16="http://schemas.microsoft.com/office/drawing/2014/main" xmlns="" id="{15B030CD-4A12-440A-9647-10A73D78D47D}"/>
-              </a:ext>
-            </a:extLst>
-          </p:cNvPr>
-          <p:cNvSpPr/>
-          <p:nvPr/>
-        </p:nvSpPr>
-        <p:spPr>
-          <a:xfrm>
-            <a:off x="1213201" y="5048930"/>
-            <a:ext cx="1412879" cy="375202"/>
-          </a:xfrm>
-          <a:prstGeom prst="roundRect">
-            <a:avLst/>
-          </a:prstGeom>
-        </p:spPr>
-        <p:style>
-          <a:lnRef idx="2">
-            <a:schemeClr val="accent1">
-              <a:shade val="50000"/>
-            </a:schemeClr>
-          </a:lnRef>
-          <a:fillRef idx="1">
-            <a:schemeClr val="accent1"/>
-          </a:fillRef>
-          <a:effectRef idx="0">
-            <a:schemeClr val="accent1"/>
-          </a:effectRef>
-          <a:fontRef idx="minor">
-            <a:schemeClr val="lt1"/>
-          </a:fontRef>
-        </p:style>
-        <p:txBody>
-          <a:bodyPr rtlCol="0" anchor="ctr"/>
-          <a:lstStyle/>
-          <a:p>
-            <a:pPr algn="ctr"/>
-            <a:r>
-              <a:rPr lang="en-US" sz="1000" dirty="0"/>
-              <a:t>recvfrom/</a:t>
-            </a:r>
-            <a:r>
-              <a:rPr lang="en-US" sz="1000" dirty="0" err="1"/>
-              <a:t>sendto</a:t>
-            </a:r>
-            <a:endParaRPr lang="en-IN" sz="1000" dirty="0"/>
-          </a:p>
-        </p:txBody>
-      </p:sp>
-      <p:sp>
-        <p:nvSpPr>
-          <p:cNvPr id="40" name="Rectangle: Rounded Corners 16">
-            <a:extLst>
-              <a:ext uri="{FF2B5EF4-FFF2-40B4-BE49-F238E27FC236}">
-                <a16:creationId xmlns:a16="http://schemas.microsoft.com/office/drawing/2014/main" xmlns="" id="{F742DB85-EAF7-45F9-8FAB-0065EBFFBBCD}"/>
-              </a:ext>
-            </a:extLst>
-          </p:cNvPr>
-          <p:cNvSpPr/>
-          <p:nvPr/>
-        </p:nvSpPr>
-        <p:spPr>
-          <a:xfrm>
-            <a:off x="5363510" y="5052505"/>
-            <a:ext cx="1620177" cy="375202"/>
-          </a:xfrm>
-          <a:prstGeom prst="roundRect">
-            <a:avLst/>
-          </a:prstGeom>
-        </p:spPr>
-        <p:style>
-          <a:lnRef idx="2">
-            <a:schemeClr val="accent1">
-              <a:shade val="50000"/>
-            </a:schemeClr>
-          </a:lnRef>
-          <a:fillRef idx="1">
-            <a:schemeClr val="accent1"/>
-          </a:fillRef>
-          <a:effectRef idx="0">
-            <a:schemeClr val="accent1"/>
-          </a:effectRef>
-          <a:fontRef idx="minor">
-            <a:schemeClr val="lt1"/>
-          </a:fontRef>
-        </p:style>
-        <p:txBody>
-          <a:bodyPr rtlCol="0" anchor="ctr"/>
-          <a:lstStyle/>
-          <a:p>
-            <a:pPr algn="ctr"/>
-            <a:r>
-              <a:rPr lang="en-US" sz="1000" dirty="0" err="1"/>
-              <a:t>Sendto</a:t>
-            </a:r>
-            <a:r>
-              <a:rPr lang="en-US" sz="1000" dirty="0"/>
-              <a:t>/</a:t>
-            </a:r>
-            <a:r>
-              <a:rPr lang="en-US" sz="1000" dirty="0" err="1"/>
-              <a:t>recvfrom</a:t>
-            </a:r>
-            <a:endParaRPr lang="en-IN" sz="1000" dirty="0"/>
-          </a:p>
-        </p:txBody>
-      </p:sp>
-      <p:sp>
-        <p:nvSpPr>
-          <p:cNvPr id="42" name="Arrow: Down 20">
-            <a:extLst>
-              <a:ext uri="{FF2B5EF4-FFF2-40B4-BE49-F238E27FC236}">
-                <a16:creationId xmlns:a16="http://schemas.microsoft.com/office/drawing/2014/main" xmlns="" id="{2A8AC732-ED5C-4256-BD90-19535E902FA8}"/>
-              </a:ext>
-            </a:extLst>
-          </p:cNvPr>
-          <p:cNvSpPr/>
-          <p:nvPr/>
-        </p:nvSpPr>
-        <p:spPr>
-          <a:xfrm flipH="1">
-            <a:off x="1797903" y="2246381"/>
-            <a:ext cx="211733" cy="211801"/>
-          </a:xfrm>
-          <a:prstGeom prst="downArrow">
-            <a:avLst/>
-          </a:prstGeom>
-        </p:spPr>
-        <p:style>
-          <a:lnRef idx="2">
-            <a:schemeClr val="accent1">
-              <a:shade val="50000"/>
-            </a:schemeClr>
-          </a:lnRef>
-          <a:fillRef idx="1">
-            <a:schemeClr val="accent1"/>
-          </a:fillRef>
-          <a:effectRef idx="0">
-            <a:schemeClr val="accent1"/>
-          </a:effectRef>
-          <a:fontRef idx="minor">
-            <a:schemeClr val="lt1"/>
-          </a:fontRef>
-        </p:style>
-        <p:txBody>
-          <a:bodyPr rtlCol="0" anchor="ctr"/>
-          <a:lstStyle/>
-          <a:p>
-            <a:pPr algn="ctr"/>
-            <a:endParaRPr lang="en-IN"/>
-          </a:p>
-        </p:txBody>
-      </p:sp>
-      <p:sp>
-        <p:nvSpPr>
-          <p:cNvPr id="43" name="Arrow: Down 22">
-            <a:extLst>
-              <a:ext uri="{FF2B5EF4-FFF2-40B4-BE49-F238E27FC236}">
-                <a16:creationId xmlns:a16="http://schemas.microsoft.com/office/drawing/2014/main" xmlns="" id="{ADADAB2D-626A-4766-93A1-17DBBC3C6E5F}"/>
-              </a:ext>
-            </a:extLst>
-          </p:cNvPr>
-          <p:cNvSpPr/>
-          <p:nvPr/>
-        </p:nvSpPr>
-        <p:spPr>
-          <a:xfrm flipH="1">
-            <a:off x="1797904" y="2726478"/>
-            <a:ext cx="211732" cy="316390"/>
-          </a:xfrm>
-          <a:prstGeom prst="downArrow">
-            <a:avLst/>
-          </a:prstGeom>
-        </p:spPr>
-        <p:style>
-          <a:lnRef idx="2">
-            <a:schemeClr val="accent1">
-              <a:shade val="50000"/>
-            </a:schemeClr>
-          </a:lnRef>
-          <a:fillRef idx="1">
-            <a:schemeClr val="accent1"/>
-          </a:fillRef>
-          <a:effectRef idx="0">
-            <a:schemeClr val="accent1"/>
-          </a:effectRef>
-          <a:fontRef idx="minor">
-            <a:schemeClr val="lt1"/>
-          </a:fontRef>
-        </p:style>
-        <p:txBody>
-          <a:bodyPr rtlCol="0" anchor="ctr"/>
-          <a:lstStyle/>
-          <a:p>
-            <a:pPr algn="ctr"/>
-            <a:endParaRPr lang="en-IN"/>
-          </a:p>
-        </p:txBody>
-      </p:sp>
-      <p:sp>
-        <p:nvSpPr>
-          <p:cNvPr id="44" name="Arrow: Down 23">
-            <a:extLst>
-              <a:ext uri="{FF2B5EF4-FFF2-40B4-BE49-F238E27FC236}">
-                <a16:creationId xmlns:a16="http://schemas.microsoft.com/office/drawing/2014/main" xmlns="" id="{E9194813-4515-4281-B00D-64D51A09A079}"/>
-              </a:ext>
-            </a:extLst>
-          </p:cNvPr>
-          <p:cNvSpPr/>
-          <p:nvPr/>
-        </p:nvSpPr>
-        <p:spPr>
-          <a:xfrm>
-            <a:off x="6083933" y="2772860"/>
-            <a:ext cx="211732" cy="255420"/>
-          </a:xfrm>
-          <a:prstGeom prst="downArrow">
-            <a:avLst/>
-          </a:prstGeom>
-        </p:spPr>
-        <p:style>
-          <a:lnRef idx="2">
-            <a:schemeClr val="accent1">
-              <a:shade val="50000"/>
-            </a:schemeClr>
-          </a:lnRef>
-          <a:fillRef idx="1">
-            <a:schemeClr val="accent1"/>
-          </a:fillRef>
-          <a:effectRef idx="0">
-            <a:schemeClr val="accent1"/>
-          </a:effectRef>
-          <a:fontRef idx="minor">
-            <a:schemeClr val="lt1"/>
-          </a:fontRef>
-        </p:style>
-        <p:txBody>
-          <a:bodyPr rtlCol="0" anchor="ctr"/>
-          <a:lstStyle/>
-          <a:p>
-            <a:pPr algn="ctr"/>
-            <a:endParaRPr lang="en-IN"/>
-          </a:p>
-        </p:txBody>
-      </p:sp>
-      <p:sp>
-        <p:nvSpPr>
-          <p:cNvPr id="45" name="Arrow: Down 25">
-            <a:extLst>
-              <a:ext uri="{FF2B5EF4-FFF2-40B4-BE49-F238E27FC236}">
-                <a16:creationId xmlns:a16="http://schemas.microsoft.com/office/drawing/2014/main" xmlns="" id="{982FC2D7-F7DF-4CA7-870B-37E6AEBAE44A}"/>
-              </a:ext>
-            </a:extLst>
-          </p:cNvPr>
-          <p:cNvSpPr/>
-          <p:nvPr/>
-        </p:nvSpPr>
-        <p:spPr>
-          <a:xfrm>
-            <a:off x="6067731" y="2228825"/>
-            <a:ext cx="211733" cy="219846"/>
-          </a:xfrm>
-          <a:prstGeom prst="downArrow">
-            <a:avLst/>
-          </a:prstGeom>
-        </p:spPr>
-        <p:style>
-          <a:lnRef idx="2">
-            <a:schemeClr val="accent1">
-              <a:shade val="50000"/>
-            </a:schemeClr>
-          </a:lnRef>
-          <a:fillRef idx="1">
-            <a:schemeClr val="accent1"/>
-          </a:fillRef>
-          <a:effectRef idx="0">
-            <a:schemeClr val="accent1"/>
-          </a:effectRef>
-          <a:fontRef idx="minor">
-            <a:schemeClr val="lt1"/>
-          </a:fontRef>
-        </p:style>
-        <p:txBody>
-          <a:bodyPr rtlCol="0" anchor="ctr"/>
-          <a:lstStyle/>
-          <a:p>
-            <a:pPr algn="ctr"/>
-            <a:endParaRPr lang="en-IN"/>
-          </a:p>
-        </p:txBody>
-      </p:sp>
-      <p:sp>
-        <p:nvSpPr>
-          <p:cNvPr id="46" name="Arrow: Down 26">
-            <a:extLst>
-              <a:ext uri="{FF2B5EF4-FFF2-40B4-BE49-F238E27FC236}">
-                <a16:creationId xmlns:a16="http://schemas.microsoft.com/office/drawing/2014/main" xmlns="" id="{D5EE1D55-C12B-47A5-8BED-BEFCC9AF2278}"/>
-              </a:ext>
-            </a:extLst>
-          </p:cNvPr>
-          <p:cNvSpPr/>
-          <p:nvPr/>
-        </p:nvSpPr>
-        <p:spPr>
-          <a:xfrm>
-            <a:off x="1754737" y="4072631"/>
-            <a:ext cx="298067" cy="987334"/>
-          </a:xfrm>
-          <a:prstGeom prst="downArrow">
-            <a:avLst/>
-          </a:prstGeom>
-        </p:spPr>
-        <p:style>
-          <a:lnRef idx="2">
-            <a:schemeClr val="accent1">
-              <a:shade val="50000"/>
-            </a:schemeClr>
-          </a:lnRef>
-          <a:fillRef idx="1">
-            <a:schemeClr val="accent1"/>
-          </a:fillRef>
-          <a:effectRef idx="0">
-            <a:schemeClr val="accent1"/>
-          </a:effectRef>
-          <a:fontRef idx="minor">
-            <a:schemeClr val="lt1"/>
-          </a:fontRef>
-        </p:style>
-        <p:txBody>
-          <a:bodyPr rtlCol="0" anchor="ctr"/>
-          <a:lstStyle/>
-          <a:p>
-            <a:pPr algn="ctr"/>
-            <a:endParaRPr lang="en-IN"/>
-          </a:p>
-        </p:txBody>
-      </p:sp>
-      <p:sp>
-        <p:nvSpPr>
-          <p:cNvPr id="47" name="Arrow: Down 27">
-            <a:extLst>
-              <a:ext uri="{FF2B5EF4-FFF2-40B4-BE49-F238E27FC236}">
-                <a16:creationId xmlns:a16="http://schemas.microsoft.com/office/drawing/2014/main" xmlns="" id="{BDD43A48-5666-4DFF-B682-41477267978C}"/>
-              </a:ext>
-            </a:extLst>
-          </p:cNvPr>
-          <p:cNvSpPr/>
-          <p:nvPr/>
-        </p:nvSpPr>
-        <p:spPr>
-          <a:xfrm>
-            <a:off x="1754737" y="5407179"/>
-            <a:ext cx="298067" cy="687342"/>
-          </a:xfrm>
-          <a:prstGeom prst="downArrow">
-            <a:avLst/>
-          </a:prstGeom>
-        </p:spPr>
-        <p:style>
-          <a:lnRef idx="2">
-            <a:schemeClr val="accent1">
-              <a:shade val="50000"/>
-            </a:schemeClr>
-          </a:lnRef>
-          <a:fillRef idx="1">
-            <a:schemeClr val="accent1"/>
-          </a:fillRef>
-          <a:effectRef idx="0">
-            <a:schemeClr val="accent1"/>
-          </a:effectRef>
-          <a:fontRef idx="minor">
-            <a:schemeClr val="lt1"/>
-          </a:fontRef>
-        </p:style>
-        <p:txBody>
-          <a:bodyPr rtlCol="0" anchor="ctr"/>
-          <a:lstStyle/>
-          <a:p>
-            <a:pPr algn="ctr"/>
-            <a:endParaRPr lang="en-IN"/>
-          </a:p>
-        </p:txBody>
-      </p:sp>
-      <p:sp>
-        <p:nvSpPr>
-          <p:cNvPr id="48" name="Arrow: Down 28">
-            <a:extLst>
-              <a:ext uri="{FF2B5EF4-FFF2-40B4-BE49-F238E27FC236}">
-                <a16:creationId xmlns:a16="http://schemas.microsoft.com/office/drawing/2014/main" xmlns="" id="{E0B3D283-F88B-4413-AD5D-8F79BF783EC3}"/>
-              </a:ext>
-            </a:extLst>
-          </p:cNvPr>
-          <p:cNvSpPr/>
-          <p:nvPr/>
-        </p:nvSpPr>
-        <p:spPr>
-          <a:xfrm>
-            <a:off x="6048314" y="4072631"/>
-            <a:ext cx="298067" cy="960433"/>
-          </a:xfrm>
-          <a:prstGeom prst="downArrow">
-            <a:avLst/>
-          </a:prstGeom>
-        </p:spPr>
-        <p:style>
-          <a:lnRef idx="2">
-            <a:schemeClr val="accent1">
-              <a:shade val="50000"/>
-            </a:schemeClr>
-          </a:lnRef>
-          <a:fillRef idx="1">
-            <a:schemeClr val="accent1"/>
-          </a:fillRef>
-          <a:effectRef idx="0">
-            <a:schemeClr val="accent1"/>
-          </a:effectRef>
-          <a:fontRef idx="minor">
-            <a:schemeClr val="lt1"/>
-          </a:fontRef>
-        </p:style>
-        <p:txBody>
-          <a:bodyPr rtlCol="0" anchor="ctr"/>
-          <a:lstStyle/>
-          <a:p>
-            <a:pPr algn="ctr"/>
-            <a:endParaRPr lang="en-IN"/>
-          </a:p>
-        </p:txBody>
-      </p:sp>
-      <p:sp>
-        <p:nvSpPr>
-          <p:cNvPr id="49" name="Arrow: Down 29">
-            <a:extLst>
-              <a:ext uri="{FF2B5EF4-FFF2-40B4-BE49-F238E27FC236}">
-                <a16:creationId xmlns:a16="http://schemas.microsoft.com/office/drawing/2014/main" xmlns="" id="{08E15A71-991D-4B13-8C19-4081A38F2393}"/>
-              </a:ext>
-            </a:extLst>
-          </p:cNvPr>
-          <p:cNvSpPr/>
-          <p:nvPr/>
-        </p:nvSpPr>
-        <p:spPr>
-          <a:xfrm>
-            <a:off x="6048314" y="5428420"/>
-            <a:ext cx="298066" cy="591625"/>
-          </a:xfrm>
-          <a:prstGeom prst="downArrow">
-            <a:avLst/>
-          </a:prstGeom>
-        </p:spPr>
-        <p:style>
-          <a:lnRef idx="2">
-            <a:schemeClr val="accent1">
-              <a:shade val="50000"/>
-            </a:schemeClr>
-          </a:lnRef>
-          <a:fillRef idx="1">
-            <a:schemeClr val="accent1"/>
-          </a:fillRef>
-          <a:effectRef idx="0">
-            <a:schemeClr val="accent1"/>
-          </a:effectRef>
-          <a:fontRef idx="minor">
-            <a:schemeClr val="lt1"/>
-          </a:fontRef>
-        </p:style>
-        <p:txBody>
-          <a:bodyPr rtlCol="0" anchor="ctr"/>
-          <a:lstStyle/>
-          <a:p>
-            <a:pPr algn="ctr"/>
-            <a:endParaRPr lang="en-IN"/>
-          </a:p>
-        </p:txBody>
-      </p:sp>
-      <p:sp>
-        <p:nvSpPr>
-          <p:cNvPr id="50" name="Rectangle 49">
-            <a:extLst>
-              <a:ext uri="{FF2B5EF4-FFF2-40B4-BE49-F238E27FC236}">
-                <a16:creationId xmlns:a16="http://schemas.microsoft.com/office/drawing/2014/main" xmlns="" id="{B774742B-7074-4291-A829-6889310C9BB3}"/>
-              </a:ext>
-            </a:extLst>
-          </p:cNvPr>
-          <p:cNvSpPr/>
-          <p:nvPr/>
-        </p:nvSpPr>
-        <p:spPr>
-          <a:xfrm>
-            <a:off x="2626081" y="3073214"/>
-            <a:ext cx="149590" cy="284086"/>
-          </a:xfrm>
-          <a:prstGeom prst="rect">
-            <a:avLst/>
-          </a:prstGeom>
-        </p:spPr>
-        <p:style>
-          <a:lnRef idx="2">
-            <a:schemeClr val="accent1">
-              <a:shade val="50000"/>
-            </a:schemeClr>
-          </a:lnRef>
-          <a:fillRef idx="1">
-            <a:schemeClr val="accent1"/>
-          </a:fillRef>
-          <a:effectRef idx="0">
-            <a:schemeClr val="accent1"/>
-          </a:effectRef>
-          <a:fontRef idx="minor">
-            <a:schemeClr val="lt1"/>
-          </a:fontRef>
-        </p:style>
-        <p:txBody>
-          <a:bodyPr rtlCol="0" anchor="ctr"/>
-          <a:lstStyle/>
-          <a:p>
-            <a:pPr algn="ctr"/>
-            <a:endParaRPr lang="en-IN"/>
-          </a:p>
-        </p:txBody>
-      </p:sp>
-      <p:sp>
-        <p:nvSpPr>
-          <p:cNvPr id="51" name="Rectangle 50">
-            <a:extLst>
-              <a:ext uri="{FF2B5EF4-FFF2-40B4-BE49-F238E27FC236}">
-                <a16:creationId xmlns:a16="http://schemas.microsoft.com/office/drawing/2014/main" xmlns="" id="{EA39C89B-E40B-45A2-8052-34B4F4B1579C}"/>
-              </a:ext>
-            </a:extLst>
-          </p:cNvPr>
-          <p:cNvSpPr/>
-          <p:nvPr/>
-        </p:nvSpPr>
-        <p:spPr>
-          <a:xfrm>
-            <a:off x="5208154" y="3124200"/>
-            <a:ext cx="159798" cy="233100"/>
-          </a:xfrm>
-          <a:prstGeom prst="rect">
-            <a:avLst/>
-          </a:prstGeom>
-        </p:spPr>
-        <p:style>
-          <a:lnRef idx="2">
-            <a:schemeClr val="accent1">
-              <a:shade val="50000"/>
-            </a:schemeClr>
-          </a:lnRef>
-          <a:fillRef idx="1">
-            <a:schemeClr val="accent1"/>
-          </a:fillRef>
-          <a:effectRef idx="0">
-            <a:schemeClr val="accent1"/>
-          </a:effectRef>
-          <a:fontRef idx="minor">
-            <a:schemeClr val="lt1"/>
-          </a:fontRef>
-        </p:style>
-        <p:txBody>
-          <a:bodyPr rtlCol="0" anchor="ctr"/>
-          <a:lstStyle/>
-          <a:p>
-            <a:pPr algn="ctr"/>
-            <a:endParaRPr lang="en-IN"/>
-          </a:p>
-        </p:txBody>
-      </p:sp>
-      <p:sp>
-        <p:nvSpPr>
-          <p:cNvPr id="52" name="Rectangle 51">
-            <a:extLst>
-              <a:ext uri="{FF2B5EF4-FFF2-40B4-BE49-F238E27FC236}">
-                <a16:creationId xmlns:a16="http://schemas.microsoft.com/office/drawing/2014/main" xmlns="" id="{DE1694FA-A127-4B35-9B2E-11275483295A}"/>
-              </a:ext>
-            </a:extLst>
-          </p:cNvPr>
-          <p:cNvSpPr/>
-          <p:nvPr/>
-        </p:nvSpPr>
-        <p:spPr>
-          <a:xfrm>
-            <a:off x="5208154" y="3620858"/>
-            <a:ext cx="159798" cy="283775"/>
-          </a:xfrm>
-          <a:prstGeom prst="rect">
-            <a:avLst/>
-          </a:prstGeom>
-        </p:spPr>
-        <p:style>
-          <a:lnRef idx="2">
-            <a:schemeClr val="accent1">
-              <a:shade val="50000"/>
-            </a:schemeClr>
-          </a:lnRef>
-          <a:fillRef idx="1">
-            <a:schemeClr val="accent1"/>
-          </a:fillRef>
-          <a:effectRef idx="0">
-            <a:schemeClr val="accent1"/>
-          </a:effectRef>
-          <a:fontRef idx="minor">
-            <a:schemeClr val="lt1"/>
-          </a:fontRef>
-        </p:style>
-        <p:txBody>
-          <a:bodyPr rtlCol="0" anchor="ctr"/>
-          <a:lstStyle/>
-          <a:p>
-            <a:pPr algn="ctr"/>
-            <a:endParaRPr lang="en-IN"/>
-          </a:p>
-        </p:txBody>
-      </p:sp>
-      <p:cxnSp>
-        <p:nvCxnSpPr>
-          <p:cNvPr id="53" name="Connector: Elbow 34">
-            <a:extLst>
-              <a:ext uri="{FF2B5EF4-FFF2-40B4-BE49-F238E27FC236}">
-                <a16:creationId xmlns:a16="http://schemas.microsoft.com/office/drawing/2014/main" xmlns="" id="{01C00284-218B-4CFC-9C33-D7D270E6B655}"/>
-              </a:ext>
-            </a:extLst>
-          </p:cNvPr>
-          <p:cNvCxnSpPr>
-            <a:stCxn id="50" idx="3"/>
-            <a:endCxn id="52" idx="1"/>
-          </p:cNvCxnSpPr>
-          <p:nvPr/>
-        </p:nvCxnSpPr>
-        <p:spPr>
-          <a:xfrm>
-            <a:off x="2775671" y="3215257"/>
-            <a:ext cx="2432483" cy="547489"/>
-          </a:xfrm>
-          <a:prstGeom prst="bentConnector3">
-            <a:avLst/>
-          </a:prstGeom>
-          <a:ln>
-            <a:tailEnd type="triangle"/>
-          </a:ln>
-        </p:spPr>
-        <p:style>
-          <a:lnRef idx="1">
-            <a:schemeClr val="accent1"/>
-          </a:lnRef>
-          <a:fillRef idx="0">
-            <a:schemeClr val="accent1"/>
-          </a:fillRef>
-          <a:effectRef idx="0">
-            <a:schemeClr val="accent1"/>
-          </a:effectRef>
-          <a:fontRef idx="minor">
-            <a:schemeClr val="tx1"/>
-          </a:fontRef>
-        </p:style>
-      </p:cxnSp>
-      <p:sp>
-        <p:nvSpPr>
-          <p:cNvPr id="54" name="Rectangle: Rounded Corners 36">
-            <a:extLst>
-              <a:ext uri="{FF2B5EF4-FFF2-40B4-BE49-F238E27FC236}">
-                <a16:creationId xmlns:a16="http://schemas.microsoft.com/office/drawing/2014/main" xmlns="" id="{DEDA321E-F053-4CA0-A26A-553C97EE7927}"/>
-              </a:ext>
-            </a:extLst>
-          </p:cNvPr>
-          <p:cNvSpPr/>
-          <p:nvPr/>
-        </p:nvSpPr>
-        <p:spPr>
-          <a:xfrm>
-            <a:off x="3024246" y="4160668"/>
-            <a:ext cx="2050742" cy="636265"/>
-          </a:xfrm>
-          <a:prstGeom prst="roundRect">
-            <a:avLst/>
-          </a:prstGeom>
-        </p:spPr>
-        <p:style>
-          <a:lnRef idx="2">
-            <a:schemeClr val="accent1">
-              <a:shade val="50000"/>
-            </a:schemeClr>
-          </a:lnRef>
-          <a:fillRef idx="1">
-            <a:schemeClr val="accent1"/>
-          </a:fillRef>
-          <a:effectRef idx="0">
-            <a:schemeClr val="accent1"/>
-          </a:effectRef>
-          <a:fontRef idx="minor">
-            <a:schemeClr val="lt1"/>
-          </a:fontRef>
-        </p:style>
-        <p:txBody>
-          <a:bodyPr rtlCol="0" anchor="ctr"/>
-          <a:lstStyle/>
-          <a:p>
-            <a:pPr algn="ctr"/>
-            <a:r>
-              <a:rPr lang="en-US" sz="1000" dirty="0"/>
-              <a:t>Process inside the bracket will happen when request of client is accepted</a:t>
-            </a:r>
-            <a:endParaRPr lang="en-IN" sz="1000" dirty="0"/>
-          </a:p>
-        </p:txBody>
-      </p:sp>
-      <p:sp>
-        <p:nvSpPr>
-          <p:cNvPr id="55" name="Arrow: Left-Right 37">
-            <a:extLst>
-              <a:ext uri="{FF2B5EF4-FFF2-40B4-BE49-F238E27FC236}">
-                <a16:creationId xmlns:a16="http://schemas.microsoft.com/office/drawing/2014/main" xmlns="" id="{011446B9-41DD-49E6-8DC4-4E4DF60E86E5}"/>
-              </a:ext>
-            </a:extLst>
-          </p:cNvPr>
-          <p:cNvSpPr/>
-          <p:nvPr/>
-        </p:nvSpPr>
-        <p:spPr>
-          <a:xfrm>
-            <a:off x="2725064" y="5127928"/>
-            <a:ext cx="2507278" cy="170648"/>
-          </a:xfrm>
-          <a:prstGeom prst="leftRightArrow">
-            <a:avLst/>
-          </a:prstGeom>
-        </p:spPr>
-        <p:style>
-          <a:lnRef idx="2">
-            <a:schemeClr val="accent1">
-              <a:shade val="50000"/>
-            </a:schemeClr>
-          </a:lnRef>
-          <a:fillRef idx="1">
-            <a:schemeClr val="accent1"/>
-          </a:fillRef>
-          <a:effectRef idx="0">
-            <a:schemeClr val="accent1"/>
-          </a:effectRef>
-          <a:fontRef idx="minor">
-            <a:schemeClr val="lt1"/>
-          </a:fontRef>
-        </p:style>
-        <p:txBody>
-          <a:bodyPr rtlCol="0" anchor="ctr"/>
-          <a:lstStyle/>
-          <a:p>
-            <a:pPr algn="ctr"/>
-            <a:endParaRPr lang="en-IN"/>
-          </a:p>
-        </p:txBody>
-      </p:sp>
-      <p:sp>
-        <p:nvSpPr>
-          <p:cNvPr id="56" name="Rectangle 55">
-            <a:extLst>
-              <a:ext uri="{FF2B5EF4-FFF2-40B4-BE49-F238E27FC236}">
-                <a16:creationId xmlns:a16="http://schemas.microsoft.com/office/drawing/2014/main" xmlns="" id="{2D2D8E5D-15BC-4A68-AD3D-38776E2845D9}"/>
-              </a:ext>
-            </a:extLst>
-          </p:cNvPr>
-          <p:cNvSpPr/>
-          <p:nvPr/>
-        </p:nvSpPr>
-        <p:spPr>
-          <a:xfrm>
-            <a:off x="675327" y="4639219"/>
-            <a:ext cx="1151455" cy="153237"/>
-          </a:xfrm>
-          <a:prstGeom prst="rect">
-            <a:avLst/>
-          </a:prstGeom>
-        </p:spPr>
-        <p:style>
-          <a:lnRef idx="2">
-            <a:schemeClr val="accent1">
-              <a:shade val="50000"/>
-            </a:schemeClr>
-          </a:lnRef>
-          <a:fillRef idx="1">
-            <a:schemeClr val="accent1"/>
-          </a:fillRef>
-          <a:effectRef idx="0">
-            <a:schemeClr val="accent1"/>
-          </a:effectRef>
-          <a:fontRef idx="minor">
-            <a:schemeClr val="lt1"/>
-          </a:fontRef>
-        </p:style>
-        <p:txBody>
-          <a:bodyPr rtlCol="0" anchor="ctr"/>
-          <a:lstStyle/>
-          <a:p>
-            <a:pPr algn="ctr"/>
-            <a:endParaRPr lang="en-IN"/>
-          </a:p>
-        </p:txBody>
-      </p:sp>
-      <p:sp>
-        <p:nvSpPr>
-          <p:cNvPr id="57" name="Rectangle 56">
-            <a:extLst>
-              <a:ext uri="{FF2B5EF4-FFF2-40B4-BE49-F238E27FC236}">
-                <a16:creationId xmlns:a16="http://schemas.microsoft.com/office/drawing/2014/main" xmlns="" id="{B3EE89B0-54CB-4790-9EA0-186BAA356C1E}"/>
-              </a:ext>
-            </a:extLst>
-          </p:cNvPr>
-          <p:cNvSpPr/>
-          <p:nvPr/>
-        </p:nvSpPr>
-        <p:spPr>
-          <a:xfrm>
-            <a:off x="675327" y="4792456"/>
-            <a:ext cx="147255" cy="948567"/>
-          </a:xfrm>
-          <a:prstGeom prst="rect">
-            <a:avLst/>
-          </a:prstGeom>
-        </p:spPr>
-        <p:style>
-          <a:lnRef idx="2">
-            <a:schemeClr val="accent1">
-              <a:shade val="50000"/>
-            </a:schemeClr>
-          </a:lnRef>
-          <a:fillRef idx="1">
-            <a:schemeClr val="accent1"/>
-          </a:fillRef>
-          <a:effectRef idx="0">
-            <a:schemeClr val="accent1"/>
-          </a:effectRef>
-          <a:fontRef idx="minor">
-            <a:schemeClr val="lt1"/>
-          </a:fontRef>
-        </p:style>
-        <p:txBody>
-          <a:bodyPr rtlCol="0" anchor="ctr"/>
-          <a:lstStyle/>
-          <a:p>
-            <a:pPr algn="ctr"/>
-            <a:endParaRPr lang="en-IN"/>
-          </a:p>
-        </p:txBody>
-      </p:sp>
-      <p:sp>
-        <p:nvSpPr>
-          <p:cNvPr id="58" name="Rectangle 57">
-            <a:extLst>
-              <a:ext uri="{FF2B5EF4-FFF2-40B4-BE49-F238E27FC236}">
-                <a16:creationId xmlns:a16="http://schemas.microsoft.com/office/drawing/2014/main" xmlns="" id="{015E4FE4-A23E-4A10-9D59-96197DD0AF05}"/>
-              </a:ext>
-            </a:extLst>
-          </p:cNvPr>
-          <p:cNvSpPr/>
-          <p:nvPr/>
-        </p:nvSpPr>
-        <p:spPr>
-          <a:xfrm>
-            <a:off x="676768" y="5735677"/>
-            <a:ext cx="1150014" cy="120026"/>
-          </a:xfrm>
-          <a:prstGeom prst="rect">
-            <a:avLst/>
-          </a:prstGeom>
-        </p:spPr>
-        <p:style>
-          <a:lnRef idx="2">
-            <a:schemeClr val="accent1">
-              <a:shade val="50000"/>
-            </a:schemeClr>
-          </a:lnRef>
-          <a:fillRef idx="1">
-            <a:schemeClr val="accent1"/>
-          </a:fillRef>
-          <a:effectRef idx="0">
-            <a:schemeClr val="accent1"/>
-          </a:effectRef>
-          <a:fontRef idx="minor">
-            <a:schemeClr val="lt1"/>
-          </a:fontRef>
-        </p:style>
-        <p:txBody>
-          <a:bodyPr rtlCol="0" anchor="ctr"/>
-          <a:lstStyle/>
-          <a:p>
-            <a:pPr algn="ctr"/>
-            <a:endParaRPr lang="en-IN"/>
-          </a:p>
-        </p:txBody>
-      </p:sp>
-      <p:sp>
-        <p:nvSpPr>
-          <p:cNvPr id="59" name="Rectangle 58">
-            <a:extLst>
-              <a:ext uri="{FF2B5EF4-FFF2-40B4-BE49-F238E27FC236}">
-                <a16:creationId xmlns:a16="http://schemas.microsoft.com/office/drawing/2014/main" xmlns="" id="{41ED55B5-DAFD-46D8-BE51-6892927EABDB}"/>
-              </a:ext>
-            </a:extLst>
-          </p:cNvPr>
-          <p:cNvSpPr/>
-          <p:nvPr/>
-        </p:nvSpPr>
-        <p:spPr>
-          <a:xfrm>
-            <a:off x="6288086" y="4639219"/>
-            <a:ext cx="1708922" cy="153236"/>
-          </a:xfrm>
-          <a:prstGeom prst="rect">
-            <a:avLst/>
-          </a:prstGeom>
-        </p:spPr>
-        <p:style>
-          <a:lnRef idx="2">
-            <a:schemeClr val="accent1">
-              <a:shade val="50000"/>
-            </a:schemeClr>
-          </a:lnRef>
-          <a:fillRef idx="1">
-            <a:schemeClr val="accent1"/>
-          </a:fillRef>
-          <a:effectRef idx="0">
-            <a:schemeClr val="accent1"/>
-          </a:effectRef>
-          <a:fontRef idx="minor">
-            <a:schemeClr val="lt1"/>
-          </a:fontRef>
-        </p:style>
-        <p:txBody>
-          <a:bodyPr rtlCol="0" anchor="ctr"/>
-          <a:lstStyle/>
-          <a:p>
-            <a:pPr algn="ctr"/>
-            <a:endParaRPr lang="en-IN"/>
-          </a:p>
-        </p:txBody>
-      </p:sp>
-      <p:sp>
-        <p:nvSpPr>
-          <p:cNvPr id="60" name="Rectangle 59">
-            <a:extLst>
-              <a:ext uri="{FF2B5EF4-FFF2-40B4-BE49-F238E27FC236}">
-                <a16:creationId xmlns:a16="http://schemas.microsoft.com/office/drawing/2014/main" xmlns="" id="{3ECEF86D-CD61-463C-B8D9-6303F19EDA2E}"/>
-              </a:ext>
-            </a:extLst>
-          </p:cNvPr>
-          <p:cNvSpPr/>
-          <p:nvPr/>
-        </p:nvSpPr>
-        <p:spPr>
-          <a:xfrm>
-            <a:off x="7872974" y="4807232"/>
-            <a:ext cx="115411" cy="940698"/>
-          </a:xfrm>
-          <a:prstGeom prst="rect">
-            <a:avLst/>
-          </a:prstGeom>
-        </p:spPr>
-        <p:style>
-          <a:lnRef idx="2">
-            <a:schemeClr val="accent1">
-              <a:shade val="50000"/>
-            </a:schemeClr>
-          </a:lnRef>
-          <a:fillRef idx="1">
-            <a:schemeClr val="accent1"/>
-          </a:fillRef>
-          <a:effectRef idx="0">
-            <a:schemeClr val="accent1"/>
-          </a:effectRef>
-          <a:fontRef idx="minor">
-            <a:schemeClr val="lt1"/>
-          </a:fontRef>
-        </p:style>
-        <p:txBody>
-          <a:bodyPr rtlCol="0" anchor="ctr"/>
-          <a:lstStyle/>
-          <a:p>
-            <a:pPr algn="ctr"/>
-            <a:endParaRPr lang="en-IN"/>
-          </a:p>
-        </p:txBody>
-      </p:sp>
-      <p:sp>
-        <p:nvSpPr>
-          <p:cNvPr id="61" name="Rectangle 60">
-            <a:extLst>
-              <a:ext uri="{FF2B5EF4-FFF2-40B4-BE49-F238E27FC236}">
-                <a16:creationId xmlns:a16="http://schemas.microsoft.com/office/drawing/2014/main" xmlns="" id="{DD2F281B-00F1-49C1-B701-65FBA61F18AB}"/>
-              </a:ext>
-            </a:extLst>
-          </p:cNvPr>
-          <p:cNvSpPr/>
-          <p:nvPr/>
-        </p:nvSpPr>
-        <p:spPr>
-          <a:xfrm>
-            <a:off x="6279464" y="5679889"/>
-            <a:ext cx="1708921" cy="122550"/>
-          </a:xfrm>
-          <a:prstGeom prst="rect">
-            <a:avLst/>
-          </a:prstGeom>
-        </p:spPr>
-        <p:style>
-          <a:lnRef idx="2">
-            <a:schemeClr val="accent1">
-              <a:shade val="50000"/>
-            </a:schemeClr>
-          </a:lnRef>
-          <a:fillRef idx="1">
-            <a:schemeClr val="accent1"/>
-          </a:fillRef>
-          <a:effectRef idx="0">
-            <a:schemeClr val="accent1"/>
-          </a:effectRef>
-          <a:fontRef idx="minor">
-            <a:schemeClr val="lt1"/>
-          </a:fontRef>
-        </p:style>
-        <p:txBody>
-          <a:bodyPr rtlCol="0" anchor="ctr"/>
-          <a:lstStyle/>
-          <a:p>
-            <a:pPr algn="ctr"/>
-            <a:endParaRPr lang="en-IN"/>
-          </a:p>
-        </p:txBody>
-      </p:sp>
-      <p:sp>
-        <p:nvSpPr>
-          <p:cNvPr id="62" name="Rectangle: Rounded Corners 11">
-            <a:extLst>
-              <a:ext uri="{FF2B5EF4-FFF2-40B4-BE49-F238E27FC236}">
-                <a16:creationId xmlns:a16="http://schemas.microsoft.com/office/drawing/2014/main" xmlns="" id="{54559BF4-36E1-42A4-A0EA-2ED4747FC802}"/>
-              </a:ext>
-            </a:extLst>
-          </p:cNvPr>
-          <p:cNvSpPr/>
-          <p:nvPr/>
-        </p:nvSpPr>
-        <p:spPr>
-          <a:xfrm>
-            <a:off x="5365730" y="6094521"/>
-            <a:ext cx="1615736" cy="328474"/>
-          </a:xfrm>
-          <a:prstGeom prst="roundRect">
-            <a:avLst/>
-          </a:prstGeom>
-        </p:spPr>
-        <p:style>
-          <a:lnRef idx="2">
-            <a:schemeClr val="dk1"/>
-          </a:lnRef>
-          <a:fillRef idx="1">
-            <a:schemeClr val="lt1"/>
-          </a:fillRef>
-          <a:effectRef idx="0">
-            <a:schemeClr val="dk1"/>
-          </a:effectRef>
-          <a:fontRef idx="minor">
-            <a:schemeClr val="dk1"/>
-          </a:fontRef>
-        </p:style>
-        <p:txBody>
-          <a:bodyPr rtlCol="0" anchor="ctr"/>
-          <a:lstStyle/>
-          <a:p>
-            <a:pPr algn="ctr"/>
-            <a:r>
-              <a:rPr lang="en-US" sz="1400" dirty="0"/>
-              <a:t>Close</a:t>
-            </a:r>
-            <a:endParaRPr lang="en-IN" dirty="0"/>
-          </a:p>
-        </p:txBody>
-      </p:sp>
-      <p:sp>
-        <p:nvSpPr>
-          <p:cNvPr id="63" name="Rectangle: Rounded Corners 11">
-            <a:extLst>
-              <a:ext uri="{FF2B5EF4-FFF2-40B4-BE49-F238E27FC236}">
-                <a16:creationId xmlns:a16="http://schemas.microsoft.com/office/drawing/2014/main" xmlns="" id="{54559BF4-36E1-42A4-A0EA-2ED4747FC802}"/>
-              </a:ext>
-            </a:extLst>
-          </p:cNvPr>
-          <p:cNvSpPr/>
-          <p:nvPr/>
-        </p:nvSpPr>
-        <p:spPr>
-          <a:xfrm>
-            <a:off x="1071157" y="6116593"/>
-            <a:ext cx="1615736" cy="328474"/>
-          </a:xfrm>
-          <a:prstGeom prst="roundRect">
-            <a:avLst/>
-          </a:prstGeom>
-        </p:spPr>
-        <p:style>
-          <a:lnRef idx="2">
-            <a:schemeClr val="dk1"/>
-          </a:lnRef>
-          <a:fillRef idx="1">
-            <a:schemeClr val="lt1"/>
-          </a:fillRef>
-          <a:effectRef idx="0">
-            <a:schemeClr val="dk1"/>
-          </a:effectRef>
-          <a:fontRef idx="minor">
-            <a:schemeClr val="dk1"/>
-          </a:fontRef>
-        </p:style>
-        <p:txBody>
-          <a:bodyPr rtlCol="0" anchor="ctr"/>
-          <a:lstStyle/>
-          <a:p>
-            <a:pPr algn="ctr"/>
-            <a:r>
-              <a:rPr lang="en-US" sz="1400" dirty="0"/>
-              <a:t>Close</a:t>
-            </a:r>
-            <a:endParaRPr lang="en-IN" dirty="0"/>
           </a:p>
         </p:txBody>
       </p:sp>
@@ -16119,6 +19475,1561 @@
           </a:p>
         </p:txBody>
       </p:sp>
+      <p:sp>
+        <p:nvSpPr>
+          <p:cNvPr id="63" name="Rectangle: Rounded Corners 4">
+            <a:extLst>
+              <a:ext uri="{FF2B5EF4-FFF2-40B4-BE49-F238E27FC236}">
+                <a16:creationId xmlns:a16="http://schemas.microsoft.com/office/drawing/2014/main" xmlns="" id="{9A88568F-3506-42A8-931B-789BFAB25304}"/>
+              </a:ext>
+            </a:extLst>
+          </p:cNvPr>
+          <p:cNvSpPr/>
+          <p:nvPr/>
+        </p:nvSpPr>
+        <p:spPr>
+          <a:xfrm>
+            <a:off x="1332062" y="1324001"/>
+            <a:ext cx="1402672" cy="328474"/>
+          </a:xfrm>
+          <a:prstGeom prst="roundRect">
+            <a:avLst/>
+          </a:prstGeom>
+        </p:spPr>
+        <p:style>
+          <a:lnRef idx="2">
+            <a:schemeClr val="dk1"/>
+          </a:lnRef>
+          <a:fillRef idx="1">
+            <a:schemeClr val="lt1"/>
+          </a:fillRef>
+          <a:effectRef idx="0">
+            <a:schemeClr val="dk1"/>
+          </a:effectRef>
+          <a:fontRef idx="minor">
+            <a:schemeClr val="dk1"/>
+          </a:fontRef>
+        </p:style>
+        <p:txBody>
+          <a:bodyPr rtlCol="0" anchor="ctr"/>
+          <a:lstStyle/>
+          <a:p>
+            <a:pPr algn="ctr"/>
+            <a:r>
+              <a:rPr lang="en-US" sz="1400" dirty="0"/>
+              <a:t>Socket</a:t>
+            </a:r>
+            <a:endParaRPr lang="en-IN" sz="1400" dirty="0"/>
+          </a:p>
+        </p:txBody>
+      </p:sp>
+      <p:sp>
+        <p:nvSpPr>
+          <p:cNvPr id="65" name="Rectangle: Rounded Corners 5">
+            <a:extLst>
+              <a:ext uri="{FF2B5EF4-FFF2-40B4-BE49-F238E27FC236}">
+                <a16:creationId xmlns:a16="http://schemas.microsoft.com/office/drawing/2014/main" xmlns="" id="{655FBC90-9E52-4109-A8E4-67809B471C8B}"/>
+              </a:ext>
+            </a:extLst>
+          </p:cNvPr>
+          <p:cNvSpPr/>
+          <p:nvPr/>
+        </p:nvSpPr>
+        <p:spPr>
+          <a:xfrm>
+            <a:off x="1342270" y="1855243"/>
+            <a:ext cx="1402672" cy="284086"/>
+          </a:xfrm>
+          <a:prstGeom prst="roundRect">
+            <a:avLst/>
+          </a:prstGeom>
+        </p:spPr>
+        <p:style>
+          <a:lnRef idx="2">
+            <a:schemeClr val="dk1"/>
+          </a:lnRef>
+          <a:fillRef idx="1">
+            <a:schemeClr val="lt1"/>
+          </a:fillRef>
+          <a:effectRef idx="0">
+            <a:schemeClr val="dk1"/>
+          </a:effectRef>
+          <a:fontRef idx="minor">
+            <a:schemeClr val="dk1"/>
+          </a:fontRef>
+        </p:style>
+        <p:txBody>
+          <a:bodyPr rtlCol="0" anchor="ctr"/>
+          <a:lstStyle/>
+          <a:p>
+            <a:pPr algn="ctr"/>
+            <a:r>
+              <a:rPr lang="en-US" sz="1400" dirty="0"/>
+              <a:t>Bind</a:t>
+            </a:r>
+            <a:endParaRPr lang="en-IN" sz="1400" dirty="0"/>
+          </a:p>
+        </p:txBody>
+      </p:sp>
+      <p:sp>
+        <p:nvSpPr>
+          <p:cNvPr id="71" name="Rectangle 70">
+            <a:extLst>
+              <a:ext uri="{FF2B5EF4-FFF2-40B4-BE49-F238E27FC236}">
+                <a16:creationId xmlns:a16="http://schemas.microsoft.com/office/drawing/2014/main" xmlns="" id="{2B7C2FAC-A911-4563-990C-E9258B7E8A95}"/>
+              </a:ext>
+            </a:extLst>
+          </p:cNvPr>
+          <p:cNvSpPr/>
+          <p:nvPr/>
+        </p:nvSpPr>
+        <p:spPr>
+          <a:xfrm>
+            <a:off x="1332062" y="2427298"/>
+            <a:ext cx="1402672" cy="1074322"/>
+          </a:xfrm>
+          <a:prstGeom prst="rect">
+            <a:avLst/>
+          </a:prstGeom>
+        </p:spPr>
+        <p:style>
+          <a:lnRef idx="2">
+            <a:schemeClr val="dk1"/>
+          </a:lnRef>
+          <a:fillRef idx="1">
+            <a:schemeClr val="lt1"/>
+          </a:fillRef>
+          <a:effectRef idx="0">
+            <a:schemeClr val="dk1"/>
+          </a:effectRef>
+          <a:fontRef idx="minor">
+            <a:schemeClr val="dk1"/>
+          </a:fontRef>
+        </p:style>
+        <p:txBody>
+          <a:bodyPr rtlCol="0" anchor="ctr"/>
+          <a:lstStyle/>
+          <a:p>
+            <a:pPr algn="ctr"/>
+            <a:r>
+              <a:rPr lang="en-US" dirty="0"/>
+              <a:t>Connect</a:t>
+            </a:r>
+            <a:endParaRPr lang="en-IN" dirty="0"/>
+          </a:p>
+        </p:txBody>
+      </p:sp>
+      <p:sp>
+        <p:nvSpPr>
+          <p:cNvPr id="72" name="Rectangle 71">
+            <a:extLst>
+              <a:ext uri="{FF2B5EF4-FFF2-40B4-BE49-F238E27FC236}">
+                <a16:creationId xmlns:a16="http://schemas.microsoft.com/office/drawing/2014/main" xmlns="" id="{D1C473AB-09A9-43A5-BDB3-D6F2BF39265E}"/>
+              </a:ext>
+            </a:extLst>
+          </p:cNvPr>
+          <p:cNvSpPr/>
+          <p:nvPr/>
+        </p:nvSpPr>
+        <p:spPr>
+          <a:xfrm>
+            <a:off x="387682" y="3933381"/>
+            <a:ext cx="8226546" cy="2111976"/>
+          </a:xfrm>
+          <a:prstGeom prst="rect">
+            <a:avLst/>
+          </a:prstGeom>
+        </p:spPr>
+        <p:style>
+          <a:lnRef idx="2">
+            <a:schemeClr val="dk1"/>
+          </a:lnRef>
+          <a:fillRef idx="1">
+            <a:schemeClr val="lt1"/>
+          </a:fillRef>
+          <a:effectRef idx="0">
+            <a:schemeClr val="dk1"/>
+          </a:effectRef>
+          <a:fontRef idx="minor">
+            <a:schemeClr val="dk1"/>
+          </a:fontRef>
+        </p:style>
+        <p:txBody>
+          <a:bodyPr rtlCol="0" anchor="ctr"/>
+          <a:lstStyle/>
+          <a:p>
+            <a:pPr algn="ctr"/>
+            <a:endParaRPr lang="en-IN"/>
+          </a:p>
+        </p:txBody>
+      </p:sp>
+      <p:sp>
+        <p:nvSpPr>
+          <p:cNvPr id="74" name="Rectangle: Rounded Corners 11">
+            <a:extLst>
+              <a:ext uri="{FF2B5EF4-FFF2-40B4-BE49-F238E27FC236}">
+                <a16:creationId xmlns:a16="http://schemas.microsoft.com/office/drawing/2014/main" xmlns="" id="{54559BF4-36E1-42A4-A0EA-2ED4747FC802}"/>
+              </a:ext>
+            </a:extLst>
+          </p:cNvPr>
+          <p:cNvSpPr/>
+          <p:nvPr/>
+        </p:nvSpPr>
+        <p:spPr>
+          <a:xfrm>
+            <a:off x="5486812" y="1312646"/>
+            <a:ext cx="1615736" cy="328474"/>
+          </a:xfrm>
+          <a:prstGeom prst="roundRect">
+            <a:avLst/>
+          </a:prstGeom>
+        </p:spPr>
+        <p:style>
+          <a:lnRef idx="2">
+            <a:schemeClr val="dk1"/>
+          </a:lnRef>
+          <a:fillRef idx="1">
+            <a:schemeClr val="lt1"/>
+          </a:fillRef>
+          <a:effectRef idx="0">
+            <a:schemeClr val="dk1"/>
+          </a:effectRef>
+          <a:fontRef idx="minor">
+            <a:schemeClr val="dk1"/>
+          </a:fontRef>
+        </p:style>
+        <p:txBody>
+          <a:bodyPr rtlCol="0" anchor="ctr"/>
+          <a:lstStyle/>
+          <a:p>
+            <a:pPr algn="ctr"/>
+            <a:r>
+              <a:rPr lang="en-US" sz="1400" dirty="0"/>
+              <a:t>Socket</a:t>
+            </a:r>
+            <a:r>
+              <a:rPr lang="en-US" dirty="0"/>
+              <a:t> </a:t>
+            </a:r>
+            <a:endParaRPr lang="en-IN" dirty="0"/>
+          </a:p>
+        </p:txBody>
+      </p:sp>
+      <p:sp>
+        <p:nvSpPr>
+          <p:cNvPr id="75" name="Rectangle: Rounded Corners 12">
+            <a:extLst>
+              <a:ext uri="{FF2B5EF4-FFF2-40B4-BE49-F238E27FC236}">
+                <a16:creationId xmlns:a16="http://schemas.microsoft.com/office/drawing/2014/main" xmlns="" id="{978C6357-97C1-41A6-8BC2-7509160C4E00}"/>
+              </a:ext>
+            </a:extLst>
+          </p:cNvPr>
+          <p:cNvSpPr/>
+          <p:nvPr/>
+        </p:nvSpPr>
+        <p:spPr>
+          <a:xfrm>
+            <a:off x="5486813" y="1839154"/>
+            <a:ext cx="1615736" cy="331432"/>
+          </a:xfrm>
+          <a:prstGeom prst="roundRect">
+            <a:avLst/>
+          </a:prstGeom>
+        </p:spPr>
+        <p:style>
+          <a:lnRef idx="2">
+            <a:schemeClr val="dk1"/>
+          </a:lnRef>
+          <a:fillRef idx="1">
+            <a:schemeClr val="lt1"/>
+          </a:fillRef>
+          <a:effectRef idx="0">
+            <a:schemeClr val="dk1"/>
+          </a:effectRef>
+          <a:fontRef idx="minor">
+            <a:schemeClr val="dk1"/>
+          </a:fontRef>
+        </p:style>
+        <p:txBody>
+          <a:bodyPr rtlCol="0" anchor="ctr"/>
+          <a:lstStyle/>
+          <a:p>
+            <a:pPr algn="ctr"/>
+            <a:r>
+              <a:rPr lang="en-US" sz="1400"/>
+              <a:t>Bind</a:t>
+            </a:r>
+            <a:endParaRPr lang="en-IN" sz="1400" dirty="0"/>
+          </a:p>
+        </p:txBody>
+      </p:sp>
+      <p:sp>
+        <p:nvSpPr>
+          <p:cNvPr id="76" name="Rectangle 75">
+            <a:extLst>
+              <a:ext uri="{FF2B5EF4-FFF2-40B4-BE49-F238E27FC236}">
+                <a16:creationId xmlns:a16="http://schemas.microsoft.com/office/drawing/2014/main" xmlns="" id="{35570A7C-424C-4FD7-926E-9AFB536B600C}"/>
+              </a:ext>
+            </a:extLst>
+          </p:cNvPr>
+          <p:cNvSpPr/>
+          <p:nvPr/>
+        </p:nvSpPr>
+        <p:spPr>
+          <a:xfrm>
+            <a:off x="5486813" y="2440923"/>
+            <a:ext cx="1615736" cy="1047071"/>
+          </a:xfrm>
+          <a:prstGeom prst="rect">
+            <a:avLst/>
+          </a:prstGeom>
+        </p:spPr>
+        <p:style>
+          <a:lnRef idx="2">
+            <a:schemeClr val="dk1"/>
+          </a:lnRef>
+          <a:fillRef idx="1">
+            <a:schemeClr val="lt1"/>
+          </a:fillRef>
+          <a:effectRef idx="0">
+            <a:schemeClr val="dk1"/>
+          </a:effectRef>
+          <a:fontRef idx="minor">
+            <a:schemeClr val="dk1"/>
+          </a:fontRef>
+        </p:style>
+        <p:txBody>
+          <a:bodyPr rtlCol="0" anchor="ctr"/>
+          <a:lstStyle/>
+          <a:p>
+            <a:pPr algn="ctr"/>
+            <a:r>
+              <a:rPr lang="en-US" sz="1400" dirty="0"/>
+              <a:t>Listen</a:t>
+            </a:r>
+          </a:p>
+          <a:p>
+            <a:pPr algn="ctr"/>
+            <a:endParaRPr lang="en-US" sz="1400" dirty="0"/>
+          </a:p>
+          <a:p>
+            <a:pPr algn="ctr"/>
+            <a:r>
+              <a:rPr lang="en-US" sz="1400" dirty="0"/>
+              <a:t>Accept</a:t>
+            </a:r>
+            <a:endParaRPr lang="en-IN" sz="1400" dirty="0"/>
+          </a:p>
+        </p:txBody>
+      </p:sp>
+      <p:sp>
+        <p:nvSpPr>
+          <p:cNvPr id="77" name="Rectangle: Rounded Corners 14">
+            <a:extLst>
+              <a:ext uri="{FF2B5EF4-FFF2-40B4-BE49-F238E27FC236}">
+                <a16:creationId xmlns:a16="http://schemas.microsoft.com/office/drawing/2014/main" xmlns="" id="{15B030CD-4A12-440A-9647-10A73D78D47D}"/>
+              </a:ext>
+            </a:extLst>
+          </p:cNvPr>
+          <p:cNvSpPr/>
+          <p:nvPr/>
+        </p:nvSpPr>
+        <p:spPr>
+          <a:xfrm>
+            <a:off x="1332062" y="4475329"/>
+            <a:ext cx="1412879" cy="375202"/>
+          </a:xfrm>
+          <a:prstGeom prst="roundRect">
+            <a:avLst/>
+          </a:prstGeom>
+        </p:spPr>
+        <p:style>
+          <a:lnRef idx="2">
+            <a:schemeClr val="accent1">
+              <a:shade val="50000"/>
+            </a:schemeClr>
+          </a:lnRef>
+          <a:fillRef idx="1">
+            <a:schemeClr val="accent1"/>
+          </a:fillRef>
+          <a:effectRef idx="0">
+            <a:schemeClr val="accent1"/>
+          </a:effectRef>
+          <a:fontRef idx="minor">
+            <a:schemeClr val="lt1"/>
+          </a:fontRef>
+        </p:style>
+        <p:txBody>
+          <a:bodyPr rtlCol="0" anchor="ctr"/>
+          <a:lstStyle/>
+          <a:p>
+            <a:pPr algn="ctr"/>
+            <a:r>
+              <a:rPr lang="en-US" sz="1000" dirty="0" smtClean="0"/>
+              <a:t>Send to/ Recv from</a:t>
+            </a:r>
+            <a:endParaRPr lang="en-IN" sz="1000" dirty="0"/>
+          </a:p>
+        </p:txBody>
+      </p:sp>
+      <p:sp>
+        <p:nvSpPr>
+          <p:cNvPr id="78" name="Rectangle: Rounded Corners 16">
+            <a:extLst>
+              <a:ext uri="{FF2B5EF4-FFF2-40B4-BE49-F238E27FC236}">
+                <a16:creationId xmlns:a16="http://schemas.microsoft.com/office/drawing/2014/main" xmlns="" id="{F742DB85-EAF7-45F9-8FAB-0065EBFFBBCD}"/>
+              </a:ext>
+            </a:extLst>
+          </p:cNvPr>
+          <p:cNvSpPr/>
+          <p:nvPr/>
+        </p:nvSpPr>
+        <p:spPr>
+          <a:xfrm>
+            <a:off x="5482371" y="4478904"/>
+            <a:ext cx="1620177" cy="375202"/>
+          </a:xfrm>
+          <a:prstGeom prst="roundRect">
+            <a:avLst/>
+          </a:prstGeom>
+        </p:spPr>
+        <p:style>
+          <a:lnRef idx="2">
+            <a:schemeClr val="accent1">
+              <a:shade val="50000"/>
+            </a:schemeClr>
+          </a:lnRef>
+          <a:fillRef idx="1">
+            <a:schemeClr val="accent1"/>
+          </a:fillRef>
+          <a:effectRef idx="0">
+            <a:schemeClr val="accent1"/>
+          </a:effectRef>
+          <a:fontRef idx="minor">
+            <a:schemeClr val="lt1"/>
+          </a:fontRef>
+        </p:style>
+        <p:txBody>
+          <a:bodyPr rtlCol="0" anchor="ctr"/>
+          <a:lstStyle/>
+          <a:p>
+            <a:pPr algn="ctr"/>
+            <a:r>
+              <a:rPr lang="en-US" sz="1000" dirty="0" smtClean="0"/>
+              <a:t>Recv from</a:t>
+            </a:r>
+            <a:r>
+              <a:rPr lang="en-US" sz="1000" smtClean="0"/>
+              <a:t>/ Send to</a:t>
+            </a:r>
+            <a:endParaRPr lang="en-IN" sz="1000" dirty="0"/>
+          </a:p>
+        </p:txBody>
+      </p:sp>
+      <p:sp>
+        <p:nvSpPr>
+          <p:cNvPr id="79" name="Arrow: Down 20">
+            <a:extLst>
+              <a:ext uri="{FF2B5EF4-FFF2-40B4-BE49-F238E27FC236}">
+                <a16:creationId xmlns:a16="http://schemas.microsoft.com/office/drawing/2014/main" xmlns="" id="{2A8AC732-ED5C-4256-BD90-19535E902FA8}"/>
+              </a:ext>
+            </a:extLst>
+          </p:cNvPr>
+          <p:cNvSpPr/>
+          <p:nvPr/>
+        </p:nvSpPr>
+        <p:spPr>
+          <a:xfrm flipH="1">
+            <a:off x="1916764" y="1672780"/>
+            <a:ext cx="211733" cy="211801"/>
+          </a:xfrm>
+          <a:prstGeom prst="downArrow">
+            <a:avLst/>
+          </a:prstGeom>
+        </p:spPr>
+        <p:style>
+          <a:lnRef idx="2">
+            <a:schemeClr val="accent1">
+              <a:shade val="50000"/>
+            </a:schemeClr>
+          </a:lnRef>
+          <a:fillRef idx="1">
+            <a:schemeClr val="accent1"/>
+          </a:fillRef>
+          <a:effectRef idx="0">
+            <a:schemeClr val="accent1"/>
+          </a:effectRef>
+          <a:fontRef idx="minor">
+            <a:schemeClr val="lt1"/>
+          </a:fontRef>
+        </p:style>
+        <p:txBody>
+          <a:bodyPr rtlCol="0" anchor="ctr"/>
+          <a:lstStyle/>
+          <a:p>
+            <a:pPr algn="ctr"/>
+            <a:endParaRPr lang="en-IN"/>
+          </a:p>
+        </p:txBody>
+      </p:sp>
+      <p:sp>
+        <p:nvSpPr>
+          <p:cNvPr id="80" name="Arrow: Down 22">
+            <a:extLst>
+              <a:ext uri="{FF2B5EF4-FFF2-40B4-BE49-F238E27FC236}">
+                <a16:creationId xmlns:a16="http://schemas.microsoft.com/office/drawing/2014/main" xmlns="" id="{ADADAB2D-626A-4766-93A1-17DBBC3C6E5F}"/>
+              </a:ext>
+            </a:extLst>
+          </p:cNvPr>
+          <p:cNvSpPr/>
+          <p:nvPr/>
+        </p:nvSpPr>
+        <p:spPr>
+          <a:xfrm flipH="1">
+            <a:off x="1916765" y="2152877"/>
+            <a:ext cx="211732" cy="316390"/>
+          </a:xfrm>
+          <a:prstGeom prst="downArrow">
+            <a:avLst/>
+          </a:prstGeom>
+        </p:spPr>
+        <p:style>
+          <a:lnRef idx="2">
+            <a:schemeClr val="accent1">
+              <a:shade val="50000"/>
+            </a:schemeClr>
+          </a:lnRef>
+          <a:fillRef idx="1">
+            <a:schemeClr val="accent1"/>
+          </a:fillRef>
+          <a:effectRef idx="0">
+            <a:schemeClr val="accent1"/>
+          </a:effectRef>
+          <a:fontRef idx="minor">
+            <a:schemeClr val="lt1"/>
+          </a:fontRef>
+        </p:style>
+        <p:txBody>
+          <a:bodyPr rtlCol="0" anchor="ctr"/>
+          <a:lstStyle/>
+          <a:p>
+            <a:pPr algn="ctr"/>
+            <a:endParaRPr lang="en-IN"/>
+          </a:p>
+        </p:txBody>
+      </p:sp>
+      <p:sp>
+        <p:nvSpPr>
+          <p:cNvPr id="81" name="Arrow: Down 23">
+            <a:extLst>
+              <a:ext uri="{FF2B5EF4-FFF2-40B4-BE49-F238E27FC236}">
+                <a16:creationId xmlns:a16="http://schemas.microsoft.com/office/drawing/2014/main" xmlns="" id="{E9194813-4515-4281-B00D-64D51A09A079}"/>
+              </a:ext>
+            </a:extLst>
+          </p:cNvPr>
+          <p:cNvSpPr/>
+          <p:nvPr/>
+        </p:nvSpPr>
+        <p:spPr>
+          <a:xfrm>
+            <a:off x="6202794" y="2199259"/>
+            <a:ext cx="211732" cy="255420"/>
+          </a:xfrm>
+          <a:prstGeom prst="downArrow">
+            <a:avLst/>
+          </a:prstGeom>
+        </p:spPr>
+        <p:style>
+          <a:lnRef idx="2">
+            <a:schemeClr val="accent1">
+              <a:shade val="50000"/>
+            </a:schemeClr>
+          </a:lnRef>
+          <a:fillRef idx="1">
+            <a:schemeClr val="accent1"/>
+          </a:fillRef>
+          <a:effectRef idx="0">
+            <a:schemeClr val="accent1"/>
+          </a:effectRef>
+          <a:fontRef idx="minor">
+            <a:schemeClr val="lt1"/>
+          </a:fontRef>
+        </p:style>
+        <p:txBody>
+          <a:bodyPr rtlCol="0" anchor="ctr"/>
+          <a:lstStyle/>
+          <a:p>
+            <a:pPr algn="ctr"/>
+            <a:endParaRPr lang="en-IN"/>
+          </a:p>
+        </p:txBody>
+      </p:sp>
+      <p:sp>
+        <p:nvSpPr>
+          <p:cNvPr id="82" name="Arrow: Down 25">
+            <a:extLst>
+              <a:ext uri="{FF2B5EF4-FFF2-40B4-BE49-F238E27FC236}">
+                <a16:creationId xmlns:a16="http://schemas.microsoft.com/office/drawing/2014/main" xmlns="" id="{982FC2D7-F7DF-4CA7-870B-37E6AEBAE44A}"/>
+              </a:ext>
+            </a:extLst>
+          </p:cNvPr>
+          <p:cNvSpPr/>
+          <p:nvPr/>
+        </p:nvSpPr>
+        <p:spPr>
+          <a:xfrm>
+            <a:off x="6186592" y="1655224"/>
+            <a:ext cx="211733" cy="219846"/>
+          </a:xfrm>
+          <a:prstGeom prst="downArrow">
+            <a:avLst/>
+          </a:prstGeom>
+        </p:spPr>
+        <p:style>
+          <a:lnRef idx="2">
+            <a:schemeClr val="accent1">
+              <a:shade val="50000"/>
+            </a:schemeClr>
+          </a:lnRef>
+          <a:fillRef idx="1">
+            <a:schemeClr val="accent1"/>
+          </a:fillRef>
+          <a:effectRef idx="0">
+            <a:schemeClr val="accent1"/>
+          </a:effectRef>
+          <a:fontRef idx="minor">
+            <a:schemeClr val="lt1"/>
+          </a:fontRef>
+        </p:style>
+        <p:txBody>
+          <a:bodyPr rtlCol="0" anchor="ctr"/>
+          <a:lstStyle/>
+          <a:p>
+            <a:pPr algn="ctr"/>
+            <a:endParaRPr lang="en-IN"/>
+          </a:p>
+        </p:txBody>
+      </p:sp>
+      <p:sp>
+        <p:nvSpPr>
+          <p:cNvPr id="83" name="Arrow: Down 26">
+            <a:extLst>
+              <a:ext uri="{FF2B5EF4-FFF2-40B4-BE49-F238E27FC236}">
+                <a16:creationId xmlns:a16="http://schemas.microsoft.com/office/drawing/2014/main" xmlns="" id="{D5EE1D55-C12B-47A5-8BED-BEFCC9AF2278}"/>
+              </a:ext>
+            </a:extLst>
+          </p:cNvPr>
+          <p:cNvSpPr/>
+          <p:nvPr/>
+        </p:nvSpPr>
+        <p:spPr>
+          <a:xfrm>
+            <a:off x="1873598" y="3499030"/>
+            <a:ext cx="298067" cy="987334"/>
+          </a:xfrm>
+          <a:prstGeom prst="downArrow">
+            <a:avLst/>
+          </a:prstGeom>
+        </p:spPr>
+        <p:style>
+          <a:lnRef idx="2">
+            <a:schemeClr val="accent1">
+              <a:shade val="50000"/>
+            </a:schemeClr>
+          </a:lnRef>
+          <a:fillRef idx="1">
+            <a:schemeClr val="accent1"/>
+          </a:fillRef>
+          <a:effectRef idx="0">
+            <a:schemeClr val="accent1"/>
+          </a:effectRef>
+          <a:fontRef idx="minor">
+            <a:schemeClr val="lt1"/>
+          </a:fontRef>
+        </p:style>
+        <p:txBody>
+          <a:bodyPr rtlCol="0" anchor="ctr"/>
+          <a:lstStyle/>
+          <a:p>
+            <a:pPr algn="ctr"/>
+            <a:endParaRPr lang="en-IN"/>
+          </a:p>
+        </p:txBody>
+      </p:sp>
+      <p:sp>
+        <p:nvSpPr>
+          <p:cNvPr id="84" name="Arrow: Down 27">
+            <a:extLst>
+              <a:ext uri="{FF2B5EF4-FFF2-40B4-BE49-F238E27FC236}">
+                <a16:creationId xmlns:a16="http://schemas.microsoft.com/office/drawing/2014/main" xmlns="" id="{BDD43A48-5666-4DFF-B682-41477267978C}"/>
+              </a:ext>
+            </a:extLst>
+          </p:cNvPr>
+          <p:cNvSpPr/>
+          <p:nvPr/>
+        </p:nvSpPr>
+        <p:spPr>
+          <a:xfrm>
+            <a:off x="1873598" y="4833578"/>
+            <a:ext cx="298067" cy="687342"/>
+          </a:xfrm>
+          <a:prstGeom prst="downArrow">
+            <a:avLst/>
+          </a:prstGeom>
+        </p:spPr>
+        <p:style>
+          <a:lnRef idx="2">
+            <a:schemeClr val="accent1">
+              <a:shade val="50000"/>
+            </a:schemeClr>
+          </a:lnRef>
+          <a:fillRef idx="1">
+            <a:schemeClr val="accent1"/>
+          </a:fillRef>
+          <a:effectRef idx="0">
+            <a:schemeClr val="accent1"/>
+          </a:effectRef>
+          <a:fontRef idx="minor">
+            <a:schemeClr val="lt1"/>
+          </a:fontRef>
+        </p:style>
+        <p:txBody>
+          <a:bodyPr rtlCol="0" anchor="ctr"/>
+          <a:lstStyle/>
+          <a:p>
+            <a:pPr algn="ctr"/>
+            <a:endParaRPr lang="en-IN"/>
+          </a:p>
+        </p:txBody>
+      </p:sp>
+      <p:sp>
+        <p:nvSpPr>
+          <p:cNvPr id="85" name="Arrow: Down 28">
+            <a:extLst>
+              <a:ext uri="{FF2B5EF4-FFF2-40B4-BE49-F238E27FC236}">
+                <a16:creationId xmlns:a16="http://schemas.microsoft.com/office/drawing/2014/main" xmlns="" id="{E0B3D283-F88B-4413-AD5D-8F79BF783EC3}"/>
+              </a:ext>
+            </a:extLst>
+          </p:cNvPr>
+          <p:cNvSpPr/>
+          <p:nvPr/>
+        </p:nvSpPr>
+        <p:spPr>
+          <a:xfrm>
+            <a:off x="6167175" y="3499030"/>
+            <a:ext cx="298067" cy="960433"/>
+          </a:xfrm>
+          <a:prstGeom prst="downArrow">
+            <a:avLst/>
+          </a:prstGeom>
+        </p:spPr>
+        <p:style>
+          <a:lnRef idx="2">
+            <a:schemeClr val="accent1">
+              <a:shade val="50000"/>
+            </a:schemeClr>
+          </a:lnRef>
+          <a:fillRef idx="1">
+            <a:schemeClr val="accent1"/>
+          </a:fillRef>
+          <a:effectRef idx="0">
+            <a:schemeClr val="accent1"/>
+          </a:effectRef>
+          <a:fontRef idx="minor">
+            <a:schemeClr val="lt1"/>
+          </a:fontRef>
+        </p:style>
+        <p:txBody>
+          <a:bodyPr rtlCol="0" anchor="ctr"/>
+          <a:lstStyle/>
+          <a:p>
+            <a:pPr algn="ctr"/>
+            <a:endParaRPr lang="en-IN"/>
+          </a:p>
+        </p:txBody>
+      </p:sp>
+      <p:sp>
+        <p:nvSpPr>
+          <p:cNvPr id="86" name="Arrow: Down 29">
+            <a:extLst>
+              <a:ext uri="{FF2B5EF4-FFF2-40B4-BE49-F238E27FC236}">
+                <a16:creationId xmlns:a16="http://schemas.microsoft.com/office/drawing/2014/main" xmlns="" id="{08E15A71-991D-4B13-8C19-4081A38F2393}"/>
+              </a:ext>
+            </a:extLst>
+          </p:cNvPr>
+          <p:cNvSpPr/>
+          <p:nvPr/>
+        </p:nvSpPr>
+        <p:spPr>
+          <a:xfrm>
+            <a:off x="6167175" y="4854819"/>
+            <a:ext cx="298066" cy="591625"/>
+          </a:xfrm>
+          <a:prstGeom prst="downArrow">
+            <a:avLst/>
+          </a:prstGeom>
+        </p:spPr>
+        <p:style>
+          <a:lnRef idx="2">
+            <a:schemeClr val="accent1">
+              <a:shade val="50000"/>
+            </a:schemeClr>
+          </a:lnRef>
+          <a:fillRef idx="1">
+            <a:schemeClr val="accent1"/>
+          </a:fillRef>
+          <a:effectRef idx="0">
+            <a:schemeClr val="accent1"/>
+          </a:effectRef>
+          <a:fontRef idx="minor">
+            <a:schemeClr val="lt1"/>
+          </a:fontRef>
+        </p:style>
+        <p:txBody>
+          <a:bodyPr rtlCol="0" anchor="ctr"/>
+          <a:lstStyle/>
+          <a:p>
+            <a:pPr algn="ctr"/>
+            <a:endParaRPr lang="en-IN"/>
+          </a:p>
+        </p:txBody>
+      </p:sp>
+      <p:sp>
+        <p:nvSpPr>
+          <p:cNvPr id="87" name="Rectangle 86">
+            <a:extLst>
+              <a:ext uri="{FF2B5EF4-FFF2-40B4-BE49-F238E27FC236}">
+                <a16:creationId xmlns:a16="http://schemas.microsoft.com/office/drawing/2014/main" xmlns="" id="{B774742B-7074-4291-A829-6889310C9BB3}"/>
+              </a:ext>
+            </a:extLst>
+          </p:cNvPr>
+          <p:cNvSpPr/>
+          <p:nvPr/>
+        </p:nvSpPr>
+        <p:spPr>
+          <a:xfrm>
+            <a:off x="2744942" y="2499613"/>
+            <a:ext cx="149590" cy="284086"/>
+          </a:xfrm>
+          <a:prstGeom prst="rect">
+            <a:avLst/>
+          </a:prstGeom>
+        </p:spPr>
+        <p:style>
+          <a:lnRef idx="2">
+            <a:schemeClr val="accent1">
+              <a:shade val="50000"/>
+            </a:schemeClr>
+          </a:lnRef>
+          <a:fillRef idx="1">
+            <a:schemeClr val="accent1"/>
+          </a:fillRef>
+          <a:effectRef idx="0">
+            <a:schemeClr val="accent1"/>
+          </a:effectRef>
+          <a:fontRef idx="minor">
+            <a:schemeClr val="lt1"/>
+          </a:fontRef>
+        </p:style>
+        <p:txBody>
+          <a:bodyPr rtlCol="0" anchor="ctr"/>
+          <a:lstStyle/>
+          <a:p>
+            <a:pPr algn="ctr"/>
+            <a:endParaRPr lang="en-IN"/>
+          </a:p>
+        </p:txBody>
+      </p:sp>
+      <p:sp>
+        <p:nvSpPr>
+          <p:cNvPr id="88" name="Rectangle 87">
+            <a:extLst>
+              <a:ext uri="{FF2B5EF4-FFF2-40B4-BE49-F238E27FC236}">
+                <a16:creationId xmlns:a16="http://schemas.microsoft.com/office/drawing/2014/main" xmlns="" id="{EA39C89B-E40B-45A2-8052-34B4F4B1579C}"/>
+              </a:ext>
+            </a:extLst>
+          </p:cNvPr>
+          <p:cNvSpPr/>
+          <p:nvPr/>
+        </p:nvSpPr>
+        <p:spPr>
+          <a:xfrm>
+            <a:off x="5327015" y="2550599"/>
+            <a:ext cx="159798" cy="233100"/>
+          </a:xfrm>
+          <a:prstGeom prst="rect">
+            <a:avLst/>
+          </a:prstGeom>
+        </p:spPr>
+        <p:style>
+          <a:lnRef idx="2">
+            <a:schemeClr val="accent1">
+              <a:shade val="50000"/>
+            </a:schemeClr>
+          </a:lnRef>
+          <a:fillRef idx="1">
+            <a:schemeClr val="accent1"/>
+          </a:fillRef>
+          <a:effectRef idx="0">
+            <a:schemeClr val="accent1"/>
+          </a:effectRef>
+          <a:fontRef idx="minor">
+            <a:schemeClr val="lt1"/>
+          </a:fontRef>
+        </p:style>
+        <p:txBody>
+          <a:bodyPr rtlCol="0" anchor="ctr"/>
+          <a:lstStyle/>
+          <a:p>
+            <a:pPr algn="ctr"/>
+            <a:endParaRPr lang="en-IN"/>
+          </a:p>
+        </p:txBody>
+      </p:sp>
+      <p:sp>
+        <p:nvSpPr>
+          <p:cNvPr id="89" name="Rectangle 88">
+            <a:extLst>
+              <a:ext uri="{FF2B5EF4-FFF2-40B4-BE49-F238E27FC236}">
+                <a16:creationId xmlns:a16="http://schemas.microsoft.com/office/drawing/2014/main" xmlns="" id="{DE1694FA-A127-4B35-9B2E-11275483295A}"/>
+              </a:ext>
+            </a:extLst>
+          </p:cNvPr>
+          <p:cNvSpPr/>
+          <p:nvPr/>
+        </p:nvSpPr>
+        <p:spPr>
+          <a:xfrm>
+            <a:off x="5327015" y="3047257"/>
+            <a:ext cx="159798" cy="283775"/>
+          </a:xfrm>
+          <a:prstGeom prst="rect">
+            <a:avLst/>
+          </a:prstGeom>
+        </p:spPr>
+        <p:style>
+          <a:lnRef idx="2">
+            <a:schemeClr val="accent1">
+              <a:shade val="50000"/>
+            </a:schemeClr>
+          </a:lnRef>
+          <a:fillRef idx="1">
+            <a:schemeClr val="accent1"/>
+          </a:fillRef>
+          <a:effectRef idx="0">
+            <a:schemeClr val="accent1"/>
+          </a:effectRef>
+          <a:fontRef idx="minor">
+            <a:schemeClr val="lt1"/>
+          </a:fontRef>
+        </p:style>
+        <p:txBody>
+          <a:bodyPr rtlCol="0" anchor="ctr"/>
+          <a:lstStyle/>
+          <a:p>
+            <a:pPr algn="ctr"/>
+            <a:endParaRPr lang="en-IN"/>
+          </a:p>
+        </p:txBody>
+      </p:sp>
+      <p:cxnSp>
+        <p:nvCxnSpPr>
+          <p:cNvPr id="90" name="Connector: Elbow 34">
+            <a:extLst>
+              <a:ext uri="{FF2B5EF4-FFF2-40B4-BE49-F238E27FC236}">
+                <a16:creationId xmlns:a16="http://schemas.microsoft.com/office/drawing/2014/main" xmlns="" id="{01C00284-218B-4CFC-9C33-D7D270E6B655}"/>
+              </a:ext>
+            </a:extLst>
+          </p:cNvPr>
+          <p:cNvCxnSpPr>
+            <a:stCxn id="87" idx="3"/>
+            <a:endCxn id="89" idx="1"/>
+          </p:cNvCxnSpPr>
+          <p:nvPr/>
+        </p:nvCxnSpPr>
+        <p:spPr>
+          <a:xfrm>
+            <a:off x="2894532" y="2641656"/>
+            <a:ext cx="2432483" cy="547489"/>
+          </a:xfrm>
+          <a:prstGeom prst="bentConnector3">
+            <a:avLst/>
+          </a:prstGeom>
+          <a:ln>
+            <a:tailEnd type="triangle"/>
+          </a:ln>
+        </p:spPr>
+        <p:style>
+          <a:lnRef idx="1">
+            <a:schemeClr val="accent1"/>
+          </a:lnRef>
+          <a:fillRef idx="0">
+            <a:schemeClr val="accent1"/>
+          </a:fillRef>
+          <a:effectRef idx="0">
+            <a:schemeClr val="accent1"/>
+          </a:effectRef>
+          <a:fontRef idx="minor">
+            <a:schemeClr val="tx1"/>
+          </a:fontRef>
+        </p:style>
+      </p:cxnSp>
+      <p:sp>
+        <p:nvSpPr>
+          <p:cNvPr id="91" name="Rectangle: Rounded Corners 36">
+            <a:extLst>
+              <a:ext uri="{FF2B5EF4-FFF2-40B4-BE49-F238E27FC236}">
+                <a16:creationId xmlns:a16="http://schemas.microsoft.com/office/drawing/2014/main" xmlns="" id="{DEDA321E-F053-4CA0-A26A-553C97EE7927}"/>
+              </a:ext>
+            </a:extLst>
+          </p:cNvPr>
+          <p:cNvSpPr/>
+          <p:nvPr/>
+        </p:nvSpPr>
+        <p:spPr>
+          <a:xfrm>
+            <a:off x="3143107" y="3587067"/>
+            <a:ext cx="2050742" cy="636265"/>
+          </a:xfrm>
+          <a:prstGeom prst="roundRect">
+            <a:avLst/>
+          </a:prstGeom>
+        </p:spPr>
+        <p:style>
+          <a:lnRef idx="2">
+            <a:schemeClr val="accent1">
+              <a:shade val="50000"/>
+            </a:schemeClr>
+          </a:lnRef>
+          <a:fillRef idx="1">
+            <a:schemeClr val="accent1"/>
+          </a:fillRef>
+          <a:effectRef idx="0">
+            <a:schemeClr val="accent1"/>
+          </a:effectRef>
+          <a:fontRef idx="minor">
+            <a:schemeClr val="lt1"/>
+          </a:fontRef>
+        </p:style>
+        <p:txBody>
+          <a:bodyPr rtlCol="0" anchor="ctr"/>
+          <a:lstStyle/>
+          <a:p>
+            <a:pPr algn="ctr"/>
+            <a:r>
+              <a:rPr lang="en-US" sz="1000" dirty="0"/>
+              <a:t>Process inside the bracket will happen when request of client is accepted</a:t>
+            </a:r>
+            <a:endParaRPr lang="en-IN" sz="1000" dirty="0"/>
+          </a:p>
+        </p:txBody>
+      </p:sp>
+      <p:sp>
+        <p:nvSpPr>
+          <p:cNvPr id="92" name="Arrow: Left-Right 37">
+            <a:extLst>
+              <a:ext uri="{FF2B5EF4-FFF2-40B4-BE49-F238E27FC236}">
+                <a16:creationId xmlns:a16="http://schemas.microsoft.com/office/drawing/2014/main" xmlns="" id="{011446B9-41DD-49E6-8DC4-4E4DF60E86E5}"/>
+              </a:ext>
+            </a:extLst>
+          </p:cNvPr>
+          <p:cNvSpPr/>
+          <p:nvPr/>
+        </p:nvSpPr>
+        <p:spPr>
+          <a:xfrm>
+            <a:off x="2843925" y="4554327"/>
+            <a:ext cx="2507278" cy="170648"/>
+          </a:xfrm>
+          <a:prstGeom prst="leftRightArrow">
+            <a:avLst/>
+          </a:prstGeom>
+        </p:spPr>
+        <p:style>
+          <a:lnRef idx="2">
+            <a:schemeClr val="accent1">
+              <a:shade val="50000"/>
+            </a:schemeClr>
+          </a:lnRef>
+          <a:fillRef idx="1">
+            <a:schemeClr val="accent1"/>
+          </a:fillRef>
+          <a:effectRef idx="0">
+            <a:schemeClr val="accent1"/>
+          </a:effectRef>
+          <a:fontRef idx="minor">
+            <a:schemeClr val="lt1"/>
+          </a:fontRef>
+        </p:style>
+        <p:txBody>
+          <a:bodyPr rtlCol="0" anchor="ctr"/>
+          <a:lstStyle/>
+          <a:p>
+            <a:pPr algn="ctr"/>
+            <a:endParaRPr lang="en-IN"/>
+          </a:p>
+        </p:txBody>
+      </p:sp>
+      <p:sp>
+        <p:nvSpPr>
+          <p:cNvPr id="93" name="Rectangle 92">
+            <a:extLst>
+              <a:ext uri="{FF2B5EF4-FFF2-40B4-BE49-F238E27FC236}">
+                <a16:creationId xmlns:a16="http://schemas.microsoft.com/office/drawing/2014/main" xmlns="" id="{2D2D8E5D-15BC-4A68-AD3D-38776E2845D9}"/>
+              </a:ext>
+            </a:extLst>
+          </p:cNvPr>
+          <p:cNvSpPr/>
+          <p:nvPr/>
+        </p:nvSpPr>
+        <p:spPr>
+          <a:xfrm>
+            <a:off x="794188" y="4065618"/>
+            <a:ext cx="1151455" cy="153237"/>
+          </a:xfrm>
+          <a:prstGeom prst="rect">
+            <a:avLst/>
+          </a:prstGeom>
+        </p:spPr>
+        <p:style>
+          <a:lnRef idx="2">
+            <a:schemeClr val="accent1">
+              <a:shade val="50000"/>
+            </a:schemeClr>
+          </a:lnRef>
+          <a:fillRef idx="1">
+            <a:schemeClr val="accent1"/>
+          </a:fillRef>
+          <a:effectRef idx="0">
+            <a:schemeClr val="accent1"/>
+          </a:effectRef>
+          <a:fontRef idx="minor">
+            <a:schemeClr val="lt1"/>
+          </a:fontRef>
+        </p:style>
+        <p:txBody>
+          <a:bodyPr rtlCol="0" anchor="ctr"/>
+          <a:lstStyle/>
+          <a:p>
+            <a:pPr algn="ctr"/>
+            <a:endParaRPr lang="en-IN"/>
+          </a:p>
+        </p:txBody>
+      </p:sp>
+      <p:sp>
+        <p:nvSpPr>
+          <p:cNvPr id="94" name="Rectangle 93">
+            <a:extLst>
+              <a:ext uri="{FF2B5EF4-FFF2-40B4-BE49-F238E27FC236}">
+                <a16:creationId xmlns:a16="http://schemas.microsoft.com/office/drawing/2014/main" xmlns="" id="{B3EE89B0-54CB-4790-9EA0-186BAA356C1E}"/>
+              </a:ext>
+            </a:extLst>
+          </p:cNvPr>
+          <p:cNvSpPr/>
+          <p:nvPr/>
+        </p:nvSpPr>
+        <p:spPr>
+          <a:xfrm>
+            <a:off x="794188" y="4218855"/>
+            <a:ext cx="147255" cy="948567"/>
+          </a:xfrm>
+          <a:prstGeom prst="rect">
+            <a:avLst/>
+          </a:prstGeom>
+        </p:spPr>
+        <p:style>
+          <a:lnRef idx="2">
+            <a:schemeClr val="accent1">
+              <a:shade val="50000"/>
+            </a:schemeClr>
+          </a:lnRef>
+          <a:fillRef idx="1">
+            <a:schemeClr val="accent1"/>
+          </a:fillRef>
+          <a:effectRef idx="0">
+            <a:schemeClr val="accent1"/>
+          </a:effectRef>
+          <a:fontRef idx="minor">
+            <a:schemeClr val="lt1"/>
+          </a:fontRef>
+        </p:style>
+        <p:txBody>
+          <a:bodyPr rtlCol="0" anchor="ctr"/>
+          <a:lstStyle/>
+          <a:p>
+            <a:pPr algn="ctr"/>
+            <a:endParaRPr lang="en-IN"/>
+          </a:p>
+        </p:txBody>
+      </p:sp>
+      <p:sp>
+        <p:nvSpPr>
+          <p:cNvPr id="95" name="Rectangle 94">
+            <a:extLst>
+              <a:ext uri="{FF2B5EF4-FFF2-40B4-BE49-F238E27FC236}">
+                <a16:creationId xmlns:a16="http://schemas.microsoft.com/office/drawing/2014/main" xmlns="" id="{015E4FE4-A23E-4A10-9D59-96197DD0AF05}"/>
+              </a:ext>
+            </a:extLst>
+          </p:cNvPr>
+          <p:cNvSpPr/>
+          <p:nvPr/>
+        </p:nvSpPr>
+        <p:spPr>
+          <a:xfrm>
+            <a:off x="795629" y="5162076"/>
+            <a:ext cx="1150014" cy="120026"/>
+          </a:xfrm>
+          <a:prstGeom prst="rect">
+            <a:avLst/>
+          </a:prstGeom>
+        </p:spPr>
+        <p:style>
+          <a:lnRef idx="2">
+            <a:schemeClr val="accent1">
+              <a:shade val="50000"/>
+            </a:schemeClr>
+          </a:lnRef>
+          <a:fillRef idx="1">
+            <a:schemeClr val="accent1"/>
+          </a:fillRef>
+          <a:effectRef idx="0">
+            <a:schemeClr val="accent1"/>
+          </a:effectRef>
+          <a:fontRef idx="minor">
+            <a:schemeClr val="lt1"/>
+          </a:fontRef>
+        </p:style>
+        <p:txBody>
+          <a:bodyPr rtlCol="0" anchor="ctr"/>
+          <a:lstStyle/>
+          <a:p>
+            <a:pPr algn="ctr"/>
+            <a:endParaRPr lang="en-IN"/>
+          </a:p>
+        </p:txBody>
+      </p:sp>
+      <p:sp>
+        <p:nvSpPr>
+          <p:cNvPr id="96" name="Rectangle 95">
+            <a:extLst>
+              <a:ext uri="{FF2B5EF4-FFF2-40B4-BE49-F238E27FC236}">
+                <a16:creationId xmlns:a16="http://schemas.microsoft.com/office/drawing/2014/main" xmlns="" id="{41ED55B5-DAFD-46D8-BE51-6892927EABDB}"/>
+              </a:ext>
+            </a:extLst>
+          </p:cNvPr>
+          <p:cNvSpPr/>
+          <p:nvPr/>
+        </p:nvSpPr>
+        <p:spPr>
+          <a:xfrm>
+            <a:off x="6406947" y="4065618"/>
+            <a:ext cx="1708922" cy="153236"/>
+          </a:xfrm>
+          <a:prstGeom prst="rect">
+            <a:avLst/>
+          </a:prstGeom>
+        </p:spPr>
+        <p:style>
+          <a:lnRef idx="2">
+            <a:schemeClr val="accent1">
+              <a:shade val="50000"/>
+            </a:schemeClr>
+          </a:lnRef>
+          <a:fillRef idx="1">
+            <a:schemeClr val="accent1"/>
+          </a:fillRef>
+          <a:effectRef idx="0">
+            <a:schemeClr val="accent1"/>
+          </a:effectRef>
+          <a:fontRef idx="minor">
+            <a:schemeClr val="lt1"/>
+          </a:fontRef>
+        </p:style>
+        <p:txBody>
+          <a:bodyPr rtlCol="0" anchor="ctr"/>
+          <a:lstStyle/>
+          <a:p>
+            <a:pPr algn="ctr"/>
+            <a:endParaRPr lang="en-IN"/>
+          </a:p>
+        </p:txBody>
+      </p:sp>
+      <p:sp>
+        <p:nvSpPr>
+          <p:cNvPr id="97" name="Rectangle 96">
+            <a:extLst>
+              <a:ext uri="{FF2B5EF4-FFF2-40B4-BE49-F238E27FC236}">
+                <a16:creationId xmlns:a16="http://schemas.microsoft.com/office/drawing/2014/main" xmlns="" id="{3ECEF86D-CD61-463C-B8D9-6303F19EDA2E}"/>
+              </a:ext>
+            </a:extLst>
+          </p:cNvPr>
+          <p:cNvSpPr/>
+          <p:nvPr/>
+        </p:nvSpPr>
+        <p:spPr>
+          <a:xfrm>
+            <a:off x="7991835" y="4233631"/>
+            <a:ext cx="115411" cy="940698"/>
+          </a:xfrm>
+          <a:prstGeom prst="rect">
+            <a:avLst/>
+          </a:prstGeom>
+        </p:spPr>
+        <p:style>
+          <a:lnRef idx="2">
+            <a:schemeClr val="accent1">
+              <a:shade val="50000"/>
+            </a:schemeClr>
+          </a:lnRef>
+          <a:fillRef idx="1">
+            <a:schemeClr val="accent1"/>
+          </a:fillRef>
+          <a:effectRef idx="0">
+            <a:schemeClr val="accent1"/>
+          </a:effectRef>
+          <a:fontRef idx="minor">
+            <a:schemeClr val="lt1"/>
+          </a:fontRef>
+        </p:style>
+        <p:txBody>
+          <a:bodyPr rtlCol="0" anchor="ctr"/>
+          <a:lstStyle/>
+          <a:p>
+            <a:pPr algn="ctr"/>
+            <a:endParaRPr lang="en-IN"/>
+          </a:p>
+        </p:txBody>
+      </p:sp>
+      <p:sp>
+        <p:nvSpPr>
+          <p:cNvPr id="98" name="Rectangle 97">
+            <a:extLst>
+              <a:ext uri="{FF2B5EF4-FFF2-40B4-BE49-F238E27FC236}">
+                <a16:creationId xmlns:a16="http://schemas.microsoft.com/office/drawing/2014/main" xmlns="" id="{DD2F281B-00F1-49C1-B701-65FBA61F18AB}"/>
+              </a:ext>
+            </a:extLst>
+          </p:cNvPr>
+          <p:cNvSpPr/>
+          <p:nvPr/>
+        </p:nvSpPr>
+        <p:spPr>
+          <a:xfrm>
+            <a:off x="6398325" y="5106288"/>
+            <a:ext cx="1708921" cy="122550"/>
+          </a:xfrm>
+          <a:prstGeom prst="rect">
+            <a:avLst/>
+          </a:prstGeom>
+        </p:spPr>
+        <p:style>
+          <a:lnRef idx="2">
+            <a:schemeClr val="accent1">
+              <a:shade val="50000"/>
+            </a:schemeClr>
+          </a:lnRef>
+          <a:fillRef idx="1">
+            <a:schemeClr val="accent1"/>
+          </a:fillRef>
+          <a:effectRef idx="0">
+            <a:schemeClr val="accent1"/>
+          </a:effectRef>
+          <a:fontRef idx="minor">
+            <a:schemeClr val="lt1"/>
+          </a:fontRef>
+        </p:style>
+        <p:txBody>
+          <a:bodyPr rtlCol="0" anchor="ctr"/>
+          <a:lstStyle/>
+          <a:p>
+            <a:pPr algn="ctr"/>
+            <a:endParaRPr lang="en-IN"/>
+          </a:p>
+        </p:txBody>
+      </p:sp>
+      <p:sp>
+        <p:nvSpPr>
+          <p:cNvPr id="99" name="Rectangle: Rounded Corners 11">
+            <a:extLst>
+              <a:ext uri="{FF2B5EF4-FFF2-40B4-BE49-F238E27FC236}">
+                <a16:creationId xmlns:a16="http://schemas.microsoft.com/office/drawing/2014/main" xmlns="" id="{54559BF4-36E1-42A4-A0EA-2ED4747FC802}"/>
+              </a:ext>
+            </a:extLst>
+          </p:cNvPr>
+          <p:cNvSpPr/>
+          <p:nvPr/>
+        </p:nvSpPr>
+        <p:spPr>
+          <a:xfrm>
+            <a:off x="5484591" y="5520920"/>
+            <a:ext cx="1615736" cy="328474"/>
+          </a:xfrm>
+          <a:prstGeom prst="roundRect">
+            <a:avLst/>
+          </a:prstGeom>
+        </p:spPr>
+        <p:style>
+          <a:lnRef idx="2">
+            <a:schemeClr val="dk1"/>
+          </a:lnRef>
+          <a:fillRef idx="1">
+            <a:schemeClr val="lt1"/>
+          </a:fillRef>
+          <a:effectRef idx="0">
+            <a:schemeClr val="dk1"/>
+          </a:effectRef>
+          <a:fontRef idx="minor">
+            <a:schemeClr val="dk1"/>
+          </a:fontRef>
+        </p:style>
+        <p:txBody>
+          <a:bodyPr rtlCol="0" anchor="ctr"/>
+          <a:lstStyle/>
+          <a:p>
+            <a:pPr algn="ctr"/>
+            <a:r>
+              <a:rPr lang="en-US" sz="1400" dirty="0"/>
+              <a:t>Close</a:t>
+            </a:r>
+            <a:endParaRPr lang="en-IN" dirty="0"/>
+          </a:p>
+        </p:txBody>
+      </p:sp>
+      <p:sp>
+        <p:nvSpPr>
+          <p:cNvPr id="100" name="Rectangle: Rounded Corners 11">
+            <a:extLst>
+              <a:ext uri="{FF2B5EF4-FFF2-40B4-BE49-F238E27FC236}">
+                <a16:creationId xmlns:a16="http://schemas.microsoft.com/office/drawing/2014/main" xmlns="" id="{54559BF4-36E1-42A4-A0EA-2ED4747FC802}"/>
+              </a:ext>
+            </a:extLst>
+          </p:cNvPr>
+          <p:cNvSpPr/>
+          <p:nvPr/>
+        </p:nvSpPr>
+        <p:spPr>
+          <a:xfrm>
+            <a:off x="1190018" y="5542992"/>
+            <a:ext cx="1615736" cy="328474"/>
+          </a:xfrm>
+          <a:prstGeom prst="roundRect">
+            <a:avLst/>
+          </a:prstGeom>
+        </p:spPr>
+        <p:style>
+          <a:lnRef idx="2">
+            <a:schemeClr val="dk1"/>
+          </a:lnRef>
+          <a:fillRef idx="1">
+            <a:schemeClr val="lt1"/>
+          </a:fillRef>
+          <a:effectRef idx="0">
+            <a:schemeClr val="dk1"/>
+          </a:effectRef>
+          <a:fontRef idx="minor">
+            <a:schemeClr val="dk1"/>
+          </a:fontRef>
+        </p:style>
+        <p:txBody>
+          <a:bodyPr rtlCol="0" anchor="ctr"/>
+          <a:lstStyle/>
+          <a:p>
+            <a:pPr algn="ctr"/>
+            <a:r>
+              <a:rPr lang="en-US" sz="1400" dirty="0"/>
+              <a:t>Close</a:t>
+            </a:r>
+            <a:endParaRPr lang="en-IN" dirty="0"/>
+          </a:p>
+        </p:txBody>
+      </p:sp>
+      <p:sp>
+        <p:nvSpPr>
+          <p:cNvPr id="4" name="Oval 3"/>
+          <p:cNvSpPr/>
+          <p:nvPr/>
+        </p:nvSpPr>
+        <p:spPr>
+          <a:xfrm>
+            <a:off x="1301654" y="789840"/>
+            <a:ext cx="1392464" cy="365136"/>
+          </a:xfrm>
+          <a:prstGeom prst="ellipse">
+            <a:avLst/>
+          </a:prstGeom>
+        </p:spPr>
+        <p:style>
+          <a:lnRef idx="2">
+            <a:schemeClr val="accent1">
+              <a:shade val="50000"/>
+            </a:schemeClr>
+          </a:lnRef>
+          <a:fillRef idx="1">
+            <a:schemeClr val="accent1"/>
+          </a:fillRef>
+          <a:effectRef idx="0">
+            <a:schemeClr val="accent1"/>
+          </a:effectRef>
+          <a:fontRef idx="minor">
+            <a:schemeClr val="lt1"/>
+          </a:fontRef>
+        </p:style>
+        <p:txBody>
+          <a:bodyPr rtlCol="0" anchor="ctr"/>
+          <a:lstStyle/>
+          <a:p>
+            <a:pPr algn="ctr"/>
+            <a:r>
+              <a:rPr lang="en-US" b="1" dirty="0" smtClean="0"/>
+              <a:t>Client</a:t>
+            </a:r>
+            <a:endParaRPr lang="en-US" b="1" dirty="0"/>
+          </a:p>
+        </p:txBody>
+      </p:sp>
+      <p:sp>
+        <p:nvSpPr>
+          <p:cNvPr id="101" name="Oval 100"/>
+          <p:cNvSpPr/>
+          <p:nvPr/>
+        </p:nvSpPr>
+        <p:spPr>
+          <a:xfrm>
+            <a:off x="5596226" y="779226"/>
+            <a:ext cx="1392464" cy="365136"/>
+          </a:xfrm>
+          <a:prstGeom prst="ellipse">
+            <a:avLst/>
+          </a:prstGeom>
+        </p:spPr>
+        <p:style>
+          <a:lnRef idx="2">
+            <a:schemeClr val="accent1">
+              <a:shade val="50000"/>
+            </a:schemeClr>
+          </a:lnRef>
+          <a:fillRef idx="1">
+            <a:schemeClr val="accent1"/>
+          </a:fillRef>
+          <a:effectRef idx="0">
+            <a:schemeClr val="accent1"/>
+          </a:effectRef>
+          <a:fontRef idx="minor">
+            <a:schemeClr val="lt1"/>
+          </a:fontRef>
+        </p:style>
+        <p:txBody>
+          <a:bodyPr rtlCol="0" anchor="ctr"/>
+          <a:lstStyle/>
+          <a:p>
+            <a:pPr algn="ctr"/>
+            <a:r>
+              <a:rPr lang="en-US" b="1" dirty="0" smtClean="0"/>
+              <a:t>Server</a:t>
+            </a:r>
+            <a:endParaRPr lang="en-US" b="1" dirty="0"/>
+          </a:p>
+        </p:txBody>
+      </p:sp>
     </p:spTree>
     <p:extLst>
       <p:ext uri="{BB962C8B-B14F-4D97-AF65-F5344CB8AC3E}">
@@ -16141,6 +21052,9 @@
                     <p:cTn id="3" fill="hold">
                       <p:stCondLst>
                         <p:cond delay="indefinite"/>
+                        <p:cond evt="onBegin" delay="0">
+                          <p:tn val="2"/>
+                        </p:cond>
                       </p:stCondLst>
                       <p:childTnLst>
                         <p:par>
@@ -16150,7 +21064,7 @@
                             </p:stCondLst>
                             <p:childTnLst>
                               <p:par>
-                                <p:cTn id="5" presetID="10" presetClass="entr" presetSubtype="0" fill="hold" grpId="0" nodeType="clickEffect">
+                                <p:cTn id="5" presetID="10" presetClass="entr" presetSubtype="0" fill="hold" grpId="0" nodeType="withEffect">
                                   <p:stCondLst>
                                     <p:cond delay="0"/>
                                   </p:stCondLst>
@@ -16216,7 +21130,7 @@
                                           </p:stCondLst>
                                         </p:cTn>
                                         <p:tgtEl>
-                                          <p:spTgt spid="31"/>
+                                          <p:spTgt spid="4"/>
                                         </p:tgtEl>
                                         <p:attrNameLst>
                                           <p:attrName>style.visibility</p:attrName>
@@ -16230,7 +21144,7 @@
                                       <p:cBhvr>
                                         <p:cTn id="12" dur="500"/>
                                         <p:tgtEl>
-                                          <p:spTgt spid="31"/>
+                                          <p:spTgt spid="4"/>
                                         </p:tgtEl>
                                       </p:cBhvr>
                                     </p:animEffect>
@@ -16251,7 +21165,7 @@
                                           </p:stCondLst>
                                         </p:cTn>
                                         <p:tgtEl>
-                                          <p:spTgt spid="26"/>
+                                          <p:spTgt spid="101"/>
                                         </p:tgtEl>
                                         <p:attrNameLst>
                                           <p:attrName>style.visibility</p:attrName>
@@ -16265,7 +21179,7 @@
                                       <p:cBhvr>
                                         <p:cTn id="15" dur="500"/>
                                         <p:tgtEl>
-                                          <p:spTgt spid="26"/>
+                                          <p:spTgt spid="101"/>
                                         </p:tgtEl>
                                       </p:cBhvr>
                                     </p:animEffect>
@@ -16304,7 +21218,7 @@
                                           </p:stCondLst>
                                         </p:cTn>
                                         <p:tgtEl>
-                                          <p:spTgt spid="32"/>
+                                          <p:spTgt spid="74"/>
                                         </p:tgtEl>
                                         <p:attrNameLst>
                                           <p:attrName>style.visibility</p:attrName>
@@ -16318,7 +21232,7 @@
                                       <p:cBhvr>
                                         <p:cTn id="20" dur="500"/>
                                         <p:tgtEl>
-                                          <p:spTgt spid="32"/>
+                                          <p:spTgt spid="74"/>
                                         </p:tgtEl>
                                       </p:cBhvr>
                                     </p:animEffect>
@@ -16357,7 +21271,7 @@
                                           </p:stCondLst>
                                         </p:cTn>
                                         <p:tgtEl>
-                                          <p:spTgt spid="45"/>
+                                          <p:spTgt spid="82"/>
                                         </p:tgtEl>
                                         <p:attrNameLst>
                                           <p:attrName>style.visibility</p:attrName>
@@ -16371,7 +21285,7 @@
                                       <p:cBhvr additive="base">
                                         <p:cTn id="25" dur="500" fill="hold"/>
                                         <p:tgtEl>
-                                          <p:spTgt spid="45"/>
+                                          <p:spTgt spid="82"/>
                                         </p:tgtEl>
                                         <p:attrNameLst>
                                           <p:attrName>ppt_x</p:attrName>
@@ -16394,7 +21308,7 @@
                                       <p:cBhvr additive="base">
                                         <p:cTn id="26" dur="500" fill="hold"/>
                                         <p:tgtEl>
-                                          <p:spTgt spid="45"/>
+                                          <p:spTgt spid="82"/>
                                         </p:tgtEl>
                                         <p:attrNameLst>
                                           <p:attrName>ppt_y</p:attrName>
@@ -16448,7 +21362,7 @@
                                           </p:stCondLst>
                                         </p:cTn>
                                         <p:tgtEl>
-                                          <p:spTgt spid="37"/>
+                                          <p:spTgt spid="75"/>
                                         </p:tgtEl>
                                         <p:attrNameLst>
                                           <p:attrName>style.visibility</p:attrName>
@@ -16462,7 +21376,7 @@
                                       <p:cBhvr>
                                         <p:cTn id="31" dur="500"/>
                                         <p:tgtEl>
-                                          <p:spTgt spid="37"/>
+                                          <p:spTgt spid="75"/>
                                         </p:tgtEl>
                                       </p:cBhvr>
                                     </p:animEffect>
@@ -16501,7 +21415,7 @@
                                           </p:stCondLst>
                                         </p:cTn>
                                         <p:tgtEl>
-                                          <p:spTgt spid="44"/>
+                                          <p:spTgt spid="81"/>
                                         </p:tgtEl>
                                         <p:attrNameLst>
                                           <p:attrName>style.visibility</p:attrName>
@@ -16515,7 +21429,7 @@
                                       <p:cBhvr additive="base">
                                         <p:cTn id="36" dur="500" fill="hold"/>
                                         <p:tgtEl>
-                                          <p:spTgt spid="44"/>
+                                          <p:spTgt spid="81"/>
                                         </p:tgtEl>
                                         <p:attrNameLst>
                                           <p:attrName>ppt_x</p:attrName>
@@ -16538,7 +21452,7 @@
                                       <p:cBhvr additive="base">
                                         <p:cTn id="37" dur="500" fill="hold"/>
                                         <p:tgtEl>
-                                          <p:spTgt spid="44"/>
+                                          <p:spTgt spid="81"/>
                                         </p:tgtEl>
                                         <p:attrNameLst>
                                           <p:attrName>ppt_y</p:attrName>
@@ -16592,7 +21506,7 @@
                                           </p:stCondLst>
                                         </p:cTn>
                                         <p:tgtEl>
-                                          <p:spTgt spid="38"/>
+                                          <p:spTgt spid="76"/>
                                         </p:tgtEl>
                                         <p:attrNameLst>
                                           <p:attrName>style.visibility</p:attrName>
@@ -16606,7 +21520,7 @@
                                       <p:cBhvr>
                                         <p:cTn id="42" dur="500"/>
                                         <p:tgtEl>
-                                          <p:spTgt spid="38"/>
+                                          <p:spTgt spid="76"/>
                                         </p:tgtEl>
                                       </p:cBhvr>
                                     </p:animEffect>
@@ -16627,7 +21541,7 @@
                                           </p:stCondLst>
                                         </p:cTn>
                                         <p:tgtEl>
-                                          <p:spTgt spid="51"/>
+                                          <p:spTgt spid="88"/>
                                         </p:tgtEl>
                                         <p:attrNameLst>
                                           <p:attrName>style.visibility</p:attrName>
@@ -16641,7 +21555,7 @@
                                       <p:cBhvr>
                                         <p:cTn id="45" dur="500"/>
                                         <p:tgtEl>
-                                          <p:spTgt spid="51"/>
+                                          <p:spTgt spid="88"/>
                                         </p:tgtEl>
                                       </p:cBhvr>
                                     </p:animEffect>
@@ -16662,7 +21576,7 @@
                                           </p:stCondLst>
                                         </p:cTn>
                                         <p:tgtEl>
-                                          <p:spTgt spid="52"/>
+                                          <p:spTgt spid="89"/>
                                         </p:tgtEl>
                                         <p:attrNameLst>
                                           <p:attrName>style.visibility</p:attrName>
@@ -16676,7 +21590,7 @@
                                       <p:cBhvr>
                                         <p:cTn id="48" dur="500"/>
                                         <p:tgtEl>
-                                          <p:spTgt spid="52"/>
+                                          <p:spTgt spid="89"/>
                                         </p:tgtEl>
                                       </p:cBhvr>
                                     </p:animEffect>
@@ -16715,7 +21629,7 @@
                                           </p:stCondLst>
                                         </p:cTn>
                                         <p:tgtEl>
-                                          <p:spTgt spid="27"/>
+                                          <p:spTgt spid="63"/>
                                         </p:tgtEl>
                                         <p:attrNameLst>
                                           <p:attrName>style.visibility</p:attrName>
@@ -16729,7 +21643,7 @@
                                       <p:cBhvr>
                                         <p:cTn id="53" dur="500"/>
                                         <p:tgtEl>
-                                          <p:spTgt spid="27"/>
+                                          <p:spTgt spid="63"/>
                                         </p:tgtEl>
                                       </p:cBhvr>
                                     </p:animEffect>
@@ -16768,7 +21682,7 @@
                                           </p:stCondLst>
                                         </p:cTn>
                                         <p:tgtEl>
-                                          <p:spTgt spid="42"/>
+                                          <p:spTgt spid="79"/>
                                         </p:tgtEl>
                                         <p:attrNameLst>
                                           <p:attrName>style.visibility</p:attrName>
@@ -16782,7 +21696,7 @@
                                       <p:cBhvr additive="base">
                                         <p:cTn id="58" dur="500" fill="hold"/>
                                         <p:tgtEl>
-                                          <p:spTgt spid="42"/>
+                                          <p:spTgt spid="79"/>
                                         </p:tgtEl>
                                         <p:attrNameLst>
                                           <p:attrName>ppt_x</p:attrName>
@@ -16805,7 +21719,7 @@
                                       <p:cBhvr additive="base">
                                         <p:cTn id="59" dur="500" fill="hold"/>
                                         <p:tgtEl>
-                                          <p:spTgt spid="42"/>
+                                          <p:spTgt spid="79"/>
                                         </p:tgtEl>
                                         <p:attrNameLst>
                                           <p:attrName>ppt_y</p:attrName>
@@ -16859,7 +21773,7 @@
                                           </p:stCondLst>
                                         </p:cTn>
                                         <p:tgtEl>
-                                          <p:spTgt spid="28"/>
+                                          <p:spTgt spid="65"/>
                                         </p:tgtEl>
                                         <p:attrNameLst>
                                           <p:attrName>style.visibility</p:attrName>
@@ -16873,7 +21787,7 @@
                                       <p:cBhvr>
                                         <p:cTn id="64" dur="500"/>
                                         <p:tgtEl>
-                                          <p:spTgt spid="28"/>
+                                          <p:spTgt spid="65"/>
                                         </p:tgtEl>
                                       </p:cBhvr>
                                     </p:animEffect>
@@ -16912,7 +21826,7 @@
                                           </p:stCondLst>
                                         </p:cTn>
                                         <p:tgtEl>
-                                          <p:spTgt spid="43"/>
+                                          <p:spTgt spid="80"/>
                                         </p:tgtEl>
                                         <p:attrNameLst>
                                           <p:attrName>style.visibility</p:attrName>
@@ -16926,7 +21840,7 @@
                                       <p:cBhvr additive="base">
                                         <p:cTn id="69" dur="500" fill="hold"/>
                                         <p:tgtEl>
-                                          <p:spTgt spid="43"/>
+                                          <p:spTgt spid="80"/>
                                         </p:tgtEl>
                                         <p:attrNameLst>
                                           <p:attrName>ppt_x</p:attrName>
@@ -16949,7 +21863,7 @@
                                       <p:cBhvr additive="base">
                                         <p:cTn id="70" dur="500" fill="hold"/>
                                         <p:tgtEl>
-                                          <p:spTgt spid="43"/>
+                                          <p:spTgt spid="80"/>
                                         </p:tgtEl>
                                         <p:attrNameLst>
                                           <p:attrName>ppt_y</p:attrName>
@@ -17003,7 +21917,7 @@
                                           </p:stCondLst>
                                         </p:cTn>
                                         <p:tgtEl>
-                                          <p:spTgt spid="29"/>
+                                          <p:spTgt spid="71"/>
                                         </p:tgtEl>
                                         <p:attrNameLst>
                                           <p:attrName>style.visibility</p:attrName>
@@ -17017,7 +21931,7 @@
                                       <p:cBhvr>
                                         <p:cTn id="75" dur="500"/>
                                         <p:tgtEl>
-                                          <p:spTgt spid="29"/>
+                                          <p:spTgt spid="71"/>
                                         </p:tgtEl>
                                       </p:cBhvr>
                                     </p:animEffect>
@@ -17038,7 +21952,7 @@
                                           </p:stCondLst>
                                         </p:cTn>
                                         <p:tgtEl>
-                                          <p:spTgt spid="50"/>
+                                          <p:spTgt spid="87"/>
                                         </p:tgtEl>
                                         <p:attrNameLst>
                                           <p:attrName>style.visibility</p:attrName>
@@ -17052,7 +21966,7 @@
                                       <p:cBhvr>
                                         <p:cTn id="78" dur="500"/>
                                         <p:tgtEl>
-                                          <p:spTgt spid="50"/>
+                                          <p:spTgt spid="87"/>
                                         </p:tgtEl>
                                       </p:cBhvr>
                                     </p:animEffect>
@@ -17091,7 +22005,7 @@
                                           </p:stCondLst>
                                         </p:cTn>
                                         <p:tgtEl>
-                                          <p:spTgt spid="53"/>
+                                          <p:spTgt spid="90"/>
                                         </p:tgtEl>
                                         <p:attrNameLst>
                                           <p:attrName>style.visibility</p:attrName>
@@ -17105,7 +22019,7 @@
                                       <p:cBhvr additive="base">
                                         <p:cTn id="83" dur="500" fill="hold"/>
                                         <p:tgtEl>
-                                          <p:spTgt spid="53"/>
+                                          <p:spTgt spid="90"/>
                                         </p:tgtEl>
                                         <p:attrNameLst>
                                           <p:attrName>ppt_x</p:attrName>
@@ -17128,7 +22042,7 @@
                                       <p:cBhvr additive="base">
                                         <p:cTn id="84" dur="500" fill="hold"/>
                                         <p:tgtEl>
-                                          <p:spTgt spid="53"/>
+                                          <p:spTgt spid="90"/>
                                         </p:tgtEl>
                                         <p:attrNameLst>
                                           <p:attrName>ppt_y</p:attrName>
@@ -17182,7 +22096,7 @@
                                           </p:stCondLst>
                                         </p:cTn>
                                         <p:tgtEl>
-                                          <p:spTgt spid="54"/>
+                                          <p:spTgt spid="91"/>
                                         </p:tgtEl>
                                         <p:attrNameLst>
                                           <p:attrName>style.visibility</p:attrName>
@@ -17196,7 +22110,7 @@
                                       <p:cBhvr>
                                         <p:cTn id="89" dur="500"/>
                                         <p:tgtEl>
-                                          <p:spTgt spid="54"/>
+                                          <p:spTgt spid="91"/>
                                         </p:tgtEl>
                                       </p:cBhvr>
                                     </p:animEffect>
@@ -17217,7 +22131,7 @@
                                           </p:stCondLst>
                                         </p:cTn>
                                         <p:tgtEl>
-                                          <p:spTgt spid="30"/>
+                                          <p:spTgt spid="72"/>
                                         </p:tgtEl>
                                         <p:attrNameLst>
                                           <p:attrName>style.visibility</p:attrName>
@@ -17231,7 +22145,7 @@
                                       <p:cBhvr>
                                         <p:cTn id="92" dur="500"/>
                                         <p:tgtEl>
-                                          <p:spTgt spid="30"/>
+                                          <p:spTgt spid="72"/>
                                         </p:tgtEl>
                                       </p:cBhvr>
                                     </p:animEffect>
@@ -17270,7 +22184,7 @@
                                           </p:stCondLst>
                                         </p:cTn>
                                         <p:tgtEl>
-                                          <p:spTgt spid="40"/>
+                                          <p:spTgt spid="78"/>
                                         </p:tgtEl>
                                         <p:attrNameLst>
                                           <p:attrName>style.visibility</p:attrName>
@@ -17284,7 +22198,7 @@
                                       <p:cBhvr>
                                         <p:cTn id="97" dur="500"/>
                                         <p:tgtEl>
-                                          <p:spTgt spid="40"/>
+                                          <p:spTgt spid="78"/>
                                         </p:tgtEl>
                                       </p:cBhvr>
                                     </p:animEffect>
@@ -17305,7 +22219,7 @@
                                           </p:stCondLst>
                                         </p:cTn>
                                         <p:tgtEl>
-                                          <p:spTgt spid="48"/>
+                                          <p:spTgt spid="85"/>
                                         </p:tgtEl>
                                         <p:attrNameLst>
                                           <p:attrName>style.visibility</p:attrName>
@@ -17319,7 +22233,7 @@
                                       <p:cBhvr>
                                         <p:cTn id="100" dur="500"/>
                                         <p:tgtEl>
-                                          <p:spTgt spid="48"/>
+                                          <p:spTgt spid="85"/>
                                         </p:tgtEl>
                                       </p:cBhvr>
                                     </p:animEffect>
@@ -17340,7 +22254,7 @@
                                           </p:stCondLst>
                                         </p:cTn>
                                         <p:tgtEl>
-                                          <p:spTgt spid="59"/>
+                                          <p:spTgt spid="96"/>
                                         </p:tgtEl>
                                         <p:attrNameLst>
                                           <p:attrName>style.visibility</p:attrName>
@@ -17354,7 +22268,7 @@
                                       <p:cBhvr>
                                         <p:cTn id="103" dur="500"/>
                                         <p:tgtEl>
-                                          <p:spTgt spid="59"/>
+                                          <p:spTgt spid="96"/>
                                         </p:tgtEl>
                                       </p:cBhvr>
                                     </p:animEffect>
@@ -17375,7 +22289,7 @@
                                           </p:stCondLst>
                                         </p:cTn>
                                         <p:tgtEl>
-                                          <p:spTgt spid="60"/>
+                                          <p:spTgt spid="97"/>
                                         </p:tgtEl>
                                         <p:attrNameLst>
                                           <p:attrName>style.visibility</p:attrName>
@@ -17389,7 +22303,7 @@
                                       <p:cBhvr>
                                         <p:cTn id="106" dur="500"/>
                                         <p:tgtEl>
-                                          <p:spTgt spid="60"/>
+                                          <p:spTgt spid="97"/>
                                         </p:tgtEl>
                                       </p:cBhvr>
                                     </p:animEffect>
@@ -17410,7 +22324,7 @@
                                           </p:stCondLst>
                                         </p:cTn>
                                         <p:tgtEl>
-                                          <p:spTgt spid="61"/>
+                                          <p:spTgt spid="98"/>
                                         </p:tgtEl>
                                         <p:attrNameLst>
                                           <p:attrName>style.visibility</p:attrName>
@@ -17424,7 +22338,7 @@
                                       <p:cBhvr>
                                         <p:cTn id="109" dur="500"/>
                                         <p:tgtEl>
-                                          <p:spTgt spid="61"/>
+                                          <p:spTgt spid="98"/>
                                         </p:tgtEl>
                                       </p:cBhvr>
                                     </p:animEffect>
@@ -17445,7 +22359,7 @@
                                           </p:stCondLst>
                                         </p:cTn>
                                         <p:tgtEl>
-                                          <p:spTgt spid="49"/>
+                                          <p:spTgt spid="86"/>
                                         </p:tgtEl>
                                         <p:attrNameLst>
                                           <p:attrName>style.visibility</p:attrName>
@@ -17459,7 +22373,7 @@
                                       <p:cBhvr>
                                         <p:cTn id="112" dur="500"/>
                                         <p:tgtEl>
-                                          <p:spTgt spid="49"/>
+                                          <p:spTgt spid="86"/>
                                         </p:tgtEl>
                                       </p:cBhvr>
                                     </p:animEffect>
@@ -17498,7 +22412,7 @@
                                           </p:stCondLst>
                                         </p:cTn>
                                         <p:tgtEl>
-                                          <p:spTgt spid="46"/>
+                                          <p:spTgt spid="83"/>
                                         </p:tgtEl>
                                         <p:attrNameLst>
                                           <p:attrName>style.visibility</p:attrName>
@@ -17512,7 +22426,7 @@
                                       <p:cBhvr>
                                         <p:cTn id="117" dur="500"/>
                                         <p:tgtEl>
-                                          <p:spTgt spid="46"/>
+                                          <p:spTgt spid="83"/>
                                         </p:tgtEl>
                                       </p:cBhvr>
                                     </p:animEffect>
@@ -17533,7 +22447,7 @@
                                           </p:stCondLst>
                                         </p:cTn>
                                         <p:tgtEl>
-                                          <p:spTgt spid="56"/>
+                                          <p:spTgt spid="93"/>
                                         </p:tgtEl>
                                         <p:attrNameLst>
                                           <p:attrName>style.visibility</p:attrName>
@@ -17547,7 +22461,7 @@
                                       <p:cBhvr>
                                         <p:cTn id="120" dur="500"/>
                                         <p:tgtEl>
-                                          <p:spTgt spid="56"/>
+                                          <p:spTgt spid="93"/>
                                         </p:tgtEl>
                                       </p:cBhvr>
                                     </p:animEffect>
@@ -17568,7 +22482,7 @@
                                           </p:stCondLst>
                                         </p:cTn>
                                         <p:tgtEl>
-                                          <p:spTgt spid="57"/>
+                                          <p:spTgt spid="94"/>
                                         </p:tgtEl>
                                         <p:attrNameLst>
                                           <p:attrName>style.visibility</p:attrName>
@@ -17582,7 +22496,7 @@
                                       <p:cBhvr>
                                         <p:cTn id="123" dur="500"/>
                                         <p:tgtEl>
-                                          <p:spTgt spid="57"/>
+                                          <p:spTgt spid="94"/>
                                         </p:tgtEl>
                                       </p:cBhvr>
                                     </p:animEffect>
@@ -17603,7 +22517,7 @@
                                           </p:stCondLst>
                                         </p:cTn>
                                         <p:tgtEl>
-                                          <p:spTgt spid="58"/>
+                                          <p:spTgt spid="95"/>
                                         </p:tgtEl>
                                         <p:attrNameLst>
                                           <p:attrName>style.visibility</p:attrName>
@@ -17617,7 +22531,7 @@
                                       <p:cBhvr>
                                         <p:cTn id="126" dur="500"/>
                                         <p:tgtEl>
-                                          <p:spTgt spid="58"/>
+                                          <p:spTgt spid="95"/>
                                         </p:tgtEl>
                                       </p:cBhvr>
                                     </p:animEffect>
@@ -17638,7 +22552,7 @@
                                           </p:stCondLst>
                                         </p:cTn>
                                         <p:tgtEl>
-                                          <p:spTgt spid="47"/>
+                                          <p:spTgt spid="84"/>
                                         </p:tgtEl>
                                         <p:attrNameLst>
                                           <p:attrName>style.visibility</p:attrName>
@@ -17652,7 +22566,7 @@
                                       <p:cBhvr>
                                         <p:cTn id="129" dur="500"/>
                                         <p:tgtEl>
-                                          <p:spTgt spid="47"/>
+                                          <p:spTgt spid="84"/>
                                         </p:tgtEl>
                                       </p:cBhvr>
                                     </p:animEffect>
@@ -17673,7 +22587,7 @@
                                           </p:stCondLst>
                                         </p:cTn>
                                         <p:tgtEl>
-                                          <p:spTgt spid="39"/>
+                                          <p:spTgt spid="77"/>
                                         </p:tgtEl>
                                         <p:attrNameLst>
                                           <p:attrName>style.visibility</p:attrName>
@@ -17687,7 +22601,7 @@
                                       <p:cBhvr>
                                         <p:cTn id="132" dur="500"/>
                                         <p:tgtEl>
-                                          <p:spTgt spid="39"/>
+                                          <p:spTgt spid="77"/>
                                         </p:tgtEl>
                                       </p:cBhvr>
                                     </p:animEffect>
@@ -17726,7 +22640,7 @@
                                           </p:stCondLst>
                                         </p:cTn>
                                         <p:tgtEl>
-                                          <p:spTgt spid="55"/>
+                                          <p:spTgt spid="92"/>
                                         </p:tgtEl>
                                         <p:attrNameLst>
                                           <p:attrName>style.visibility</p:attrName>
@@ -17740,7 +22654,7 @@
                                       <p:cBhvr additive="base">
                                         <p:cTn id="137" dur="500" fill="hold"/>
                                         <p:tgtEl>
-                                          <p:spTgt spid="55"/>
+                                          <p:spTgt spid="92"/>
                                         </p:tgtEl>
                                         <p:attrNameLst>
                                           <p:attrName>ppt_x</p:attrName>
@@ -17763,7 +22677,7 @@
                                       <p:cBhvr additive="base">
                                         <p:cTn id="138" dur="500" fill="hold"/>
                                         <p:tgtEl>
-                                          <p:spTgt spid="55"/>
+                                          <p:spTgt spid="92"/>
                                         </p:tgtEl>
                                         <p:attrNameLst>
                                           <p:attrName>ppt_y</p:attrName>
@@ -17817,7 +22731,7 @@
                                           </p:stCondLst>
                                         </p:cTn>
                                         <p:tgtEl>
-                                          <p:spTgt spid="63"/>
+                                          <p:spTgt spid="100"/>
                                         </p:tgtEl>
                                         <p:attrNameLst>
                                           <p:attrName>style.visibility</p:attrName>
@@ -17831,7 +22745,7 @@
                                       <p:cBhvr>
                                         <p:cTn id="143" dur="500"/>
                                         <p:tgtEl>
-                                          <p:spTgt spid="63"/>
+                                          <p:spTgt spid="100"/>
                                         </p:tgtEl>
                                       </p:cBhvr>
                                     </p:animEffect>
@@ -17870,7 +22784,7 @@
                                           </p:stCondLst>
                                         </p:cTn>
                                         <p:tgtEl>
-                                          <p:spTgt spid="62"/>
+                                          <p:spTgt spid="99"/>
                                         </p:tgtEl>
                                         <p:attrNameLst>
                                           <p:attrName>style.visibility</p:attrName>
@@ -17884,7 +22798,7 @@
                                       <p:cBhvr>
                                         <p:cTn id="148" dur="500"/>
                                         <p:tgtEl>
-                                          <p:spTgt spid="62"/>
+                                          <p:spTgt spid="99"/>
                                         </p:tgtEl>
                                       </p:cBhvr>
                                     </p:animEffect>
@@ -17920,38 +22834,38 @@
     </p:tnLst>
     <p:bldLst>
       <p:bldP spid="23" grpId="0"/>
-      <p:bldP spid="26" grpId="0" animBg="1"/>
-      <p:bldP spid="27" grpId="0" animBg="1"/>
-      <p:bldP spid="28" grpId="0" animBg="1"/>
-      <p:bldP spid="29" grpId="0" animBg="1"/>
-      <p:bldP spid="30" grpId="0" animBg="1"/>
-      <p:bldP spid="31" grpId="0" animBg="1"/>
-      <p:bldP spid="32" grpId="0" animBg="1"/>
-      <p:bldP spid="37" grpId="0" animBg="1"/>
-      <p:bldP spid="38" grpId="0" animBg="1"/>
-      <p:bldP spid="39" grpId="0" animBg="1"/>
-      <p:bldP spid="40" grpId="0" animBg="1"/>
-      <p:bldP spid="42" grpId="0" animBg="1"/>
-      <p:bldP spid="43" grpId="0" animBg="1"/>
-      <p:bldP spid="44" grpId="0" animBg="1"/>
-      <p:bldP spid="45" grpId="0" animBg="1"/>
-      <p:bldP spid="46" grpId="0" animBg="1"/>
-      <p:bldP spid="47" grpId="0" animBg="1"/>
-      <p:bldP spid="48" grpId="0" animBg="1"/>
-      <p:bldP spid="49" grpId="0" animBg="1"/>
-      <p:bldP spid="50" grpId="0" animBg="1"/>
-      <p:bldP spid="51" grpId="0" animBg="1"/>
-      <p:bldP spid="52" grpId="0" animBg="1"/>
-      <p:bldP spid="54" grpId="0" animBg="1"/>
-      <p:bldP spid="55" grpId="0" animBg="1"/>
-      <p:bldP spid="56" grpId="0" animBg="1"/>
-      <p:bldP spid="57" grpId="0" animBg="1"/>
-      <p:bldP spid="58" grpId="0" animBg="1"/>
-      <p:bldP spid="59" grpId="0" animBg="1"/>
-      <p:bldP spid="60" grpId="0" animBg="1"/>
-      <p:bldP spid="61" grpId="0" animBg="1"/>
-      <p:bldP spid="62" grpId="0" animBg="1"/>
       <p:bldP spid="63" grpId="0" animBg="1"/>
+      <p:bldP spid="65" grpId="0" animBg="1"/>
+      <p:bldP spid="71" grpId="0" animBg="1"/>
+      <p:bldP spid="72" grpId="0" animBg="1"/>
+      <p:bldP spid="74" grpId="0" animBg="1"/>
+      <p:bldP spid="75" grpId="0" animBg="1"/>
+      <p:bldP spid="76" grpId="0" animBg="1"/>
+      <p:bldP spid="77" grpId="0" animBg="1"/>
+      <p:bldP spid="78" grpId="0" animBg="1"/>
+      <p:bldP spid="79" grpId="0" animBg="1"/>
+      <p:bldP spid="80" grpId="0" animBg="1"/>
+      <p:bldP spid="81" grpId="0" animBg="1"/>
+      <p:bldP spid="82" grpId="0" animBg="1"/>
+      <p:bldP spid="83" grpId="0" animBg="1"/>
+      <p:bldP spid="84" grpId="0" animBg="1"/>
+      <p:bldP spid="85" grpId="0" animBg="1"/>
+      <p:bldP spid="86" grpId="0" animBg="1"/>
+      <p:bldP spid="87" grpId="0" animBg="1"/>
+      <p:bldP spid="88" grpId="0" animBg="1"/>
+      <p:bldP spid="89" grpId="0" animBg="1"/>
+      <p:bldP spid="91" grpId="0" animBg="1"/>
+      <p:bldP spid="92" grpId="0" animBg="1"/>
+      <p:bldP spid="93" grpId="0" animBg="1"/>
+      <p:bldP spid="94" grpId="0" animBg="1"/>
+      <p:bldP spid="95" grpId="0" animBg="1"/>
+      <p:bldP spid="96" grpId="0" animBg="1"/>
+      <p:bldP spid="97" grpId="0" animBg="1"/>
+      <p:bldP spid="98" grpId="0" animBg="1"/>
+      <p:bldP spid="99" grpId="0" animBg="1"/>
+      <p:bldP spid="100" grpId="0" animBg="1"/>
+      <p:bldP spid="4" grpId="0" animBg="1"/>
+      <p:bldP spid="101" grpId="0" animBg="1"/>
     </p:bldLst>
   </p:timing>
 </p:sld>
@@ -17991,7 +22905,7 @@
           <a:p>
             <a:fld id="{05229871-6294-4FDC-ADFB-03568C29F7D6}" type="datetime1">
               <a:rPr lang="en-US" smtClean="0"/>
-              <a:t>25-Oct-21</a:t>
+              <a:t>26-Oct-21</a:t>
             </a:fld>
             <a:endParaRPr lang="en-US"/>
           </a:p>
@@ -18107,6 +23021,338 @@
   <p:clrMapOvr>
     <a:masterClrMapping/>
   </p:clrMapOvr>
+  <p:timing>
+    <p:tnLst>
+      <p:par>
+        <p:cTn id="1" dur="indefinite" restart="never" nodeType="tmRoot">
+          <p:childTnLst>
+            <p:seq concurrent="1" nextAc="seek">
+              <p:cTn id="2" dur="indefinite" nodeType="mainSeq">
+                <p:childTnLst>
+                  <p:par>
+                    <p:cTn id="3" fill="hold">
+                      <p:stCondLst>
+                        <p:cond delay="indefinite"/>
+                        <p:cond evt="onBegin" delay="0">
+                          <p:tn val="2"/>
+                        </p:cond>
+                      </p:stCondLst>
+                      <p:childTnLst>
+                        <p:par>
+                          <p:cTn id="4" fill="hold">
+                            <p:stCondLst>
+                              <p:cond delay="0"/>
+                            </p:stCondLst>
+                            <p:childTnLst>
+                              <p:par>
+                                <p:cTn id="5" presetID="26" presetClass="entr" presetSubtype="0" fill="hold" grpId="0" nodeType="withEffect">
+                                  <p:stCondLst>
+                                    <p:cond delay="0"/>
+                                  </p:stCondLst>
+                                  <p:childTnLst>
+                                    <p:set>
+                                      <p:cBhvr>
+                                        <p:cTn id="6" dur="1" fill="hold">
+                                          <p:stCondLst>
+                                            <p:cond delay="0"/>
+                                          </p:stCondLst>
+                                        </p:cTn>
+                                        <p:tgtEl>
+                                          <p:spTgt spid="8"/>
+                                        </p:tgtEl>
+                                        <p:attrNameLst>
+                                          <p:attrName>style.visibility</p:attrName>
+                                        </p:attrNameLst>
+                                      </p:cBhvr>
+                                      <p:to>
+                                        <p:strVal val="visible"/>
+                                      </p:to>
+                                    </p:set>
+                                    <p:animEffect transition="in" filter="wipe(down)">
+                                      <p:cBhvr>
+                                        <p:cTn id="7" dur="580">
+                                          <p:stCondLst>
+                                            <p:cond delay="0"/>
+                                          </p:stCondLst>
+                                        </p:cTn>
+                                        <p:tgtEl>
+                                          <p:spTgt spid="8"/>
+                                        </p:tgtEl>
+                                      </p:cBhvr>
+                                    </p:animEffect>
+                                    <p:anim calcmode="lin" valueType="num">
+                                      <p:cBhvr>
+                                        <p:cTn id="8" dur="1822" tmFilter="0,0; 0.14,0.36; 0.43,0.73; 0.71,0.91; 1.0,1.0">
+                                          <p:stCondLst>
+                                            <p:cond delay="0"/>
+                                          </p:stCondLst>
+                                        </p:cTn>
+                                        <p:tgtEl>
+                                          <p:spTgt spid="8"/>
+                                        </p:tgtEl>
+                                        <p:attrNameLst>
+                                          <p:attrName>ppt_x</p:attrName>
+                                        </p:attrNameLst>
+                                      </p:cBhvr>
+                                      <p:tavLst>
+                                        <p:tav tm="0">
+                                          <p:val>
+                                            <p:strVal val="#ppt_x-0.25"/>
+                                          </p:val>
+                                        </p:tav>
+                                        <p:tav tm="100000">
+                                          <p:val>
+                                            <p:strVal val="#ppt_x"/>
+                                          </p:val>
+                                        </p:tav>
+                                      </p:tavLst>
+                                    </p:anim>
+                                    <p:anim calcmode="lin" valueType="num">
+                                      <p:cBhvr>
+                                        <p:cTn id="9" dur="664" tmFilter="0.0,0.0; 0.25,0.07; 0.50,0.2; 0.75,0.467; 1.0,1.0">
+                                          <p:stCondLst>
+                                            <p:cond delay="0"/>
+                                          </p:stCondLst>
+                                        </p:cTn>
+                                        <p:tgtEl>
+                                          <p:spTgt spid="8"/>
+                                        </p:tgtEl>
+                                        <p:attrNameLst>
+                                          <p:attrName>ppt_y</p:attrName>
+                                        </p:attrNameLst>
+                                      </p:cBhvr>
+                                      <p:tavLst>
+                                        <p:tav tm="0" fmla="#ppt_y-sin(pi*$)/3">
+                                          <p:val>
+                                            <p:fltVal val="0.5"/>
+                                          </p:val>
+                                        </p:tav>
+                                        <p:tav tm="100000">
+                                          <p:val>
+                                            <p:fltVal val="1"/>
+                                          </p:val>
+                                        </p:tav>
+                                      </p:tavLst>
+                                    </p:anim>
+                                    <p:anim calcmode="lin" valueType="num">
+                                      <p:cBhvr>
+                                        <p:cTn id="10" dur="664" tmFilter="0, 0; 0.125,0.2665; 0.25,0.4; 0.375,0.465; 0.5,0.5;  0.625,0.535; 0.75,0.6; 0.875,0.7335; 1,1">
+                                          <p:stCondLst>
+                                            <p:cond delay="664"/>
+                                          </p:stCondLst>
+                                        </p:cTn>
+                                        <p:tgtEl>
+                                          <p:spTgt spid="8"/>
+                                        </p:tgtEl>
+                                        <p:attrNameLst>
+                                          <p:attrName>ppt_y</p:attrName>
+                                        </p:attrNameLst>
+                                      </p:cBhvr>
+                                      <p:tavLst>
+                                        <p:tav tm="0" fmla="#ppt_y-sin(pi*$)/9">
+                                          <p:val>
+                                            <p:fltVal val="0"/>
+                                          </p:val>
+                                        </p:tav>
+                                        <p:tav tm="100000">
+                                          <p:val>
+                                            <p:fltVal val="1"/>
+                                          </p:val>
+                                        </p:tav>
+                                      </p:tavLst>
+                                    </p:anim>
+                                    <p:anim calcmode="lin" valueType="num">
+                                      <p:cBhvr>
+                                        <p:cTn id="11" dur="332" tmFilter="0, 0; 0.125,0.2665; 0.25,0.4; 0.375,0.465; 0.5,0.5;  0.625,0.535; 0.75,0.6; 0.875,0.7335; 1,1">
+                                          <p:stCondLst>
+                                            <p:cond delay="1324"/>
+                                          </p:stCondLst>
+                                        </p:cTn>
+                                        <p:tgtEl>
+                                          <p:spTgt spid="8"/>
+                                        </p:tgtEl>
+                                        <p:attrNameLst>
+                                          <p:attrName>ppt_y</p:attrName>
+                                        </p:attrNameLst>
+                                      </p:cBhvr>
+                                      <p:tavLst>
+                                        <p:tav tm="0" fmla="#ppt_y-sin(pi*$)/27">
+                                          <p:val>
+                                            <p:fltVal val="0"/>
+                                          </p:val>
+                                        </p:tav>
+                                        <p:tav tm="100000">
+                                          <p:val>
+                                            <p:fltVal val="1"/>
+                                          </p:val>
+                                        </p:tav>
+                                      </p:tavLst>
+                                    </p:anim>
+                                    <p:anim calcmode="lin" valueType="num">
+                                      <p:cBhvr>
+                                        <p:cTn id="12" dur="164" tmFilter="0, 0; 0.125,0.2665; 0.25,0.4; 0.375,0.465; 0.5,0.5;  0.625,0.535; 0.75,0.6; 0.875,0.7335; 1,1">
+                                          <p:stCondLst>
+                                            <p:cond delay="1656"/>
+                                          </p:stCondLst>
+                                        </p:cTn>
+                                        <p:tgtEl>
+                                          <p:spTgt spid="8"/>
+                                        </p:tgtEl>
+                                        <p:attrNameLst>
+                                          <p:attrName>ppt_y</p:attrName>
+                                        </p:attrNameLst>
+                                      </p:cBhvr>
+                                      <p:tavLst>
+                                        <p:tav tm="0" fmla="#ppt_y-sin(pi*$)/81">
+                                          <p:val>
+                                            <p:fltVal val="0"/>
+                                          </p:val>
+                                        </p:tav>
+                                        <p:tav tm="100000">
+                                          <p:val>
+                                            <p:fltVal val="1"/>
+                                          </p:val>
+                                        </p:tav>
+                                      </p:tavLst>
+                                    </p:anim>
+                                    <p:animScale>
+                                      <p:cBhvr>
+                                        <p:cTn id="13" dur="26">
+                                          <p:stCondLst>
+                                            <p:cond delay="650"/>
+                                          </p:stCondLst>
+                                        </p:cTn>
+                                        <p:tgtEl>
+                                          <p:spTgt spid="8"/>
+                                        </p:tgtEl>
+                                      </p:cBhvr>
+                                      <p:to x="100000" y="60000"/>
+                                    </p:animScale>
+                                    <p:animScale>
+                                      <p:cBhvr>
+                                        <p:cTn id="14" dur="166" decel="50000">
+                                          <p:stCondLst>
+                                            <p:cond delay="676"/>
+                                          </p:stCondLst>
+                                        </p:cTn>
+                                        <p:tgtEl>
+                                          <p:spTgt spid="8"/>
+                                        </p:tgtEl>
+                                      </p:cBhvr>
+                                      <p:to x="100000" y="100000"/>
+                                    </p:animScale>
+                                    <p:animScale>
+                                      <p:cBhvr>
+                                        <p:cTn id="15" dur="26">
+                                          <p:stCondLst>
+                                            <p:cond delay="1312"/>
+                                          </p:stCondLst>
+                                        </p:cTn>
+                                        <p:tgtEl>
+                                          <p:spTgt spid="8"/>
+                                        </p:tgtEl>
+                                      </p:cBhvr>
+                                      <p:to x="100000" y="80000"/>
+                                    </p:animScale>
+                                    <p:animScale>
+                                      <p:cBhvr>
+                                        <p:cTn id="16" dur="166" decel="50000">
+                                          <p:stCondLst>
+                                            <p:cond delay="1338"/>
+                                          </p:stCondLst>
+                                        </p:cTn>
+                                        <p:tgtEl>
+                                          <p:spTgt spid="8"/>
+                                        </p:tgtEl>
+                                      </p:cBhvr>
+                                      <p:to x="100000" y="100000"/>
+                                    </p:animScale>
+                                    <p:animScale>
+                                      <p:cBhvr>
+                                        <p:cTn id="17" dur="26">
+                                          <p:stCondLst>
+                                            <p:cond delay="1642"/>
+                                          </p:stCondLst>
+                                        </p:cTn>
+                                        <p:tgtEl>
+                                          <p:spTgt spid="8"/>
+                                        </p:tgtEl>
+                                      </p:cBhvr>
+                                      <p:to x="100000" y="90000"/>
+                                    </p:animScale>
+                                    <p:animScale>
+                                      <p:cBhvr>
+                                        <p:cTn id="18" dur="166" decel="50000">
+                                          <p:stCondLst>
+                                            <p:cond delay="1668"/>
+                                          </p:stCondLst>
+                                        </p:cTn>
+                                        <p:tgtEl>
+                                          <p:spTgt spid="8"/>
+                                        </p:tgtEl>
+                                      </p:cBhvr>
+                                      <p:to x="100000" y="100000"/>
+                                    </p:animScale>
+                                    <p:animScale>
+                                      <p:cBhvr>
+                                        <p:cTn id="19" dur="26">
+                                          <p:stCondLst>
+                                            <p:cond delay="1808"/>
+                                          </p:stCondLst>
+                                        </p:cTn>
+                                        <p:tgtEl>
+                                          <p:spTgt spid="8"/>
+                                        </p:tgtEl>
+                                      </p:cBhvr>
+                                      <p:to x="100000" y="95000"/>
+                                    </p:animScale>
+                                    <p:animScale>
+                                      <p:cBhvr>
+                                        <p:cTn id="20" dur="166" decel="50000">
+                                          <p:stCondLst>
+                                            <p:cond delay="1834"/>
+                                          </p:stCondLst>
+                                        </p:cTn>
+                                        <p:tgtEl>
+                                          <p:spTgt spid="8"/>
+                                        </p:tgtEl>
+                                      </p:cBhvr>
+                                      <p:to x="100000" y="100000"/>
+                                    </p:animScale>
+                                  </p:childTnLst>
+                                </p:cTn>
+                              </p:par>
+                            </p:childTnLst>
+                          </p:cTn>
+                        </p:par>
+                      </p:childTnLst>
+                    </p:cTn>
+                  </p:par>
+                </p:childTnLst>
+              </p:cTn>
+              <p:prevCondLst>
+                <p:cond evt="onPrev" delay="0">
+                  <p:tgtEl>
+                    <p:sldTgt/>
+                  </p:tgtEl>
+                </p:cond>
+              </p:prevCondLst>
+              <p:nextCondLst>
+                <p:cond evt="onNext" delay="0">
+                  <p:tgtEl>
+                    <p:sldTgt/>
+                  </p:tgtEl>
+                </p:cond>
+              </p:nextCondLst>
+            </p:seq>
+          </p:childTnLst>
+        </p:cTn>
+      </p:par>
+    </p:tnLst>
+    <p:bldLst>
+      <p:bldP spid="8" grpId="0"/>
+    </p:bldLst>
+  </p:timing>
 </p:sld>
 </file>
 

--- a/Official Documents/Project Batch 16 phase 2.pptx
+++ b/Official Documents/Project Batch 16 phase 2.pptx
@@ -5,10 +5,10 @@
     <p:sldMasterId id="2147483648" r:id="rId1"/>
   </p:sldMasterIdLst>
   <p:notesMasterIdLst>
-    <p:notesMasterId r:id="rId24"/>
+    <p:notesMasterId r:id="rId25"/>
   </p:notesMasterIdLst>
   <p:handoutMasterIdLst>
-    <p:handoutMasterId r:id="rId25"/>
+    <p:handoutMasterId r:id="rId26"/>
   </p:handoutMasterIdLst>
   <p:sldIdLst>
     <p:sldId id="270" r:id="rId2"/>
@@ -33,6 +33,7 @@
     <p:sldId id="302" r:id="rId21"/>
     <p:sldId id="285" r:id="rId22"/>
     <p:sldId id="297" r:id="rId23"/>
+    <p:sldId id="303" r:id="rId24"/>
   </p:sldIdLst>
   <p:sldSz cx="9144000" cy="6858000" type="screen4x3"/>
   <p:notesSz cx="6858000" cy="9144000"/>
@@ -727,6 +728,67 @@
 </p:notes>
 </file>
 
+<file path=ppt/notesSlides/notesSlide10.xml><?xml version="1.0" encoding="utf-8"?>
+<p:notes xmlns:a="http://schemas.openxmlformats.org/drawingml/2006/main" xmlns:r="http://schemas.openxmlformats.org/officeDocument/2006/relationships" xmlns:p="http://schemas.openxmlformats.org/presentationml/2006/main">
+  <p:cSld>
+    <p:spTree>
+      <p:nvGrpSpPr>
+        <p:cNvPr id="1" name=""/>
+        <p:cNvGrpSpPr/>
+        <p:nvPr/>
+      </p:nvGrpSpPr>
+      <p:grpSpPr>
+        <a:xfrm>
+          <a:off x="0" y="0"/>
+          <a:ext cx="0" cy="0"/>
+          <a:chOff x="0" y="0"/>
+          <a:chExt cx="0" cy="0"/>
+        </a:xfrm>
+      </p:grpSpPr>
+      <p:sp>
+        <p:nvSpPr>
+          <p:cNvPr id="2" name="Slide Image Placeholder 1"/>
+          <p:cNvSpPr>
+            <a:spLocks noGrp="1" noRot="1" noChangeAspect="1"/>
+          </p:cNvSpPr>
+          <p:nvPr>
+            <p:ph type="sldImg"/>
+          </p:nvPr>
+        </p:nvSpPr>
+        <p:spPr/>
+      </p:sp>
+      <p:sp>
+        <p:nvSpPr>
+          <p:cNvPr id="3" name="Notes Placeholder 2"/>
+          <p:cNvSpPr>
+            <a:spLocks noGrp="1"/>
+          </p:cNvSpPr>
+          <p:nvPr>
+            <p:ph type="body" idx="1"/>
+          </p:nvPr>
+        </p:nvSpPr>
+        <p:spPr/>
+        <p:txBody>
+          <a:bodyPr/>
+          <a:lstStyle/>
+          <a:p>
+            <a:endParaRPr lang="en-US" dirty="0"/>
+          </a:p>
+        </p:txBody>
+      </p:sp>
+    </p:spTree>
+    <p:extLst>
+      <p:ext uri="{BB962C8B-B14F-4D97-AF65-F5344CB8AC3E}">
+        <p14:creationId xmlns:p14="http://schemas.microsoft.com/office/powerpoint/2010/main" val="3010784667"/>
+      </p:ext>
+    </p:extLst>
+  </p:cSld>
+  <p:clrMapOvr>
+    <a:masterClrMapping/>
+  </p:clrMapOvr>
+</p:notes>
+</file>
+
 <file path=ppt/notesSlides/notesSlide2.xml><?xml version="1.0" encoding="utf-8"?>
 <p:notes xmlns:a="http://schemas.openxmlformats.org/drawingml/2006/main" xmlns:r="http://schemas.openxmlformats.org/officeDocument/2006/relationships" xmlns:p="http://schemas.openxmlformats.org/presentationml/2006/main">
   <p:cSld>
@@ -1015,6 +1077,10 @@
           <a:bodyPr/>
           <a:lstStyle/>
           <a:p>
+            <a:r>
+              <a:rPr lang="en-US" dirty="0" smtClean="0"/>
+              <a:t>Layers of Dual Stack host </a:t>
+            </a:r>
             <a:endParaRPr lang="en-US" dirty="0"/>
           </a:p>
         </p:txBody>
@@ -1022,7 +1088,7 @@
     </p:spTree>
     <p:extLst>
       <p:ext uri="{BB962C8B-B14F-4D97-AF65-F5344CB8AC3E}">
-        <p14:creationId xmlns:p14="http://schemas.microsoft.com/office/powerpoint/2010/main" val="1143585079"/>
+        <p14:creationId xmlns:p14="http://schemas.microsoft.com/office/powerpoint/2010/main" val="1843032151"/>
       </p:ext>
     </p:extLst>
   </p:cSld>
@@ -1083,7 +1149,7 @@
     </p:spTree>
     <p:extLst>
       <p:ext uri="{BB962C8B-B14F-4D97-AF65-F5344CB8AC3E}">
-        <p14:creationId xmlns:p14="http://schemas.microsoft.com/office/powerpoint/2010/main" val="2348088920"/>
+        <p14:creationId xmlns:p14="http://schemas.microsoft.com/office/powerpoint/2010/main" val="1143585079"/>
       </p:ext>
     </p:extLst>
   </p:cSld>
@@ -1144,7 +1210,7 @@
     </p:spTree>
     <p:extLst>
       <p:ext uri="{BB962C8B-B14F-4D97-AF65-F5344CB8AC3E}">
-        <p14:creationId xmlns:p14="http://schemas.microsoft.com/office/powerpoint/2010/main" val="1167510005"/>
+        <p14:creationId xmlns:p14="http://schemas.microsoft.com/office/powerpoint/2010/main" val="2348088920"/>
       </p:ext>
     </p:extLst>
   </p:cSld>
@@ -1205,7 +1271,7 @@
     </p:spTree>
     <p:extLst>
       <p:ext uri="{BB962C8B-B14F-4D97-AF65-F5344CB8AC3E}">
-        <p14:creationId xmlns:p14="http://schemas.microsoft.com/office/powerpoint/2010/main" val="3010784667"/>
+        <p14:creationId xmlns:p14="http://schemas.microsoft.com/office/powerpoint/2010/main" val="1167510005"/>
       </p:ext>
     </p:extLst>
   </p:cSld>
@@ -10525,6 +10591,320 @@
 </p:sld>
 </file>
 
+<file path=ppt/slides/slide23.xml><?xml version="1.0" encoding="utf-8"?>
+<p:sld xmlns:a="http://schemas.openxmlformats.org/drawingml/2006/main" xmlns:r="http://schemas.openxmlformats.org/officeDocument/2006/relationships" xmlns:p="http://schemas.openxmlformats.org/presentationml/2006/main">
+  <p:cSld>
+    <p:spTree>
+      <p:nvGrpSpPr>
+        <p:cNvPr id="1" name=""/>
+        <p:cNvGrpSpPr/>
+        <p:nvPr/>
+      </p:nvGrpSpPr>
+      <p:grpSpPr>
+        <a:xfrm>
+          <a:off x="0" y="0"/>
+          <a:ext cx="0" cy="0"/>
+          <a:chOff x="0" y="0"/>
+          <a:chExt cx="0" cy="0"/>
+        </a:xfrm>
+      </p:grpSpPr>
+      <p:sp>
+        <p:nvSpPr>
+          <p:cNvPr id="4" name="Date Placeholder 3"/>
+          <p:cNvSpPr>
+            <a:spLocks noGrp="1"/>
+          </p:cNvSpPr>
+          <p:nvPr>
+            <p:ph type="dt" sz="half" idx="10"/>
+          </p:nvPr>
+        </p:nvSpPr>
+        <p:spPr/>
+        <p:txBody>
+          <a:bodyPr/>
+          <a:lstStyle/>
+          <a:p>
+            <a:fld id="{05229871-6294-4FDC-ADFB-03568C29F7D6}" type="datetime1">
+              <a:rPr lang="en-US" smtClean="0"/>
+              <a:t>26-Oct-21</a:t>
+            </a:fld>
+            <a:endParaRPr lang="en-US"/>
+          </a:p>
+        </p:txBody>
+      </p:sp>
+      <p:sp>
+        <p:nvSpPr>
+          <p:cNvPr id="5" name="Footer Placeholder 4"/>
+          <p:cNvSpPr>
+            <a:spLocks noGrp="1"/>
+          </p:cNvSpPr>
+          <p:nvPr>
+            <p:ph type="ftr" sz="quarter" idx="11"/>
+          </p:nvPr>
+        </p:nvSpPr>
+        <p:spPr/>
+        <p:txBody>
+          <a:bodyPr/>
+          <a:lstStyle/>
+          <a:p>
+            <a:r>
+              <a:rPr lang="en-US" smtClean="0"/>
+              <a:t>Dept. of ECE, NMIT, Bangalore-64</a:t>
+            </a:r>
+            <a:endParaRPr lang="en-US"/>
+          </a:p>
+        </p:txBody>
+      </p:sp>
+      <p:sp>
+        <p:nvSpPr>
+          <p:cNvPr id="6" name="Slide Number Placeholder 5"/>
+          <p:cNvSpPr>
+            <a:spLocks noGrp="1"/>
+          </p:cNvSpPr>
+          <p:nvPr>
+            <p:ph type="sldNum" sz="quarter" idx="12"/>
+          </p:nvPr>
+        </p:nvSpPr>
+        <p:spPr/>
+        <p:txBody>
+          <a:bodyPr/>
+          <a:lstStyle/>
+          <a:p>
+            <a:fld id="{B6F15528-21DE-4FAA-801E-634DDDAF4B2B}" type="slidenum">
+              <a:rPr lang="en-US" smtClean="0"/>
+              <a:pPr/>
+              <a:t>23</a:t>
+            </a:fld>
+            <a:endParaRPr lang="en-US"/>
+          </a:p>
+        </p:txBody>
+      </p:sp>
+      <p:sp>
+        <p:nvSpPr>
+          <p:cNvPr id="7" name="Rectangle 6"/>
+          <p:cNvSpPr/>
+          <p:nvPr/>
+        </p:nvSpPr>
+        <p:spPr>
+          <a:xfrm>
+            <a:off x="1703687" y="2211752"/>
+            <a:ext cx="5736623" cy="1323439"/>
+          </a:xfrm>
+          <a:prstGeom prst="rect">
+            <a:avLst/>
+          </a:prstGeom>
+          <a:noFill/>
+        </p:spPr>
+        <p:txBody>
+          <a:bodyPr wrap="square" lIns="91440" tIns="45720" rIns="91440" bIns="45720">
+            <a:spAutoFit/>
+          </a:bodyPr>
+          <a:lstStyle/>
+          <a:p>
+            <a:pPr algn="ctr"/>
+            <a:r>
+              <a:rPr lang="en-US" sz="8000" b="0" cap="none" spc="0" dirty="0" smtClean="0">
+                <a:ln w="0"/>
+                <a:gradFill>
+                  <a:gsLst>
+                    <a:gs pos="0">
+                      <a:schemeClr val="accent5">
+                        <a:lumMod val="50000"/>
+                      </a:schemeClr>
+                    </a:gs>
+                    <a:gs pos="50000">
+                      <a:schemeClr val="accent5"/>
+                    </a:gs>
+                    <a:gs pos="100000">
+                      <a:schemeClr val="accent5">
+                        <a:lumMod val="60000"/>
+                        <a:lumOff val="40000"/>
+                      </a:schemeClr>
+                    </a:gs>
+                  </a:gsLst>
+                  <a:lin ang="5400000"/>
+                </a:gradFill>
+                <a:effectLst>
+                  <a:reflection blurRad="6350" stA="53000" endA="300" endPos="35500" dir="5400000" sy="-90000" algn="bl" rotWithShape="0"/>
+                </a:effectLst>
+              </a:rPr>
+              <a:t>Thank You</a:t>
+            </a:r>
+            <a:endParaRPr lang="en-US" sz="8000" b="0" cap="none" spc="0" dirty="0">
+              <a:ln w="0"/>
+              <a:gradFill>
+                <a:gsLst>
+                  <a:gs pos="0">
+                    <a:schemeClr val="accent5">
+                      <a:lumMod val="50000"/>
+                    </a:schemeClr>
+                  </a:gs>
+                  <a:gs pos="50000">
+                    <a:schemeClr val="accent5"/>
+                  </a:gs>
+                  <a:gs pos="100000">
+                    <a:schemeClr val="accent5">
+                      <a:lumMod val="60000"/>
+                      <a:lumOff val="40000"/>
+                    </a:schemeClr>
+                  </a:gs>
+                </a:gsLst>
+                <a:lin ang="5400000"/>
+              </a:gradFill>
+              <a:effectLst>
+                <a:reflection blurRad="6350" stA="53000" endA="300" endPos="35500" dir="5400000" sy="-90000" algn="bl" rotWithShape="0"/>
+              </a:effectLst>
+            </a:endParaRPr>
+          </a:p>
+        </p:txBody>
+      </p:sp>
+    </p:spTree>
+    <p:extLst>
+      <p:ext uri="{BB962C8B-B14F-4D97-AF65-F5344CB8AC3E}">
+        <p14:creationId xmlns:p14="http://schemas.microsoft.com/office/powerpoint/2010/main" val="3540767539"/>
+      </p:ext>
+    </p:extLst>
+  </p:cSld>
+  <p:clrMapOvr>
+    <a:masterClrMapping/>
+  </p:clrMapOvr>
+  <p:timing>
+    <p:tnLst>
+      <p:par>
+        <p:cTn id="1" dur="indefinite" restart="never" nodeType="tmRoot">
+          <p:childTnLst>
+            <p:seq concurrent="1" nextAc="seek">
+              <p:cTn id="2" dur="indefinite" nodeType="mainSeq">
+                <p:childTnLst>
+                  <p:par>
+                    <p:cTn id="3" fill="hold">
+                      <p:stCondLst>
+                        <p:cond delay="indefinite"/>
+                        <p:cond evt="onBegin" delay="0">
+                          <p:tn val="2"/>
+                        </p:cond>
+                      </p:stCondLst>
+                      <p:childTnLst>
+                        <p:par>
+                          <p:cTn id="4" fill="hold">
+                            <p:stCondLst>
+                              <p:cond delay="0"/>
+                            </p:stCondLst>
+                            <p:childTnLst>
+                              <p:par>
+                                <p:cTn id="5" presetID="45" presetClass="entr" presetSubtype="0" fill="hold" grpId="0" nodeType="withEffect">
+                                  <p:stCondLst>
+                                    <p:cond delay="0"/>
+                                  </p:stCondLst>
+                                  <p:childTnLst>
+                                    <p:set>
+                                      <p:cBhvr>
+                                        <p:cTn id="6" dur="1" fill="hold">
+                                          <p:stCondLst>
+                                            <p:cond delay="0"/>
+                                          </p:stCondLst>
+                                        </p:cTn>
+                                        <p:tgtEl>
+                                          <p:spTgt spid="7"/>
+                                        </p:tgtEl>
+                                        <p:attrNameLst>
+                                          <p:attrName>style.visibility</p:attrName>
+                                        </p:attrNameLst>
+                                      </p:cBhvr>
+                                      <p:to>
+                                        <p:strVal val="visible"/>
+                                      </p:to>
+                                    </p:set>
+                                    <p:animEffect transition="in" filter="fade">
+                                      <p:cBhvr>
+                                        <p:cTn id="7" dur="2000"/>
+                                        <p:tgtEl>
+                                          <p:spTgt spid="7"/>
+                                        </p:tgtEl>
+                                      </p:cBhvr>
+                                    </p:animEffect>
+                                    <p:anim calcmode="lin" valueType="num">
+                                      <p:cBhvr>
+                                        <p:cTn id="8" dur="2000" fill="hold"/>
+                                        <p:tgtEl>
+                                          <p:spTgt spid="7"/>
+                                        </p:tgtEl>
+                                        <p:attrNameLst>
+                                          <p:attrName>ppt_w</p:attrName>
+                                        </p:attrNameLst>
+                                      </p:cBhvr>
+                                      <p:tavLst>
+                                        <p:tav tm="0" fmla="#ppt_w*sin(2.5*pi*$)">
+                                          <p:val>
+                                            <p:fltVal val="0"/>
+                                          </p:val>
+                                        </p:tav>
+                                        <p:tav tm="100000">
+                                          <p:val>
+                                            <p:fltVal val="1"/>
+                                          </p:val>
+                                        </p:tav>
+                                      </p:tavLst>
+                                    </p:anim>
+                                    <p:anim calcmode="lin" valueType="num">
+                                      <p:cBhvr>
+                                        <p:cTn id="9" dur="2000" fill="hold"/>
+                                        <p:tgtEl>
+                                          <p:spTgt spid="7"/>
+                                        </p:tgtEl>
+                                        <p:attrNameLst>
+                                          <p:attrName>ppt_h</p:attrName>
+                                        </p:attrNameLst>
+                                      </p:cBhvr>
+                                      <p:tavLst>
+                                        <p:tav tm="0">
+                                          <p:val>
+                                            <p:strVal val="#ppt_h"/>
+                                          </p:val>
+                                        </p:tav>
+                                        <p:tav tm="100000">
+                                          <p:val>
+                                            <p:strVal val="#ppt_h"/>
+                                          </p:val>
+                                        </p:tav>
+                                      </p:tavLst>
+                                    </p:anim>
+                                  </p:childTnLst>
+                                </p:cTn>
+                              </p:par>
+                            </p:childTnLst>
+                          </p:cTn>
+                        </p:par>
+                      </p:childTnLst>
+                    </p:cTn>
+                  </p:par>
+                </p:childTnLst>
+              </p:cTn>
+              <p:prevCondLst>
+                <p:cond evt="onPrev" delay="0">
+                  <p:tgtEl>
+                    <p:sldTgt/>
+                  </p:tgtEl>
+                </p:cond>
+              </p:prevCondLst>
+              <p:nextCondLst>
+                <p:cond evt="onNext" delay="0">
+                  <p:tgtEl>
+                    <p:sldTgt/>
+                  </p:tgtEl>
+                </p:cond>
+              </p:nextCondLst>
+            </p:seq>
+          </p:childTnLst>
+        </p:cTn>
+      </p:par>
+    </p:tnLst>
+    <p:bldLst>
+      <p:bldP spid="7" grpId="0"/>
+    </p:bldLst>
+  </p:timing>
+</p:sld>
+</file>
+
 <file path=ppt/slides/slide3.xml><?xml version="1.0" encoding="utf-8"?>
 <p:sld xmlns:a="http://schemas.openxmlformats.org/drawingml/2006/main" xmlns:r="http://schemas.openxmlformats.org/officeDocument/2006/relationships" xmlns:p="http://schemas.openxmlformats.org/presentationml/2006/main">
   <p:cSld>
@@ -13185,7 +13565,7 @@
           <p:cNvPr id="5" name="Footer Placeholder 4">
             <a:extLst>
               <a:ext uri="{FF2B5EF4-FFF2-40B4-BE49-F238E27FC236}">
-                <a16:creationId xmlns="" xmlns:a16="http://schemas.microsoft.com/office/drawing/2014/main" id="{94F76D2A-D755-4BD1-9236-1FBDA8B544CB}"/>
+                <a16:creationId xmlns:a16="http://schemas.microsoft.com/office/drawing/2014/main" xmlns="" id="{94F76D2A-D755-4BD1-9236-1FBDA8B544CB}"/>
               </a:ext>
             </a:extLst>
           </p:cNvPr>
@@ -13213,7 +13593,7 @@
           <p:cNvPr id="6" name="Slide Number Placeholder 5">
             <a:extLst>
               <a:ext uri="{FF2B5EF4-FFF2-40B4-BE49-F238E27FC236}">
-                <a16:creationId xmlns="" xmlns:a16="http://schemas.microsoft.com/office/drawing/2014/main" id="{751C6CAB-D118-4A59-A5FF-1BD87857B1F4}"/>
+                <a16:creationId xmlns:a16="http://schemas.microsoft.com/office/drawing/2014/main" xmlns="" id="{751C6CAB-D118-4A59-A5FF-1BD87857B1F4}"/>
               </a:ext>
             </a:extLst>
           </p:cNvPr>
@@ -13243,7 +13623,7 @@
           <p:cNvPr id="9" name="Rectangle 8">
             <a:extLst>
               <a:ext uri="{FF2B5EF4-FFF2-40B4-BE49-F238E27FC236}">
-                <a16:creationId xmlns="" xmlns:a16="http://schemas.microsoft.com/office/drawing/2014/main" id="{B7912E41-6B3C-4A45-85F4-BC64F00F4F49}"/>
+                <a16:creationId xmlns:a16="http://schemas.microsoft.com/office/drawing/2014/main" xmlns="" id="{B7912E41-6B3C-4A45-85F4-BC64F00F4F49}"/>
               </a:ext>
             </a:extLst>
           </p:cNvPr>
@@ -13281,7 +13661,7 @@
           <p:cNvPr id="10" name="Rectangle 9">
             <a:extLst>
               <a:ext uri="{FF2B5EF4-FFF2-40B4-BE49-F238E27FC236}">
-                <a16:creationId xmlns="" xmlns:a16="http://schemas.microsoft.com/office/drawing/2014/main" id="{77CAF576-6446-4093-8D69-86D0A12BD6E1}"/>
+                <a16:creationId xmlns:a16="http://schemas.microsoft.com/office/drawing/2014/main" xmlns="" id="{77CAF576-6446-4093-8D69-86D0A12BD6E1}"/>
               </a:ext>
             </a:extLst>
           </p:cNvPr>
@@ -13362,7 +13742,7 @@
           <p:cNvPr id="18" name="Content Placeholder 17">
             <a:extLst>
               <a:ext uri="{FF2B5EF4-FFF2-40B4-BE49-F238E27FC236}">
-                <a16:creationId xmlns="" xmlns:a16="http://schemas.microsoft.com/office/drawing/2014/main" id="{F6633F0C-40DF-4C0D-82AC-D4603EEE60BB}"/>
+                <a16:creationId xmlns:a16="http://schemas.microsoft.com/office/drawing/2014/main" xmlns="" id="{F6633F0C-40DF-4C0D-82AC-D4603EEE60BB}"/>
               </a:ext>
             </a:extLst>
           </p:cNvPr>
@@ -13397,7 +13777,7 @@
           <p:cNvPr id="20" name="Picture 19">
             <a:extLst>
               <a:ext uri="{FF2B5EF4-FFF2-40B4-BE49-F238E27FC236}">
-                <a16:creationId xmlns="" xmlns:a16="http://schemas.microsoft.com/office/drawing/2014/main" id="{E6765A6B-DEDC-44FE-AFB1-7C1E22F66944}"/>
+                <a16:creationId xmlns:a16="http://schemas.microsoft.com/office/drawing/2014/main" xmlns="" id="{E6765A6B-DEDC-44FE-AFB1-7C1E22F66944}"/>
               </a:ext>
             </a:extLst>
           </p:cNvPr>
@@ -13433,7 +13813,7 @@
           <p:cNvPr id="22" name="Picture 21">
             <a:extLst>
               <a:ext uri="{FF2B5EF4-FFF2-40B4-BE49-F238E27FC236}">
-                <a16:creationId xmlns="" xmlns:a16="http://schemas.microsoft.com/office/drawing/2014/main" id="{4205A1F5-568D-49B4-A017-13295C1807F9}"/>
+                <a16:creationId xmlns:a16="http://schemas.microsoft.com/office/drawing/2014/main" xmlns="" id="{4205A1F5-568D-49B4-A017-13295C1807F9}"/>
               </a:ext>
             </a:extLst>
           </p:cNvPr>
@@ -13469,7 +13849,7 @@
           <p:cNvPr id="24" name="Picture 23">
             <a:extLst>
               <a:ext uri="{FF2B5EF4-FFF2-40B4-BE49-F238E27FC236}">
-                <a16:creationId xmlns="" xmlns:a16="http://schemas.microsoft.com/office/drawing/2014/main" id="{75483FCB-9A42-45BB-8261-D568072CB8A5}"/>
+                <a16:creationId xmlns:a16="http://schemas.microsoft.com/office/drawing/2014/main" xmlns="" id="{75483FCB-9A42-45BB-8261-D568072CB8A5}"/>
               </a:ext>
             </a:extLst>
           </p:cNvPr>
@@ -13505,7 +13885,7 @@
           <p:cNvPr id="33" name="Rectangle 32">
             <a:extLst>
               <a:ext uri="{FF2B5EF4-FFF2-40B4-BE49-F238E27FC236}">
-                <a16:creationId xmlns="" xmlns:a16="http://schemas.microsoft.com/office/drawing/2014/main" id="{EF4F77E9-7009-49B6-98AF-2EBBAEADCC9D}"/>
+                <a16:creationId xmlns:a16="http://schemas.microsoft.com/office/drawing/2014/main" xmlns="" id="{EF4F77E9-7009-49B6-98AF-2EBBAEADCC9D}"/>
               </a:ext>
             </a:extLst>
           </p:cNvPr>
@@ -13543,7 +13923,7 @@
           <p:cNvPr id="34" name="Rectangle 33">
             <a:extLst>
               <a:ext uri="{FF2B5EF4-FFF2-40B4-BE49-F238E27FC236}">
-                <a16:creationId xmlns="" xmlns:a16="http://schemas.microsoft.com/office/drawing/2014/main" id="{EC14AF26-1FFB-4708-8381-73CC15BD712E}"/>
+                <a16:creationId xmlns:a16="http://schemas.microsoft.com/office/drawing/2014/main" xmlns="" id="{EC14AF26-1FFB-4708-8381-73CC15BD712E}"/>
               </a:ext>
             </a:extLst>
           </p:cNvPr>
@@ -13599,7 +13979,7 @@
           <p:cNvPr id="35" name="Rectangle 34">
             <a:extLst>
               <a:ext uri="{FF2B5EF4-FFF2-40B4-BE49-F238E27FC236}">
-                <a16:creationId xmlns="" xmlns:a16="http://schemas.microsoft.com/office/drawing/2014/main" id="{CAA9C0DD-C44F-470C-80AA-236BCD830B95}"/>
+                <a16:creationId xmlns:a16="http://schemas.microsoft.com/office/drawing/2014/main" xmlns="" id="{CAA9C0DD-C44F-470C-80AA-236BCD830B95}"/>
               </a:ext>
             </a:extLst>
           </p:cNvPr>
@@ -13655,7 +14035,7 @@
           <p:cNvPr id="36" name="Rectangle 35">
             <a:extLst>
               <a:ext uri="{FF2B5EF4-FFF2-40B4-BE49-F238E27FC236}">
-                <a16:creationId xmlns="" xmlns:a16="http://schemas.microsoft.com/office/drawing/2014/main" id="{295CFA09-A69C-4D90-9344-DA4D42504099}"/>
+                <a16:creationId xmlns:a16="http://schemas.microsoft.com/office/drawing/2014/main" xmlns="" id="{295CFA09-A69C-4D90-9344-DA4D42504099}"/>
               </a:ext>
             </a:extLst>
           </p:cNvPr>
@@ -15072,7 +15452,11 @@
             <a:pPr algn="ctr"/>
             <a:r>
               <a:rPr lang="en-US" sz="1600" dirty="0" smtClean="0"/>
-              <a:t>IPv6 /IPv4 Datagram</a:t>
+              <a:t>IPv6 /</a:t>
+            </a:r>
+            <a:r>
+              <a:rPr lang="en-US" sz="1600" dirty="0" smtClean="0"/>
+              <a:t>IPv4 Packet</a:t>
             </a:r>
             <a:endParaRPr lang="en-US" sz="1600" dirty="0"/>
           </a:p>
@@ -15292,7 +15676,11 @@
             <a:pPr algn="ctr"/>
             <a:r>
               <a:rPr lang="en-US" sz="1600" dirty="0" smtClean="0"/>
-              <a:t>IPv4 Datagram</a:t>
+              <a:t>IPv4 </a:t>
+            </a:r>
+            <a:r>
+              <a:rPr lang="en-US" sz="1600" dirty="0" smtClean="0"/>
+              <a:t>Packet</a:t>
             </a:r>
             <a:endParaRPr lang="en-US" sz="1600" dirty="0"/>
           </a:p>
@@ -16185,7 +16573,7 @@
             <a:pPr algn="ctr"/>
             <a:r>
               <a:rPr lang="en-US" sz="1600" dirty="0" smtClean="0"/>
-              <a:t>IPv6 Datagram</a:t>
+              <a:t>IPv6 Packet</a:t>
             </a:r>
             <a:endParaRPr lang="en-US" sz="1600" dirty="0"/>
           </a:p>
@@ -16273,7 +16661,15 @@
             <a:pPr algn="ctr"/>
             <a:r>
               <a:rPr lang="en-US" sz="1600" dirty="0" smtClean="0"/>
-              <a:t>UDP /UDP Segment</a:t>
+              <a:t>TC</a:t>
+            </a:r>
+            <a:r>
+              <a:rPr lang="en-US" sz="1600" dirty="0" smtClean="0"/>
+              <a:t>P </a:t>
+            </a:r>
+            <a:r>
+              <a:rPr lang="en-US" sz="1600" dirty="0" smtClean="0"/>
+              <a:t>/UDP Segment</a:t>
             </a:r>
             <a:endParaRPr lang="en-US" sz="1600" dirty="0"/>
           </a:p>
@@ -19306,7 +19702,7 @@
           <p:cNvPr id="23" name="Title 1">
             <a:extLst>
               <a:ext uri="{FF2B5EF4-FFF2-40B4-BE49-F238E27FC236}">
-                <a16:creationId xmlns:a16="http://schemas.microsoft.com/office/drawing/2014/main" xmlns="" id="{AAF6F632-8336-4AB6-B807-330DA1AA4529}"/>
+                <a16:creationId xmlns="" xmlns:a16="http://schemas.microsoft.com/office/drawing/2014/main" id="{AAF6F632-8336-4AB6-B807-330DA1AA4529}"/>
               </a:ext>
             </a:extLst>
           </p:cNvPr>
@@ -19348,7 +19744,7 @@
           <p:cNvPr id="64" name="Slide Number Placeholder 5">
             <a:extLst>
               <a:ext uri="{FF2B5EF4-FFF2-40B4-BE49-F238E27FC236}">
-                <a16:creationId xmlns="" xmlns:a16="http://schemas.microsoft.com/office/drawing/2014/main" id="{751C6CAB-D118-4A59-A5FF-1BD87857B1F4}"/>
+                <a16:creationId xmlns:a16="http://schemas.microsoft.com/office/drawing/2014/main" xmlns="" id="{751C6CAB-D118-4A59-A5FF-1BD87857B1F4}"/>
               </a:ext>
             </a:extLst>
           </p:cNvPr>
@@ -19480,7 +19876,7 @@
           <p:cNvPr id="63" name="Rectangle: Rounded Corners 4">
             <a:extLst>
               <a:ext uri="{FF2B5EF4-FFF2-40B4-BE49-F238E27FC236}">
-                <a16:creationId xmlns:a16="http://schemas.microsoft.com/office/drawing/2014/main" xmlns="" id="{9A88568F-3506-42A8-931B-789BFAB25304}"/>
+                <a16:creationId xmlns="" xmlns:a16="http://schemas.microsoft.com/office/drawing/2014/main" id="{9A88568F-3506-42A8-931B-789BFAB25304}"/>
               </a:ext>
             </a:extLst>
           </p:cNvPr>
@@ -19528,7 +19924,7 @@
           <p:cNvPr id="65" name="Rectangle: Rounded Corners 5">
             <a:extLst>
               <a:ext uri="{FF2B5EF4-FFF2-40B4-BE49-F238E27FC236}">
-                <a16:creationId xmlns:a16="http://schemas.microsoft.com/office/drawing/2014/main" xmlns="" id="{655FBC90-9E52-4109-A8E4-67809B471C8B}"/>
+                <a16:creationId xmlns="" xmlns:a16="http://schemas.microsoft.com/office/drawing/2014/main" id="{655FBC90-9E52-4109-A8E4-67809B471C8B}"/>
               </a:ext>
             </a:extLst>
           </p:cNvPr>
@@ -19576,7 +19972,7 @@
           <p:cNvPr id="71" name="Rectangle 70">
             <a:extLst>
               <a:ext uri="{FF2B5EF4-FFF2-40B4-BE49-F238E27FC236}">
-                <a16:creationId xmlns:a16="http://schemas.microsoft.com/office/drawing/2014/main" xmlns="" id="{2B7C2FAC-A911-4563-990C-E9258B7E8A95}"/>
+                <a16:creationId xmlns="" xmlns:a16="http://schemas.microsoft.com/office/drawing/2014/main" id="{2B7C2FAC-A911-4563-990C-E9258B7E8A95}"/>
               </a:ext>
             </a:extLst>
           </p:cNvPr>
@@ -19624,7 +20020,7 @@
           <p:cNvPr id="72" name="Rectangle 71">
             <a:extLst>
               <a:ext uri="{FF2B5EF4-FFF2-40B4-BE49-F238E27FC236}">
-                <a16:creationId xmlns:a16="http://schemas.microsoft.com/office/drawing/2014/main" xmlns="" id="{D1C473AB-09A9-43A5-BDB3-D6F2BF39265E}"/>
+                <a16:creationId xmlns="" xmlns:a16="http://schemas.microsoft.com/office/drawing/2014/main" id="{D1C473AB-09A9-43A5-BDB3-D6F2BF39265E}"/>
               </a:ext>
             </a:extLst>
           </p:cNvPr>
@@ -19668,7 +20064,7 @@
           <p:cNvPr id="74" name="Rectangle: Rounded Corners 11">
             <a:extLst>
               <a:ext uri="{FF2B5EF4-FFF2-40B4-BE49-F238E27FC236}">
-                <a16:creationId xmlns:a16="http://schemas.microsoft.com/office/drawing/2014/main" xmlns="" id="{54559BF4-36E1-42A4-A0EA-2ED4747FC802}"/>
+                <a16:creationId xmlns="" xmlns:a16="http://schemas.microsoft.com/office/drawing/2014/main" id="{54559BF4-36E1-42A4-A0EA-2ED4747FC802}"/>
               </a:ext>
             </a:extLst>
           </p:cNvPr>
@@ -19720,7 +20116,7 @@
           <p:cNvPr id="75" name="Rectangle: Rounded Corners 12">
             <a:extLst>
               <a:ext uri="{FF2B5EF4-FFF2-40B4-BE49-F238E27FC236}">
-                <a16:creationId xmlns:a16="http://schemas.microsoft.com/office/drawing/2014/main" xmlns="" id="{978C6357-97C1-41A6-8BC2-7509160C4E00}"/>
+                <a16:creationId xmlns="" xmlns:a16="http://schemas.microsoft.com/office/drawing/2014/main" id="{978C6357-97C1-41A6-8BC2-7509160C4E00}"/>
               </a:ext>
             </a:extLst>
           </p:cNvPr>
@@ -19768,7 +20164,7 @@
           <p:cNvPr id="76" name="Rectangle 75">
             <a:extLst>
               <a:ext uri="{FF2B5EF4-FFF2-40B4-BE49-F238E27FC236}">
-                <a16:creationId xmlns:a16="http://schemas.microsoft.com/office/drawing/2014/main" xmlns="" id="{35570A7C-424C-4FD7-926E-9AFB536B600C}"/>
+                <a16:creationId xmlns="" xmlns:a16="http://schemas.microsoft.com/office/drawing/2014/main" id="{35570A7C-424C-4FD7-926E-9AFB536B600C}"/>
               </a:ext>
             </a:extLst>
           </p:cNvPr>
@@ -19827,7 +20223,7 @@
           <p:cNvPr id="77" name="Rectangle: Rounded Corners 14">
             <a:extLst>
               <a:ext uri="{FF2B5EF4-FFF2-40B4-BE49-F238E27FC236}">
-                <a16:creationId xmlns:a16="http://schemas.microsoft.com/office/drawing/2014/main" xmlns="" id="{15B030CD-4A12-440A-9647-10A73D78D47D}"/>
+                <a16:creationId xmlns="" xmlns:a16="http://schemas.microsoft.com/office/drawing/2014/main" id="{15B030CD-4A12-440A-9647-10A73D78D47D}"/>
               </a:ext>
             </a:extLst>
           </p:cNvPr>
@@ -19877,7 +20273,7 @@
           <p:cNvPr id="78" name="Rectangle: Rounded Corners 16">
             <a:extLst>
               <a:ext uri="{FF2B5EF4-FFF2-40B4-BE49-F238E27FC236}">
-                <a16:creationId xmlns:a16="http://schemas.microsoft.com/office/drawing/2014/main" xmlns="" id="{F742DB85-EAF7-45F9-8FAB-0065EBFFBBCD}"/>
+                <a16:creationId xmlns="" xmlns:a16="http://schemas.microsoft.com/office/drawing/2014/main" id="{F742DB85-EAF7-45F9-8FAB-0065EBFFBBCD}"/>
               </a:ext>
             </a:extLst>
           </p:cNvPr>
@@ -19931,7 +20327,7 @@
           <p:cNvPr id="79" name="Arrow: Down 20">
             <a:extLst>
               <a:ext uri="{FF2B5EF4-FFF2-40B4-BE49-F238E27FC236}">
-                <a16:creationId xmlns:a16="http://schemas.microsoft.com/office/drawing/2014/main" xmlns="" id="{2A8AC732-ED5C-4256-BD90-19535E902FA8}"/>
+                <a16:creationId xmlns="" xmlns:a16="http://schemas.microsoft.com/office/drawing/2014/main" id="{2A8AC732-ED5C-4256-BD90-19535E902FA8}"/>
               </a:ext>
             </a:extLst>
           </p:cNvPr>
@@ -19977,7 +20373,7 @@
           <p:cNvPr id="80" name="Arrow: Down 22">
             <a:extLst>
               <a:ext uri="{FF2B5EF4-FFF2-40B4-BE49-F238E27FC236}">
-                <a16:creationId xmlns:a16="http://schemas.microsoft.com/office/drawing/2014/main" xmlns="" id="{ADADAB2D-626A-4766-93A1-17DBBC3C6E5F}"/>
+                <a16:creationId xmlns="" xmlns:a16="http://schemas.microsoft.com/office/drawing/2014/main" id="{ADADAB2D-626A-4766-93A1-17DBBC3C6E5F}"/>
               </a:ext>
             </a:extLst>
           </p:cNvPr>
@@ -20023,7 +20419,7 @@
           <p:cNvPr id="81" name="Arrow: Down 23">
             <a:extLst>
               <a:ext uri="{FF2B5EF4-FFF2-40B4-BE49-F238E27FC236}">
-                <a16:creationId xmlns:a16="http://schemas.microsoft.com/office/drawing/2014/main" xmlns="" id="{E9194813-4515-4281-B00D-64D51A09A079}"/>
+                <a16:creationId xmlns="" xmlns:a16="http://schemas.microsoft.com/office/drawing/2014/main" id="{E9194813-4515-4281-B00D-64D51A09A079}"/>
               </a:ext>
             </a:extLst>
           </p:cNvPr>
@@ -20069,7 +20465,7 @@
           <p:cNvPr id="82" name="Arrow: Down 25">
             <a:extLst>
               <a:ext uri="{FF2B5EF4-FFF2-40B4-BE49-F238E27FC236}">
-                <a16:creationId xmlns:a16="http://schemas.microsoft.com/office/drawing/2014/main" xmlns="" id="{982FC2D7-F7DF-4CA7-870B-37E6AEBAE44A}"/>
+                <a16:creationId xmlns="" xmlns:a16="http://schemas.microsoft.com/office/drawing/2014/main" id="{982FC2D7-F7DF-4CA7-870B-37E6AEBAE44A}"/>
               </a:ext>
             </a:extLst>
           </p:cNvPr>
@@ -20115,7 +20511,7 @@
           <p:cNvPr id="83" name="Arrow: Down 26">
             <a:extLst>
               <a:ext uri="{FF2B5EF4-FFF2-40B4-BE49-F238E27FC236}">
-                <a16:creationId xmlns:a16="http://schemas.microsoft.com/office/drawing/2014/main" xmlns="" id="{D5EE1D55-C12B-47A5-8BED-BEFCC9AF2278}"/>
+                <a16:creationId xmlns="" xmlns:a16="http://schemas.microsoft.com/office/drawing/2014/main" id="{D5EE1D55-C12B-47A5-8BED-BEFCC9AF2278}"/>
               </a:ext>
             </a:extLst>
           </p:cNvPr>
@@ -20161,7 +20557,7 @@
           <p:cNvPr id="84" name="Arrow: Down 27">
             <a:extLst>
               <a:ext uri="{FF2B5EF4-FFF2-40B4-BE49-F238E27FC236}">
-                <a16:creationId xmlns:a16="http://schemas.microsoft.com/office/drawing/2014/main" xmlns="" id="{BDD43A48-5666-4DFF-B682-41477267978C}"/>
+                <a16:creationId xmlns="" xmlns:a16="http://schemas.microsoft.com/office/drawing/2014/main" id="{BDD43A48-5666-4DFF-B682-41477267978C}"/>
               </a:ext>
             </a:extLst>
           </p:cNvPr>
@@ -20207,7 +20603,7 @@
           <p:cNvPr id="85" name="Arrow: Down 28">
             <a:extLst>
               <a:ext uri="{FF2B5EF4-FFF2-40B4-BE49-F238E27FC236}">
-                <a16:creationId xmlns:a16="http://schemas.microsoft.com/office/drawing/2014/main" xmlns="" id="{E0B3D283-F88B-4413-AD5D-8F79BF783EC3}"/>
+                <a16:creationId xmlns="" xmlns:a16="http://schemas.microsoft.com/office/drawing/2014/main" id="{E0B3D283-F88B-4413-AD5D-8F79BF783EC3}"/>
               </a:ext>
             </a:extLst>
           </p:cNvPr>
@@ -20253,7 +20649,7 @@
           <p:cNvPr id="86" name="Arrow: Down 29">
             <a:extLst>
               <a:ext uri="{FF2B5EF4-FFF2-40B4-BE49-F238E27FC236}">
-                <a16:creationId xmlns:a16="http://schemas.microsoft.com/office/drawing/2014/main" xmlns="" id="{08E15A71-991D-4B13-8C19-4081A38F2393}"/>
+                <a16:creationId xmlns="" xmlns:a16="http://schemas.microsoft.com/office/drawing/2014/main" id="{08E15A71-991D-4B13-8C19-4081A38F2393}"/>
               </a:ext>
             </a:extLst>
           </p:cNvPr>
@@ -20299,7 +20695,7 @@
           <p:cNvPr id="87" name="Rectangle 86">
             <a:extLst>
               <a:ext uri="{FF2B5EF4-FFF2-40B4-BE49-F238E27FC236}">
-                <a16:creationId xmlns:a16="http://schemas.microsoft.com/office/drawing/2014/main" xmlns="" id="{B774742B-7074-4291-A829-6889310C9BB3}"/>
+                <a16:creationId xmlns="" xmlns:a16="http://schemas.microsoft.com/office/drawing/2014/main" id="{B774742B-7074-4291-A829-6889310C9BB3}"/>
               </a:ext>
             </a:extLst>
           </p:cNvPr>
@@ -20345,7 +20741,7 @@
           <p:cNvPr id="88" name="Rectangle 87">
             <a:extLst>
               <a:ext uri="{FF2B5EF4-FFF2-40B4-BE49-F238E27FC236}">
-                <a16:creationId xmlns:a16="http://schemas.microsoft.com/office/drawing/2014/main" xmlns="" id="{EA39C89B-E40B-45A2-8052-34B4F4B1579C}"/>
+                <a16:creationId xmlns="" xmlns:a16="http://schemas.microsoft.com/office/drawing/2014/main" id="{EA39C89B-E40B-45A2-8052-34B4F4B1579C}"/>
               </a:ext>
             </a:extLst>
           </p:cNvPr>
@@ -20391,7 +20787,7 @@
           <p:cNvPr id="89" name="Rectangle 88">
             <a:extLst>
               <a:ext uri="{FF2B5EF4-FFF2-40B4-BE49-F238E27FC236}">
-                <a16:creationId xmlns:a16="http://schemas.microsoft.com/office/drawing/2014/main" xmlns="" id="{DE1694FA-A127-4B35-9B2E-11275483295A}"/>
+                <a16:creationId xmlns="" xmlns:a16="http://schemas.microsoft.com/office/drawing/2014/main" id="{DE1694FA-A127-4B35-9B2E-11275483295A}"/>
               </a:ext>
             </a:extLst>
           </p:cNvPr>
@@ -20437,7 +20833,7 @@
           <p:cNvPr id="90" name="Connector: Elbow 34">
             <a:extLst>
               <a:ext uri="{FF2B5EF4-FFF2-40B4-BE49-F238E27FC236}">
-                <a16:creationId xmlns:a16="http://schemas.microsoft.com/office/drawing/2014/main" xmlns="" id="{01C00284-218B-4CFC-9C33-D7D270E6B655}"/>
+                <a16:creationId xmlns="" xmlns:a16="http://schemas.microsoft.com/office/drawing/2014/main" id="{01C00284-218B-4CFC-9C33-D7D270E6B655}"/>
               </a:ext>
             </a:extLst>
           </p:cNvPr>
@@ -20479,7 +20875,7 @@
           <p:cNvPr id="91" name="Rectangle: Rounded Corners 36">
             <a:extLst>
               <a:ext uri="{FF2B5EF4-FFF2-40B4-BE49-F238E27FC236}">
-                <a16:creationId xmlns:a16="http://schemas.microsoft.com/office/drawing/2014/main" xmlns="" id="{DEDA321E-F053-4CA0-A26A-553C97EE7927}"/>
+                <a16:creationId xmlns="" xmlns:a16="http://schemas.microsoft.com/office/drawing/2014/main" id="{DEDA321E-F053-4CA0-A26A-553C97EE7927}"/>
               </a:ext>
             </a:extLst>
           </p:cNvPr>
@@ -20529,7 +20925,7 @@
           <p:cNvPr id="92" name="Arrow: Left-Right 37">
             <a:extLst>
               <a:ext uri="{FF2B5EF4-FFF2-40B4-BE49-F238E27FC236}">
-                <a16:creationId xmlns:a16="http://schemas.microsoft.com/office/drawing/2014/main" xmlns="" id="{011446B9-41DD-49E6-8DC4-4E4DF60E86E5}"/>
+                <a16:creationId xmlns="" xmlns:a16="http://schemas.microsoft.com/office/drawing/2014/main" id="{011446B9-41DD-49E6-8DC4-4E4DF60E86E5}"/>
               </a:ext>
             </a:extLst>
           </p:cNvPr>
@@ -20575,7 +20971,7 @@
           <p:cNvPr id="93" name="Rectangle 92">
             <a:extLst>
               <a:ext uri="{FF2B5EF4-FFF2-40B4-BE49-F238E27FC236}">
-                <a16:creationId xmlns:a16="http://schemas.microsoft.com/office/drawing/2014/main" xmlns="" id="{2D2D8E5D-15BC-4A68-AD3D-38776E2845D9}"/>
+                <a16:creationId xmlns="" xmlns:a16="http://schemas.microsoft.com/office/drawing/2014/main" id="{2D2D8E5D-15BC-4A68-AD3D-38776E2845D9}"/>
               </a:ext>
             </a:extLst>
           </p:cNvPr>
@@ -20621,7 +21017,7 @@
           <p:cNvPr id="94" name="Rectangle 93">
             <a:extLst>
               <a:ext uri="{FF2B5EF4-FFF2-40B4-BE49-F238E27FC236}">
-                <a16:creationId xmlns:a16="http://schemas.microsoft.com/office/drawing/2014/main" xmlns="" id="{B3EE89B0-54CB-4790-9EA0-186BAA356C1E}"/>
+                <a16:creationId xmlns="" xmlns:a16="http://schemas.microsoft.com/office/drawing/2014/main" id="{B3EE89B0-54CB-4790-9EA0-186BAA356C1E}"/>
               </a:ext>
             </a:extLst>
           </p:cNvPr>
@@ -20667,7 +21063,7 @@
           <p:cNvPr id="95" name="Rectangle 94">
             <a:extLst>
               <a:ext uri="{FF2B5EF4-FFF2-40B4-BE49-F238E27FC236}">
-                <a16:creationId xmlns:a16="http://schemas.microsoft.com/office/drawing/2014/main" xmlns="" id="{015E4FE4-A23E-4A10-9D59-96197DD0AF05}"/>
+                <a16:creationId xmlns="" xmlns:a16="http://schemas.microsoft.com/office/drawing/2014/main" id="{015E4FE4-A23E-4A10-9D59-96197DD0AF05}"/>
               </a:ext>
             </a:extLst>
           </p:cNvPr>
@@ -20713,7 +21109,7 @@
           <p:cNvPr id="96" name="Rectangle 95">
             <a:extLst>
               <a:ext uri="{FF2B5EF4-FFF2-40B4-BE49-F238E27FC236}">
-                <a16:creationId xmlns:a16="http://schemas.microsoft.com/office/drawing/2014/main" xmlns="" id="{41ED55B5-DAFD-46D8-BE51-6892927EABDB}"/>
+                <a16:creationId xmlns="" xmlns:a16="http://schemas.microsoft.com/office/drawing/2014/main" id="{41ED55B5-DAFD-46D8-BE51-6892927EABDB}"/>
               </a:ext>
             </a:extLst>
           </p:cNvPr>
@@ -20759,7 +21155,7 @@
           <p:cNvPr id="97" name="Rectangle 96">
             <a:extLst>
               <a:ext uri="{FF2B5EF4-FFF2-40B4-BE49-F238E27FC236}">
-                <a16:creationId xmlns:a16="http://schemas.microsoft.com/office/drawing/2014/main" xmlns="" id="{3ECEF86D-CD61-463C-B8D9-6303F19EDA2E}"/>
+                <a16:creationId xmlns="" xmlns:a16="http://schemas.microsoft.com/office/drawing/2014/main" id="{3ECEF86D-CD61-463C-B8D9-6303F19EDA2E}"/>
               </a:ext>
             </a:extLst>
           </p:cNvPr>
@@ -20805,7 +21201,7 @@
           <p:cNvPr id="98" name="Rectangle 97">
             <a:extLst>
               <a:ext uri="{FF2B5EF4-FFF2-40B4-BE49-F238E27FC236}">
-                <a16:creationId xmlns:a16="http://schemas.microsoft.com/office/drawing/2014/main" xmlns="" id="{DD2F281B-00F1-49C1-B701-65FBA61F18AB}"/>
+                <a16:creationId xmlns="" xmlns:a16="http://schemas.microsoft.com/office/drawing/2014/main" id="{DD2F281B-00F1-49C1-B701-65FBA61F18AB}"/>
               </a:ext>
             </a:extLst>
           </p:cNvPr>
@@ -20851,7 +21247,7 @@
           <p:cNvPr id="99" name="Rectangle: Rounded Corners 11">
             <a:extLst>
               <a:ext uri="{FF2B5EF4-FFF2-40B4-BE49-F238E27FC236}">
-                <a16:creationId xmlns:a16="http://schemas.microsoft.com/office/drawing/2014/main" xmlns="" id="{54559BF4-36E1-42A4-A0EA-2ED4747FC802}"/>
+                <a16:creationId xmlns="" xmlns:a16="http://schemas.microsoft.com/office/drawing/2014/main" id="{54559BF4-36E1-42A4-A0EA-2ED4747FC802}"/>
               </a:ext>
             </a:extLst>
           </p:cNvPr>
@@ -20899,7 +21295,7 @@
           <p:cNvPr id="100" name="Rectangle: Rounded Corners 11">
             <a:extLst>
               <a:ext uri="{FF2B5EF4-FFF2-40B4-BE49-F238E27FC236}">
-                <a16:creationId xmlns:a16="http://schemas.microsoft.com/office/drawing/2014/main" xmlns="" id="{54559BF4-36E1-42A4-A0EA-2ED4747FC802}"/>
+                <a16:creationId xmlns="" xmlns:a16="http://schemas.microsoft.com/office/drawing/2014/main" id="{54559BF4-36E1-42A4-A0EA-2ED4747FC802}"/>
               </a:ext>
             </a:extLst>
           </p:cNvPr>
